--- a/Presentation.pptx
+++ b/Presentation.pptx
@@ -14,6 +14,11 @@
     <p:sldId id="262" r:id="rId8"/>
     <p:sldId id="263" r:id="rId9"/>
     <p:sldId id="264" r:id="rId10"/>
+    <p:sldId id="268" r:id="rId11"/>
+    <p:sldId id="265" r:id="rId12"/>
+    <p:sldId id="267" r:id="rId13"/>
+    <p:sldId id="269" r:id="rId14"/>
+    <p:sldId id="270" r:id="rId15"/>
   </p:sldIdLst>
   <p:sldSz cx="12192000" cy="6858000"/>
   <p:notesSz cx="6858000" cy="9144000"/>
@@ -112,6 +117,11 @@
       </a:defRPr>
     </a:lvl9pPr>
   </p:defaultTextStyle>
+  <p:extLst>
+    <p:ext uri="{EFAFB233-063F-42B5-8137-9DF3F51BA10A}">
+      <p15:sldGuideLst xmlns:p15="http://schemas.microsoft.com/office/powerpoint/2012/main"/>
+    </p:ext>
+  </p:extLst>
 </p:presentation>
 </file>
 
@@ -340,7 +350,7 @@
             <a:fld id="{5586B75A-687E-405C-8A0B-8D00578BA2C3}" type="datetimeFigureOut">
               <a:rPr lang="en-US" dirty="0"/>
               <a:pPr/>
-              <a:t>6/24/2016</a:t>
+              <a:t>7/4/2016</a:t>
             </a:fld>
             <a:endParaRPr lang="en-US" dirty="0"/>
           </a:p>
@@ -507,7 +517,7 @@
             <a:fld id="{5586B75A-687E-405C-8A0B-8D00578BA2C3}" type="datetimeFigureOut">
               <a:rPr lang="en-US" dirty="0"/>
               <a:pPr/>
-              <a:t>6/24/2016</a:t>
+              <a:t>7/4/2016</a:t>
             </a:fld>
             <a:endParaRPr lang="en-US" dirty="0"/>
           </a:p>
@@ -684,7 +694,7 @@
             <a:fld id="{5586B75A-687E-405C-8A0B-8D00578BA2C3}" type="datetimeFigureOut">
               <a:rPr lang="en-US" dirty="0"/>
               <a:pPr/>
-              <a:t>6/24/2016</a:t>
+              <a:t>7/4/2016</a:t>
             </a:fld>
             <a:endParaRPr lang="en-US" dirty="0"/>
           </a:p>
@@ -851,7 +861,7 @@
             <a:fld id="{5586B75A-687E-405C-8A0B-8D00578BA2C3}" type="datetimeFigureOut">
               <a:rPr lang="en-US" dirty="0"/>
               <a:pPr/>
-              <a:t>6/24/2016</a:t>
+              <a:t>7/4/2016</a:t>
             </a:fld>
             <a:endParaRPr lang="en-US" dirty="0"/>
           </a:p>
@@ -1106,7 +1116,7 @@
             <a:fld id="{5586B75A-687E-405C-8A0B-8D00578BA2C3}" type="datetimeFigureOut">
               <a:rPr lang="en-US" dirty="0"/>
               <a:pPr/>
-              <a:t>6/24/2016</a:t>
+              <a:t>7/4/2016</a:t>
             </a:fld>
             <a:endParaRPr lang="en-US" dirty="0"/>
           </a:p>
@@ -1391,7 +1401,7 @@
             <a:fld id="{5586B75A-687E-405C-8A0B-8D00578BA2C3}" type="datetimeFigureOut">
               <a:rPr lang="en-US" dirty="0"/>
               <a:pPr/>
-              <a:t>6/24/2016</a:t>
+              <a:t>7/4/2016</a:t>
             </a:fld>
             <a:endParaRPr lang="en-US" dirty="0"/>
           </a:p>
@@ -1830,7 +1840,7 @@
             <a:fld id="{5586B75A-687E-405C-8A0B-8D00578BA2C3}" type="datetimeFigureOut">
               <a:rPr lang="en-US" dirty="0"/>
               <a:pPr/>
-              <a:t>6/24/2016</a:t>
+              <a:t>7/4/2016</a:t>
             </a:fld>
             <a:endParaRPr lang="en-US" dirty="0"/>
           </a:p>
@@ -1945,7 +1955,7 @@
             <a:fld id="{5586B75A-687E-405C-8A0B-8D00578BA2C3}" type="datetimeFigureOut">
               <a:rPr lang="en-US" dirty="0"/>
               <a:pPr/>
-              <a:t>6/24/2016</a:t>
+              <a:t>7/4/2016</a:t>
             </a:fld>
             <a:endParaRPr lang="en-US" dirty="0"/>
           </a:p>
@@ -2037,7 +2047,7 @@
             <a:fld id="{5586B75A-687E-405C-8A0B-8D00578BA2C3}" type="datetimeFigureOut">
               <a:rPr lang="en-US" dirty="0"/>
               <a:pPr/>
-              <a:t>6/24/2016</a:t>
+              <a:t>7/4/2016</a:t>
             </a:fld>
             <a:endParaRPr lang="en-US" dirty="0"/>
           </a:p>
@@ -2322,7 +2332,7 @@
             <a:fld id="{5586B75A-687E-405C-8A0B-8D00578BA2C3}" type="datetimeFigureOut">
               <a:rPr lang="en-US" dirty="0"/>
               <a:pPr/>
-              <a:t>6/24/2016</a:t>
+              <a:t>7/4/2016</a:t>
             </a:fld>
             <a:endParaRPr lang="en-US" dirty="0"/>
           </a:p>
@@ -2592,7 +2602,7 @@
             <a:fld id="{5586B75A-687E-405C-8A0B-8D00578BA2C3}" type="datetimeFigureOut">
               <a:rPr lang="en-US" dirty="0"/>
               <a:pPr/>
-              <a:t>6/24/2016</a:t>
+              <a:t>7/4/2016</a:t>
             </a:fld>
             <a:endParaRPr lang="en-US" dirty="0"/>
           </a:p>
@@ -2886,7 +2896,7 @@
             <a:fld id="{5586B75A-687E-405C-8A0B-8D00578BA2C3}" type="datetimeFigureOut">
               <a:rPr lang="en-US" dirty="0"/>
               <a:pPr/>
-              <a:t>6/24/2016</a:t>
+              <a:t>7/4/2016</a:t>
             </a:fld>
             <a:endParaRPr lang="en-US" dirty="0"/>
           </a:p>
@@ -3424,6 +3434,1394 @@
 </p:sld>
 </file>
 
+<file path=ppt/slides/slide10.xml><?xml version="1.0" encoding="utf-8"?>
+<p:sld xmlns:a="http://schemas.openxmlformats.org/drawingml/2006/main" xmlns:r="http://schemas.openxmlformats.org/officeDocument/2006/relationships" xmlns:p="http://schemas.openxmlformats.org/presentationml/2006/main">
+  <p:cSld>
+    <p:spTree>
+      <p:nvGrpSpPr>
+        <p:cNvPr id="1" name=""/>
+        <p:cNvGrpSpPr/>
+        <p:nvPr/>
+      </p:nvGrpSpPr>
+      <p:grpSpPr>
+        <a:xfrm>
+          <a:off x="0" y="0"/>
+          <a:ext cx="0" cy="0"/>
+          <a:chOff x="0" y="0"/>
+          <a:chExt cx="0" cy="0"/>
+        </a:xfrm>
+      </p:grpSpPr>
+      <p:sp>
+        <p:nvSpPr>
+          <p:cNvPr id="2" name="Title 1"/>
+          <p:cNvSpPr>
+            <a:spLocks noGrp="1"/>
+          </p:cNvSpPr>
+          <p:nvPr>
+            <p:ph type="title"/>
+          </p:nvPr>
+        </p:nvSpPr>
+        <p:spPr/>
+        <p:txBody>
+          <a:bodyPr/>
+          <a:lstStyle/>
+          <a:p>
+            <a:r>
+              <a:rPr lang="hr-HR" dirty="0" smtClean="0"/>
+              <a:t>Test – system </a:t>
+            </a:r>
+            <a:r>
+              <a:rPr lang="hr-HR" dirty="0" err="1" smtClean="0"/>
+              <a:t>under</a:t>
+            </a:r>
+            <a:r>
+              <a:rPr lang="hr-HR" dirty="0" smtClean="0"/>
+              <a:t> test </a:t>
+            </a:r>
+            <a:r>
+              <a:rPr lang="hr-HR" dirty="0" err="1" smtClean="0"/>
+              <a:t>relationship</a:t>
+            </a:r>
+            <a:endParaRPr lang="hr-HR" dirty="0"/>
+          </a:p>
+        </p:txBody>
+      </p:sp>
+      <p:pic>
+        <p:nvPicPr>
+          <p:cNvPr id="6" name="Content Placeholder 5"/>
+          <p:cNvPicPr>
+            <a:picLocks noGrp="1" noChangeAspect="1"/>
+          </p:cNvPicPr>
+          <p:nvPr>
+            <p:ph idx="1"/>
+          </p:nvPr>
+        </p:nvPicPr>
+        <p:blipFill>
+          <a:blip r:embed="rId2">
+            <a:extLst>
+              <a:ext uri="{28A0092B-C50C-407E-A947-70E740481C1C}">
+                <a14:useLocalDpi xmlns:a14="http://schemas.microsoft.com/office/drawing/2010/main" val="0"/>
+              </a:ext>
+            </a:extLst>
+          </a:blip>
+          <a:stretch>
+            <a:fillRect/>
+          </a:stretch>
+        </p:blipFill>
+        <p:spPr>
+          <a:xfrm>
+            <a:off x="4056000" y="863600"/>
+            <a:ext cx="6940675" cy="5121275"/>
+          </a:xfrm>
+        </p:spPr>
+      </p:pic>
+    </p:spTree>
+    <p:extLst>
+      <p:ext uri="{BB962C8B-B14F-4D97-AF65-F5344CB8AC3E}">
+        <p14:creationId xmlns:p14="http://schemas.microsoft.com/office/powerpoint/2010/main" val="1642647465"/>
+      </p:ext>
+    </p:extLst>
+  </p:cSld>
+  <p:clrMapOvr>
+    <a:masterClrMapping/>
+  </p:clrMapOvr>
+</p:sld>
+</file>
+
+<file path=ppt/slides/slide11.xml><?xml version="1.0" encoding="utf-8"?>
+<p:sld xmlns:a="http://schemas.openxmlformats.org/drawingml/2006/main" xmlns:r="http://schemas.openxmlformats.org/officeDocument/2006/relationships" xmlns:p="http://schemas.openxmlformats.org/presentationml/2006/main">
+  <p:cSld>
+    <p:spTree>
+      <p:nvGrpSpPr>
+        <p:cNvPr id="1" name=""/>
+        <p:cNvGrpSpPr/>
+        <p:nvPr/>
+      </p:nvGrpSpPr>
+      <p:grpSpPr>
+        <a:xfrm>
+          <a:off x="0" y="0"/>
+          <a:ext cx="0" cy="0"/>
+          <a:chOff x="0" y="0"/>
+          <a:chExt cx="0" cy="0"/>
+        </a:xfrm>
+      </p:grpSpPr>
+      <p:sp>
+        <p:nvSpPr>
+          <p:cNvPr id="2" name="Title 1"/>
+          <p:cNvSpPr>
+            <a:spLocks noGrp="1"/>
+          </p:cNvSpPr>
+          <p:nvPr>
+            <p:ph type="title"/>
+          </p:nvPr>
+        </p:nvSpPr>
+        <p:spPr/>
+        <p:txBody>
+          <a:bodyPr/>
+          <a:lstStyle/>
+          <a:p>
+            <a:r>
+              <a:rPr lang="hr-HR" dirty="0" smtClean="0"/>
+              <a:t>Show </a:t>
+            </a:r>
+            <a:r>
+              <a:rPr lang="hr-HR" dirty="0" err="1" smtClean="0"/>
+              <a:t>case</a:t>
+            </a:r>
+            <a:r>
+              <a:rPr lang="hr-HR" dirty="0" smtClean="0"/>
+              <a:t> 2</a:t>
+            </a:r>
+            <a:endParaRPr lang="hr-HR" dirty="0"/>
+          </a:p>
+        </p:txBody>
+      </p:sp>
+      <p:pic>
+        <p:nvPicPr>
+          <p:cNvPr id="19" name="Content Placeholder 18"/>
+          <p:cNvPicPr>
+            <a:picLocks noGrp="1" noChangeAspect="1"/>
+          </p:cNvPicPr>
+          <p:nvPr>
+            <p:ph idx="1"/>
+          </p:nvPr>
+        </p:nvPicPr>
+        <p:blipFill>
+          <a:blip r:embed="rId2">
+            <a:extLst>
+              <a:ext uri="{28A0092B-C50C-407E-A947-70E740481C1C}">
+                <a14:useLocalDpi xmlns:a14="http://schemas.microsoft.com/office/drawing/2010/main" val="0"/>
+              </a:ext>
+            </a:extLst>
+          </a:blip>
+          <a:stretch>
+            <a:fillRect/>
+          </a:stretch>
+        </p:blipFill>
+        <p:spPr>
+          <a:xfrm>
+            <a:off x="3868738" y="1167273"/>
+            <a:ext cx="7315200" cy="4513929"/>
+          </a:xfrm>
+        </p:spPr>
+      </p:pic>
+    </p:spTree>
+    <p:extLst>
+      <p:ext uri="{BB962C8B-B14F-4D97-AF65-F5344CB8AC3E}">
+        <p14:creationId xmlns:p14="http://schemas.microsoft.com/office/powerpoint/2010/main" val="2402785208"/>
+      </p:ext>
+    </p:extLst>
+  </p:cSld>
+  <p:clrMapOvr>
+    <a:masterClrMapping/>
+  </p:clrMapOvr>
+</p:sld>
+</file>
+
+<file path=ppt/slides/slide12.xml><?xml version="1.0" encoding="utf-8"?>
+<p:sld xmlns:a="http://schemas.openxmlformats.org/drawingml/2006/main" xmlns:r="http://schemas.openxmlformats.org/officeDocument/2006/relationships" xmlns:p="http://schemas.openxmlformats.org/presentationml/2006/main">
+  <p:cSld>
+    <p:spTree>
+      <p:nvGrpSpPr>
+        <p:cNvPr id="1" name=""/>
+        <p:cNvGrpSpPr/>
+        <p:nvPr/>
+      </p:nvGrpSpPr>
+      <p:grpSpPr>
+        <a:xfrm>
+          <a:off x="0" y="0"/>
+          <a:ext cx="0" cy="0"/>
+          <a:chOff x="0" y="0"/>
+          <a:chExt cx="0" cy="0"/>
+        </a:xfrm>
+      </p:grpSpPr>
+      <p:sp>
+        <p:nvSpPr>
+          <p:cNvPr id="2" name="Title 1"/>
+          <p:cNvSpPr>
+            <a:spLocks noGrp="1"/>
+          </p:cNvSpPr>
+          <p:nvPr>
+            <p:ph type="title"/>
+          </p:nvPr>
+        </p:nvSpPr>
+        <p:spPr/>
+        <p:txBody>
+          <a:bodyPr/>
+          <a:lstStyle/>
+          <a:p>
+            <a:r>
+              <a:rPr lang="hr-HR" dirty="0" err="1" smtClean="0"/>
+              <a:t>Basic</a:t>
+            </a:r>
+            <a:r>
+              <a:rPr lang="hr-HR" dirty="0" smtClean="0"/>
+              <a:t> </a:t>
+            </a:r>
+            <a:r>
+              <a:rPr lang="hr-HR" dirty="0" err="1" smtClean="0"/>
+              <a:t>idea</a:t>
+            </a:r>
+            <a:endParaRPr lang="hr-HR" dirty="0"/>
+          </a:p>
+        </p:txBody>
+      </p:sp>
+      <p:sp>
+        <p:nvSpPr>
+          <p:cNvPr id="3" name="Content Placeholder 2"/>
+          <p:cNvSpPr>
+            <a:spLocks noGrp="1"/>
+          </p:cNvSpPr>
+          <p:nvPr>
+            <p:ph idx="1"/>
+          </p:nvPr>
+        </p:nvSpPr>
+        <p:spPr/>
+        <p:txBody>
+          <a:bodyPr/>
+          <a:lstStyle/>
+          <a:p>
+            <a:r>
+              <a:rPr lang="hr-HR" dirty="0" smtClean="0"/>
+              <a:t>Use </a:t>
+            </a:r>
+            <a:r>
+              <a:rPr lang="hr-HR" dirty="0" err="1" smtClean="0"/>
+              <a:t>real</a:t>
+            </a:r>
+            <a:r>
+              <a:rPr lang="hr-HR" dirty="0" smtClean="0"/>
+              <a:t> </a:t>
+            </a:r>
+            <a:r>
+              <a:rPr lang="hr-HR" dirty="0" err="1" smtClean="0"/>
+              <a:t>database</a:t>
+            </a:r>
+            <a:endParaRPr lang="hr-HR" dirty="0" smtClean="0"/>
+          </a:p>
+          <a:p>
+            <a:r>
+              <a:rPr lang="hr-HR" dirty="0" err="1" smtClean="0"/>
+              <a:t>Build</a:t>
+            </a:r>
+            <a:r>
+              <a:rPr lang="hr-HR" dirty="0" smtClean="0"/>
+              <a:t> </a:t>
+            </a:r>
+            <a:r>
+              <a:rPr lang="hr-HR" dirty="0" err="1" smtClean="0"/>
+              <a:t>clean</a:t>
+            </a:r>
+            <a:r>
+              <a:rPr lang="hr-HR" dirty="0" smtClean="0"/>
+              <a:t> </a:t>
+            </a:r>
+            <a:r>
+              <a:rPr lang="hr-HR" dirty="0" err="1" smtClean="0"/>
+              <a:t>database</a:t>
+            </a:r>
+            <a:r>
+              <a:rPr lang="hr-HR" dirty="0" smtClean="0"/>
+              <a:t> </a:t>
+            </a:r>
+            <a:r>
+              <a:rPr lang="hr-HR" dirty="0" err="1" smtClean="0"/>
+              <a:t>before</a:t>
+            </a:r>
+            <a:r>
+              <a:rPr lang="hr-HR" dirty="0" smtClean="0"/>
+              <a:t> </a:t>
+            </a:r>
+            <a:r>
+              <a:rPr lang="hr-HR" dirty="0" err="1" smtClean="0"/>
+              <a:t>integration</a:t>
+            </a:r>
+            <a:r>
+              <a:rPr lang="hr-HR" dirty="0" smtClean="0"/>
+              <a:t> test </a:t>
+            </a:r>
+            <a:r>
+              <a:rPr lang="hr-HR" dirty="0" err="1" smtClean="0"/>
+              <a:t>phaze</a:t>
+            </a:r>
+            <a:r>
+              <a:rPr lang="hr-HR" dirty="0" smtClean="0"/>
+              <a:t> (use </a:t>
+            </a:r>
+            <a:r>
+              <a:rPr lang="hr-HR" dirty="0" err="1" smtClean="0"/>
+              <a:t>flyway</a:t>
+            </a:r>
+            <a:r>
+              <a:rPr lang="hr-HR" dirty="0" smtClean="0"/>
+              <a:t> -&gt; </a:t>
+            </a:r>
+            <a:r>
+              <a:rPr lang="hr-HR" dirty="0" err="1" smtClean="0"/>
+              <a:t>maven</a:t>
+            </a:r>
+            <a:r>
+              <a:rPr lang="hr-HR" dirty="0" smtClean="0"/>
+              <a:t> </a:t>
+            </a:r>
+            <a:r>
+              <a:rPr lang="hr-HR" dirty="0" err="1" smtClean="0"/>
+              <a:t>plugin</a:t>
+            </a:r>
+            <a:r>
+              <a:rPr lang="hr-HR" dirty="0" smtClean="0"/>
+              <a:t> </a:t>
+            </a:r>
+            <a:r>
+              <a:rPr lang="hr-HR" dirty="0" err="1" smtClean="0"/>
+              <a:t>exists</a:t>
+            </a:r>
+            <a:r>
+              <a:rPr lang="hr-HR" dirty="0" smtClean="0"/>
+              <a:t>)</a:t>
+            </a:r>
+          </a:p>
+          <a:p>
+            <a:r>
+              <a:rPr lang="hr-HR" dirty="0" err="1" smtClean="0"/>
+              <a:t>Build</a:t>
+            </a:r>
+            <a:r>
+              <a:rPr lang="hr-HR" dirty="0" smtClean="0"/>
+              <a:t> </a:t>
+            </a:r>
+            <a:r>
+              <a:rPr lang="hr-HR" dirty="0" err="1" smtClean="0"/>
+              <a:t>and</a:t>
+            </a:r>
+            <a:r>
+              <a:rPr lang="hr-HR" dirty="0" smtClean="0"/>
+              <a:t> </a:t>
+            </a:r>
+            <a:r>
+              <a:rPr lang="hr-HR" dirty="0" err="1" smtClean="0"/>
+              <a:t>deploy</a:t>
+            </a:r>
+            <a:r>
+              <a:rPr lang="hr-HR" dirty="0" smtClean="0"/>
+              <a:t> </a:t>
+            </a:r>
+            <a:r>
+              <a:rPr lang="hr-HR" dirty="0" err="1" smtClean="0"/>
+              <a:t>war</a:t>
+            </a:r>
+            <a:r>
+              <a:rPr lang="hr-HR" dirty="0" smtClean="0"/>
+              <a:t> to a </a:t>
+            </a:r>
+            <a:r>
+              <a:rPr lang="hr-HR" dirty="0" err="1" smtClean="0"/>
+              <a:t>real</a:t>
+            </a:r>
+            <a:r>
+              <a:rPr lang="hr-HR" dirty="0" smtClean="0"/>
+              <a:t> </a:t>
+            </a:r>
+            <a:r>
+              <a:rPr lang="hr-HR" dirty="0" err="1" smtClean="0"/>
+              <a:t>app</a:t>
+            </a:r>
+            <a:r>
+              <a:rPr lang="hr-HR" dirty="0" smtClean="0"/>
+              <a:t> server (use </a:t>
+            </a:r>
+            <a:r>
+              <a:rPr lang="hr-HR" dirty="0" err="1" smtClean="0"/>
+              <a:t>embedded</a:t>
+            </a:r>
+            <a:r>
+              <a:rPr lang="hr-HR" dirty="0" smtClean="0"/>
+              <a:t> </a:t>
+            </a:r>
+            <a:r>
+              <a:rPr lang="hr-HR" dirty="0" err="1" smtClean="0"/>
+              <a:t>if</a:t>
+            </a:r>
+            <a:r>
+              <a:rPr lang="hr-HR" dirty="0" smtClean="0"/>
+              <a:t> </a:t>
+            </a:r>
+            <a:r>
+              <a:rPr lang="hr-HR" dirty="0" err="1" smtClean="0"/>
+              <a:t>possible</a:t>
+            </a:r>
+            <a:r>
+              <a:rPr lang="hr-HR" dirty="0" smtClean="0"/>
+              <a:t>)</a:t>
+            </a:r>
+          </a:p>
+          <a:p>
+            <a:r>
+              <a:rPr lang="hr-HR" dirty="0" smtClean="0"/>
+              <a:t>Use </a:t>
+            </a:r>
+            <a:r>
+              <a:rPr lang="hr-HR" dirty="0" err="1" smtClean="0"/>
+              <a:t>repository</a:t>
+            </a:r>
+            <a:r>
+              <a:rPr lang="hr-HR" dirty="0" smtClean="0"/>
+              <a:t> </a:t>
+            </a:r>
+            <a:r>
+              <a:rPr lang="hr-HR" dirty="0" err="1" smtClean="0"/>
+              <a:t>layer</a:t>
+            </a:r>
+            <a:r>
+              <a:rPr lang="hr-HR" dirty="0" smtClean="0"/>
+              <a:t> to insert test data</a:t>
+            </a:r>
+          </a:p>
+          <a:p>
+            <a:r>
+              <a:rPr lang="hr-HR" dirty="0" smtClean="0"/>
+              <a:t>Use test data </a:t>
+            </a:r>
+            <a:r>
+              <a:rPr lang="hr-HR" dirty="0" err="1" smtClean="0"/>
+              <a:t>builders</a:t>
+            </a:r>
+            <a:r>
+              <a:rPr lang="hr-HR" dirty="0" smtClean="0"/>
+              <a:t> for </a:t>
+            </a:r>
+            <a:r>
+              <a:rPr lang="hr-HR" dirty="0" err="1" smtClean="0"/>
+              <a:t>defaults</a:t>
+            </a:r>
+            <a:endParaRPr lang="hr-HR" dirty="0" smtClean="0"/>
+          </a:p>
+          <a:p>
+            <a:r>
+              <a:rPr lang="hr-HR" dirty="0" smtClean="0"/>
+              <a:t>Clear </a:t>
+            </a:r>
+            <a:r>
+              <a:rPr lang="hr-HR" dirty="0" err="1" smtClean="0"/>
+              <a:t>database</a:t>
+            </a:r>
+            <a:r>
+              <a:rPr lang="hr-HR" dirty="0" smtClean="0"/>
+              <a:t> </a:t>
+            </a:r>
+            <a:r>
+              <a:rPr lang="hr-HR" dirty="0" err="1" smtClean="0"/>
+              <a:t>after</a:t>
+            </a:r>
+            <a:r>
+              <a:rPr lang="hr-HR" dirty="0" smtClean="0"/>
+              <a:t> </a:t>
+            </a:r>
+            <a:r>
+              <a:rPr lang="hr-HR" dirty="0" err="1" smtClean="0"/>
+              <a:t>every</a:t>
+            </a:r>
+            <a:r>
+              <a:rPr lang="hr-HR" dirty="0" smtClean="0"/>
+              <a:t> test</a:t>
+            </a:r>
+          </a:p>
+          <a:p>
+            <a:r>
+              <a:rPr lang="hr-HR" dirty="0" err="1" smtClean="0"/>
+              <a:t>Clean</a:t>
+            </a:r>
+            <a:r>
+              <a:rPr lang="hr-HR" dirty="0" smtClean="0"/>
+              <a:t> </a:t>
+            </a:r>
+            <a:r>
+              <a:rPr lang="hr-HR" dirty="0" err="1" smtClean="0"/>
+              <a:t>database</a:t>
+            </a:r>
+            <a:r>
+              <a:rPr lang="hr-HR" dirty="0" smtClean="0"/>
+              <a:t> </a:t>
+            </a:r>
+            <a:r>
+              <a:rPr lang="hr-HR" dirty="0" err="1" smtClean="0"/>
+              <a:t>after</a:t>
+            </a:r>
+            <a:r>
+              <a:rPr lang="hr-HR" dirty="0" smtClean="0"/>
+              <a:t> </a:t>
+            </a:r>
+            <a:r>
+              <a:rPr lang="hr-HR" dirty="0" err="1" smtClean="0"/>
+              <a:t>integration</a:t>
+            </a:r>
+            <a:r>
+              <a:rPr lang="hr-HR" dirty="0" smtClean="0"/>
+              <a:t> test </a:t>
+            </a:r>
+            <a:r>
+              <a:rPr lang="hr-HR" dirty="0" err="1" smtClean="0"/>
+              <a:t>phaze</a:t>
+            </a:r>
+            <a:r>
+              <a:rPr lang="hr-HR" dirty="0" smtClean="0"/>
+              <a:t> </a:t>
+            </a:r>
+            <a:r>
+              <a:rPr lang="hr-HR" dirty="0" err="1" smtClean="0"/>
+              <a:t>is</a:t>
+            </a:r>
+            <a:r>
+              <a:rPr lang="hr-HR" dirty="0" smtClean="0"/>
+              <a:t> </a:t>
+            </a:r>
+            <a:r>
+              <a:rPr lang="hr-HR" dirty="0" err="1" smtClean="0"/>
+              <a:t>finished</a:t>
+            </a:r>
+            <a:endParaRPr lang="hr-HR" dirty="0" smtClean="0"/>
+          </a:p>
+          <a:p>
+            <a:endParaRPr lang="hr-HR" dirty="0" smtClean="0"/>
+          </a:p>
+          <a:p>
+            <a:endParaRPr lang="hr-HR" dirty="0"/>
+          </a:p>
+        </p:txBody>
+      </p:sp>
+    </p:spTree>
+    <p:extLst>
+      <p:ext uri="{BB962C8B-B14F-4D97-AF65-F5344CB8AC3E}">
+        <p14:creationId xmlns:p14="http://schemas.microsoft.com/office/powerpoint/2010/main" val="3256464009"/>
+      </p:ext>
+    </p:extLst>
+  </p:cSld>
+  <p:clrMapOvr>
+    <a:masterClrMapping/>
+  </p:clrMapOvr>
+</p:sld>
+</file>
+
+<file path=ppt/slides/slide13.xml><?xml version="1.0" encoding="utf-8"?>
+<p:sld xmlns:a="http://schemas.openxmlformats.org/drawingml/2006/main" xmlns:r="http://schemas.openxmlformats.org/officeDocument/2006/relationships" xmlns:p="http://schemas.openxmlformats.org/presentationml/2006/main">
+  <p:cSld>
+    <p:spTree>
+      <p:nvGrpSpPr>
+        <p:cNvPr id="1" name=""/>
+        <p:cNvGrpSpPr/>
+        <p:nvPr/>
+      </p:nvGrpSpPr>
+      <p:grpSpPr>
+        <a:xfrm>
+          <a:off x="0" y="0"/>
+          <a:ext cx="0" cy="0"/>
+          <a:chOff x="0" y="0"/>
+          <a:chExt cx="0" cy="0"/>
+        </a:xfrm>
+      </p:grpSpPr>
+      <p:sp>
+        <p:nvSpPr>
+          <p:cNvPr id="2" name="Title 1"/>
+          <p:cNvSpPr>
+            <a:spLocks noGrp="1"/>
+          </p:cNvSpPr>
+          <p:nvPr>
+            <p:ph type="title"/>
+          </p:nvPr>
+        </p:nvSpPr>
+        <p:spPr/>
+        <p:txBody>
+          <a:bodyPr/>
+          <a:lstStyle/>
+          <a:p>
+            <a:r>
+              <a:rPr lang="hr-HR" dirty="0" smtClean="0"/>
+              <a:t>Test – system </a:t>
+            </a:r>
+            <a:r>
+              <a:rPr lang="hr-HR" dirty="0" err="1" smtClean="0"/>
+              <a:t>under</a:t>
+            </a:r>
+            <a:r>
+              <a:rPr lang="hr-HR" dirty="0" smtClean="0"/>
+              <a:t> test </a:t>
+            </a:r>
+            <a:r>
+              <a:rPr lang="hr-HR" dirty="0" err="1" smtClean="0"/>
+              <a:t>relationship</a:t>
+            </a:r>
+            <a:endParaRPr lang="hr-HR" dirty="0"/>
+          </a:p>
+        </p:txBody>
+      </p:sp>
+      <p:pic>
+        <p:nvPicPr>
+          <p:cNvPr id="4" name="Content Placeholder 3"/>
+          <p:cNvPicPr>
+            <a:picLocks noGrp="1" noChangeAspect="1"/>
+          </p:cNvPicPr>
+          <p:nvPr>
+            <p:ph idx="1"/>
+          </p:nvPr>
+        </p:nvPicPr>
+        <p:blipFill>
+          <a:blip r:embed="rId2">
+            <a:extLst>
+              <a:ext uri="{28A0092B-C50C-407E-A947-70E740481C1C}">
+                <a14:useLocalDpi xmlns:a14="http://schemas.microsoft.com/office/drawing/2010/main" val="0"/>
+              </a:ext>
+            </a:extLst>
+          </a:blip>
+          <a:stretch>
+            <a:fillRect/>
+          </a:stretch>
+        </p:blipFill>
+        <p:spPr>
+          <a:xfrm>
+            <a:off x="3868738" y="1521510"/>
+            <a:ext cx="7315200" cy="3805455"/>
+          </a:xfrm>
+        </p:spPr>
+      </p:pic>
+    </p:spTree>
+    <p:extLst>
+      <p:ext uri="{BB962C8B-B14F-4D97-AF65-F5344CB8AC3E}">
+        <p14:creationId xmlns:p14="http://schemas.microsoft.com/office/powerpoint/2010/main" val="332052716"/>
+      </p:ext>
+    </p:extLst>
+  </p:cSld>
+  <p:clrMapOvr>
+    <a:masterClrMapping/>
+  </p:clrMapOvr>
+</p:sld>
+</file>
+
+<file path=ppt/slides/slide14.xml><?xml version="1.0" encoding="utf-8"?>
+<p:sld xmlns:a="http://schemas.openxmlformats.org/drawingml/2006/main" xmlns:r="http://schemas.openxmlformats.org/officeDocument/2006/relationships" xmlns:p="http://schemas.openxmlformats.org/presentationml/2006/main">
+  <p:cSld>
+    <p:spTree>
+      <p:nvGrpSpPr>
+        <p:cNvPr id="1" name=""/>
+        <p:cNvGrpSpPr/>
+        <p:nvPr/>
+      </p:nvGrpSpPr>
+      <p:grpSpPr>
+        <a:xfrm>
+          <a:off x="0" y="0"/>
+          <a:ext cx="0" cy="0"/>
+          <a:chOff x="0" y="0"/>
+          <a:chExt cx="0" cy="0"/>
+        </a:xfrm>
+      </p:grpSpPr>
+      <p:sp>
+        <p:nvSpPr>
+          <p:cNvPr id="2" name="Title 1"/>
+          <p:cNvSpPr>
+            <a:spLocks noGrp="1"/>
+          </p:cNvSpPr>
+          <p:nvPr>
+            <p:ph type="title"/>
+          </p:nvPr>
+        </p:nvSpPr>
+        <p:spPr/>
+        <p:txBody>
+          <a:bodyPr/>
+          <a:lstStyle/>
+          <a:p>
+            <a:r>
+              <a:rPr lang="hr-HR" dirty="0" err="1" smtClean="0"/>
+              <a:t>Testing</a:t>
+            </a:r>
+            <a:r>
+              <a:rPr lang="hr-HR" dirty="0" smtClean="0"/>
+              <a:t> system </a:t>
+            </a:r>
+            <a:r>
+              <a:rPr lang="hr-HR" dirty="0" err="1" smtClean="0"/>
+              <a:t>with</a:t>
+            </a:r>
+            <a:r>
+              <a:rPr lang="hr-HR" dirty="0" smtClean="0"/>
+              <a:t> </a:t>
+            </a:r>
+            <a:r>
+              <a:rPr lang="hr-HR" dirty="0" err="1" smtClean="0"/>
+              <a:t>dependency</a:t>
+            </a:r>
+            <a:r>
+              <a:rPr lang="hr-HR" dirty="0" smtClean="0"/>
+              <a:t> (</a:t>
+            </a:r>
+            <a:r>
+              <a:rPr lang="hr-HR" dirty="0" err="1" smtClean="0"/>
+              <a:t>client</a:t>
+            </a:r>
+            <a:r>
+              <a:rPr lang="hr-HR" dirty="0" smtClean="0"/>
+              <a:t>) to </a:t>
+            </a:r>
+            <a:r>
+              <a:rPr lang="hr-HR" dirty="0" err="1" smtClean="0"/>
+              <a:t>another</a:t>
+            </a:r>
+            <a:r>
+              <a:rPr lang="hr-HR" dirty="0" smtClean="0"/>
+              <a:t> system</a:t>
+            </a:r>
+            <a:endParaRPr lang="hr-HR" dirty="0"/>
+          </a:p>
+        </p:txBody>
+      </p:sp>
+      <p:sp>
+        <p:nvSpPr>
+          <p:cNvPr id="3" name="Content Placeholder 2"/>
+          <p:cNvSpPr>
+            <a:spLocks noGrp="1"/>
+          </p:cNvSpPr>
+          <p:nvPr>
+            <p:ph idx="1"/>
+          </p:nvPr>
+        </p:nvSpPr>
+        <p:spPr/>
+        <p:txBody>
+          <a:bodyPr/>
+          <a:lstStyle/>
+          <a:p>
+            <a:r>
+              <a:rPr lang="hr-HR" dirty="0" smtClean="0"/>
+              <a:t>Do </a:t>
+            </a:r>
+            <a:r>
+              <a:rPr lang="hr-HR" dirty="0" err="1" smtClean="0"/>
+              <a:t>not</a:t>
+            </a:r>
+            <a:r>
+              <a:rPr lang="hr-HR" dirty="0" smtClean="0"/>
+              <a:t> </a:t>
+            </a:r>
+            <a:r>
+              <a:rPr lang="hr-HR" dirty="0" err="1" smtClean="0"/>
+              <a:t>write</a:t>
+            </a:r>
+            <a:r>
+              <a:rPr lang="hr-HR" dirty="0" smtClean="0"/>
+              <a:t> </a:t>
+            </a:r>
+            <a:r>
+              <a:rPr lang="hr-HR" dirty="0" err="1" smtClean="0"/>
+              <a:t>integration</a:t>
+            </a:r>
+            <a:r>
+              <a:rPr lang="hr-HR" dirty="0" smtClean="0"/>
+              <a:t> </a:t>
+            </a:r>
+            <a:r>
+              <a:rPr lang="hr-HR" dirty="0" err="1" smtClean="0"/>
+              <a:t>tests</a:t>
+            </a:r>
+            <a:r>
+              <a:rPr lang="hr-HR" dirty="0" smtClean="0"/>
+              <a:t> </a:t>
+            </a:r>
+            <a:r>
+              <a:rPr lang="hr-HR" dirty="0" err="1" smtClean="0"/>
+              <a:t>with</a:t>
+            </a:r>
+            <a:r>
+              <a:rPr lang="hr-HR" dirty="0" smtClean="0"/>
+              <a:t> </a:t>
+            </a:r>
+            <a:r>
+              <a:rPr lang="hr-HR" dirty="0" err="1" smtClean="0"/>
+              <a:t>real</a:t>
+            </a:r>
+            <a:r>
+              <a:rPr lang="hr-HR" dirty="0" smtClean="0"/>
+              <a:t> </a:t>
+            </a:r>
+            <a:r>
+              <a:rPr lang="hr-HR" dirty="0" err="1" smtClean="0"/>
+              <a:t>client</a:t>
+            </a:r>
+            <a:r>
+              <a:rPr lang="hr-HR" dirty="0" smtClean="0"/>
+              <a:t> !!!</a:t>
+            </a:r>
+          </a:p>
+          <a:p>
+            <a:pPr lvl="1"/>
+            <a:r>
+              <a:rPr lang="hr-HR" dirty="0" smtClean="0"/>
+              <a:t>Hard to </a:t>
+            </a:r>
+            <a:r>
+              <a:rPr lang="hr-HR" dirty="0" err="1" smtClean="0"/>
+              <a:t>maintain</a:t>
+            </a:r>
+            <a:r>
+              <a:rPr lang="hr-HR" dirty="0" smtClean="0"/>
+              <a:t> </a:t>
+            </a:r>
+            <a:r>
+              <a:rPr lang="hr-HR" dirty="0" err="1" smtClean="0"/>
+              <a:t>tests</a:t>
+            </a:r>
+            <a:endParaRPr lang="hr-HR" dirty="0" smtClean="0"/>
+          </a:p>
+          <a:p>
+            <a:pPr lvl="1"/>
+            <a:r>
+              <a:rPr lang="hr-HR" dirty="0" smtClean="0"/>
+              <a:t>Hard to set </a:t>
+            </a:r>
+            <a:r>
+              <a:rPr lang="hr-HR" dirty="0" err="1" smtClean="0"/>
+              <a:t>up</a:t>
+            </a:r>
+            <a:r>
+              <a:rPr lang="hr-HR" dirty="0" smtClean="0"/>
+              <a:t> test </a:t>
+            </a:r>
+            <a:r>
+              <a:rPr lang="hr-HR" dirty="0" err="1" smtClean="0"/>
+              <a:t>environment</a:t>
+            </a:r>
+            <a:r>
+              <a:rPr lang="hr-HR" dirty="0" smtClean="0"/>
+              <a:t> (</a:t>
+            </a:r>
+            <a:r>
+              <a:rPr lang="hr-HR" dirty="0" err="1" smtClean="0"/>
+              <a:t>instead</a:t>
+            </a:r>
+            <a:r>
+              <a:rPr lang="hr-HR" dirty="0" smtClean="0"/>
+              <a:t> </a:t>
+            </a:r>
+            <a:r>
+              <a:rPr lang="hr-HR" dirty="0" err="1" smtClean="0"/>
+              <a:t>of</a:t>
+            </a:r>
+            <a:r>
+              <a:rPr lang="hr-HR" dirty="0" smtClean="0"/>
+              <a:t> </a:t>
+            </a:r>
+            <a:r>
+              <a:rPr lang="hr-HR" dirty="0" err="1" smtClean="0"/>
+              <a:t>setting</a:t>
+            </a:r>
+            <a:r>
+              <a:rPr lang="hr-HR" dirty="0" smtClean="0"/>
+              <a:t> </a:t>
+            </a:r>
+            <a:r>
+              <a:rPr lang="hr-HR" dirty="0" err="1" smtClean="0"/>
+              <a:t>up</a:t>
+            </a:r>
+            <a:r>
+              <a:rPr lang="hr-HR" dirty="0" smtClean="0"/>
+              <a:t> </a:t>
+            </a:r>
+            <a:r>
+              <a:rPr lang="hr-HR" dirty="0" err="1" smtClean="0"/>
+              <a:t>only</a:t>
+            </a:r>
+            <a:r>
+              <a:rPr lang="hr-HR" dirty="0" smtClean="0"/>
+              <a:t> one system </a:t>
+            </a:r>
+            <a:r>
+              <a:rPr lang="hr-HR" dirty="0" err="1" smtClean="0"/>
+              <a:t>you</a:t>
+            </a:r>
+            <a:r>
+              <a:rPr lang="hr-HR" dirty="0" smtClean="0"/>
+              <a:t> </a:t>
+            </a:r>
+            <a:r>
+              <a:rPr lang="hr-HR" dirty="0" err="1" smtClean="0"/>
+              <a:t>need</a:t>
+            </a:r>
+            <a:r>
+              <a:rPr lang="hr-HR" dirty="0" smtClean="0"/>
+              <a:t> to set </a:t>
+            </a:r>
+            <a:r>
+              <a:rPr lang="hr-HR" dirty="0" err="1" smtClean="0"/>
+              <a:t>up</a:t>
+            </a:r>
+            <a:r>
+              <a:rPr lang="hr-HR" dirty="0" smtClean="0"/>
+              <a:t> </a:t>
+            </a:r>
+            <a:r>
+              <a:rPr lang="hr-HR" dirty="0" err="1" smtClean="0"/>
+              <a:t>multiple</a:t>
+            </a:r>
+            <a:r>
+              <a:rPr lang="hr-HR" dirty="0" smtClean="0"/>
+              <a:t> </a:t>
+            </a:r>
+            <a:r>
+              <a:rPr lang="hr-HR" dirty="0" err="1" smtClean="0"/>
+              <a:t>systems</a:t>
+            </a:r>
+            <a:r>
+              <a:rPr lang="hr-HR" dirty="0" smtClean="0"/>
+              <a:t>)</a:t>
+            </a:r>
+          </a:p>
+          <a:p>
+            <a:r>
+              <a:rPr lang="hr-HR" dirty="0" err="1" smtClean="0"/>
+              <a:t>Write</a:t>
+            </a:r>
+            <a:r>
+              <a:rPr lang="hr-HR" dirty="0" smtClean="0"/>
+              <a:t> </a:t>
+            </a:r>
+            <a:r>
+              <a:rPr lang="hr-HR" dirty="0" err="1" smtClean="0"/>
+              <a:t>integreation</a:t>
+            </a:r>
+            <a:r>
+              <a:rPr lang="hr-HR" dirty="0" smtClean="0"/>
+              <a:t> test </a:t>
+            </a:r>
+            <a:r>
+              <a:rPr lang="hr-HR" dirty="0" err="1" smtClean="0"/>
+              <a:t>which</a:t>
+            </a:r>
+            <a:r>
+              <a:rPr lang="hr-HR" dirty="0" smtClean="0"/>
+              <a:t> </a:t>
+            </a:r>
+            <a:r>
+              <a:rPr lang="hr-HR" dirty="0" err="1" smtClean="0"/>
+              <a:t>tests</a:t>
+            </a:r>
+            <a:r>
+              <a:rPr lang="hr-HR" dirty="0" smtClean="0"/>
+              <a:t> </a:t>
+            </a:r>
+            <a:r>
+              <a:rPr lang="hr-HR" dirty="0" err="1" smtClean="0"/>
+              <a:t>client</a:t>
+            </a:r>
+            <a:r>
+              <a:rPr lang="hr-HR" dirty="0" smtClean="0"/>
+              <a:t> &lt;–&gt; </a:t>
+            </a:r>
+            <a:r>
+              <a:rPr lang="hr-HR" dirty="0" err="1" smtClean="0"/>
+              <a:t>external</a:t>
+            </a:r>
+            <a:r>
+              <a:rPr lang="hr-HR" dirty="0" smtClean="0"/>
+              <a:t> system </a:t>
+            </a:r>
+            <a:r>
+              <a:rPr lang="hr-HR" dirty="0" err="1" smtClean="0"/>
+              <a:t>communication</a:t>
+            </a:r>
+            <a:r>
+              <a:rPr lang="hr-HR" dirty="0" smtClean="0"/>
+              <a:t> </a:t>
+            </a:r>
+          </a:p>
+          <a:p>
+            <a:r>
+              <a:rPr lang="hr-HR" dirty="0"/>
+              <a:t>F</a:t>
+            </a:r>
+            <a:r>
+              <a:rPr lang="hr-HR" dirty="0" smtClean="0"/>
+              <a:t>or </a:t>
+            </a:r>
+            <a:r>
+              <a:rPr lang="hr-HR" dirty="0" err="1" smtClean="0"/>
+              <a:t>example</a:t>
+            </a:r>
+            <a:r>
+              <a:rPr lang="hr-HR" dirty="0" smtClean="0"/>
+              <a:t> </a:t>
+            </a:r>
+            <a:r>
+              <a:rPr lang="hr-HR" dirty="0" err="1" smtClean="0"/>
+              <a:t>write</a:t>
+            </a:r>
+            <a:r>
+              <a:rPr lang="hr-HR" dirty="0" smtClean="0"/>
+              <a:t> a test </a:t>
+            </a:r>
+            <a:r>
+              <a:rPr lang="hr-HR" dirty="0" err="1" smtClean="0"/>
+              <a:t>which</a:t>
+            </a:r>
+            <a:r>
+              <a:rPr lang="hr-HR" dirty="0" smtClean="0"/>
+              <a:t> </a:t>
+            </a:r>
+            <a:r>
+              <a:rPr lang="hr-HR" dirty="0" err="1" smtClean="0"/>
+              <a:t>sends</a:t>
+            </a:r>
+            <a:r>
+              <a:rPr lang="hr-HR" dirty="0" smtClean="0"/>
+              <a:t> a </a:t>
+            </a:r>
+            <a:r>
+              <a:rPr lang="hr-HR" dirty="0" err="1" smtClean="0"/>
+              <a:t>request</a:t>
+            </a:r>
+            <a:r>
+              <a:rPr lang="hr-HR" dirty="0" smtClean="0"/>
+              <a:t> to system but </a:t>
+            </a:r>
+            <a:r>
+              <a:rPr lang="hr-HR" dirty="0" err="1" smtClean="0"/>
+              <a:t>with</a:t>
+            </a:r>
+            <a:r>
+              <a:rPr lang="hr-HR" dirty="0" smtClean="0"/>
+              <a:t> no </a:t>
+            </a:r>
+            <a:r>
+              <a:rPr lang="hr-HR" dirty="0" err="1" smtClean="0"/>
+              <a:t>authentication</a:t>
+            </a:r>
+            <a:r>
+              <a:rPr lang="hr-HR" dirty="0" smtClean="0"/>
+              <a:t> data – </a:t>
+            </a:r>
+            <a:r>
+              <a:rPr lang="hr-HR" dirty="0" err="1" smtClean="0"/>
+              <a:t>expected</a:t>
+            </a:r>
+            <a:r>
+              <a:rPr lang="hr-HR" dirty="0" smtClean="0"/>
+              <a:t> </a:t>
+            </a:r>
+            <a:r>
+              <a:rPr lang="hr-HR" dirty="0" err="1" smtClean="0"/>
+              <a:t>error</a:t>
+            </a:r>
+            <a:r>
+              <a:rPr lang="hr-HR" dirty="0" smtClean="0"/>
+              <a:t> </a:t>
+            </a:r>
+            <a:r>
+              <a:rPr lang="hr-HR" dirty="0" err="1" smtClean="0"/>
+              <a:t>authentication</a:t>
+            </a:r>
+            <a:r>
+              <a:rPr lang="hr-HR" dirty="0" smtClean="0"/>
+              <a:t> </a:t>
+            </a:r>
+            <a:r>
+              <a:rPr lang="hr-HR" dirty="0" err="1" smtClean="0"/>
+              <a:t>exception</a:t>
+            </a:r>
+            <a:endParaRPr lang="hr-HR" dirty="0" smtClean="0"/>
+          </a:p>
+          <a:p>
+            <a:r>
+              <a:rPr lang="hr-HR" dirty="0" smtClean="0"/>
+              <a:t>In system </a:t>
+            </a:r>
+            <a:r>
+              <a:rPr lang="hr-HR" dirty="0" err="1" smtClean="0"/>
+              <a:t>and</a:t>
+            </a:r>
+            <a:r>
+              <a:rPr lang="hr-HR" dirty="0" smtClean="0"/>
+              <a:t> </a:t>
+            </a:r>
+            <a:r>
+              <a:rPr lang="hr-HR" dirty="0" err="1" smtClean="0"/>
+              <a:t>integration</a:t>
+            </a:r>
+            <a:r>
+              <a:rPr lang="hr-HR" dirty="0" smtClean="0"/>
+              <a:t> test use </a:t>
+            </a:r>
+            <a:r>
+              <a:rPr lang="hr-HR" dirty="0" err="1" smtClean="0"/>
+              <a:t>mocks</a:t>
+            </a:r>
+            <a:r>
+              <a:rPr lang="hr-HR" dirty="0" smtClean="0"/>
+              <a:t> </a:t>
+            </a:r>
+            <a:r>
+              <a:rPr lang="hr-HR" dirty="0" err="1" smtClean="0"/>
+              <a:t>that</a:t>
+            </a:r>
+            <a:r>
+              <a:rPr lang="hr-HR" dirty="0" smtClean="0"/>
+              <a:t> </a:t>
+            </a:r>
+            <a:r>
+              <a:rPr lang="hr-HR" dirty="0" err="1" smtClean="0"/>
+              <a:t>accepts</a:t>
+            </a:r>
+            <a:r>
+              <a:rPr lang="hr-HR" dirty="0" smtClean="0"/>
+              <a:t> </a:t>
+            </a:r>
+            <a:r>
+              <a:rPr lang="hr-HR" dirty="0" err="1" smtClean="0"/>
+              <a:t>limited</a:t>
+            </a:r>
+            <a:r>
+              <a:rPr lang="hr-HR" dirty="0" smtClean="0"/>
+              <a:t> set </a:t>
+            </a:r>
+            <a:r>
+              <a:rPr lang="hr-HR" dirty="0" err="1" smtClean="0"/>
+              <a:t>of</a:t>
+            </a:r>
+            <a:r>
+              <a:rPr lang="hr-HR" dirty="0" smtClean="0"/>
+              <a:t> data</a:t>
+            </a:r>
+          </a:p>
+          <a:p>
+            <a:r>
+              <a:rPr lang="hr-HR" dirty="0" smtClean="0"/>
+              <a:t>For </a:t>
+            </a:r>
+            <a:r>
+              <a:rPr lang="hr-HR" dirty="0" err="1" smtClean="0"/>
+              <a:t>example</a:t>
+            </a:r>
+            <a:r>
+              <a:rPr lang="hr-HR" dirty="0" smtClean="0"/>
+              <a:t> </a:t>
+            </a:r>
+            <a:r>
+              <a:rPr lang="hr-HR" dirty="0" err="1" smtClean="0"/>
+              <a:t>checkAddressExists</a:t>
+            </a:r>
+            <a:r>
+              <a:rPr lang="hr-HR" dirty="0" smtClean="0"/>
+              <a:t> – </a:t>
+            </a:r>
+            <a:r>
+              <a:rPr lang="hr-HR" dirty="0" err="1" smtClean="0"/>
+              <a:t>there</a:t>
+            </a:r>
+            <a:r>
+              <a:rPr lang="hr-HR" dirty="0" smtClean="0"/>
+              <a:t> are 2 </a:t>
+            </a:r>
+            <a:r>
+              <a:rPr lang="hr-HR" dirty="0" err="1" smtClean="0"/>
+              <a:t>possible</a:t>
+            </a:r>
+            <a:r>
+              <a:rPr lang="hr-HR" dirty="0" smtClean="0"/>
+              <a:t> </a:t>
+            </a:r>
+            <a:r>
+              <a:rPr lang="hr-HR" dirty="0" err="1" smtClean="0"/>
+              <a:t>outcomes</a:t>
+            </a:r>
+            <a:r>
+              <a:rPr lang="hr-HR" dirty="0" smtClean="0"/>
+              <a:t>, </a:t>
+            </a:r>
+            <a:r>
+              <a:rPr lang="hr-HR" dirty="0" err="1" smtClean="0"/>
+              <a:t>cover</a:t>
+            </a:r>
+            <a:r>
+              <a:rPr lang="hr-HR" dirty="0" smtClean="0"/>
+              <a:t> </a:t>
+            </a:r>
+            <a:r>
+              <a:rPr lang="hr-HR" dirty="0" err="1" smtClean="0"/>
+              <a:t>them</a:t>
+            </a:r>
+            <a:r>
+              <a:rPr lang="hr-HR" dirty="0" smtClean="0"/>
+              <a:t> </a:t>
+            </a:r>
+            <a:r>
+              <a:rPr lang="hr-HR" dirty="0" err="1" smtClean="0"/>
+              <a:t>with</a:t>
+            </a:r>
+            <a:r>
+              <a:rPr lang="hr-HR" dirty="0" smtClean="0"/>
+              <a:t> </a:t>
+            </a:r>
+            <a:r>
+              <a:rPr lang="hr-HR" dirty="0" err="1" smtClean="0"/>
+              <a:t>you</a:t>
+            </a:r>
+            <a:r>
+              <a:rPr lang="hr-HR" dirty="0" smtClean="0"/>
+              <a:t> test. </a:t>
+            </a:r>
+            <a:r>
+              <a:rPr lang="hr-HR" dirty="0" err="1" smtClean="0"/>
+              <a:t>If</a:t>
+            </a:r>
+            <a:r>
+              <a:rPr lang="hr-HR" dirty="0" smtClean="0"/>
+              <a:t> </a:t>
+            </a:r>
+            <a:r>
+              <a:rPr lang="hr-HR" dirty="0" err="1" smtClean="0"/>
+              <a:t>the</a:t>
+            </a:r>
+            <a:r>
+              <a:rPr lang="hr-HR" dirty="0" smtClean="0"/>
+              <a:t> </a:t>
+            </a:r>
+            <a:r>
+              <a:rPr lang="hr-HR" dirty="0" err="1" smtClean="0"/>
+              <a:t>other</a:t>
+            </a:r>
+            <a:r>
+              <a:rPr lang="hr-HR" dirty="0" smtClean="0"/>
+              <a:t> system do </a:t>
+            </a:r>
+            <a:r>
+              <a:rPr lang="hr-HR" dirty="0" err="1" smtClean="0"/>
+              <a:t>what</a:t>
+            </a:r>
+            <a:r>
+              <a:rPr lang="hr-HR" dirty="0" smtClean="0"/>
+              <a:t> </a:t>
+            </a:r>
+            <a:r>
+              <a:rPr lang="hr-HR" dirty="0" err="1" smtClean="0"/>
+              <a:t>it</a:t>
+            </a:r>
+            <a:r>
+              <a:rPr lang="hr-HR" dirty="0" smtClean="0"/>
+              <a:t> </a:t>
+            </a:r>
+            <a:r>
+              <a:rPr lang="hr-HR" dirty="0" err="1" smtClean="0"/>
+              <a:t>is</a:t>
+            </a:r>
+            <a:r>
+              <a:rPr lang="hr-HR" dirty="0" smtClean="0"/>
+              <a:t> </a:t>
+            </a:r>
+            <a:r>
+              <a:rPr lang="hr-HR" dirty="0" err="1" smtClean="0"/>
+              <a:t>expected</a:t>
+            </a:r>
+            <a:r>
+              <a:rPr lang="hr-HR" dirty="0" smtClean="0"/>
+              <a:t> to do, </a:t>
+            </a:r>
+            <a:r>
+              <a:rPr lang="hr-HR" dirty="0" err="1" smtClean="0"/>
+              <a:t>this</a:t>
+            </a:r>
+            <a:r>
+              <a:rPr lang="hr-HR" dirty="0" smtClean="0"/>
+              <a:t> </a:t>
+            </a:r>
+            <a:r>
+              <a:rPr lang="hr-HR" dirty="0" err="1" smtClean="0"/>
+              <a:t>will</a:t>
+            </a:r>
+            <a:r>
+              <a:rPr lang="hr-HR" dirty="0" smtClean="0"/>
+              <a:t> </a:t>
+            </a:r>
+            <a:r>
+              <a:rPr lang="hr-HR" dirty="0" err="1" smtClean="0"/>
+              <a:t>be</a:t>
+            </a:r>
+            <a:r>
+              <a:rPr lang="hr-HR" dirty="0"/>
+              <a:t> </a:t>
+            </a:r>
+            <a:r>
+              <a:rPr lang="hr-HR" dirty="0" err="1"/>
+              <a:t>sufficient</a:t>
+            </a:r>
+            <a:r>
+              <a:rPr lang="hr-HR" dirty="0"/>
+              <a:t> </a:t>
+            </a:r>
+            <a:endParaRPr lang="hr-HR" dirty="0" smtClean="0"/>
+          </a:p>
+          <a:p>
+            <a:r>
+              <a:rPr lang="hr-HR" dirty="0" err="1" smtClean="0"/>
+              <a:t>Your</a:t>
+            </a:r>
+            <a:r>
+              <a:rPr lang="hr-HR" dirty="0"/>
+              <a:t> </a:t>
+            </a:r>
+            <a:r>
+              <a:rPr lang="hr-HR" dirty="0" err="1" smtClean="0"/>
+              <a:t>job</a:t>
+            </a:r>
+            <a:r>
+              <a:rPr lang="hr-HR" dirty="0" smtClean="0"/>
+              <a:t> </a:t>
+            </a:r>
+            <a:r>
+              <a:rPr lang="hr-HR" dirty="0" err="1" smtClean="0"/>
+              <a:t>is</a:t>
+            </a:r>
+            <a:r>
+              <a:rPr lang="hr-HR" dirty="0" smtClean="0"/>
+              <a:t> </a:t>
+            </a:r>
+            <a:r>
+              <a:rPr lang="hr-HR" dirty="0" err="1" smtClean="0"/>
+              <a:t>not</a:t>
+            </a:r>
+            <a:r>
+              <a:rPr lang="hr-HR" dirty="0" smtClean="0"/>
+              <a:t> to test </a:t>
+            </a:r>
+            <a:r>
+              <a:rPr lang="hr-HR" dirty="0" err="1" smtClean="0"/>
+              <a:t>other</a:t>
+            </a:r>
+            <a:r>
+              <a:rPr lang="hr-HR" dirty="0" smtClean="0"/>
+              <a:t> </a:t>
+            </a:r>
+            <a:r>
+              <a:rPr lang="hr-HR" dirty="0" err="1" smtClean="0"/>
+              <a:t>systems</a:t>
+            </a:r>
+            <a:r>
+              <a:rPr lang="hr-HR" dirty="0"/>
+              <a:t> </a:t>
+            </a:r>
+            <a:r>
+              <a:rPr lang="hr-HR" dirty="0" smtClean="0"/>
+              <a:t>!!!</a:t>
+            </a:r>
+          </a:p>
+        </p:txBody>
+      </p:sp>
+    </p:spTree>
+    <p:extLst>
+      <p:ext uri="{BB962C8B-B14F-4D97-AF65-F5344CB8AC3E}">
+        <p14:creationId xmlns:p14="http://schemas.microsoft.com/office/powerpoint/2010/main" val="3524635468"/>
+      </p:ext>
+    </p:extLst>
+  </p:cSld>
+  <p:clrMapOvr>
+    <a:masterClrMapping/>
+  </p:clrMapOvr>
+</p:sld>
+</file>
+
 <file path=ppt/slides/slide2.xml><?xml version="1.0" encoding="utf-8"?>
 <p:sld xmlns:a="http://schemas.openxmlformats.org/drawingml/2006/main" xmlns:r="http://schemas.openxmlformats.org/officeDocument/2006/relationships" xmlns:p="http://schemas.openxmlformats.org/presentationml/2006/main">
   <p:cSld>
@@ -4088,7 +5486,6 @@
               <a:rPr lang="en-US" dirty="0"/>
               <a:t>When The test for an object becomes too complicated to set up - when there are too many moving parts to get the code into the relevant state - consider bundling up some of the collaborating objects</a:t>
             </a:r>
-            <a:endParaRPr lang="en-US" dirty="0"/>
           </a:p>
         </p:txBody>
       </p:sp>
@@ -4374,26 +5771,56 @@
               <a:t> </a:t>
             </a:r>
             <a:r>
-              <a:rPr lang="hr-HR" dirty="0" err="1"/>
+              <a:rPr lang="hr-HR" dirty="0" err="1" smtClean="0"/>
               <a:t>framework</a:t>
             </a:r>
+            <a:r>
+              <a:rPr lang="hr-HR" dirty="0"/>
+              <a:t> </a:t>
+            </a:r>
+            <a:endParaRPr lang="hr-HR" dirty="0" smtClean="0"/>
+          </a:p>
+          <a:p>
+            <a:pPr lvl="1"/>
+            <a:r>
+              <a:rPr lang="hr-HR" dirty="0" smtClean="0">
+                <a:hlinkClick r:id="rId2"/>
+              </a:rPr>
+              <a:t>http</a:t>
+            </a:r>
+            <a:r>
+              <a:rPr lang="hr-HR" dirty="0">
+                <a:hlinkClick r:id="rId2"/>
+              </a:rPr>
+              <a:t>://junit.org/junit4</a:t>
+            </a:r>
+            <a:r>
+              <a:rPr lang="hr-HR" dirty="0" smtClean="0">
+                <a:hlinkClick r:id="rId2"/>
+              </a:rPr>
+              <a:t>/</a:t>
+            </a:r>
+            <a:r>
+              <a:rPr lang="hr-HR" dirty="0" smtClean="0"/>
+              <a:t> </a:t>
+            </a:r>
             <a:endParaRPr lang="hr-HR" dirty="0"/>
           </a:p>
           <a:p>
             <a:r>
-              <a:rPr lang="hr-HR" dirty="0" err="1"/>
+              <a:rPr lang="hr-HR" dirty="0" err="1" smtClean="0"/>
               <a:t>AssertJ</a:t>
             </a:r>
             <a:r>
-              <a:rPr lang="hr-HR" dirty="0"/>
+              <a:rPr lang="hr-HR" dirty="0" smtClean="0"/>
               <a:t> - </a:t>
             </a:r>
             <a:r>
-              <a:rPr lang="hr-HR" dirty="0" err="1"/>
+              <a:rPr lang="hr-HR" dirty="0" err="1" smtClean="0"/>
               <a:t>fluent</a:t>
             </a:r>
             <a:r>
-              <a:rPr lang="hr-HR" dirty="0"/>
+              <a:rPr lang="hr-HR" dirty="0" smtClean="0"/>
               <a:t> </a:t>
             </a:r>
             <a:r>
@@ -4402,85 +5829,233 @@
             </a:r>
             <a:r>
               <a:rPr lang="hr-HR" dirty="0"/>
-              <a:t> for java</a:t>
-            </a:r>
-          </a:p>
-          <a:p>
-            <a:r>
-              <a:rPr lang="hr-HR" dirty="0" err="1"/>
+              <a:t> </a:t>
+            </a:r>
+            <a:r>
+              <a:rPr lang="hr-HR" dirty="0" smtClean="0"/>
+              <a:t>for </a:t>
+            </a:r>
+            <a:r>
+              <a:rPr lang="hr-HR" dirty="0" smtClean="0"/>
+              <a:t>java</a:t>
+            </a:r>
+          </a:p>
+          <a:p>
+            <a:pPr lvl="1"/>
+            <a:r>
+              <a:rPr lang="hr-HR" dirty="0" smtClean="0"/>
+              <a:t> </a:t>
+            </a:r>
+            <a:r>
+              <a:rPr lang="hr-HR" dirty="0" smtClean="0">
+                <a:hlinkClick r:id="rId3"/>
+              </a:rPr>
+              <a:t>http</a:t>
+            </a:r>
+            <a:r>
+              <a:rPr lang="hr-HR" dirty="0">
+                <a:hlinkClick r:id="rId3"/>
+              </a:rPr>
+              <a:t>://</a:t>
+            </a:r>
+            <a:r>
+              <a:rPr lang="hr-HR" dirty="0" smtClean="0">
+                <a:hlinkClick r:id="rId3"/>
+              </a:rPr>
+              <a:t>joel-costigliola.github.io/assertj/</a:t>
+            </a:r>
+            <a:r>
+              <a:rPr lang="hr-HR" dirty="0" smtClean="0"/>
+              <a:t> </a:t>
+            </a:r>
+            <a:endParaRPr lang="hr-HR" dirty="0"/>
+          </a:p>
+          <a:p>
+            <a:r>
+              <a:rPr lang="hr-HR" dirty="0" err="1" smtClean="0"/>
               <a:t>Mockito</a:t>
             </a:r>
             <a:r>
-              <a:rPr lang="hr-HR" dirty="0"/>
+              <a:rPr lang="hr-HR" dirty="0" smtClean="0"/>
+              <a:t> </a:t>
+            </a:r>
+            <a:r>
+              <a:rPr lang="hr-HR" dirty="0"/>
+              <a:t>– </a:t>
+            </a:r>
+            <a:r>
+              <a:rPr lang="en-US" dirty="0"/>
+              <a:t>enables mock creation, verification and </a:t>
+            </a:r>
+            <a:r>
+              <a:rPr lang="en-US" dirty="0" smtClean="0"/>
+              <a:t>stubbing</a:t>
+            </a:r>
+            <a:endParaRPr lang="hr-HR" dirty="0" smtClean="0"/>
+          </a:p>
+          <a:p>
+            <a:pPr lvl="1"/>
+            <a:r>
+              <a:rPr lang="hr-HR" dirty="0">
+                <a:hlinkClick r:id="rId4"/>
+              </a:rPr>
+              <a:t>http://mockito.org</a:t>
+            </a:r>
+            <a:r>
+              <a:rPr lang="hr-HR" dirty="0" smtClean="0">
+                <a:hlinkClick r:id="rId4"/>
+              </a:rPr>
+              <a:t>/</a:t>
+            </a:r>
+            <a:r>
+              <a:rPr lang="hr-HR" dirty="0" smtClean="0"/>
+              <a:t> </a:t>
+            </a:r>
+            <a:endParaRPr lang="hr-HR" dirty="0"/>
+          </a:p>
+          <a:p>
+            <a:r>
+              <a:rPr lang="hr-HR" dirty="0" err="1"/>
+              <a:t>Spring</a:t>
+            </a:r>
+            <a:r>
+              <a:rPr lang="hr-HR" dirty="0"/>
+              <a:t>-test (</a:t>
+            </a:r>
+            <a:r>
+              <a:rPr lang="hr-HR" dirty="0" err="1"/>
+              <a:t>Spring</a:t>
+            </a:r>
+            <a:r>
+              <a:rPr lang="hr-HR" dirty="0"/>
+              <a:t> </a:t>
+            </a:r>
+            <a:r>
+              <a:rPr lang="hr-HR" dirty="0" err="1"/>
+              <a:t>framework</a:t>
+            </a:r>
+            <a:r>
+              <a:rPr lang="hr-HR" dirty="0" smtClean="0"/>
+              <a:t>)</a:t>
+            </a:r>
+          </a:p>
+          <a:p>
+            <a:pPr lvl="1"/>
+            <a:r>
+              <a:rPr lang="hr-HR" dirty="0">
+                <a:hlinkClick r:id="rId5"/>
+              </a:rPr>
+              <a:t>http://</a:t>
+            </a:r>
+            <a:r>
+              <a:rPr lang="hr-HR" dirty="0" smtClean="0">
+                <a:hlinkClick r:id="rId5"/>
+              </a:rPr>
+              <a:t>docs.spring.io/spring/docs/current/spring-framework-reference/html/integration-testing.html</a:t>
+            </a:r>
+            <a:r>
+              <a:rPr lang="hr-HR" dirty="0" smtClean="0"/>
+              <a:t> </a:t>
+            </a:r>
+            <a:endParaRPr lang="hr-HR" dirty="0"/>
+          </a:p>
+          <a:p>
+            <a:r>
+              <a:rPr lang="hr-HR" dirty="0" err="1"/>
+              <a:t>Arquillian</a:t>
+            </a:r>
+            <a:r>
+              <a:rPr lang="hr-HR" dirty="0"/>
+              <a:t> (Java EE) – </a:t>
+            </a:r>
+            <a:r>
+              <a:rPr lang="hr-HR" dirty="0" err="1"/>
+              <a:t>very</a:t>
+            </a:r>
+            <a:r>
+              <a:rPr lang="hr-HR" dirty="0"/>
+              <a:t> </a:t>
+            </a:r>
+            <a:r>
+              <a:rPr lang="hr-HR" dirty="0" err="1"/>
+              <a:t>similar</a:t>
+            </a:r>
+            <a:r>
+              <a:rPr lang="hr-HR" dirty="0"/>
+              <a:t> to </a:t>
+            </a:r>
+            <a:r>
+              <a:rPr lang="hr-HR" dirty="0" err="1"/>
+              <a:t>spring</a:t>
+            </a:r>
+            <a:r>
+              <a:rPr lang="hr-HR" dirty="0"/>
+              <a:t>-test</a:t>
+            </a:r>
+          </a:p>
+          <a:p>
+            <a:pPr lvl="1"/>
+            <a:r>
+              <a:rPr lang="hr-HR" dirty="0">
+                <a:hlinkClick r:id="rId6"/>
+              </a:rPr>
+              <a:t>http://arquillian.org</a:t>
+            </a:r>
+            <a:r>
+              <a:rPr lang="hr-HR" dirty="0" smtClean="0">
+                <a:hlinkClick r:id="rId6"/>
+              </a:rPr>
+              <a:t>/</a:t>
+            </a:r>
+            <a:r>
+              <a:rPr lang="hr-HR" dirty="0" smtClean="0"/>
+              <a:t> </a:t>
+            </a:r>
+          </a:p>
+          <a:p>
+            <a:r>
+              <a:rPr lang="hr-HR" dirty="0" err="1" smtClean="0"/>
+              <a:t>Flyway</a:t>
+            </a:r>
+            <a:r>
+              <a:rPr lang="hr-HR" dirty="0" smtClean="0"/>
               <a:t> – </a:t>
             </a:r>
             <a:r>
-              <a:rPr lang="en-US" dirty="0"/>
-              <a:t>enables mock creation, verification and stubbing</a:t>
-            </a:r>
-            <a:endParaRPr lang="hr-HR" dirty="0"/>
-          </a:p>
-          <a:p>
-            <a:r>
-              <a:rPr lang="hr-HR" dirty="0" err="1"/>
-              <a:t>Spring</a:t>
-            </a:r>
-            <a:r>
-              <a:rPr lang="hr-HR" dirty="0"/>
-              <a:t>-test (</a:t>
-            </a:r>
-            <a:r>
-              <a:rPr lang="hr-HR" dirty="0" err="1"/>
-              <a:t>Spring</a:t>
-            </a:r>
-            <a:r>
-              <a:rPr lang="hr-HR" dirty="0"/>
-              <a:t> </a:t>
-            </a:r>
-            <a:r>
-              <a:rPr lang="hr-HR" dirty="0" err="1"/>
-              <a:t>framework</a:t>
-            </a:r>
-            <a:r>
-              <a:rPr lang="hr-HR" dirty="0"/>
-              <a:t>)</a:t>
-            </a:r>
-          </a:p>
-          <a:p>
-            <a:r>
-              <a:rPr lang="hr-HR" dirty="0" err="1"/>
-              <a:t>Arquillian</a:t>
-            </a:r>
-            <a:r>
-              <a:rPr lang="hr-HR" dirty="0"/>
-              <a:t> (Java EE) – </a:t>
-            </a:r>
-            <a:r>
-              <a:rPr lang="hr-HR" dirty="0" err="1"/>
-              <a:t>very</a:t>
-            </a:r>
-            <a:r>
-              <a:rPr lang="hr-HR" dirty="0"/>
-              <a:t> </a:t>
-            </a:r>
-            <a:r>
-              <a:rPr lang="hr-HR" dirty="0" err="1"/>
-              <a:t>similar</a:t>
-            </a:r>
-            <a:r>
-              <a:rPr lang="hr-HR" dirty="0"/>
-              <a:t> to </a:t>
-            </a:r>
-            <a:r>
-              <a:rPr lang="hr-HR" dirty="0" err="1"/>
-              <a:t>spring</a:t>
-            </a:r>
-            <a:r>
-              <a:rPr lang="hr-HR" dirty="0"/>
-              <a:t>-test</a:t>
-            </a:r>
-          </a:p>
-          <a:p>
+              <a:rPr lang="hr-HR" dirty="0" err="1" smtClean="0"/>
+              <a:t>database</a:t>
+            </a:r>
+            <a:r>
+              <a:rPr lang="hr-HR" dirty="0" smtClean="0"/>
+              <a:t> </a:t>
+            </a:r>
+            <a:r>
+              <a:rPr lang="hr-HR" dirty="0" err="1" smtClean="0"/>
+              <a:t>migrations</a:t>
+            </a:r>
+            <a:r>
+              <a:rPr lang="hr-HR" dirty="0" smtClean="0"/>
+              <a:t> </a:t>
+            </a:r>
+          </a:p>
+          <a:p>
+            <a:pPr lvl="1"/>
+            <a:r>
+              <a:rPr lang="hr-HR" dirty="0">
+                <a:hlinkClick r:id="rId7"/>
+              </a:rPr>
+              <a:t>https://flywaydb.org</a:t>
+            </a:r>
+            <a:r>
+              <a:rPr lang="hr-HR" dirty="0" smtClean="0">
+                <a:hlinkClick r:id="rId7"/>
+              </a:rPr>
+              <a:t>/</a:t>
+            </a:r>
+            <a:r>
+              <a:rPr lang="hr-HR" dirty="0" smtClean="0"/>
+              <a:t>	</a:t>
+            </a:r>
             <a:endParaRPr lang="hr-HR" dirty="0"/>
           </a:p>
         </p:txBody>
@@ -4779,102 +6354,183 @@
               <a:t> </a:t>
             </a:r>
             <a:r>
-              <a:rPr lang="hr-HR" dirty="0" err="1"/>
+              <a:rPr lang="hr-HR" dirty="0" err="1" smtClean="0"/>
               <a:t>conventions</a:t>
             </a:r>
             <a:r>
               <a:rPr lang="hr-HR" dirty="0"/>
+              <a:t>:</a:t>
+            </a:r>
+            <a:r>
+              <a:rPr lang="hr-HR" dirty="0" smtClean="0"/>
+              <a:t> </a:t>
+            </a:r>
+            <a:endParaRPr lang="hr-HR" dirty="0"/>
+          </a:p>
+          <a:p>
+            <a:pPr lvl="1"/>
+            <a:r>
+              <a:rPr lang="hr-HR" dirty="0" err="1"/>
+              <a:t>Surefire</a:t>
+            </a:r>
+            <a:r>
+              <a:rPr lang="hr-HR" dirty="0"/>
               <a:t> – </a:t>
             </a:r>
+            <a:r>
+              <a:rPr lang="hr-HR" dirty="0" err="1"/>
+              <a:t>NameOfTheClassTest</a:t>
+            </a:r>
+            <a:r>
+              <a:rPr lang="hr-HR" dirty="0"/>
+              <a:t> </a:t>
+            </a:r>
+            <a:r>
+              <a:rPr lang="hr-HR" dirty="0" smtClean="0"/>
+              <a:t>– </a:t>
+            </a:r>
+          </a:p>
+          <a:p>
+            <a:pPr lvl="2"/>
+            <a:r>
+              <a:rPr lang="hr-HR" dirty="0" err="1"/>
+              <a:t>C</a:t>
+            </a:r>
+            <a:r>
+              <a:rPr lang="hr-HR" dirty="0" err="1" smtClean="0"/>
+              <a:t>lasspath</a:t>
+            </a:r>
+            <a:r>
+              <a:rPr lang="hr-HR" dirty="0" smtClean="0"/>
+              <a:t> same as </a:t>
+            </a:r>
+            <a:r>
+              <a:rPr lang="hr-HR" dirty="0" err="1" smtClean="0"/>
+              <a:t>the</a:t>
+            </a:r>
+            <a:r>
+              <a:rPr lang="hr-HR" dirty="0" smtClean="0"/>
+              <a:t> </a:t>
+            </a:r>
+            <a:r>
+              <a:rPr lang="hr-HR" dirty="0" err="1" smtClean="0"/>
+              <a:t>class</a:t>
+            </a:r>
+            <a:r>
+              <a:rPr lang="hr-HR" dirty="0" smtClean="0"/>
+              <a:t> </a:t>
+            </a:r>
+            <a:r>
+              <a:rPr lang="hr-HR" dirty="0" err="1" smtClean="0"/>
+              <a:t>that</a:t>
+            </a:r>
+            <a:r>
+              <a:rPr lang="hr-HR" dirty="0" smtClean="0"/>
+              <a:t> </a:t>
+            </a:r>
+            <a:r>
+              <a:rPr lang="hr-HR" dirty="0" err="1" smtClean="0"/>
+              <a:t>is</a:t>
+            </a:r>
+            <a:r>
+              <a:rPr lang="hr-HR" dirty="0" smtClean="0"/>
+              <a:t> </a:t>
+            </a:r>
+            <a:r>
+              <a:rPr lang="hr-HR" dirty="0" err="1" smtClean="0"/>
+              <a:t>being</a:t>
+            </a:r>
+            <a:r>
+              <a:rPr lang="hr-HR" dirty="0" smtClean="0"/>
+              <a:t> </a:t>
+            </a:r>
+            <a:r>
+              <a:rPr lang="hr-HR" dirty="0" err="1" smtClean="0"/>
+              <a:t>tested</a:t>
+            </a:r>
+            <a:endParaRPr lang="hr-HR" dirty="0" smtClean="0"/>
+          </a:p>
+          <a:p>
+            <a:pPr lvl="2"/>
+            <a:r>
+              <a:rPr lang="hr-HR" dirty="0" err="1" smtClean="0"/>
+              <a:t>Packages</a:t>
+            </a:r>
+            <a:r>
+              <a:rPr lang="hr-HR" dirty="0" smtClean="0"/>
+              <a:t> </a:t>
+            </a:r>
+            <a:r>
+              <a:rPr lang="hr-HR" dirty="0" err="1" smtClean="0"/>
+              <a:t>private</a:t>
+            </a:r>
+            <a:r>
+              <a:rPr lang="hr-HR" dirty="0" smtClean="0"/>
+              <a:t> </a:t>
+            </a:r>
+            <a:r>
+              <a:rPr lang="hr-HR" dirty="0" err="1" smtClean="0"/>
+              <a:t>methods</a:t>
+            </a:r>
+            <a:r>
+              <a:rPr lang="hr-HR" dirty="0" smtClean="0"/>
+              <a:t> </a:t>
+            </a:r>
+            <a:r>
+              <a:rPr lang="hr-HR" dirty="0" err="1" smtClean="0"/>
+              <a:t>can</a:t>
+            </a:r>
+            <a:r>
+              <a:rPr lang="hr-HR" dirty="0" smtClean="0"/>
+              <a:t> </a:t>
+            </a:r>
+            <a:r>
+              <a:rPr lang="hr-HR" dirty="0" err="1" smtClean="0"/>
+              <a:t>be</a:t>
+            </a:r>
+            <a:r>
+              <a:rPr lang="hr-HR" dirty="0" smtClean="0"/>
+              <a:t> </a:t>
+            </a:r>
+            <a:r>
+              <a:rPr lang="hr-HR" dirty="0" err="1" smtClean="0"/>
+              <a:t>accessed</a:t>
+            </a:r>
+            <a:r>
+              <a:rPr lang="hr-HR" dirty="0" smtClean="0"/>
+              <a:t> </a:t>
+            </a:r>
+            <a:r>
+              <a:rPr lang="hr-HR" dirty="0" err="1" smtClean="0"/>
+              <a:t>this</a:t>
+            </a:r>
+            <a:r>
+              <a:rPr lang="hr-HR" dirty="0" smtClean="0"/>
+              <a:t> </a:t>
+            </a:r>
+            <a:r>
+              <a:rPr lang="hr-HR" dirty="0" err="1" smtClean="0"/>
+              <a:t>way</a:t>
+            </a:r>
+            <a:endParaRPr lang="hr-HR" dirty="0" smtClean="0"/>
           </a:p>
           <a:p>
             <a:pPr lvl="1"/>
             <a:r>
-              <a:rPr lang="hr-HR" dirty="0" err="1"/>
-              <a:t>Surefire</a:t>
-            </a:r>
-            <a:r>
-              <a:rPr lang="hr-HR" dirty="0"/>
-              <a:t> – </a:t>
-            </a:r>
-            <a:r>
-              <a:rPr lang="hr-HR" dirty="0" err="1"/>
-              <a:t>NameOfTheClassTest</a:t>
-            </a:r>
-            <a:r>
-              <a:rPr lang="hr-HR" dirty="0"/>
-              <a:t> – </a:t>
-            </a:r>
-            <a:r>
-              <a:rPr lang="hr-HR" dirty="0" err="1"/>
-              <a:t>name</a:t>
-            </a:r>
-            <a:r>
-              <a:rPr lang="hr-HR" dirty="0"/>
-              <a:t> </a:t>
-            </a:r>
-            <a:r>
-              <a:rPr lang="hr-HR" dirty="0" err="1"/>
-              <a:t>of</a:t>
-            </a:r>
-            <a:r>
-              <a:rPr lang="hr-HR" dirty="0"/>
-              <a:t> </a:t>
-            </a:r>
-            <a:r>
-              <a:rPr lang="hr-HR" dirty="0" err="1"/>
-              <a:t>the</a:t>
-            </a:r>
-            <a:r>
-              <a:rPr lang="hr-HR" dirty="0"/>
-              <a:t> </a:t>
-            </a:r>
-            <a:r>
-              <a:rPr lang="hr-HR" dirty="0" err="1"/>
-              <a:t>class</a:t>
-            </a:r>
-            <a:r>
-              <a:rPr lang="hr-HR" dirty="0"/>
-              <a:t> </a:t>
-            </a:r>
-            <a:r>
-              <a:rPr lang="hr-HR" dirty="0" err="1"/>
-              <a:t>under</a:t>
-            </a:r>
-            <a:r>
-              <a:rPr lang="hr-HR" dirty="0"/>
-              <a:t> test </a:t>
-            </a:r>
-            <a:r>
-              <a:rPr lang="hr-HR" dirty="0" err="1"/>
-              <a:t>full</a:t>
-            </a:r>
-            <a:r>
-              <a:rPr lang="hr-HR" dirty="0"/>
-              <a:t> </a:t>
-            </a:r>
-            <a:r>
-              <a:rPr lang="hr-HR" dirty="0" err="1"/>
-              <a:t>name</a:t>
-            </a:r>
-            <a:r>
-              <a:rPr lang="hr-HR" dirty="0"/>
-              <a:t> </a:t>
-            </a:r>
-          </a:p>
-          <a:p>
-            <a:pPr lvl="1"/>
-            <a:r>
-              <a:rPr lang="hr-HR" dirty="0" err="1"/>
+              <a:rPr lang="hr-HR" dirty="0" err="1" smtClean="0"/>
               <a:t>Failsafe</a:t>
             </a:r>
             <a:r>
-              <a:rPr lang="hr-HR" dirty="0"/>
-              <a:t> - </a:t>
-            </a:r>
-            <a:r>
-              <a:rPr lang="hr-HR" dirty="0" err="1"/>
-              <a:t>NameOfTheClassITTest</a:t>
+              <a:rPr lang="hr-HR" dirty="0" smtClean="0"/>
+              <a:t> </a:t>
+            </a:r>
+            <a:r>
+              <a:rPr lang="hr-HR" dirty="0"/>
+              <a:t>- </a:t>
+            </a:r>
+            <a:r>
+              <a:rPr lang="hr-HR" dirty="0" err="1" smtClean="0"/>
+              <a:t>NameOfTheClassTestIT</a:t>
             </a:r>
             <a:endParaRPr lang="hr-HR" dirty="0"/>
           </a:p>
@@ -4935,6 +6591,53 @@
             <a:r>
               <a:rPr lang="hr-HR" dirty="0" err="1" smtClean="0"/>
               <a:t>case</a:t>
+            </a:r>
+            <a:r>
+              <a:rPr lang="hr-HR" dirty="0" smtClean="0"/>
+              <a:t> </a:t>
+            </a:r>
+            <a:r>
+              <a:rPr lang="hr-HR" dirty="0" smtClean="0"/>
+              <a:t>1</a:t>
+            </a:r>
+            <a:br>
+              <a:rPr lang="hr-HR" dirty="0" smtClean="0"/>
+            </a:br>
+            <a:r>
+              <a:rPr lang="hr-HR" dirty="0" err="1" smtClean="0"/>
+              <a:t>Integration</a:t>
+            </a:r>
+            <a:r>
+              <a:rPr lang="hr-HR" dirty="0" smtClean="0"/>
+              <a:t> </a:t>
+            </a:r>
+            <a:r>
+              <a:rPr lang="hr-HR" dirty="0" err="1" smtClean="0"/>
+              <a:t>testing</a:t>
+            </a:r>
+            <a:r>
+              <a:rPr lang="hr-HR" dirty="0" smtClean="0"/>
+              <a:t> </a:t>
+            </a:r>
+            <a:r>
+              <a:rPr lang="hr-HR" dirty="0" err="1" smtClean="0"/>
+              <a:t>and</a:t>
+            </a:r>
+            <a:r>
+              <a:rPr lang="hr-HR" dirty="0" smtClean="0"/>
+              <a:t> </a:t>
+            </a:r>
+            <a:r>
+              <a:rPr lang="hr-HR" dirty="0" err="1" smtClean="0"/>
+              <a:t>unit</a:t>
+            </a:r>
+            <a:r>
+              <a:rPr lang="hr-HR" dirty="0" smtClean="0"/>
+              <a:t> </a:t>
+            </a:r>
+            <a:r>
+              <a:rPr lang="hr-HR" dirty="0" err="1" smtClean="0"/>
+              <a:t>testing</a:t>
             </a:r>
             <a:endParaRPr lang="hr-HR" dirty="0"/>
           </a:p>
@@ -5023,8 +6726,36 @@
               <a:t> </a:t>
             </a:r>
             <a:r>
-              <a:rPr lang="hr-HR" dirty="0" err="1"/>
+              <a:rPr lang="hr-HR" dirty="0" err="1" smtClean="0"/>
               <a:t>idea</a:t>
+            </a:r>
+            <a:r>
+              <a:rPr lang="hr-HR" dirty="0"/>
+              <a:t> </a:t>
+            </a:r>
+            <a:r>
+              <a:rPr lang="hr-HR" dirty="0" smtClean="0"/>
+              <a:t>– test </a:t>
+            </a:r>
+            <a:r>
+              <a:rPr lang="hr-HR" dirty="0" err="1" smtClean="0"/>
+              <a:t>layer</a:t>
+            </a:r>
+            <a:r>
+              <a:rPr lang="hr-HR" dirty="0" smtClean="0"/>
+              <a:t> </a:t>
+            </a:r>
+            <a:r>
+              <a:rPr lang="hr-HR" dirty="0" err="1" smtClean="0"/>
+              <a:t>by</a:t>
+            </a:r>
+            <a:r>
+              <a:rPr lang="hr-HR" dirty="0" smtClean="0"/>
+              <a:t> </a:t>
+            </a:r>
+            <a:r>
+              <a:rPr lang="hr-HR" dirty="0" err="1" smtClean="0"/>
+              <a:t>layer</a:t>
             </a:r>
             <a:endParaRPr lang="hr-HR" dirty="0"/>
           </a:p>
@@ -5383,11 +7114,11 @@
           <a:p>
             <a:pPr lvl="1"/>
             <a:r>
-              <a:rPr lang="hr-HR" dirty="0" err="1"/>
-              <a:t>Construcat</a:t>
-            </a:r>
-            <a:r>
-              <a:rPr lang="hr-HR" dirty="0"/>
+              <a:rPr lang="hr-HR" dirty="0" err="1" smtClean="0"/>
+              <a:t>Construct</a:t>
+            </a:r>
+            <a:r>
+              <a:rPr lang="hr-HR" dirty="0" smtClean="0"/>
               <a:t> </a:t>
             </a:r>
             <a:r>

--- a/Presentation.pptx
+++ b/Presentation.pptx
@@ -14,6 +14,11 @@
     <p:sldId id="262" r:id="rId8"/>
     <p:sldId id="263" r:id="rId9"/>
     <p:sldId id="264" r:id="rId10"/>
+    <p:sldId id="268" r:id="rId11"/>
+    <p:sldId id="265" r:id="rId12"/>
+    <p:sldId id="267" r:id="rId13"/>
+    <p:sldId id="269" r:id="rId14"/>
+    <p:sldId id="270" r:id="rId15"/>
   </p:sldIdLst>
   <p:sldSz cx="12192000" cy="6858000"/>
   <p:notesSz cx="6858000" cy="9144000"/>
@@ -112,6 +117,11 @@
       </a:defRPr>
     </a:lvl9pPr>
   </p:defaultTextStyle>
+  <p:extLst>
+    <p:ext uri="{EFAFB233-063F-42B5-8137-9DF3F51BA10A}">
+      <p15:sldGuideLst xmlns:p15="http://schemas.microsoft.com/office/powerpoint/2012/main"/>
+    </p:ext>
+  </p:extLst>
 </p:presentation>
 </file>
 
@@ -340,7 +350,7 @@
             <a:fld id="{5586B75A-687E-405C-8A0B-8D00578BA2C3}" type="datetimeFigureOut">
               <a:rPr lang="en-US" dirty="0"/>
               <a:pPr/>
-              <a:t>6/24/2016</a:t>
+              <a:t>7/4/2016</a:t>
             </a:fld>
             <a:endParaRPr lang="en-US" dirty="0"/>
           </a:p>
@@ -507,7 +517,7 @@
             <a:fld id="{5586B75A-687E-405C-8A0B-8D00578BA2C3}" type="datetimeFigureOut">
               <a:rPr lang="en-US" dirty="0"/>
               <a:pPr/>
-              <a:t>6/24/2016</a:t>
+              <a:t>7/4/2016</a:t>
             </a:fld>
             <a:endParaRPr lang="en-US" dirty="0"/>
           </a:p>
@@ -684,7 +694,7 @@
             <a:fld id="{5586B75A-687E-405C-8A0B-8D00578BA2C3}" type="datetimeFigureOut">
               <a:rPr lang="en-US" dirty="0"/>
               <a:pPr/>
-              <a:t>6/24/2016</a:t>
+              <a:t>7/4/2016</a:t>
             </a:fld>
             <a:endParaRPr lang="en-US" dirty="0"/>
           </a:p>
@@ -851,7 +861,7 @@
             <a:fld id="{5586B75A-687E-405C-8A0B-8D00578BA2C3}" type="datetimeFigureOut">
               <a:rPr lang="en-US" dirty="0"/>
               <a:pPr/>
-              <a:t>6/24/2016</a:t>
+              <a:t>7/4/2016</a:t>
             </a:fld>
             <a:endParaRPr lang="en-US" dirty="0"/>
           </a:p>
@@ -1106,7 +1116,7 @@
             <a:fld id="{5586B75A-687E-405C-8A0B-8D00578BA2C3}" type="datetimeFigureOut">
               <a:rPr lang="en-US" dirty="0"/>
               <a:pPr/>
-              <a:t>6/24/2016</a:t>
+              <a:t>7/4/2016</a:t>
             </a:fld>
             <a:endParaRPr lang="en-US" dirty="0"/>
           </a:p>
@@ -1391,7 +1401,7 @@
             <a:fld id="{5586B75A-687E-405C-8A0B-8D00578BA2C3}" type="datetimeFigureOut">
               <a:rPr lang="en-US" dirty="0"/>
               <a:pPr/>
-              <a:t>6/24/2016</a:t>
+              <a:t>7/4/2016</a:t>
             </a:fld>
             <a:endParaRPr lang="en-US" dirty="0"/>
           </a:p>
@@ -1830,7 +1840,7 @@
             <a:fld id="{5586B75A-687E-405C-8A0B-8D00578BA2C3}" type="datetimeFigureOut">
               <a:rPr lang="en-US" dirty="0"/>
               <a:pPr/>
-              <a:t>6/24/2016</a:t>
+              <a:t>7/4/2016</a:t>
             </a:fld>
             <a:endParaRPr lang="en-US" dirty="0"/>
           </a:p>
@@ -1945,7 +1955,7 @@
             <a:fld id="{5586B75A-687E-405C-8A0B-8D00578BA2C3}" type="datetimeFigureOut">
               <a:rPr lang="en-US" dirty="0"/>
               <a:pPr/>
-              <a:t>6/24/2016</a:t>
+              <a:t>7/4/2016</a:t>
             </a:fld>
             <a:endParaRPr lang="en-US" dirty="0"/>
           </a:p>
@@ -2037,7 +2047,7 @@
             <a:fld id="{5586B75A-687E-405C-8A0B-8D00578BA2C3}" type="datetimeFigureOut">
               <a:rPr lang="en-US" dirty="0"/>
               <a:pPr/>
-              <a:t>6/24/2016</a:t>
+              <a:t>7/4/2016</a:t>
             </a:fld>
             <a:endParaRPr lang="en-US" dirty="0"/>
           </a:p>
@@ -2322,7 +2332,7 @@
             <a:fld id="{5586B75A-687E-405C-8A0B-8D00578BA2C3}" type="datetimeFigureOut">
               <a:rPr lang="en-US" dirty="0"/>
               <a:pPr/>
-              <a:t>6/24/2016</a:t>
+              <a:t>7/4/2016</a:t>
             </a:fld>
             <a:endParaRPr lang="en-US" dirty="0"/>
           </a:p>
@@ -2592,7 +2602,7 @@
             <a:fld id="{5586B75A-687E-405C-8A0B-8D00578BA2C3}" type="datetimeFigureOut">
               <a:rPr lang="en-US" dirty="0"/>
               <a:pPr/>
-              <a:t>6/24/2016</a:t>
+              <a:t>7/4/2016</a:t>
             </a:fld>
             <a:endParaRPr lang="en-US" dirty="0"/>
           </a:p>
@@ -2886,7 +2896,7 @@
             <a:fld id="{5586B75A-687E-405C-8A0B-8D00578BA2C3}" type="datetimeFigureOut">
               <a:rPr lang="en-US" dirty="0"/>
               <a:pPr/>
-              <a:t>6/24/2016</a:t>
+              <a:t>7/4/2016</a:t>
             </a:fld>
             <a:endParaRPr lang="en-US" dirty="0"/>
           </a:p>
@@ -3424,6 +3434,1398 @@
 </p:sld>
 </file>
 
+<file path=ppt/slides/slide10.xml><?xml version="1.0" encoding="utf-8"?>
+<p:sld xmlns:a="http://schemas.openxmlformats.org/drawingml/2006/main" xmlns:r="http://schemas.openxmlformats.org/officeDocument/2006/relationships" xmlns:p="http://schemas.openxmlformats.org/presentationml/2006/main">
+  <p:cSld>
+    <p:spTree>
+      <p:nvGrpSpPr>
+        <p:cNvPr id="1" name=""/>
+        <p:cNvGrpSpPr/>
+        <p:nvPr/>
+      </p:nvGrpSpPr>
+      <p:grpSpPr>
+        <a:xfrm>
+          <a:off x="0" y="0"/>
+          <a:ext cx="0" cy="0"/>
+          <a:chOff x="0" y="0"/>
+          <a:chExt cx="0" cy="0"/>
+        </a:xfrm>
+      </p:grpSpPr>
+      <p:sp>
+        <p:nvSpPr>
+          <p:cNvPr id="2" name="Title 1"/>
+          <p:cNvSpPr>
+            <a:spLocks noGrp="1"/>
+          </p:cNvSpPr>
+          <p:nvPr>
+            <p:ph type="title"/>
+          </p:nvPr>
+        </p:nvSpPr>
+        <p:spPr/>
+        <p:txBody>
+          <a:bodyPr/>
+          <a:lstStyle/>
+          <a:p>
+            <a:r>
+              <a:rPr lang="hr-HR" dirty="0" smtClean="0"/>
+              <a:t>Test – system </a:t>
+            </a:r>
+            <a:r>
+              <a:rPr lang="hr-HR" dirty="0" err="1" smtClean="0"/>
+              <a:t>under</a:t>
+            </a:r>
+            <a:r>
+              <a:rPr lang="hr-HR" dirty="0" smtClean="0"/>
+              <a:t> test </a:t>
+            </a:r>
+            <a:r>
+              <a:rPr lang="hr-HR" dirty="0" err="1" smtClean="0"/>
+              <a:t>relationship</a:t>
+            </a:r>
+            <a:endParaRPr lang="hr-HR" dirty="0"/>
+          </a:p>
+        </p:txBody>
+      </p:sp>
+      <p:pic>
+        <p:nvPicPr>
+          <p:cNvPr id="6" name="Content Placeholder 5"/>
+          <p:cNvPicPr>
+            <a:picLocks noGrp="1" noChangeAspect="1"/>
+          </p:cNvPicPr>
+          <p:nvPr>
+            <p:ph idx="1"/>
+          </p:nvPr>
+        </p:nvPicPr>
+        <p:blipFill>
+          <a:blip r:embed="rId2">
+            <a:extLst>
+              <a:ext uri="{28A0092B-C50C-407E-A947-70E740481C1C}">
+                <a14:useLocalDpi xmlns:a14="http://schemas.microsoft.com/office/drawing/2010/main" val="0"/>
+              </a:ext>
+            </a:extLst>
+          </a:blip>
+          <a:stretch>
+            <a:fillRect/>
+          </a:stretch>
+        </p:blipFill>
+        <p:spPr>
+          <a:xfrm>
+            <a:off x="4056000" y="863600"/>
+            <a:ext cx="6940675" cy="5121275"/>
+          </a:xfrm>
+        </p:spPr>
+      </p:pic>
+    </p:spTree>
+    <p:extLst>
+      <p:ext uri="{BB962C8B-B14F-4D97-AF65-F5344CB8AC3E}">
+        <p14:creationId xmlns:p14="http://schemas.microsoft.com/office/powerpoint/2010/main" val="1642647465"/>
+      </p:ext>
+    </p:extLst>
+  </p:cSld>
+  <p:clrMapOvr>
+    <a:masterClrMapping/>
+  </p:clrMapOvr>
+</p:sld>
+</file>
+
+<file path=ppt/slides/slide11.xml><?xml version="1.0" encoding="utf-8"?>
+<p:sld xmlns:a="http://schemas.openxmlformats.org/drawingml/2006/main" xmlns:r="http://schemas.openxmlformats.org/officeDocument/2006/relationships" xmlns:p="http://schemas.openxmlformats.org/presentationml/2006/main">
+  <p:cSld>
+    <p:spTree>
+      <p:nvGrpSpPr>
+        <p:cNvPr id="1" name=""/>
+        <p:cNvGrpSpPr/>
+        <p:nvPr/>
+      </p:nvGrpSpPr>
+      <p:grpSpPr>
+        <a:xfrm>
+          <a:off x="0" y="0"/>
+          <a:ext cx="0" cy="0"/>
+          <a:chOff x="0" y="0"/>
+          <a:chExt cx="0" cy="0"/>
+        </a:xfrm>
+      </p:grpSpPr>
+      <p:sp>
+        <p:nvSpPr>
+          <p:cNvPr id="2" name="Title 1"/>
+          <p:cNvSpPr>
+            <a:spLocks noGrp="1"/>
+          </p:cNvSpPr>
+          <p:nvPr>
+            <p:ph type="title"/>
+          </p:nvPr>
+        </p:nvSpPr>
+        <p:spPr/>
+        <p:txBody>
+          <a:bodyPr/>
+          <a:lstStyle/>
+          <a:p>
+            <a:r>
+              <a:rPr lang="hr-HR" dirty="0" smtClean="0"/>
+              <a:t>Show </a:t>
+            </a:r>
+            <a:r>
+              <a:rPr lang="hr-HR" dirty="0" err="1" smtClean="0"/>
+              <a:t>case</a:t>
+            </a:r>
+            <a:r>
+              <a:rPr lang="hr-HR" dirty="0" smtClean="0"/>
+              <a:t> 2</a:t>
+            </a:r>
+            <a:endParaRPr lang="hr-HR" dirty="0"/>
+          </a:p>
+        </p:txBody>
+      </p:sp>
+      <p:pic>
+        <p:nvPicPr>
+          <p:cNvPr id="19" name="Content Placeholder 18"/>
+          <p:cNvPicPr>
+            <a:picLocks noGrp="1" noChangeAspect="1"/>
+          </p:cNvPicPr>
+          <p:nvPr>
+            <p:ph idx="1"/>
+          </p:nvPr>
+        </p:nvPicPr>
+        <p:blipFill>
+          <a:blip r:embed="rId2">
+            <a:extLst>
+              <a:ext uri="{28A0092B-C50C-407E-A947-70E740481C1C}">
+                <a14:useLocalDpi xmlns:a14="http://schemas.microsoft.com/office/drawing/2010/main" val="0"/>
+              </a:ext>
+            </a:extLst>
+          </a:blip>
+          <a:stretch>
+            <a:fillRect/>
+          </a:stretch>
+        </p:blipFill>
+        <p:spPr>
+          <a:xfrm>
+            <a:off x="3868738" y="1167273"/>
+            <a:ext cx="7315200" cy="4513929"/>
+          </a:xfrm>
+        </p:spPr>
+      </p:pic>
+    </p:spTree>
+    <p:extLst>
+      <p:ext uri="{BB962C8B-B14F-4D97-AF65-F5344CB8AC3E}">
+        <p14:creationId xmlns:p14="http://schemas.microsoft.com/office/powerpoint/2010/main" val="2402785208"/>
+      </p:ext>
+    </p:extLst>
+  </p:cSld>
+  <p:clrMapOvr>
+    <a:masterClrMapping/>
+  </p:clrMapOvr>
+</p:sld>
+</file>
+
+<file path=ppt/slides/slide12.xml><?xml version="1.0" encoding="utf-8"?>
+<p:sld xmlns:a="http://schemas.openxmlformats.org/drawingml/2006/main" xmlns:r="http://schemas.openxmlformats.org/officeDocument/2006/relationships" xmlns:p="http://schemas.openxmlformats.org/presentationml/2006/main">
+  <p:cSld>
+    <p:spTree>
+      <p:nvGrpSpPr>
+        <p:cNvPr id="1" name=""/>
+        <p:cNvGrpSpPr/>
+        <p:nvPr/>
+      </p:nvGrpSpPr>
+      <p:grpSpPr>
+        <a:xfrm>
+          <a:off x="0" y="0"/>
+          <a:ext cx="0" cy="0"/>
+          <a:chOff x="0" y="0"/>
+          <a:chExt cx="0" cy="0"/>
+        </a:xfrm>
+      </p:grpSpPr>
+      <p:sp>
+        <p:nvSpPr>
+          <p:cNvPr id="2" name="Title 1"/>
+          <p:cNvSpPr>
+            <a:spLocks noGrp="1"/>
+          </p:cNvSpPr>
+          <p:nvPr>
+            <p:ph type="title"/>
+          </p:nvPr>
+        </p:nvSpPr>
+        <p:spPr/>
+        <p:txBody>
+          <a:bodyPr/>
+          <a:lstStyle/>
+          <a:p>
+            <a:r>
+              <a:rPr lang="hr-HR" dirty="0" err="1" smtClean="0"/>
+              <a:t>Basic</a:t>
+            </a:r>
+            <a:r>
+              <a:rPr lang="hr-HR" dirty="0" smtClean="0"/>
+              <a:t> </a:t>
+            </a:r>
+            <a:r>
+              <a:rPr lang="hr-HR" dirty="0" err="1" smtClean="0"/>
+              <a:t>idea</a:t>
+            </a:r>
+            <a:endParaRPr lang="hr-HR" dirty="0"/>
+          </a:p>
+        </p:txBody>
+      </p:sp>
+      <p:sp>
+        <p:nvSpPr>
+          <p:cNvPr id="3" name="Content Placeholder 2"/>
+          <p:cNvSpPr>
+            <a:spLocks noGrp="1"/>
+          </p:cNvSpPr>
+          <p:nvPr>
+            <p:ph idx="1"/>
+          </p:nvPr>
+        </p:nvSpPr>
+        <p:spPr/>
+        <p:txBody>
+          <a:bodyPr/>
+          <a:lstStyle/>
+          <a:p>
+            <a:r>
+              <a:rPr lang="hr-HR" dirty="0" smtClean="0"/>
+              <a:t>Use </a:t>
+            </a:r>
+            <a:r>
+              <a:rPr lang="hr-HR" dirty="0" err="1" smtClean="0"/>
+              <a:t>real</a:t>
+            </a:r>
+            <a:r>
+              <a:rPr lang="hr-HR" dirty="0" smtClean="0"/>
+              <a:t> </a:t>
+            </a:r>
+            <a:r>
+              <a:rPr lang="hr-HR" dirty="0" err="1" smtClean="0"/>
+              <a:t>database</a:t>
+            </a:r>
+            <a:endParaRPr lang="hr-HR" dirty="0" smtClean="0"/>
+          </a:p>
+          <a:p>
+            <a:r>
+              <a:rPr lang="hr-HR" dirty="0" err="1" smtClean="0"/>
+              <a:t>Build</a:t>
+            </a:r>
+            <a:r>
+              <a:rPr lang="hr-HR" dirty="0" smtClean="0"/>
+              <a:t> </a:t>
+            </a:r>
+            <a:r>
+              <a:rPr lang="hr-HR" dirty="0" err="1" smtClean="0"/>
+              <a:t>clean</a:t>
+            </a:r>
+            <a:r>
+              <a:rPr lang="hr-HR" dirty="0" smtClean="0"/>
+              <a:t> </a:t>
+            </a:r>
+            <a:r>
+              <a:rPr lang="hr-HR" dirty="0" err="1" smtClean="0"/>
+              <a:t>database</a:t>
+            </a:r>
+            <a:r>
+              <a:rPr lang="hr-HR" dirty="0" smtClean="0"/>
+              <a:t> </a:t>
+            </a:r>
+            <a:r>
+              <a:rPr lang="hr-HR" dirty="0" err="1" smtClean="0"/>
+              <a:t>before</a:t>
+            </a:r>
+            <a:r>
+              <a:rPr lang="hr-HR" dirty="0" smtClean="0"/>
+              <a:t> </a:t>
+            </a:r>
+            <a:r>
+              <a:rPr lang="hr-HR" dirty="0" err="1" smtClean="0"/>
+              <a:t>integration</a:t>
+            </a:r>
+            <a:r>
+              <a:rPr lang="hr-HR" dirty="0" smtClean="0"/>
+              <a:t> test </a:t>
+            </a:r>
+            <a:r>
+              <a:rPr lang="hr-HR" dirty="0" err="1" smtClean="0"/>
+              <a:t>phase</a:t>
+            </a:r>
+            <a:r>
+              <a:rPr lang="hr-HR" dirty="0" smtClean="0"/>
+              <a:t> </a:t>
+            </a:r>
+            <a:r>
+              <a:rPr lang="hr-HR" dirty="0" smtClean="0"/>
+              <a:t>(use </a:t>
+            </a:r>
+            <a:r>
+              <a:rPr lang="hr-HR" dirty="0" err="1" smtClean="0"/>
+              <a:t>flyway</a:t>
+            </a:r>
+            <a:r>
+              <a:rPr lang="hr-HR" dirty="0" smtClean="0"/>
+              <a:t> -&gt; </a:t>
+            </a:r>
+            <a:r>
+              <a:rPr lang="hr-HR" dirty="0" err="1" smtClean="0"/>
+              <a:t>maven</a:t>
+            </a:r>
+            <a:r>
+              <a:rPr lang="hr-HR" dirty="0" smtClean="0"/>
+              <a:t> </a:t>
+            </a:r>
+            <a:r>
+              <a:rPr lang="hr-HR" dirty="0" err="1" smtClean="0"/>
+              <a:t>plugin</a:t>
+            </a:r>
+            <a:r>
+              <a:rPr lang="hr-HR" dirty="0" smtClean="0"/>
+              <a:t> </a:t>
+            </a:r>
+            <a:r>
+              <a:rPr lang="hr-HR" dirty="0" err="1" smtClean="0"/>
+              <a:t>exists</a:t>
+            </a:r>
+            <a:r>
+              <a:rPr lang="hr-HR" dirty="0" smtClean="0"/>
+              <a:t>)</a:t>
+            </a:r>
+          </a:p>
+          <a:p>
+            <a:r>
+              <a:rPr lang="hr-HR" dirty="0" err="1" smtClean="0"/>
+              <a:t>Build</a:t>
+            </a:r>
+            <a:r>
+              <a:rPr lang="hr-HR" dirty="0" smtClean="0"/>
+              <a:t> </a:t>
+            </a:r>
+            <a:r>
+              <a:rPr lang="hr-HR" dirty="0" err="1" smtClean="0"/>
+              <a:t>and</a:t>
+            </a:r>
+            <a:r>
+              <a:rPr lang="hr-HR" dirty="0" smtClean="0"/>
+              <a:t> </a:t>
+            </a:r>
+            <a:r>
+              <a:rPr lang="hr-HR" dirty="0" err="1" smtClean="0"/>
+              <a:t>deploy</a:t>
+            </a:r>
+            <a:r>
+              <a:rPr lang="hr-HR" dirty="0" smtClean="0"/>
+              <a:t> </a:t>
+            </a:r>
+            <a:r>
+              <a:rPr lang="hr-HR" dirty="0" err="1" smtClean="0"/>
+              <a:t>war</a:t>
+            </a:r>
+            <a:r>
+              <a:rPr lang="hr-HR" dirty="0" smtClean="0"/>
+              <a:t> to a </a:t>
+            </a:r>
+            <a:r>
+              <a:rPr lang="hr-HR" dirty="0" err="1" smtClean="0"/>
+              <a:t>real</a:t>
+            </a:r>
+            <a:r>
+              <a:rPr lang="hr-HR" dirty="0" smtClean="0"/>
+              <a:t> </a:t>
+            </a:r>
+            <a:r>
+              <a:rPr lang="hr-HR" dirty="0" err="1" smtClean="0"/>
+              <a:t>app</a:t>
+            </a:r>
+            <a:r>
+              <a:rPr lang="hr-HR" dirty="0" smtClean="0"/>
+              <a:t> server (use </a:t>
+            </a:r>
+            <a:r>
+              <a:rPr lang="hr-HR" dirty="0" err="1" smtClean="0"/>
+              <a:t>embedded</a:t>
+            </a:r>
+            <a:r>
+              <a:rPr lang="hr-HR" dirty="0" smtClean="0"/>
+              <a:t> </a:t>
+            </a:r>
+            <a:r>
+              <a:rPr lang="hr-HR" dirty="0" err="1" smtClean="0"/>
+              <a:t>if</a:t>
+            </a:r>
+            <a:r>
+              <a:rPr lang="hr-HR" dirty="0" smtClean="0"/>
+              <a:t> </a:t>
+            </a:r>
+            <a:r>
+              <a:rPr lang="hr-HR" dirty="0" err="1" smtClean="0"/>
+              <a:t>possible</a:t>
+            </a:r>
+            <a:r>
+              <a:rPr lang="hr-HR" dirty="0" smtClean="0"/>
+              <a:t>)</a:t>
+            </a:r>
+          </a:p>
+          <a:p>
+            <a:r>
+              <a:rPr lang="hr-HR" dirty="0" smtClean="0"/>
+              <a:t>Use </a:t>
+            </a:r>
+            <a:r>
+              <a:rPr lang="hr-HR" dirty="0" err="1" smtClean="0"/>
+              <a:t>repository</a:t>
+            </a:r>
+            <a:r>
+              <a:rPr lang="hr-HR" dirty="0" smtClean="0"/>
+              <a:t> </a:t>
+            </a:r>
+            <a:r>
+              <a:rPr lang="hr-HR" dirty="0" err="1" smtClean="0"/>
+              <a:t>layer</a:t>
+            </a:r>
+            <a:r>
+              <a:rPr lang="hr-HR" dirty="0" smtClean="0"/>
+              <a:t> to insert test data</a:t>
+            </a:r>
+          </a:p>
+          <a:p>
+            <a:r>
+              <a:rPr lang="hr-HR" dirty="0" smtClean="0"/>
+              <a:t>Use test data </a:t>
+            </a:r>
+            <a:r>
+              <a:rPr lang="hr-HR" dirty="0" err="1" smtClean="0"/>
+              <a:t>builders</a:t>
+            </a:r>
+            <a:r>
+              <a:rPr lang="hr-HR" dirty="0" smtClean="0"/>
+              <a:t> for </a:t>
+            </a:r>
+            <a:r>
+              <a:rPr lang="hr-HR" dirty="0" err="1" smtClean="0"/>
+              <a:t>defaults</a:t>
+            </a:r>
+            <a:endParaRPr lang="hr-HR" dirty="0" smtClean="0"/>
+          </a:p>
+          <a:p>
+            <a:r>
+              <a:rPr lang="hr-HR" dirty="0" smtClean="0"/>
+              <a:t>Clear </a:t>
+            </a:r>
+            <a:r>
+              <a:rPr lang="hr-HR" dirty="0" err="1" smtClean="0"/>
+              <a:t>database</a:t>
+            </a:r>
+            <a:r>
+              <a:rPr lang="hr-HR" dirty="0" smtClean="0"/>
+              <a:t> </a:t>
+            </a:r>
+            <a:r>
+              <a:rPr lang="hr-HR" dirty="0" err="1" smtClean="0"/>
+              <a:t>after</a:t>
+            </a:r>
+            <a:r>
+              <a:rPr lang="hr-HR" dirty="0" smtClean="0"/>
+              <a:t> </a:t>
+            </a:r>
+            <a:r>
+              <a:rPr lang="hr-HR" dirty="0" err="1" smtClean="0"/>
+              <a:t>every</a:t>
+            </a:r>
+            <a:r>
+              <a:rPr lang="hr-HR" dirty="0" smtClean="0"/>
+              <a:t> test</a:t>
+            </a:r>
+          </a:p>
+          <a:p>
+            <a:r>
+              <a:rPr lang="hr-HR" dirty="0" err="1" smtClean="0"/>
+              <a:t>Clean</a:t>
+            </a:r>
+            <a:r>
+              <a:rPr lang="hr-HR" dirty="0" smtClean="0"/>
+              <a:t> </a:t>
+            </a:r>
+            <a:r>
+              <a:rPr lang="hr-HR" dirty="0" err="1" smtClean="0"/>
+              <a:t>database</a:t>
+            </a:r>
+            <a:r>
+              <a:rPr lang="hr-HR" dirty="0" smtClean="0"/>
+              <a:t> </a:t>
+            </a:r>
+            <a:r>
+              <a:rPr lang="hr-HR" dirty="0" err="1" smtClean="0"/>
+              <a:t>after</a:t>
+            </a:r>
+            <a:r>
+              <a:rPr lang="hr-HR" dirty="0" smtClean="0"/>
+              <a:t> </a:t>
+            </a:r>
+            <a:r>
+              <a:rPr lang="hr-HR" dirty="0" err="1" smtClean="0"/>
+              <a:t>integration</a:t>
+            </a:r>
+            <a:r>
+              <a:rPr lang="hr-HR" dirty="0" smtClean="0"/>
+              <a:t> test </a:t>
+            </a:r>
+            <a:r>
+              <a:rPr lang="hr-HR" dirty="0" err="1" smtClean="0"/>
+              <a:t>phase</a:t>
+            </a:r>
+            <a:r>
+              <a:rPr lang="hr-HR" dirty="0" smtClean="0"/>
+              <a:t> </a:t>
+            </a:r>
+            <a:r>
+              <a:rPr lang="hr-HR" dirty="0" err="1" smtClean="0"/>
+              <a:t>is</a:t>
+            </a:r>
+            <a:r>
+              <a:rPr lang="hr-HR" dirty="0" smtClean="0"/>
+              <a:t> </a:t>
+            </a:r>
+            <a:r>
+              <a:rPr lang="hr-HR" dirty="0" err="1" smtClean="0"/>
+              <a:t>finished</a:t>
+            </a:r>
+            <a:endParaRPr lang="hr-HR" dirty="0" smtClean="0"/>
+          </a:p>
+          <a:p>
+            <a:endParaRPr lang="hr-HR" dirty="0" smtClean="0"/>
+          </a:p>
+          <a:p>
+            <a:endParaRPr lang="hr-HR" dirty="0"/>
+          </a:p>
+        </p:txBody>
+      </p:sp>
+    </p:spTree>
+    <p:extLst>
+      <p:ext uri="{BB962C8B-B14F-4D97-AF65-F5344CB8AC3E}">
+        <p14:creationId xmlns:p14="http://schemas.microsoft.com/office/powerpoint/2010/main" val="3256464009"/>
+      </p:ext>
+    </p:extLst>
+  </p:cSld>
+  <p:clrMapOvr>
+    <a:masterClrMapping/>
+  </p:clrMapOvr>
+</p:sld>
+</file>
+
+<file path=ppt/slides/slide13.xml><?xml version="1.0" encoding="utf-8"?>
+<p:sld xmlns:a="http://schemas.openxmlformats.org/drawingml/2006/main" xmlns:r="http://schemas.openxmlformats.org/officeDocument/2006/relationships" xmlns:p="http://schemas.openxmlformats.org/presentationml/2006/main">
+  <p:cSld>
+    <p:spTree>
+      <p:nvGrpSpPr>
+        <p:cNvPr id="1" name=""/>
+        <p:cNvGrpSpPr/>
+        <p:nvPr/>
+      </p:nvGrpSpPr>
+      <p:grpSpPr>
+        <a:xfrm>
+          <a:off x="0" y="0"/>
+          <a:ext cx="0" cy="0"/>
+          <a:chOff x="0" y="0"/>
+          <a:chExt cx="0" cy="0"/>
+        </a:xfrm>
+      </p:grpSpPr>
+      <p:sp>
+        <p:nvSpPr>
+          <p:cNvPr id="2" name="Title 1"/>
+          <p:cNvSpPr>
+            <a:spLocks noGrp="1"/>
+          </p:cNvSpPr>
+          <p:nvPr>
+            <p:ph type="title"/>
+          </p:nvPr>
+        </p:nvSpPr>
+        <p:spPr/>
+        <p:txBody>
+          <a:bodyPr/>
+          <a:lstStyle/>
+          <a:p>
+            <a:r>
+              <a:rPr lang="hr-HR" dirty="0" smtClean="0"/>
+              <a:t>Test – system </a:t>
+            </a:r>
+            <a:r>
+              <a:rPr lang="hr-HR" dirty="0" err="1" smtClean="0"/>
+              <a:t>under</a:t>
+            </a:r>
+            <a:r>
+              <a:rPr lang="hr-HR" dirty="0" smtClean="0"/>
+              <a:t> test </a:t>
+            </a:r>
+            <a:r>
+              <a:rPr lang="hr-HR" dirty="0" err="1" smtClean="0"/>
+              <a:t>relationship</a:t>
+            </a:r>
+            <a:endParaRPr lang="hr-HR" dirty="0"/>
+          </a:p>
+        </p:txBody>
+      </p:sp>
+      <p:pic>
+        <p:nvPicPr>
+          <p:cNvPr id="4" name="Content Placeholder 3"/>
+          <p:cNvPicPr>
+            <a:picLocks noGrp="1" noChangeAspect="1"/>
+          </p:cNvPicPr>
+          <p:nvPr>
+            <p:ph idx="1"/>
+          </p:nvPr>
+        </p:nvPicPr>
+        <p:blipFill>
+          <a:blip r:embed="rId2">
+            <a:extLst>
+              <a:ext uri="{28A0092B-C50C-407E-A947-70E740481C1C}">
+                <a14:useLocalDpi xmlns:a14="http://schemas.microsoft.com/office/drawing/2010/main" val="0"/>
+              </a:ext>
+            </a:extLst>
+          </a:blip>
+          <a:stretch>
+            <a:fillRect/>
+          </a:stretch>
+        </p:blipFill>
+        <p:spPr>
+          <a:xfrm>
+            <a:off x="3868738" y="1521510"/>
+            <a:ext cx="7315200" cy="3805455"/>
+          </a:xfrm>
+        </p:spPr>
+      </p:pic>
+    </p:spTree>
+    <p:extLst>
+      <p:ext uri="{BB962C8B-B14F-4D97-AF65-F5344CB8AC3E}">
+        <p14:creationId xmlns:p14="http://schemas.microsoft.com/office/powerpoint/2010/main" val="332052716"/>
+      </p:ext>
+    </p:extLst>
+  </p:cSld>
+  <p:clrMapOvr>
+    <a:masterClrMapping/>
+  </p:clrMapOvr>
+</p:sld>
+</file>
+
+<file path=ppt/slides/slide14.xml><?xml version="1.0" encoding="utf-8"?>
+<p:sld xmlns:a="http://schemas.openxmlformats.org/drawingml/2006/main" xmlns:r="http://schemas.openxmlformats.org/officeDocument/2006/relationships" xmlns:p="http://schemas.openxmlformats.org/presentationml/2006/main">
+  <p:cSld>
+    <p:spTree>
+      <p:nvGrpSpPr>
+        <p:cNvPr id="1" name=""/>
+        <p:cNvGrpSpPr/>
+        <p:nvPr/>
+      </p:nvGrpSpPr>
+      <p:grpSpPr>
+        <a:xfrm>
+          <a:off x="0" y="0"/>
+          <a:ext cx="0" cy="0"/>
+          <a:chOff x="0" y="0"/>
+          <a:chExt cx="0" cy="0"/>
+        </a:xfrm>
+      </p:grpSpPr>
+      <p:sp>
+        <p:nvSpPr>
+          <p:cNvPr id="2" name="Title 1"/>
+          <p:cNvSpPr>
+            <a:spLocks noGrp="1"/>
+          </p:cNvSpPr>
+          <p:nvPr>
+            <p:ph type="title"/>
+          </p:nvPr>
+        </p:nvSpPr>
+        <p:spPr/>
+        <p:txBody>
+          <a:bodyPr/>
+          <a:lstStyle/>
+          <a:p>
+            <a:r>
+              <a:rPr lang="hr-HR" dirty="0" err="1" smtClean="0"/>
+              <a:t>Testing</a:t>
+            </a:r>
+            <a:r>
+              <a:rPr lang="hr-HR" dirty="0" smtClean="0"/>
+              <a:t> system </a:t>
+            </a:r>
+            <a:r>
+              <a:rPr lang="hr-HR" dirty="0" err="1" smtClean="0"/>
+              <a:t>with</a:t>
+            </a:r>
+            <a:r>
+              <a:rPr lang="hr-HR" dirty="0" smtClean="0"/>
+              <a:t> </a:t>
+            </a:r>
+            <a:r>
+              <a:rPr lang="hr-HR" dirty="0" err="1" smtClean="0"/>
+              <a:t>dependency</a:t>
+            </a:r>
+            <a:r>
+              <a:rPr lang="hr-HR" dirty="0" smtClean="0"/>
+              <a:t> (</a:t>
+            </a:r>
+            <a:r>
+              <a:rPr lang="hr-HR" dirty="0" err="1" smtClean="0"/>
+              <a:t>client</a:t>
+            </a:r>
+            <a:r>
+              <a:rPr lang="hr-HR" dirty="0" smtClean="0"/>
+              <a:t>) to </a:t>
+            </a:r>
+            <a:r>
+              <a:rPr lang="hr-HR" dirty="0" err="1" smtClean="0"/>
+              <a:t>another</a:t>
+            </a:r>
+            <a:r>
+              <a:rPr lang="hr-HR" dirty="0" smtClean="0"/>
+              <a:t> system</a:t>
+            </a:r>
+            <a:endParaRPr lang="hr-HR" dirty="0"/>
+          </a:p>
+        </p:txBody>
+      </p:sp>
+      <p:sp>
+        <p:nvSpPr>
+          <p:cNvPr id="3" name="Content Placeholder 2"/>
+          <p:cNvSpPr>
+            <a:spLocks noGrp="1"/>
+          </p:cNvSpPr>
+          <p:nvPr>
+            <p:ph idx="1"/>
+          </p:nvPr>
+        </p:nvSpPr>
+        <p:spPr/>
+        <p:txBody>
+          <a:bodyPr/>
+          <a:lstStyle/>
+          <a:p>
+            <a:r>
+              <a:rPr lang="hr-HR" dirty="0" smtClean="0"/>
+              <a:t>Do </a:t>
+            </a:r>
+            <a:r>
+              <a:rPr lang="hr-HR" dirty="0" err="1" smtClean="0"/>
+              <a:t>not</a:t>
+            </a:r>
+            <a:r>
+              <a:rPr lang="hr-HR" dirty="0" smtClean="0"/>
+              <a:t> </a:t>
+            </a:r>
+            <a:r>
+              <a:rPr lang="hr-HR" dirty="0" err="1" smtClean="0"/>
+              <a:t>write</a:t>
+            </a:r>
+            <a:r>
+              <a:rPr lang="hr-HR" dirty="0" smtClean="0"/>
+              <a:t> </a:t>
+            </a:r>
+            <a:r>
+              <a:rPr lang="hr-HR" dirty="0" err="1" smtClean="0"/>
+              <a:t>integration</a:t>
+            </a:r>
+            <a:r>
+              <a:rPr lang="hr-HR" dirty="0" smtClean="0"/>
+              <a:t> </a:t>
+            </a:r>
+            <a:r>
+              <a:rPr lang="hr-HR" dirty="0" err="1" smtClean="0"/>
+              <a:t>tests</a:t>
+            </a:r>
+            <a:r>
+              <a:rPr lang="hr-HR" dirty="0" smtClean="0"/>
+              <a:t> </a:t>
+            </a:r>
+            <a:r>
+              <a:rPr lang="hr-HR" dirty="0" err="1" smtClean="0"/>
+              <a:t>with</a:t>
+            </a:r>
+            <a:r>
+              <a:rPr lang="hr-HR" dirty="0" smtClean="0"/>
+              <a:t> </a:t>
+            </a:r>
+            <a:r>
+              <a:rPr lang="hr-HR" dirty="0" err="1" smtClean="0"/>
+              <a:t>real</a:t>
+            </a:r>
+            <a:r>
+              <a:rPr lang="hr-HR" dirty="0" smtClean="0"/>
+              <a:t> </a:t>
+            </a:r>
+            <a:r>
+              <a:rPr lang="hr-HR" dirty="0" err="1" smtClean="0"/>
+              <a:t>client</a:t>
+            </a:r>
+            <a:r>
+              <a:rPr lang="hr-HR" dirty="0" smtClean="0"/>
+              <a:t> !!!</a:t>
+            </a:r>
+          </a:p>
+          <a:p>
+            <a:pPr lvl="1"/>
+            <a:r>
+              <a:rPr lang="hr-HR" dirty="0" smtClean="0"/>
+              <a:t>Hard to </a:t>
+            </a:r>
+            <a:r>
+              <a:rPr lang="hr-HR" dirty="0" err="1" smtClean="0"/>
+              <a:t>maintain</a:t>
+            </a:r>
+            <a:r>
+              <a:rPr lang="hr-HR" dirty="0" smtClean="0"/>
+              <a:t> </a:t>
+            </a:r>
+            <a:r>
+              <a:rPr lang="hr-HR" dirty="0" err="1" smtClean="0"/>
+              <a:t>tests</a:t>
+            </a:r>
+            <a:endParaRPr lang="hr-HR" dirty="0" smtClean="0"/>
+          </a:p>
+          <a:p>
+            <a:pPr lvl="1"/>
+            <a:r>
+              <a:rPr lang="hr-HR" dirty="0" smtClean="0"/>
+              <a:t>Hard to set </a:t>
+            </a:r>
+            <a:r>
+              <a:rPr lang="hr-HR" dirty="0" err="1" smtClean="0"/>
+              <a:t>up</a:t>
+            </a:r>
+            <a:r>
+              <a:rPr lang="hr-HR" dirty="0" smtClean="0"/>
+              <a:t> test </a:t>
+            </a:r>
+            <a:r>
+              <a:rPr lang="hr-HR" dirty="0" err="1" smtClean="0"/>
+              <a:t>environment</a:t>
+            </a:r>
+            <a:r>
+              <a:rPr lang="hr-HR" dirty="0" smtClean="0"/>
+              <a:t> (</a:t>
+            </a:r>
+            <a:r>
+              <a:rPr lang="hr-HR" dirty="0" err="1" smtClean="0"/>
+              <a:t>instead</a:t>
+            </a:r>
+            <a:r>
+              <a:rPr lang="hr-HR" dirty="0" smtClean="0"/>
+              <a:t> </a:t>
+            </a:r>
+            <a:r>
+              <a:rPr lang="hr-HR" dirty="0" err="1" smtClean="0"/>
+              <a:t>of</a:t>
+            </a:r>
+            <a:r>
+              <a:rPr lang="hr-HR" dirty="0" smtClean="0"/>
+              <a:t> </a:t>
+            </a:r>
+            <a:r>
+              <a:rPr lang="hr-HR" dirty="0" err="1" smtClean="0"/>
+              <a:t>setting</a:t>
+            </a:r>
+            <a:r>
+              <a:rPr lang="hr-HR" dirty="0" smtClean="0"/>
+              <a:t> </a:t>
+            </a:r>
+            <a:r>
+              <a:rPr lang="hr-HR" dirty="0" err="1" smtClean="0"/>
+              <a:t>up</a:t>
+            </a:r>
+            <a:r>
+              <a:rPr lang="hr-HR" dirty="0" smtClean="0"/>
+              <a:t> </a:t>
+            </a:r>
+            <a:r>
+              <a:rPr lang="hr-HR" dirty="0" err="1" smtClean="0"/>
+              <a:t>only</a:t>
+            </a:r>
+            <a:r>
+              <a:rPr lang="hr-HR" dirty="0" smtClean="0"/>
+              <a:t> one system </a:t>
+            </a:r>
+            <a:r>
+              <a:rPr lang="hr-HR" dirty="0" err="1" smtClean="0"/>
+              <a:t>you</a:t>
+            </a:r>
+            <a:r>
+              <a:rPr lang="hr-HR" dirty="0" smtClean="0"/>
+              <a:t> </a:t>
+            </a:r>
+            <a:r>
+              <a:rPr lang="hr-HR" dirty="0" err="1" smtClean="0"/>
+              <a:t>need</a:t>
+            </a:r>
+            <a:r>
+              <a:rPr lang="hr-HR" dirty="0" smtClean="0"/>
+              <a:t> to set </a:t>
+            </a:r>
+            <a:r>
+              <a:rPr lang="hr-HR" dirty="0" err="1" smtClean="0"/>
+              <a:t>up</a:t>
+            </a:r>
+            <a:r>
+              <a:rPr lang="hr-HR" dirty="0" smtClean="0"/>
+              <a:t> </a:t>
+            </a:r>
+            <a:r>
+              <a:rPr lang="hr-HR" dirty="0" err="1" smtClean="0"/>
+              <a:t>multiple</a:t>
+            </a:r>
+            <a:r>
+              <a:rPr lang="hr-HR" dirty="0" smtClean="0"/>
+              <a:t> </a:t>
+            </a:r>
+            <a:r>
+              <a:rPr lang="hr-HR" dirty="0" err="1" smtClean="0"/>
+              <a:t>systems</a:t>
+            </a:r>
+            <a:r>
+              <a:rPr lang="hr-HR" dirty="0" smtClean="0"/>
+              <a:t>)</a:t>
+            </a:r>
+          </a:p>
+          <a:p>
+            <a:r>
+              <a:rPr lang="hr-HR" dirty="0" err="1" smtClean="0"/>
+              <a:t>Write</a:t>
+            </a:r>
+            <a:r>
+              <a:rPr lang="hr-HR" dirty="0" smtClean="0"/>
+              <a:t> </a:t>
+            </a:r>
+            <a:r>
+              <a:rPr lang="hr-HR" dirty="0" err="1" smtClean="0"/>
+              <a:t>integreation</a:t>
+            </a:r>
+            <a:r>
+              <a:rPr lang="hr-HR" dirty="0" smtClean="0"/>
+              <a:t> test </a:t>
+            </a:r>
+            <a:r>
+              <a:rPr lang="hr-HR" dirty="0" err="1" smtClean="0"/>
+              <a:t>which</a:t>
+            </a:r>
+            <a:r>
+              <a:rPr lang="hr-HR" dirty="0" smtClean="0"/>
+              <a:t> </a:t>
+            </a:r>
+            <a:r>
+              <a:rPr lang="hr-HR" dirty="0" err="1" smtClean="0"/>
+              <a:t>tests</a:t>
+            </a:r>
+            <a:r>
+              <a:rPr lang="hr-HR" dirty="0" smtClean="0"/>
+              <a:t> </a:t>
+            </a:r>
+            <a:r>
+              <a:rPr lang="hr-HR" dirty="0" err="1" smtClean="0"/>
+              <a:t>client</a:t>
+            </a:r>
+            <a:r>
+              <a:rPr lang="hr-HR" dirty="0" smtClean="0"/>
+              <a:t> &lt;–&gt; </a:t>
+            </a:r>
+            <a:r>
+              <a:rPr lang="hr-HR" dirty="0" err="1" smtClean="0"/>
+              <a:t>external</a:t>
+            </a:r>
+            <a:r>
+              <a:rPr lang="hr-HR" dirty="0" smtClean="0"/>
+              <a:t> system </a:t>
+            </a:r>
+            <a:r>
+              <a:rPr lang="hr-HR" dirty="0" err="1" smtClean="0"/>
+              <a:t>communication</a:t>
+            </a:r>
+            <a:r>
+              <a:rPr lang="hr-HR" dirty="0" smtClean="0"/>
+              <a:t> </a:t>
+            </a:r>
+          </a:p>
+          <a:p>
+            <a:r>
+              <a:rPr lang="hr-HR" dirty="0"/>
+              <a:t>F</a:t>
+            </a:r>
+            <a:r>
+              <a:rPr lang="hr-HR" dirty="0" smtClean="0"/>
+              <a:t>or </a:t>
+            </a:r>
+            <a:r>
+              <a:rPr lang="hr-HR" dirty="0" err="1" smtClean="0"/>
+              <a:t>example</a:t>
+            </a:r>
+            <a:r>
+              <a:rPr lang="hr-HR" dirty="0" smtClean="0"/>
+              <a:t> </a:t>
+            </a:r>
+            <a:r>
+              <a:rPr lang="hr-HR" dirty="0" err="1" smtClean="0"/>
+              <a:t>write</a:t>
+            </a:r>
+            <a:r>
+              <a:rPr lang="hr-HR" dirty="0" smtClean="0"/>
+              <a:t> a test </a:t>
+            </a:r>
+            <a:r>
+              <a:rPr lang="hr-HR" dirty="0" err="1" smtClean="0"/>
+              <a:t>which</a:t>
+            </a:r>
+            <a:r>
+              <a:rPr lang="hr-HR" dirty="0" smtClean="0"/>
+              <a:t> </a:t>
+            </a:r>
+            <a:r>
+              <a:rPr lang="hr-HR" dirty="0" err="1" smtClean="0"/>
+              <a:t>sends</a:t>
+            </a:r>
+            <a:r>
+              <a:rPr lang="hr-HR" dirty="0" smtClean="0"/>
+              <a:t> a </a:t>
+            </a:r>
+            <a:r>
+              <a:rPr lang="hr-HR" dirty="0" err="1" smtClean="0"/>
+              <a:t>request</a:t>
+            </a:r>
+            <a:r>
+              <a:rPr lang="hr-HR" dirty="0" smtClean="0"/>
+              <a:t> to system but </a:t>
+            </a:r>
+            <a:r>
+              <a:rPr lang="hr-HR" dirty="0" err="1" smtClean="0"/>
+              <a:t>with</a:t>
+            </a:r>
+            <a:r>
+              <a:rPr lang="hr-HR" dirty="0" smtClean="0"/>
+              <a:t> no </a:t>
+            </a:r>
+            <a:r>
+              <a:rPr lang="hr-HR" dirty="0" err="1" smtClean="0"/>
+              <a:t>authentication</a:t>
+            </a:r>
+            <a:r>
+              <a:rPr lang="hr-HR" dirty="0" smtClean="0"/>
+              <a:t> data – </a:t>
+            </a:r>
+            <a:r>
+              <a:rPr lang="hr-HR" dirty="0" err="1" smtClean="0"/>
+              <a:t>expected</a:t>
+            </a:r>
+            <a:r>
+              <a:rPr lang="hr-HR" dirty="0" smtClean="0"/>
+              <a:t> </a:t>
+            </a:r>
+            <a:r>
+              <a:rPr lang="hr-HR" dirty="0" err="1" smtClean="0"/>
+              <a:t>error</a:t>
+            </a:r>
+            <a:r>
+              <a:rPr lang="hr-HR" dirty="0" smtClean="0"/>
+              <a:t> </a:t>
+            </a:r>
+            <a:r>
+              <a:rPr lang="hr-HR" dirty="0" err="1" smtClean="0"/>
+              <a:t>authentication</a:t>
+            </a:r>
+            <a:r>
+              <a:rPr lang="hr-HR" dirty="0" smtClean="0"/>
+              <a:t> </a:t>
+            </a:r>
+            <a:r>
+              <a:rPr lang="hr-HR" dirty="0" err="1" smtClean="0"/>
+              <a:t>exception</a:t>
+            </a:r>
+            <a:endParaRPr lang="hr-HR" dirty="0" smtClean="0"/>
+          </a:p>
+          <a:p>
+            <a:r>
+              <a:rPr lang="hr-HR" dirty="0" smtClean="0"/>
+              <a:t>In system </a:t>
+            </a:r>
+            <a:r>
+              <a:rPr lang="hr-HR" dirty="0" err="1" smtClean="0"/>
+              <a:t>and</a:t>
+            </a:r>
+            <a:r>
+              <a:rPr lang="hr-HR" dirty="0" smtClean="0"/>
+              <a:t> </a:t>
+            </a:r>
+            <a:r>
+              <a:rPr lang="hr-HR" dirty="0" err="1" smtClean="0"/>
+              <a:t>integration</a:t>
+            </a:r>
+            <a:r>
+              <a:rPr lang="hr-HR" dirty="0" smtClean="0"/>
+              <a:t> test use </a:t>
+            </a:r>
+            <a:r>
+              <a:rPr lang="hr-HR" dirty="0" err="1" smtClean="0"/>
+              <a:t>mocks</a:t>
+            </a:r>
+            <a:r>
+              <a:rPr lang="hr-HR" dirty="0" smtClean="0"/>
+              <a:t> </a:t>
+            </a:r>
+            <a:r>
+              <a:rPr lang="hr-HR" dirty="0" err="1" smtClean="0"/>
+              <a:t>that</a:t>
+            </a:r>
+            <a:r>
+              <a:rPr lang="hr-HR" dirty="0" smtClean="0"/>
+              <a:t> </a:t>
+            </a:r>
+            <a:r>
+              <a:rPr lang="hr-HR" dirty="0" err="1" smtClean="0"/>
+              <a:t>accepts</a:t>
+            </a:r>
+            <a:r>
+              <a:rPr lang="hr-HR" dirty="0" smtClean="0"/>
+              <a:t> </a:t>
+            </a:r>
+            <a:r>
+              <a:rPr lang="hr-HR" dirty="0" err="1" smtClean="0"/>
+              <a:t>limited</a:t>
+            </a:r>
+            <a:r>
+              <a:rPr lang="hr-HR" dirty="0" smtClean="0"/>
+              <a:t> set </a:t>
+            </a:r>
+            <a:r>
+              <a:rPr lang="hr-HR" dirty="0" err="1" smtClean="0"/>
+              <a:t>of</a:t>
+            </a:r>
+            <a:r>
+              <a:rPr lang="hr-HR" dirty="0" smtClean="0"/>
+              <a:t> data</a:t>
+            </a:r>
+          </a:p>
+          <a:p>
+            <a:r>
+              <a:rPr lang="hr-HR" dirty="0" smtClean="0"/>
+              <a:t>For </a:t>
+            </a:r>
+            <a:r>
+              <a:rPr lang="hr-HR" dirty="0" err="1" smtClean="0"/>
+              <a:t>example</a:t>
+            </a:r>
+            <a:r>
+              <a:rPr lang="hr-HR" dirty="0" smtClean="0"/>
+              <a:t> </a:t>
+            </a:r>
+            <a:r>
+              <a:rPr lang="hr-HR" dirty="0" err="1" smtClean="0"/>
+              <a:t>checkAddressExists</a:t>
+            </a:r>
+            <a:r>
+              <a:rPr lang="hr-HR" dirty="0" smtClean="0"/>
+              <a:t> – </a:t>
+            </a:r>
+            <a:r>
+              <a:rPr lang="hr-HR" dirty="0" err="1" smtClean="0"/>
+              <a:t>there</a:t>
+            </a:r>
+            <a:r>
+              <a:rPr lang="hr-HR" dirty="0" smtClean="0"/>
+              <a:t> are 2 </a:t>
+            </a:r>
+            <a:r>
+              <a:rPr lang="hr-HR" dirty="0" err="1" smtClean="0"/>
+              <a:t>possible</a:t>
+            </a:r>
+            <a:r>
+              <a:rPr lang="hr-HR" dirty="0" smtClean="0"/>
+              <a:t> </a:t>
+            </a:r>
+            <a:r>
+              <a:rPr lang="hr-HR" dirty="0" err="1" smtClean="0"/>
+              <a:t>outcomes</a:t>
+            </a:r>
+            <a:r>
+              <a:rPr lang="hr-HR" dirty="0" smtClean="0"/>
+              <a:t>, </a:t>
+            </a:r>
+            <a:r>
+              <a:rPr lang="hr-HR" dirty="0" err="1" smtClean="0"/>
+              <a:t>cover</a:t>
+            </a:r>
+            <a:r>
+              <a:rPr lang="hr-HR" dirty="0" smtClean="0"/>
+              <a:t> </a:t>
+            </a:r>
+            <a:r>
+              <a:rPr lang="hr-HR" dirty="0" err="1" smtClean="0"/>
+              <a:t>them</a:t>
+            </a:r>
+            <a:r>
+              <a:rPr lang="hr-HR" dirty="0" smtClean="0"/>
+              <a:t> </a:t>
+            </a:r>
+            <a:r>
+              <a:rPr lang="hr-HR" dirty="0" err="1" smtClean="0"/>
+              <a:t>with</a:t>
+            </a:r>
+            <a:r>
+              <a:rPr lang="hr-HR" dirty="0" smtClean="0"/>
+              <a:t> </a:t>
+            </a:r>
+            <a:r>
+              <a:rPr lang="hr-HR" dirty="0" err="1" smtClean="0"/>
+              <a:t>you</a:t>
+            </a:r>
+            <a:r>
+              <a:rPr lang="hr-HR" dirty="0" smtClean="0"/>
+              <a:t> test. </a:t>
+            </a:r>
+            <a:r>
+              <a:rPr lang="hr-HR" dirty="0" err="1" smtClean="0"/>
+              <a:t>If</a:t>
+            </a:r>
+            <a:r>
+              <a:rPr lang="hr-HR" dirty="0" smtClean="0"/>
+              <a:t> </a:t>
+            </a:r>
+            <a:r>
+              <a:rPr lang="hr-HR" dirty="0" err="1" smtClean="0"/>
+              <a:t>the</a:t>
+            </a:r>
+            <a:r>
+              <a:rPr lang="hr-HR" dirty="0" smtClean="0"/>
+              <a:t> </a:t>
+            </a:r>
+            <a:r>
+              <a:rPr lang="hr-HR" dirty="0" err="1" smtClean="0"/>
+              <a:t>other</a:t>
+            </a:r>
+            <a:r>
+              <a:rPr lang="hr-HR" dirty="0" smtClean="0"/>
+              <a:t> system do </a:t>
+            </a:r>
+            <a:r>
+              <a:rPr lang="hr-HR" dirty="0" err="1" smtClean="0"/>
+              <a:t>what</a:t>
+            </a:r>
+            <a:r>
+              <a:rPr lang="hr-HR" dirty="0" smtClean="0"/>
+              <a:t> </a:t>
+            </a:r>
+            <a:r>
+              <a:rPr lang="hr-HR" dirty="0" err="1" smtClean="0"/>
+              <a:t>it</a:t>
+            </a:r>
+            <a:r>
+              <a:rPr lang="hr-HR" dirty="0" smtClean="0"/>
+              <a:t> </a:t>
+            </a:r>
+            <a:r>
+              <a:rPr lang="hr-HR" dirty="0" err="1" smtClean="0"/>
+              <a:t>is</a:t>
+            </a:r>
+            <a:r>
+              <a:rPr lang="hr-HR" dirty="0" smtClean="0"/>
+              <a:t> </a:t>
+            </a:r>
+            <a:r>
+              <a:rPr lang="hr-HR" dirty="0" err="1" smtClean="0"/>
+              <a:t>expected</a:t>
+            </a:r>
+            <a:r>
+              <a:rPr lang="hr-HR" dirty="0" smtClean="0"/>
+              <a:t> to do, </a:t>
+            </a:r>
+            <a:r>
+              <a:rPr lang="hr-HR" dirty="0" err="1" smtClean="0"/>
+              <a:t>this</a:t>
+            </a:r>
+            <a:r>
+              <a:rPr lang="hr-HR" dirty="0" smtClean="0"/>
+              <a:t> </a:t>
+            </a:r>
+            <a:r>
+              <a:rPr lang="hr-HR" dirty="0" err="1" smtClean="0"/>
+              <a:t>will</a:t>
+            </a:r>
+            <a:r>
+              <a:rPr lang="hr-HR" dirty="0" smtClean="0"/>
+              <a:t> </a:t>
+            </a:r>
+            <a:r>
+              <a:rPr lang="hr-HR" dirty="0" err="1" smtClean="0"/>
+              <a:t>be</a:t>
+            </a:r>
+            <a:r>
+              <a:rPr lang="hr-HR" dirty="0"/>
+              <a:t> </a:t>
+            </a:r>
+            <a:r>
+              <a:rPr lang="hr-HR" dirty="0" err="1"/>
+              <a:t>sufficient</a:t>
+            </a:r>
+            <a:r>
+              <a:rPr lang="hr-HR" dirty="0"/>
+              <a:t> </a:t>
+            </a:r>
+            <a:endParaRPr lang="hr-HR" dirty="0" smtClean="0"/>
+          </a:p>
+          <a:p>
+            <a:r>
+              <a:rPr lang="hr-HR" dirty="0" err="1" smtClean="0"/>
+              <a:t>Your</a:t>
+            </a:r>
+            <a:r>
+              <a:rPr lang="hr-HR" dirty="0"/>
+              <a:t> </a:t>
+            </a:r>
+            <a:r>
+              <a:rPr lang="hr-HR" dirty="0" err="1" smtClean="0"/>
+              <a:t>job</a:t>
+            </a:r>
+            <a:r>
+              <a:rPr lang="hr-HR" dirty="0" smtClean="0"/>
+              <a:t> </a:t>
+            </a:r>
+            <a:r>
+              <a:rPr lang="hr-HR" dirty="0" err="1" smtClean="0"/>
+              <a:t>is</a:t>
+            </a:r>
+            <a:r>
+              <a:rPr lang="hr-HR" dirty="0" smtClean="0"/>
+              <a:t> </a:t>
+            </a:r>
+            <a:r>
+              <a:rPr lang="hr-HR" dirty="0" err="1" smtClean="0"/>
+              <a:t>not</a:t>
+            </a:r>
+            <a:r>
+              <a:rPr lang="hr-HR" dirty="0" smtClean="0"/>
+              <a:t> to test </a:t>
+            </a:r>
+            <a:r>
+              <a:rPr lang="hr-HR" dirty="0" err="1" smtClean="0"/>
+              <a:t>other</a:t>
+            </a:r>
+            <a:r>
+              <a:rPr lang="hr-HR" dirty="0" smtClean="0"/>
+              <a:t> </a:t>
+            </a:r>
+            <a:r>
+              <a:rPr lang="hr-HR" dirty="0" err="1" smtClean="0"/>
+              <a:t>systems</a:t>
+            </a:r>
+            <a:r>
+              <a:rPr lang="hr-HR" dirty="0"/>
+              <a:t> </a:t>
+            </a:r>
+            <a:r>
+              <a:rPr lang="hr-HR" dirty="0" smtClean="0"/>
+              <a:t>!!!</a:t>
+            </a:r>
+          </a:p>
+        </p:txBody>
+      </p:sp>
+    </p:spTree>
+    <p:extLst>
+      <p:ext uri="{BB962C8B-B14F-4D97-AF65-F5344CB8AC3E}">
+        <p14:creationId xmlns:p14="http://schemas.microsoft.com/office/powerpoint/2010/main" val="3524635468"/>
+      </p:ext>
+    </p:extLst>
+  </p:cSld>
+  <p:clrMapOvr>
+    <a:masterClrMapping/>
+  </p:clrMapOvr>
+</p:sld>
+</file>
+
 <file path=ppt/slides/slide2.xml><?xml version="1.0" encoding="utf-8"?>
 <p:sld xmlns:a="http://schemas.openxmlformats.org/drawingml/2006/main" xmlns:r="http://schemas.openxmlformats.org/officeDocument/2006/relationships" xmlns:p="http://schemas.openxmlformats.org/presentationml/2006/main">
   <p:cSld>
@@ -4088,7 +5490,6 @@
               <a:rPr lang="en-US" dirty="0"/>
               <a:t>When The test for an object becomes too complicated to set up - when there are too many moving parts to get the code into the relevant state - consider bundling up some of the collaborating objects</a:t>
             </a:r>
-            <a:endParaRPr lang="en-US" dirty="0"/>
           </a:p>
         </p:txBody>
       </p:sp>
@@ -4374,26 +5775,56 @@
               <a:t> </a:t>
             </a:r>
             <a:r>
-              <a:rPr lang="hr-HR" dirty="0" err="1"/>
+              <a:rPr lang="hr-HR" dirty="0" err="1" smtClean="0"/>
               <a:t>framework</a:t>
             </a:r>
+            <a:r>
+              <a:rPr lang="hr-HR" dirty="0"/>
+              <a:t> </a:t>
+            </a:r>
+            <a:endParaRPr lang="hr-HR" dirty="0" smtClean="0"/>
+          </a:p>
+          <a:p>
+            <a:pPr lvl="1"/>
+            <a:r>
+              <a:rPr lang="hr-HR" dirty="0" smtClean="0">
+                <a:hlinkClick r:id="rId2"/>
+              </a:rPr>
+              <a:t>http</a:t>
+            </a:r>
+            <a:r>
+              <a:rPr lang="hr-HR" dirty="0">
+                <a:hlinkClick r:id="rId2"/>
+              </a:rPr>
+              <a:t>://junit.org/junit4</a:t>
+            </a:r>
+            <a:r>
+              <a:rPr lang="hr-HR" dirty="0" smtClean="0">
+                <a:hlinkClick r:id="rId2"/>
+              </a:rPr>
+              <a:t>/</a:t>
+            </a:r>
+            <a:r>
+              <a:rPr lang="hr-HR" dirty="0" smtClean="0"/>
+              <a:t> </a:t>
+            </a:r>
             <a:endParaRPr lang="hr-HR" dirty="0"/>
           </a:p>
           <a:p>
             <a:r>
-              <a:rPr lang="hr-HR" dirty="0" err="1"/>
+              <a:rPr lang="hr-HR" dirty="0" err="1" smtClean="0"/>
               <a:t>AssertJ</a:t>
             </a:r>
             <a:r>
-              <a:rPr lang="hr-HR" dirty="0"/>
+              <a:rPr lang="hr-HR" dirty="0" smtClean="0"/>
               <a:t> - </a:t>
             </a:r>
             <a:r>
-              <a:rPr lang="hr-HR" dirty="0" err="1"/>
+              <a:rPr lang="hr-HR" dirty="0" err="1" smtClean="0"/>
               <a:t>fluent</a:t>
             </a:r>
             <a:r>
-              <a:rPr lang="hr-HR" dirty="0"/>
+              <a:rPr lang="hr-HR" dirty="0" smtClean="0"/>
               <a:t> </a:t>
             </a:r>
             <a:r>
@@ -4402,85 +5833,229 @@
             </a:r>
             <a:r>
               <a:rPr lang="hr-HR" dirty="0"/>
-              <a:t> for java</a:t>
-            </a:r>
-          </a:p>
-          <a:p>
-            <a:r>
-              <a:rPr lang="hr-HR" dirty="0" err="1"/>
+              <a:t> </a:t>
+            </a:r>
+            <a:r>
+              <a:rPr lang="hr-HR" dirty="0" smtClean="0"/>
+              <a:t>for java</a:t>
+            </a:r>
+          </a:p>
+          <a:p>
+            <a:pPr lvl="1"/>
+            <a:r>
+              <a:rPr lang="hr-HR" dirty="0" smtClean="0"/>
+              <a:t> </a:t>
+            </a:r>
+            <a:r>
+              <a:rPr lang="hr-HR" dirty="0" smtClean="0">
+                <a:hlinkClick r:id="rId3"/>
+              </a:rPr>
+              <a:t>http</a:t>
+            </a:r>
+            <a:r>
+              <a:rPr lang="hr-HR" dirty="0">
+                <a:hlinkClick r:id="rId3"/>
+              </a:rPr>
+              <a:t>://</a:t>
+            </a:r>
+            <a:r>
+              <a:rPr lang="hr-HR" dirty="0" smtClean="0">
+                <a:hlinkClick r:id="rId3"/>
+              </a:rPr>
+              <a:t>joel-costigliola.github.io/assertj/</a:t>
+            </a:r>
+            <a:r>
+              <a:rPr lang="hr-HR" dirty="0" smtClean="0"/>
+              <a:t> </a:t>
+            </a:r>
+            <a:endParaRPr lang="hr-HR" dirty="0"/>
+          </a:p>
+          <a:p>
+            <a:r>
+              <a:rPr lang="hr-HR" dirty="0" err="1" smtClean="0"/>
               <a:t>Mockito</a:t>
             </a:r>
             <a:r>
-              <a:rPr lang="hr-HR" dirty="0"/>
+              <a:rPr lang="hr-HR" dirty="0" smtClean="0"/>
+              <a:t> </a:t>
+            </a:r>
+            <a:r>
+              <a:rPr lang="hr-HR" dirty="0"/>
+              <a:t>– </a:t>
+            </a:r>
+            <a:r>
+              <a:rPr lang="en-US" dirty="0"/>
+              <a:t>enables mock creation, verification and </a:t>
+            </a:r>
+            <a:r>
+              <a:rPr lang="en-US" dirty="0" smtClean="0"/>
+              <a:t>stubbing</a:t>
+            </a:r>
+            <a:endParaRPr lang="hr-HR" dirty="0" smtClean="0"/>
+          </a:p>
+          <a:p>
+            <a:pPr lvl="1"/>
+            <a:r>
+              <a:rPr lang="hr-HR" dirty="0">
+                <a:hlinkClick r:id="rId4"/>
+              </a:rPr>
+              <a:t>http://mockito.org</a:t>
+            </a:r>
+            <a:r>
+              <a:rPr lang="hr-HR" dirty="0" smtClean="0">
+                <a:hlinkClick r:id="rId4"/>
+              </a:rPr>
+              <a:t>/</a:t>
+            </a:r>
+            <a:r>
+              <a:rPr lang="hr-HR" dirty="0" smtClean="0"/>
+              <a:t> </a:t>
+            </a:r>
+            <a:endParaRPr lang="hr-HR" dirty="0"/>
+          </a:p>
+          <a:p>
+            <a:r>
+              <a:rPr lang="hr-HR" dirty="0" err="1"/>
+              <a:t>Spring</a:t>
+            </a:r>
+            <a:r>
+              <a:rPr lang="hr-HR" dirty="0"/>
+              <a:t>-test (</a:t>
+            </a:r>
+            <a:r>
+              <a:rPr lang="hr-HR" dirty="0" err="1"/>
+              <a:t>Spring</a:t>
+            </a:r>
+            <a:r>
+              <a:rPr lang="hr-HR" dirty="0"/>
+              <a:t> </a:t>
+            </a:r>
+            <a:r>
+              <a:rPr lang="hr-HR" dirty="0" err="1"/>
+              <a:t>framework</a:t>
+            </a:r>
+            <a:r>
+              <a:rPr lang="hr-HR" dirty="0" smtClean="0"/>
+              <a:t>)</a:t>
+            </a:r>
+          </a:p>
+          <a:p>
+            <a:pPr lvl="1"/>
+            <a:r>
+              <a:rPr lang="hr-HR" dirty="0">
+                <a:hlinkClick r:id="rId5"/>
+              </a:rPr>
+              <a:t>http://</a:t>
+            </a:r>
+            <a:r>
+              <a:rPr lang="hr-HR" dirty="0" smtClean="0">
+                <a:hlinkClick r:id="rId5"/>
+              </a:rPr>
+              <a:t>docs.spring.io/spring/docs/current/spring-framework-reference/html/integration-testing.html</a:t>
+            </a:r>
+            <a:r>
+              <a:rPr lang="hr-HR" dirty="0" smtClean="0"/>
+              <a:t> </a:t>
+            </a:r>
+            <a:endParaRPr lang="hr-HR" dirty="0"/>
+          </a:p>
+          <a:p>
+            <a:r>
+              <a:rPr lang="hr-HR" dirty="0" err="1"/>
+              <a:t>Arquillian</a:t>
+            </a:r>
+            <a:r>
+              <a:rPr lang="hr-HR" dirty="0"/>
+              <a:t> (Java EE) – </a:t>
+            </a:r>
+            <a:r>
+              <a:rPr lang="hr-HR" dirty="0" err="1"/>
+              <a:t>very</a:t>
+            </a:r>
+            <a:r>
+              <a:rPr lang="hr-HR" dirty="0"/>
+              <a:t> </a:t>
+            </a:r>
+            <a:r>
+              <a:rPr lang="hr-HR" dirty="0" err="1"/>
+              <a:t>similar</a:t>
+            </a:r>
+            <a:r>
+              <a:rPr lang="hr-HR" dirty="0"/>
+              <a:t> to </a:t>
+            </a:r>
+            <a:r>
+              <a:rPr lang="hr-HR" dirty="0" err="1"/>
+              <a:t>spring</a:t>
+            </a:r>
+            <a:r>
+              <a:rPr lang="hr-HR" dirty="0"/>
+              <a:t>-test</a:t>
+            </a:r>
+          </a:p>
+          <a:p>
+            <a:pPr lvl="1"/>
+            <a:r>
+              <a:rPr lang="hr-HR" dirty="0">
+                <a:hlinkClick r:id="rId6"/>
+              </a:rPr>
+              <a:t>http://arquillian.org</a:t>
+            </a:r>
+            <a:r>
+              <a:rPr lang="hr-HR" dirty="0" smtClean="0">
+                <a:hlinkClick r:id="rId6"/>
+              </a:rPr>
+              <a:t>/</a:t>
+            </a:r>
+            <a:r>
+              <a:rPr lang="hr-HR" dirty="0" smtClean="0"/>
+              <a:t> </a:t>
+            </a:r>
+          </a:p>
+          <a:p>
+            <a:r>
+              <a:rPr lang="hr-HR" dirty="0" err="1" smtClean="0"/>
+              <a:t>Flyway</a:t>
+            </a:r>
+            <a:r>
+              <a:rPr lang="hr-HR" dirty="0" smtClean="0"/>
               <a:t> – </a:t>
             </a:r>
             <a:r>
-              <a:rPr lang="en-US" dirty="0"/>
-              <a:t>enables mock creation, verification and stubbing</a:t>
-            </a:r>
-            <a:endParaRPr lang="hr-HR" dirty="0"/>
-          </a:p>
-          <a:p>
-            <a:r>
-              <a:rPr lang="hr-HR" dirty="0" err="1"/>
-              <a:t>Spring</a:t>
-            </a:r>
-            <a:r>
-              <a:rPr lang="hr-HR" dirty="0"/>
-              <a:t>-test (</a:t>
-            </a:r>
-            <a:r>
-              <a:rPr lang="hr-HR" dirty="0" err="1"/>
-              <a:t>Spring</a:t>
-            </a:r>
-            <a:r>
-              <a:rPr lang="hr-HR" dirty="0"/>
-              <a:t> </a:t>
-            </a:r>
-            <a:r>
-              <a:rPr lang="hr-HR" dirty="0" err="1"/>
-              <a:t>framework</a:t>
-            </a:r>
-            <a:r>
-              <a:rPr lang="hr-HR" dirty="0"/>
-              <a:t>)</a:t>
-            </a:r>
-          </a:p>
-          <a:p>
-            <a:r>
-              <a:rPr lang="hr-HR" dirty="0" err="1"/>
-              <a:t>Arquillian</a:t>
-            </a:r>
-            <a:r>
-              <a:rPr lang="hr-HR" dirty="0"/>
-              <a:t> (Java EE) – </a:t>
-            </a:r>
-            <a:r>
-              <a:rPr lang="hr-HR" dirty="0" err="1"/>
-              <a:t>very</a:t>
-            </a:r>
-            <a:r>
-              <a:rPr lang="hr-HR" dirty="0"/>
-              <a:t> </a:t>
-            </a:r>
-            <a:r>
-              <a:rPr lang="hr-HR" dirty="0" err="1"/>
-              <a:t>similar</a:t>
-            </a:r>
-            <a:r>
-              <a:rPr lang="hr-HR" dirty="0"/>
-              <a:t> to </a:t>
-            </a:r>
-            <a:r>
-              <a:rPr lang="hr-HR" dirty="0" err="1"/>
-              <a:t>spring</a:t>
-            </a:r>
-            <a:r>
-              <a:rPr lang="hr-HR" dirty="0"/>
-              <a:t>-test</a:t>
-            </a:r>
-          </a:p>
-          <a:p>
+              <a:rPr lang="hr-HR" dirty="0" err="1" smtClean="0"/>
+              <a:t>database</a:t>
+            </a:r>
+            <a:r>
+              <a:rPr lang="hr-HR" dirty="0" smtClean="0"/>
+              <a:t> </a:t>
+            </a:r>
+            <a:r>
+              <a:rPr lang="hr-HR" dirty="0" err="1" smtClean="0"/>
+              <a:t>migrations</a:t>
+            </a:r>
+            <a:r>
+              <a:rPr lang="hr-HR" dirty="0" smtClean="0"/>
+              <a:t> </a:t>
+            </a:r>
+          </a:p>
+          <a:p>
+            <a:pPr lvl="1"/>
+            <a:r>
+              <a:rPr lang="hr-HR" dirty="0">
+                <a:hlinkClick r:id="rId7"/>
+              </a:rPr>
+              <a:t>https://flywaydb.org</a:t>
+            </a:r>
+            <a:r>
+              <a:rPr lang="hr-HR" dirty="0" smtClean="0">
+                <a:hlinkClick r:id="rId7"/>
+              </a:rPr>
+              <a:t>/</a:t>
+            </a:r>
+            <a:r>
+              <a:rPr lang="hr-HR" dirty="0" smtClean="0"/>
+              <a:t>	</a:t>
+            </a:r>
             <a:endParaRPr lang="hr-HR" dirty="0"/>
           </a:p>
         </p:txBody>
@@ -4779,102 +6354,250 @@
               <a:t> </a:t>
             </a:r>
             <a:r>
-              <a:rPr lang="hr-HR" dirty="0" err="1"/>
+              <a:rPr lang="hr-HR" dirty="0" err="1" smtClean="0"/>
               <a:t>conventions</a:t>
             </a:r>
             <a:r>
               <a:rPr lang="hr-HR" dirty="0"/>
+              <a:t>:</a:t>
+            </a:r>
+            <a:r>
+              <a:rPr lang="hr-HR" dirty="0" smtClean="0"/>
+              <a:t> </a:t>
+            </a:r>
+            <a:endParaRPr lang="hr-HR" dirty="0"/>
+          </a:p>
+          <a:p>
+            <a:pPr lvl="1"/>
+            <a:r>
+              <a:rPr lang="hr-HR" dirty="0" err="1"/>
+              <a:t>Surefire</a:t>
+            </a:r>
+            <a:r>
+              <a:rPr lang="hr-HR" dirty="0"/>
               <a:t> – </a:t>
             </a:r>
+            <a:r>
+              <a:rPr lang="hr-HR" dirty="0" err="1"/>
+              <a:t>NameOfTheClassTest</a:t>
+            </a:r>
+            <a:r>
+              <a:rPr lang="hr-HR" dirty="0"/>
+              <a:t> </a:t>
+            </a:r>
+            <a:r>
+              <a:rPr lang="hr-HR" dirty="0" smtClean="0"/>
+              <a:t>– </a:t>
+            </a:r>
+          </a:p>
+          <a:p>
+            <a:pPr lvl="2"/>
+            <a:r>
+              <a:rPr lang="hr-HR" dirty="0" err="1"/>
+              <a:t>C</a:t>
+            </a:r>
+            <a:r>
+              <a:rPr lang="hr-HR" dirty="0" err="1" smtClean="0"/>
+              <a:t>lasspath</a:t>
+            </a:r>
+            <a:r>
+              <a:rPr lang="hr-HR" dirty="0" smtClean="0"/>
+              <a:t> same as </a:t>
+            </a:r>
+            <a:r>
+              <a:rPr lang="hr-HR" dirty="0" err="1" smtClean="0"/>
+              <a:t>the</a:t>
+            </a:r>
+            <a:r>
+              <a:rPr lang="hr-HR" dirty="0" smtClean="0"/>
+              <a:t> </a:t>
+            </a:r>
+            <a:r>
+              <a:rPr lang="hr-HR" dirty="0" err="1" smtClean="0"/>
+              <a:t>class</a:t>
+            </a:r>
+            <a:r>
+              <a:rPr lang="hr-HR" dirty="0" smtClean="0"/>
+              <a:t> </a:t>
+            </a:r>
+            <a:r>
+              <a:rPr lang="hr-HR" dirty="0" err="1" smtClean="0"/>
+              <a:t>that</a:t>
+            </a:r>
+            <a:r>
+              <a:rPr lang="hr-HR" dirty="0" smtClean="0"/>
+              <a:t> </a:t>
+            </a:r>
+            <a:r>
+              <a:rPr lang="hr-HR" dirty="0" err="1" smtClean="0"/>
+              <a:t>is</a:t>
+            </a:r>
+            <a:r>
+              <a:rPr lang="hr-HR" dirty="0" smtClean="0"/>
+              <a:t> </a:t>
+            </a:r>
+            <a:r>
+              <a:rPr lang="hr-HR" dirty="0" err="1" smtClean="0"/>
+              <a:t>being</a:t>
+            </a:r>
+            <a:r>
+              <a:rPr lang="hr-HR" dirty="0" smtClean="0"/>
+              <a:t> </a:t>
+            </a:r>
+            <a:r>
+              <a:rPr lang="hr-HR" dirty="0" err="1" smtClean="0"/>
+              <a:t>tested</a:t>
+            </a:r>
+            <a:endParaRPr lang="hr-HR" dirty="0" smtClean="0"/>
+          </a:p>
+          <a:p>
+            <a:pPr lvl="2"/>
+            <a:r>
+              <a:rPr lang="hr-HR" dirty="0" err="1" smtClean="0"/>
+              <a:t>Packages</a:t>
+            </a:r>
+            <a:r>
+              <a:rPr lang="hr-HR" dirty="0" smtClean="0"/>
+              <a:t> </a:t>
+            </a:r>
+            <a:r>
+              <a:rPr lang="hr-HR" dirty="0" err="1" smtClean="0"/>
+              <a:t>private</a:t>
+            </a:r>
+            <a:r>
+              <a:rPr lang="hr-HR" dirty="0" smtClean="0"/>
+              <a:t> </a:t>
+            </a:r>
+            <a:r>
+              <a:rPr lang="hr-HR" dirty="0" err="1" smtClean="0"/>
+              <a:t>methods</a:t>
+            </a:r>
+            <a:r>
+              <a:rPr lang="hr-HR" dirty="0" smtClean="0"/>
+              <a:t> </a:t>
+            </a:r>
+            <a:r>
+              <a:rPr lang="hr-HR" dirty="0" err="1" smtClean="0"/>
+              <a:t>can</a:t>
+            </a:r>
+            <a:r>
+              <a:rPr lang="hr-HR" dirty="0" smtClean="0"/>
+              <a:t> </a:t>
+            </a:r>
+            <a:r>
+              <a:rPr lang="hr-HR" dirty="0" err="1" smtClean="0"/>
+              <a:t>be</a:t>
+            </a:r>
+            <a:r>
+              <a:rPr lang="hr-HR" dirty="0" smtClean="0"/>
+              <a:t> </a:t>
+            </a:r>
+            <a:r>
+              <a:rPr lang="hr-HR" dirty="0" err="1" smtClean="0"/>
+              <a:t>accessed</a:t>
+            </a:r>
+            <a:r>
+              <a:rPr lang="hr-HR" dirty="0" smtClean="0"/>
+              <a:t> </a:t>
+            </a:r>
+            <a:r>
+              <a:rPr lang="hr-HR" dirty="0" err="1" smtClean="0"/>
+              <a:t>this</a:t>
+            </a:r>
+            <a:r>
+              <a:rPr lang="hr-HR" dirty="0" smtClean="0"/>
+              <a:t> </a:t>
+            </a:r>
+            <a:r>
+              <a:rPr lang="hr-HR" dirty="0" err="1" smtClean="0"/>
+              <a:t>way</a:t>
+            </a:r>
+            <a:endParaRPr lang="hr-HR" dirty="0" smtClean="0"/>
           </a:p>
           <a:p>
             <a:pPr lvl="1"/>
             <a:r>
-              <a:rPr lang="hr-HR" dirty="0" err="1"/>
-              <a:t>Surefire</a:t>
-            </a:r>
-            <a:r>
-              <a:rPr lang="hr-HR" dirty="0"/>
-              <a:t> – </a:t>
-            </a:r>
-            <a:r>
-              <a:rPr lang="hr-HR" dirty="0" err="1"/>
-              <a:t>NameOfTheClassTest</a:t>
-            </a:r>
-            <a:r>
-              <a:rPr lang="hr-HR" dirty="0"/>
-              <a:t> – </a:t>
-            </a:r>
-            <a:r>
-              <a:rPr lang="hr-HR" dirty="0" err="1"/>
-              <a:t>name</a:t>
-            </a:r>
-            <a:r>
-              <a:rPr lang="hr-HR" dirty="0"/>
-              <a:t> </a:t>
-            </a:r>
-            <a:r>
-              <a:rPr lang="hr-HR" dirty="0" err="1"/>
-              <a:t>of</a:t>
-            </a:r>
-            <a:r>
-              <a:rPr lang="hr-HR" dirty="0"/>
-              <a:t> </a:t>
-            </a:r>
-            <a:r>
-              <a:rPr lang="hr-HR" dirty="0" err="1"/>
-              <a:t>the</a:t>
-            </a:r>
-            <a:r>
-              <a:rPr lang="hr-HR" dirty="0"/>
-              <a:t> </a:t>
-            </a:r>
-            <a:r>
-              <a:rPr lang="hr-HR" dirty="0" err="1"/>
-              <a:t>class</a:t>
-            </a:r>
-            <a:r>
-              <a:rPr lang="hr-HR" dirty="0"/>
-              <a:t> </a:t>
-            </a:r>
-            <a:r>
-              <a:rPr lang="hr-HR" dirty="0" err="1"/>
-              <a:t>under</a:t>
-            </a:r>
-            <a:r>
-              <a:rPr lang="hr-HR" dirty="0"/>
-              <a:t> test </a:t>
-            </a:r>
-            <a:r>
-              <a:rPr lang="hr-HR" dirty="0" err="1"/>
-              <a:t>full</a:t>
-            </a:r>
-            <a:r>
-              <a:rPr lang="hr-HR" dirty="0"/>
-              <a:t> </a:t>
-            </a:r>
-            <a:r>
-              <a:rPr lang="hr-HR" dirty="0" err="1"/>
-              <a:t>name</a:t>
-            </a:r>
-            <a:r>
-              <a:rPr lang="hr-HR" dirty="0"/>
-              <a:t> </a:t>
-            </a:r>
-          </a:p>
-          <a:p>
-            <a:pPr lvl="1"/>
-            <a:r>
-              <a:rPr lang="hr-HR" dirty="0" err="1"/>
+              <a:rPr lang="hr-HR" dirty="0" err="1" smtClean="0"/>
               <a:t>Failsafe</a:t>
             </a:r>
             <a:r>
-              <a:rPr lang="hr-HR" dirty="0"/>
-              <a:t> - </a:t>
-            </a:r>
-            <a:r>
-              <a:rPr lang="hr-HR" dirty="0" err="1"/>
-              <a:t>NameOfTheClassITTest</a:t>
+              <a:rPr lang="hr-HR" dirty="0" smtClean="0"/>
+              <a:t> </a:t>
+            </a:r>
+            <a:r>
+              <a:rPr lang="hr-HR" dirty="0" smtClean="0"/>
+              <a:t>– </a:t>
+            </a:r>
+            <a:r>
+              <a:rPr lang="hr-HR" dirty="0" err="1" smtClean="0"/>
+              <a:t>NameOfTheClassTestIT</a:t>
+            </a:r>
+            <a:endParaRPr lang="hr-HR" dirty="0" smtClean="0"/>
+          </a:p>
+          <a:p>
+            <a:pPr lvl="2"/>
+            <a:r>
+              <a:rPr lang="hr-HR" dirty="0" smtClean="0"/>
+              <a:t>Must </a:t>
+            </a:r>
+            <a:r>
+              <a:rPr lang="hr-HR" dirty="0" err="1" smtClean="0"/>
+              <a:t>be</a:t>
+            </a:r>
+            <a:r>
+              <a:rPr lang="hr-HR" dirty="0" smtClean="0"/>
+              <a:t> </a:t>
+            </a:r>
+            <a:r>
+              <a:rPr lang="hr-HR" dirty="0" err="1" smtClean="0"/>
+              <a:t>specified</a:t>
+            </a:r>
+            <a:r>
+              <a:rPr lang="hr-HR" dirty="0" smtClean="0"/>
+              <a:t> </a:t>
+            </a:r>
+            <a:r>
+              <a:rPr lang="hr-HR" dirty="0" err="1" smtClean="0"/>
+              <a:t>in</a:t>
+            </a:r>
+            <a:r>
+              <a:rPr lang="hr-HR" dirty="0" smtClean="0"/>
+              <a:t> pom.xml</a:t>
+            </a:r>
+          </a:p>
+          <a:p>
+            <a:pPr lvl="2"/>
+            <a:r>
+              <a:rPr lang="hr-HR" dirty="0" err="1" smtClean="0"/>
+              <a:t>Verify</a:t>
+            </a:r>
+            <a:r>
+              <a:rPr lang="hr-HR" dirty="0" smtClean="0"/>
+              <a:t> </a:t>
+            </a:r>
+            <a:r>
+              <a:rPr lang="hr-HR" dirty="0" err="1" smtClean="0"/>
+              <a:t>and</a:t>
+            </a:r>
+            <a:r>
+              <a:rPr lang="hr-HR" dirty="0" smtClean="0"/>
+              <a:t> </a:t>
+            </a:r>
+            <a:r>
+              <a:rPr lang="hr-HR" dirty="0" err="1" smtClean="0"/>
+              <a:t>Integration</a:t>
+            </a:r>
+            <a:r>
+              <a:rPr lang="hr-HR" dirty="0" err="1" smtClean="0"/>
+              <a:t>Test</a:t>
+            </a:r>
+            <a:r>
+              <a:rPr lang="hr-HR" dirty="0" smtClean="0"/>
+              <a:t> </a:t>
+            </a:r>
+            <a:r>
+              <a:rPr lang="hr-HR" dirty="0" err="1" smtClean="0"/>
+              <a:t>phases</a:t>
             </a:r>
             <a:endParaRPr lang="hr-HR" dirty="0"/>
           </a:p>
@@ -4935,6 +6658,49 @@
             <a:r>
               <a:rPr lang="hr-HR" dirty="0" err="1" smtClean="0"/>
               <a:t>case</a:t>
+            </a:r>
+            <a:r>
+              <a:rPr lang="hr-HR" dirty="0" smtClean="0"/>
+              <a:t> 1</a:t>
+            </a:r>
+            <a:br>
+              <a:rPr lang="hr-HR" dirty="0" smtClean="0"/>
+            </a:br>
+            <a:r>
+              <a:rPr lang="hr-HR" dirty="0" err="1" smtClean="0"/>
+              <a:t>Integration</a:t>
+            </a:r>
+            <a:r>
+              <a:rPr lang="hr-HR" dirty="0" smtClean="0"/>
+              <a:t> </a:t>
+            </a:r>
+            <a:r>
+              <a:rPr lang="hr-HR" dirty="0" err="1" smtClean="0"/>
+              <a:t>testing</a:t>
+            </a:r>
+            <a:r>
+              <a:rPr lang="hr-HR" dirty="0" smtClean="0"/>
+              <a:t> </a:t>
+            </a:r>
+            <a:r>
+              <a:rPr lang="hr-HR" dirty="0" err="1" smtClean="0"/>
+              <a:t>and</a:t>
+            </a:r>
+            <a:r>
+              <a:rPr lang="hr-HR" dirty="0" smtClean="0"/>
+              <a:t> </a:t>
+            </a:r>
+            <a:r>
+              <a:rPr lang="hr-HR" dirty="0" err="1" smtClean="0"/>
+              <a:t>unit</a:t>
+            </a:r>
+            <a:r>
+              <a:rPr lang="hr-HR" dirty="0" smtClean="0"/>
+              <a:t> </a:t>
+            </a:r>
+            <a:r>
+              <a:rPr lang="hr-HR" dirty="0" err="1" smtClean="0"/>
+              <a:t>testing</a:t>
             </a:r>
             <a:endParaRPr lang="hr-HR" dirty="0"/>
           </a:p>
@@ -5023,8 +6789,36 @@
               <a:t> </a:t>
             </a:r>
             <a:r>
-              <a:rPr lang="hr-HR" dirty="0" err="1"/>
+              <a:rPr lang="hr-HR" dirty="0" err="1" smtClean="0"/>
               <a:t>idea</a:t>
+            </a:r>
+            <a:r>
+              <a:rPr lang="hr-HR" dirty="0"/>
+              <a:t> </a:t>
+            </a:r>
+            <a:r>
+              <a:rPr lang="hr-HR" dirty="0" smtClean="0"/>
+              <a:t>– test </a:t>
+            </a:r>
+            <a:r>
+              <a:rPr lang="hr-HR" dirty="0" err="1" smtClean="0"/>
+              <a:t>layer</a:t>
+            </a:r>
+            <a:r>
+              <a:rPr lang="hr-HR" dirty="0" smtClean="0"/>
+              <a:t> </a:t>
+            </a:r>
+            <a:r>
+              <a:rPr lang="hr-HR" dirty="0" err="1" smtClean="0"/>
+              <a:t>by</a:t>
+            </a:r>
+            <a:r>
+              <a:rPr lang="hr-HR" dirty="0" smtClean="0"/>
+              <a:t> </a:t>
+            </a:r>
+            <a:r>
+              <a:rPr lang="hr-HR" dirty="0" err="1" smtClean="0"/>
+              <a:t>layer</a:t>
             </a:r>
             <a:endParaRPr lang="hr-HR" dirty="0"/>
           </a:p>
@@ -5383,11 +7177,11 @@
           <a:p>
             <a:pPr lvl="1"/>
             <a:r>
-              <a:rPr lang="hr-HR" dirty="0" err="1"/>
-              <a:t>Construcat</a:t>
-            </a:r>
-            <a:r>
-              <a:rPr lang="hr-HR" dirty="0"/>
+              <a:rPr lang="hr-HR" dirty="0" err="1" smtClean="0"/>
+              <a:t>Construct</a:t>
+            </a:r>
+            <a:r>
+              <a:rPr lang="hr-HR" dirty="0" smtClean="0"/>
               <a:t> </a:t>
             </a:r>
             <a:r>

--- a/Presentation.pptx
+++ b/Presentation.pptx
@@ -19,6 +19,8 @@
     <p:sldId id="267" r:id="rId13"/>
     <p:sldId id="269" r:id="rId14"/>
     <p:sldId id="270" r:id="rId15"/>
+    <p:sldId id="271" r:id="rId16"/>
+    <p:sldId id="272" r:id="rId17"/>
   </p:sldIdLst>
   <p:sldSz cx="12192000" cy="6858000"/>
   <p:notesSz cx="6858000" cy="9144000"/>
@@ -350,7 +352,7 @@
             <a:fld id="{5586B75A-687E-405C-8A0B-8D00578BA2C3}" type="datetimeFigureOut">
               <a:rPr lang="en-US" dirty="0"/>
               <a:pPr/>
-              <a:t>7/4/2016</a:t>
+              <a:t>7/6/2016</a:t>
             </a:fld>
             <a:endParaRPr lang="en-US" dirty="0"/>
           </a:p>
@@ -517,7 +519,7 @@
             <a:fld id="{5586B75A-687E-405C-8A0B-8D00578BA2C3}" type="datetimeFigureOut">
               <a:rPr lang="en-US" dirty="0"/>
               <a:pPr/>
-              <a:t>7/4/2016</a:t>
+              <a:t>7/6/2016</a:t>
             </a:fld>
             <a:endParaRPr lang="en-US" dirty="0"/>
           </a:p>
@@ -694,7 +696,7 @@
             <a:fld id="{5586B75A-687E-405C-8A0B-8D00578BA2C3}" type="datetimeFigureOut">
               <a:rPr lang="en-US" dirty="0"/>
               <a:pPr/>
-              <a:t>7/4/2016</a:t>
+              <a:t>7/6/2016</a:t>
             </a:fld>
             <a:endParaRPr lang="en-US" dirty="0"/>
           </a:p>
@@ -861,7 +863,7 @@
             <a:fld id="{5586B75A-687E-405C-8A0B-8D00578BA2C3}" type="datetimeFigureOut">
               <a:rPr lang="en-US" dirty="0"/>
               <a:pPr/>
-              <a:t>7/4/2016</a:t>
+              <a:t>7/6/2016</a:t>
             </a:fld>
             <a:endParaRPr lang="en-US" dirty="0"/>
           </a:p>
@@ -1116,7 +1118,7 @@
             <a:fld id="{5586B75A-687E-405C-8A0B-8D00578BA2C3}" type="datetimeFigureOut">
               <a:rPr lang="en-US" dirty="0"/>
               <a:pPr/>
-              <a:t>7/4/2016</a:t>
+              <a:t>7/6/2016</a:t>
             </a:fld>
             <a:endParaRPr lang="en-US" dirty="0"/>
           </a:p>
@@ -1401,7 +1403,7 @@
             <a:fld id="{5586B75A-687E-405C-8A0B-8D00578BA2C3}" type="datetimeFigureOut">
               <a:rPr lang="en-US" dirty="0"/>
               <a:pPr/>
-              <a:t>7/4/2016</a:t>
+              <a:t>7/6/2016</a:t>
             </a:fld>
             <a:endParaRPr lang="en-US" dirty="0"/>
           </a:p>
@@ -1840,7 +1842,7 @@
             <a:fld id="{5586B75A-687E-405C-8A0B-8D00578BA2C3}" type="datetimeFigureOut">
               <a:rPr lang="en-US" dirty="0"/>
               <a:pPr/>
-              <a:t>7/4/2016</a:t>
+              <a:t>7/6/2016</a:t>
             </a:fld>
             <a:endParaRPr lang="en-US" dirty="0"/>
           </a:p>
@@ -1955,7 +1957,7 @@
             <a:fld id="{5586B75A-687E-405C-8A0B-8D00578BA2C3}" type="datetimeFigureOut">
               <a:rPr lang="en-US" dirty="0"/>
               <a:pPr/>
-              <a:t>7/4/2016</a:t>
+              <a:t>7/6/2016</a:t>
             </a:fld>
             <a:endParaRPr lang="en-US" dirty="0"/>
           </a:p>
@@ -2047,7 +2049,7 @@
             <a:fld id="{5586B75A-687E-405C-8A0B-8D00578BA2C3}" type="datetimeFigureOut">
               <a:rPr lang="en-US" dirty="0"/>
               <a:pPr/>
-              <a:t>7/4/2016</a:t>
+              <a:t>7/6/2016</a:t>
             </a:fld>
             <a:endParaRPr lang="en-US" dirty="0"/>
           </a:p>
@@ -2332,7 +2334,7 @@
             <a:fld id="{5586B75A-687E-405C-8A0B-8D00578BA2C3}" type="datetimeFigureOut">
               <a:rPr lang="en-US" dirty="0"/>
               <a:pPr/>
-              <a:t>7/4/2016</a:t>
+              <a:t>7/6/2016</a:t>
             </a:fld>
             <a:endParaRPr lang="en-US" dirty="0"/>
           </a:p>
@@ -2602,7 +2604,7 @@
             <a:fld id="{5586B75A-687E-405C-8A0B-8D00578BA2C3}" type="datetimeFigureOut">
               <a:rPr lang="en-US" dirty="0"/>
               <a:pPr/>
-              <a:t>7/4/2016</a:t>
+              <a:t>7/6/2016</a:t>
             </a:fld>
             <a:endParaRPr lang="en-US" dirty="0"/>
           </a:p>
@@ -2896,7 +2898,7 @@
             <a:fld id="{5586B75A-687E-405C-8A0B-8D00578BA2C3}" type="datetimeFigureOut">
               <a:rPr lang="en-US" dirty="0"/>
               <a:pPr/>
-              <a:t>7/4/2016</a:t>
+              <a:t>7/6/2016</a:t>
             </a:fld>
             <a:endParaRPr lang="en-US" dirty="0"/>
           </a:p>
@@ -3488,7 +3490,7 @@
       </p:sp>
       <p:pic>
         <p:nvPicPr>
-          <p:cNvPr id="6" name="Content Placeholder 5"/>
+          <p:cNvPr id="4" name="Content Placeholder 3"/>
           <p:cNvPicPr>
             <a:picLocks noGrp="1" noChangeAspect="1"/>
           </p:cNvPicPr>
@@ -3510,8 +3512,8 @@
         </p:blipFill>
         <p:spPr>
           <a:xfrm>
-            <a:off x="4056000" y="863600"/>
-            <a:ext cx="6940675" cy="5121275"/>
+            <a:off x="4668838" y="1042987"/>
+            <a:ext cx="5715000" cy="4762500"/>
           </a:xfrm>
         </p:spPr>
       </p:pic>
@@ -3682,313 +3684,327 @@
           <a:lstStyle/>
           <a:p>
             <a:r>
-              <a:rPr lang="hr-HR" dirty="0" smtClean="0"/>
+              <a:rPr lang="hr-HR" dirty="0"/>
               <a:t>Use </a:t>
             </a:r>
             <a:r>
-              <a:rPr lang="hr-HR" dirty="0" err="1" smtClean="0"/>
+              <a:rPr lang="hr-HR" dirty="0" err="1"/>
               <a:t>real</a:t>
             </a:r>
             <a:r>
-              <a:rPr lang="hr-HR" dirty="0" smtClean="0"/>
-              <a:t> </a:t>
-            </a:r>
-            <a:r>
-              <a:rPr lang="hr-HR" dirty="0" err="1" smtClean="0"/>
+              <a:rPr lang="hr-HR" dirty="0"/>
+              <a:t> </a:t>
+            </a:r>
+            <a:r>
+              <a:rPr lang="hr-HR" dirty="0" err="1"/>
               <a:t>database</a:t>
             </a:r>
-            <a:endParaRPr lang="hr-HR" dirty="0" smtClean="0"/>
-          </a:p>
-          <a:p>
-            <a:r>
-              <a:rPr lang="hr-HR" dirty="0" err="1" smtClean="0"/>
+            <a:endParaRPr lang="hr-HR" dirty="0"/>
+          </a:p>
+          <a:p>
+            <a:r>
+              <a:rPr lang="hr-HR" dirty="0" err="1"/>
               <a:t>Build</a:t>
             </a:r>
             <a:r>
-              <a:rPr lang="hr-HR" dirty="0" smtClean="0"/>
-              <a:t> </a:t>
-            </a:r>
-            <a:r>
-              <a:rPr lang="hr-HR" dirty="0" err="1" smtClean="0"/>
+              <a:rPr lang="hr-HR" dirty="0"/>
+              <a:t> </a:t>
+            </a:r>
+            <a:r>
+              <a:rPr lang="hr-HR" dirty="0" err="1"/>
               <a:t>clean</a:t>
             </a:r>
             <a:r>
-              <a:rPr lang="hr-HR" dirty="0" smtClean="0"/>
-              <a:t> </a:t>
-            </a:r>
-            <a:r>
-              <a:rPr lang="hr-HR" dirty="0" err="1" smtClean="0"/>
+              <a:rPr lang="hr-HR" dirty="0"/>
+              <a:t> </a:t>
+            </a:r>
+            <a:r>
+              <a:rPr lang="hr-HR" dirty="0" err="1"/>
               <a:t>database</a:t>
             </a:r>
             <a:r>
-              <a:rPr lang="hr-HR" dirty="0" smtClean="0"/>
-              <a:t> </a:t>
-            </a:r>
-            <a:r>
-              <a:rPr lang="hr-HR" dirty="0" err="1" smtClean="0"/>
+              <a:rPr lang="hr-HR" dirty="0"/>
+              <a:t> </a:t>
+            </a:r>
+            <a:r>
+              <a:rPr lang="hr-HR" dirty="0" err="1"/>
               <a:t>before</a:t>
             </a:r>
             <a:r>
-              <a:rPr lang="hr-HR" dirty="0" smtClean="0"/>
-              <a:t> </a:t>
-            </a:r>
-            <a:r>
-              <a:rPr lang="hr-HR" dirty="0" err="1" smtClean="0"/>
+              <a:rPr lang="hr-HR" dirty="0"/>
+              <a:t> </a:t>
+            </a:r>
+            <a:r>
+              <a:rPr lang="hr-HR" dirty="0" err="1"/>
               <a:t>integration</a:t>
             </a:r>
             <a:r>
-              <a:rPr lang="hr-HR" dirty="0" smtClean="0"/>
+              <a:rPr lang="hr-HR" dirty="0"/>
               <a:t> test </a:t>
             </a:r>
             <a:r>
-              <a:rPr lang="hr-HR" dirty="0" err="1" smtClean="0"/>
+              <a:rPr lang="hr-HR" dirty="0" err="1"/>
               <a:t>phase</a:t>
             </a:r>
             <a:r>
-              <a:rPr lang="hr-HR" dirty="0" smtClean="0"/>
-              <a:t> </a:t>
-            </a:r>
-            <a:r>
-              <a:rPr lang="hr-HR" dirty="0" smtClean="0"/>
-              <a:t>(use </a:t>
-            </a:r>
-            <a:r>
-              <a:rPr lang="hr-HR" dirty="0" err="1" smtClean="0"/>
+              <a:rPr lang="hr-HR" dirty="0"/>
+              <a:t> (use </a:t>
+            </a:r>
+            <a:r>
+              <a:rPr lang="hr-HR" dirty="0" err="1"/>
               <a:t>flyway</a:t>
             </a:r>
             <a:r>
-              <a:rPr lang="hr-HR" dirty="0" smtClean="0"/>
+              <a:rPr lang="hr-HR" dirty="0"/>
               <a:t> -&gt; </a:t>
             </a:r>
             <a:r>
-              <a:rPr lang="hr-HR" dirty="0" err="1" smtClean="0"/>
+              <a:rPr lang="hr-HR" dirty="0" err="1"/>
               <a:t>maven</a:t>
             </a:r>
             <a:r>
-              <a:rPr lang="hr-HR" dirty="0" smtClean="0"/>
-              <a:t> </a:t>
-            </a:r>
-            <a:r>
-              <a:rPr lang="hr-HR" dirty="0" err="1" smtClean="0"/>
+              <a:rPr lang="hr-HR" dirty="0"/>
+              <a:t> </a:t>
+            </a:r>
+            <a:r>
+              <a:rPr lang="hr-HR" dirty="0" err="1"/>
               <a:t>plugin</a:t>
             </a:r>
             <a:r>
-              <a:rPr lang="hr-HR" dirty="0" smtClean="0"/>
-              <a:t> </a:t>
-            </a:r>
-            <a:r>
-              <a:rPr lang="hr-HR" dirty="0" err="1" smtClean="0"/>
+              <a:rPr lang="hr-HR" dirty="0"/>
+              <a:t> </a:t>
+            </a:r>
+            <a:r>
+              <a:rPr lang="hr-HR" dirty="0" err="1"/>
               <a:t>exists</a:t>
             </a:r>
             <a:r>
-              <a:rPr lang="hr-HR" dirty="0" smtClean="0"/>
+              <a:rPr lang="hr-HR" dirty="0"/>
               <a:t>)</a:t>
             </a:r>
           </a:p>
           <a:p>
             <a:r>
-              <a:rPr lang="hr-HR" dirty="0" err="1" smtClean="0"/>
+              <a:rPr lang="hr-HR" dirty="0" err="1"/>
               <a:t>Build</a:t>
             </a:r>
             <a:r>
-              <a:rPr lang="hr-HR" dirty="0" smtClean="0"/>
-              <a:t> </a:t>
-            </a:r>
-            <a:r>
-              <a:rPr lang="hr-HR" dirty="0" err="1" smtClean="0"/>
+              <a:rPr lang="hr-HR" dirty="0"/>
+              <a:t> </a:t>
+            </a:r>
+            <a:r>
+              <a:rPr lang="hr-HR" dirty="0" err="1"/>
               <a:t>and</a:t>
             </a:r>
             <a:r>
-              <a:rPr lang="hr-HR" dirty="0" smtClean="0"/>
-              <a:t> </a:t>
-            </a:r>
-            <a:r>
-              <a:rPr lang="hr-HR" dirty="0" err="1" smtClean="0"/>
+              <a:rPr lang="hr-HR" dirty="0"/>
+              <a:t> </a:t>
+            </a:r>
+            <a:r>
+              <a:rPr lang="hr-HR" dirty="0" err="1"/>
               <a:t>deploy</a:t>
             </a:r>
             <a:r>
-              <a:rPr lang="hr-HR" dirty="0" smtClean="0"/>
-              <a:t> </a:t>
-            </a:r>
-            <a:r>
-              <a:rPr lang="hr-HR" dirty="0" err="1" smtClean="0"/>
+              <a:rPr lang="hr-HR" dirty="0"/>
+              <a:t> </a:t>
+            </a:r>
+            <a:r>
+              <a:rPr lang="hr-HR" dirty="0" err="1"/>
               <a:t>war</a:t>
             </a:r>
             <a:r>
-              <a:rPr lang="hr-HR" dirty="0" smtClean="0"/>
+              <a:rPr lang="hr-HR" dirty="0"/>
               <a:t> to a </a:t>
             </a:r>
             <a:r>
-              <a:rPr lang="hr-HR" dirty="0" err="1" smtClean="0"/>
+              <a:rPr lang="hr-HR" dirty="0" err="1"/>
               <a:t>real</a:t>
             </a:r>
             <a:r>
-              <a:rPr lang="hr-HR" dirty="0" smtClean="0"/>
-              <a:t> </a:t>
-            </a:r>
-            <a:r>
-              <a:rPr lang="hr-HR" dirty="0" err="1" smtClean="0"/>
+              <a:rPr lang="hr-HR" dirty="0"/>
+              <a:t> </a:t>
+            </a:r>
+            <a:r>
+              <a:rPr lang="hr-HR" dirty="0" err="1"/>
               <a:t>app</a:t>
             </a:r>
             <a:r>
-              <a:rPr lang="hr-HR" dirty="0" smtClean="0"/>
+              <a:rPr lang="hr-HR" dirty="0"/>
               <a:t> server (use </a:t>
             </a:r>
             <a:r>
-              <a:rPr lang="hr-HR" dirty="0" err="1" smtClean="0"/>
+              <a:rPr lang="hr-HR" dirty="0" err="1"/>
               <a:t>embedded</a:t>
             </a:r>
             <a:r>
-              <a:rPr lang="hr-HR" dirty="0" smtClean="0"/>
-              <a:t> </a:t>
-            </a:r>
-            <a:r>
-              <a:rPr lang="hr-HR" dirty="0" err="1" smtClean="0"/>
+              <a:rPr lang="hr-HR" dirty="0"/>
+              <a:t> </a:t>
+            </a:r>
+            <a:r>
+              <a:rPr lang="hr-HR" dirty="0" err="1"/>
               <a:t>if</a:t>
             </a:r>
             <a:r>
-              <a:rPr lang="hr-HR" dirty="0" smtClean="0"/>
-              <a:t> </a:t>
-            </a:r>
-            <a:r>
-              <a:rPr lang="hr-HR" dirty="0" err="1" smtClean="0"/>
+              <a:rPr lang="hr-HR" dirty="0"/>
+              <a:t> </a:t>
+            </a:r>
+            <a:r>
+              <a:rPr lang="hr-HR" dirty="0" err="1"/>
               <a:t>possible</a:t>
             </a:r>
             <a:r>
-              <a:rPr lang="hr-HR" dirty="0" smtClean="0"/>
+              <a:rPr lang="hr-HR" dirty="0"/>
               <a:t>)</a:t>
             </a:r>
           </a:p>
           <a:p>
             <a:r>
-              <a:rPr lang="hr-HR" dirty="0" smtClean="0"/>
+              <a:rPr lang="hr-HR" dirty="0"/>
               <a:t>Use </a:t>
             </a:r>
             <a:r>
-              <a:rPr lang="hr-HR" dirty="0" err="1" smtClean="0"/>
+              <a:rPr lang="hr-HR" dirty="0" err="1"/>
               <a:t>repository</a:t>
             </a:r>
             <a:r>
-              <a:rPr lang="hr-HR" dirty="0" smtClean="0"/>
-              <a:t> </a:t>
-            </a:r>
-            <a:r>
-              <a:rPr lang="hr-HR" dirty="0" err="1" smtClean="0"/>
+              <a:rPr lang="hr-HR" dirty="0"/>
+              <a:t> </a:t>
+            </a:r>
+            <a:r>
+              <a:rPr lang="hr-HR" dirty="0" err="1"/>
               <a:t>layer</a:t>
             </a:r>
             <a:r>
-              <a:rPr lang="hr-HR" dirty="0" smtClean="0"/>
+              <a:rPr lang="hr-HR" dirty="0"/>
               <a:t> to insert test data</a:t>
             </a:r>
           </a:p>
           <a:p>
             <a:r>
-              <a:rPr lang="hr-HR" dirty="0" smtClean="0"/>
+              <a:rPr lang="hr-HR" dirty="0"/>
               <a:t>Use test data </a:t>
             </a:r>
             <a:r>
-              <a:rPr lang="hr-HR" dirty="0" err="1" smtClean="0"/>
+              <a:rPr lang="hr-HR" dirty="0" err="1"/>
               <a:t>builders</a:t>
             </a:r>
             <a:r>
-              <a:rPr lang="hr-HR" dirty="0" smtClean="0"/>
+              <a:rPr lang="hr-HR" dirty="0"/>
               <a:t> for </a:t>
             </a:r>
             <a:r>
-              <a:rPr lang="hr-HR" dirty="0" err="1" smtClean="0"/>
+              <a:rPr lang="hr-HR" dirty="0" err="1"/>
               <a:t>defaults</a:t>
             </a:r>
-            <a:endParaRPr lang="hr-HR" dirty="0" smtClean="0"/>
-          </a:p>
-          <a:p>
-            <a:r>
-              <a:rPr lang="hr-HR" dirty="0" smtClean="0"/>
+            <a:r>
+              <a:rPr lang="hr-HR" dirty="0"/>
+              <a:t> – </a:t>
+            </a:r>
+            <a:r>
+              <a:rPr lang="hr-HR" dirty="0" err="1"/>
+              <a:t>plugins</a:t>
+            </a:r>
+            <a:r>
+              <a:rPr lang="hr-HR" dirty="0"/>
+              <a:t> for </a:t>
+            </a:r>
+            <a:r>
+              <a:rPr lang="hr-HR" dirty="0" err="1"/>
+              <a:t>IDEs</a:t>
+            </a:r>
+            <a:r>
+              <a:rPr lang="hr-HR" dirty="0"/>
+              <a:t> </a:t>
+            </a:r>
+            <a:r>
+              <a:rPr lang="hr-HR" dirty="0" err="1"/>
+              <a:t>exists</a:t>
+            </a:r>
+            <a:endParaRPr lang="hr-HR" dirty="0"/>
+          </a:p>
+          <a:p>
+            <a:r>
+              <a:rPr lang="hr-HR" dirty="0"/>
               <a:t>Clear </a:t>
             </a:r>
             <a:r>
-              <a:rPr lang="hr-HR" dirty="0" err="1" smtClean="0"/>
+              <a:rPr lang="hr-HR" dirty="0" err="1"/>
               <a:t>database</a:t>
             </a:r>
             <a:r>
-              <a:rPr lang="hr-HR" dirty="0" smtClean="0"/>
-              <a:t> </a:t>
-            </a:r>
-            <a:r>
-              <a:rPr lang="hr-HR" dirty="0" err="1" smtClean="0"/>
+              <a:rPr lang="hr-HR" dirty="0"/>
+              <a:t> </a:t>
+            </a:r>
+            <a:r>
+              <a:rPr lang="hr-HR" dirty="0" err="1"/>
               <a:t>after</a:t>
             </a:r>
             <a:r>
-              <a:rPr lang="hr-HR" dirty="0" smtClean="0"/>
-              <a:t> </a:t>
-            </a:r>
-            <a:r>
-              <a:rPr lang="hr-HR" dirty="0" err="1" smtClean="0"/>
+              <a:rPr lang="hr-HR" dirty="0"/>
+              <a:t> </a:t>
+            </a:r>
+            <a:r>
+              <a:rPr lang="hr-HR" dirty="0" err="1"/>
               <a:t>every</a:t>
             </a:r>
             <a:r>
-              <a:rPr lang="hr-HR" dirty="0" smtClean="0"/>
+              <a:rPr lang="hr-HR" dirty="0"/>
               <a:t> test</a:t>
             </a:r>
           </a:p>
           <a:p>
             <a:r>
-              <a:rPr lang="hr-HR" dirty="0" err="1" smtClean="0"/>
+              <a:rPr lang="hr-HR" dirty="0" err="1"/>
               <a:t>Clean</a:t>
             </a:r>
             <a:r>
-              <a:rPr lang="hr-HR" dirty="0" smtClean="0"/>
-              <a:t> </a:t>
-            </a:r>
-            <a:r>
-              <a:rPr lang="hr-HR" dirty="0" err="1" smtClean="0"/>
+              <a:rPr lang="hr-HR" dirty="0"/>
+              <a:t> </a:t>
+            </a:r>
+            <a:r>
+              <a:rPr lang="hr-HR" dirty="0" err="1"/>
               <a:t>database</a:t>
             </a:r>
             <a:r>
-              <a:rPr lang="hr-HR" dirty="0" smtClean="0"/>
-              <a:t> </a:t>
-            </a:r>
-            <a:r>
-              <a:rPr lang="hr-HR" dirty="0" err="1" smtClean="0"/>
+              <a:rPr lang="hr-HR" dirty="0"/>
+              <a:t> </a:t>
+            </a:r>
+            <a:r>
+              <a:rPr lang="hr-HR" dirty="0" err="1"/>
               <a:t>after</a:t>
             </a:r>
             <a:r>
-              <a:rPr lang="hr-HR" dirty="0" smtClean="0"/>
-              <a:t> </a:t>
-            </a:r>
-            <a:r>
-              <a:rPr lang="hr-HR" dirty="0" err="1" smtClean="0"/>
+              <a:rPr lang="hr-HR" dirty="0"/>
+              <a:t> </a:t>
+            </a:r>
+            <a:r>
+              <a:rPr lang="hr-HR" dirty="0" err="1"/>
               <a:t>integration</a:t>
             </a:r>
             <a:r>
-              <a:rPr lang="hr-HR" dirty="0" smtClean="0"/>
+              <a:rPr lang="hr-HR" dirty="0"/>
               <a:t> test </a:t>
             </a:r>
             <a:r>
-              <a:rPr lang="hr-HR" dirty="0" err="1" smtClean="0"/>
+              <a:rPr lang="hr-HR" dirty="0" err="1"/>
               <a:t>phase</a:t>
             </a:r>
             <a:r>
-              <a:rPr lang="hr-HR" dirty="0" smtClean="0"/>
-              <a:t> </a:t>
-            </a:r>
-            <a:r>
-              <a:rPr lang="hr-HR" dirty="0" err="1" smtClean="0"/>
+              <a:rPr lang="hr-HR" dirty="0"/>
+              <a:t> </a:t>
+            </a:r>
+            <a:r>
+              <a:rPr lang="hr-HR" dirty="0" err="1"/>
               <a:t>is</a:t>
             </a:r>
             <a:r>
-              <a:rPr lang="hr-HR" dirty="0" smtClean="0"/>
+              <a:rPr lang="hr-HR" dirty="0"/>
               <a:t> </a:t>
             </a:r>
             <a:r>
               <a:rPr lang="hr-HR" dirty="0" err="1" smtClean="0"/>
               <a:t>finished</a:t>
             </a:r>
-            <a:endParaRPr lang="hr-HR" dirty="0" smtClean="0"/>
-          </a:p>
-          <a:p>
-            <a:endParaRPr lang="hr-HR" dirty="0" smtClean="0"/>
-          </a:p>
-          <a:p>
             <a:endParaRPr lang="hr-HR" dirty="0"/>
           </a:p>
         </p:txBody>
@@ -4188,559 +4204,557 @@
         </p:nvSpPr>
         <p:spPr/>
         <p:txBody>
-          <a:bodyPr/>
+          <a:bodyPr>
+            <a:normAutofit lnSpcReduction="10000"/>
+          </a:bodyPr>
           <a:lstStyle/>
           <a:p>
             <a:r>
-              <a:rPr lang="hr-HR" dirty="0" smtClean="0"/>
+              <a:rPr lang="hr-HR" dirty="0"/>
               <a:t>Do </a:t>
             </a:r>
             <a:r>
-              <a:rPr lang="hr-HR" dirty="0" err="1" smtClean="0"/>
+              <a:rPr lang="hr-HR" dirty="0" err="1"/>
               <a:t>not</a:t>
             </a:r>
             <a:r>
-              <a:rPr lang="hr-HR" dirty="0" smtClean="0"/>
-              <a:t> </a:t>
-            </a:r>
-            <a:r>
-              <a:rPr lang="hr-HR" dirty="0" err="1" smtClean="0"/>
+              <a:rPr lang="hr-HR" dirty="0"/>
+              <a:t> </a:t>
+            </a:r>
+            <a:r>
+              <a:rPr lang="hr-HR" dirty="0" err="1"/>
               <a:t>write</a:t>
             </a:r>
             <a:r>
-              <a:rPr lang="hr-HR" dirty="0" smtClean="0"/>
-              <a:t> </a:t>
-            </a:r>
-            <a:r>
-              <a:rPr lang="hr-HR" dirty="0" err="1" smtClean="0"/>
+              <a:rPr lang="hr-HR" dirty="0"/>
+              <a:t> </a:t>
+            </a:r>
+            <a:r>
+              <a:rPr lang="hr-HR" dirty="0" err="1"/>
               <a:t>integration</a:t>
             </a:r>
             <a:r>
-              <a:rPr lang="hr-HR" dirty="0" smtClean="0"/>
-              <a:t> </a:t>
-            </a:r>
-            <a:r>
-              <a:rPr lang="hr-HR" dirty="0" err="1" smtClean="0"/>
+              <a:rPr lang="hr-HR" dirty="0"/>
+              <a:t> </a:t>
+            </a:r>
+            <a:r>
+              <a:rPr lang="hr-HR" dirty="0" err="1"/>
               <a:t>tests</a:t>
             </a:r>
             <a:r>
-              <a:rPr lang="hr-HR" dirty="0" smtClean="0"/>
-              <a:t> </a:t>
-            </a:r>
-            <a:r>
-              <a:rPr lang="hr-HR" dirty="0" err="1" smtClean="0"/>
+              <a:rPr lang="hr-HR" dirty="0"/>
+              <a:t> </a:t>
+            </a:r>
+            <a:r>
+              <a:rPr lang="hr-HR" dirty="0" err="1"/>
               <a:t>with</a:t>
             </a:r>
             <a:r>
-              <a:rPr lang="hr-HR" dirty="0" smtClean="0"/>
-              <a:t> </a:t>
-            </a:r>
-            <a:r>
-              <a:rPr lang="hr-HR" dirty="0" err="1" smtClean="0"/>
+              <a:rPr lang="hr-HR" dirty="0"/>
+              <a:t> </a:t>
+            </a:r>
+            <a:r>
+              <a:rPr lang="hr-HR" dirty="0" err="1"/>
               <a:t>real</a:t>
             </a:r>
             <a:r>
-              <a:rPr lang="hr-HR" dirty="0" smtClean="0"/>
-              <a:t> </a:t>
-            </a:r>
-            <a:r>
-              <a:rPr lang="hr-HR" dirty="0" err="1" smtClean="0"/>
+              <a:rPr lang="hr-HR" dirty="0"/>
+              <a:t> </a:t>
+            </a:r>
+            <a:r>
+              <a:rPr lang="hr-HR" dirty="0" err="1"/>
               <a:t>client</a:t>
             </a:r>
             <a:r>
-              <a:rPr lang="hr-HR" dirty="0" smtClean="0"/>
+              <a:rPr lang="hr-HR" dirty="0"/>
               <a:t> !!!</a:t>
             </a:r>
           </a:p>
           <a:p>
             <a:pPr lvl="1"/>
             <a:r>
-              <a:rPr lang="hr-HR" dirty="0" smtClean="0"/>
+              <a:rPr lang="hr-HR" dirty="0"/>
               <a:t>Hard to </a:t>
             </a:r>
             <a:r>
-              <a:rPr lang="hr-HR" dirty="0" err="1" smtClean="0"/>
+              <a:rPr lang="hr-HR" dirty="0" err="1"/>
               <a:t>maintain</a:t>
             </a:r>
             <a:r>
-              <a:rPr lang="hr-HR" dirty="0" smtClean="0"/>
-              <a:t> </a:t>
-            </a:r>
-            <a:r>
-              <a:rPr lang="hr-HR" dirty="0" err="1" smtClean="0"/>
+              <a:rPr lang="hr-HR" dirty="0"/>
+              <a:t> </a:t>
+            </a:r>
+            <a:r>
+              <a:rPr lang="hr-HR" dirty="0" err="1"/>
               <a:t>tests</a:t>
             </a:r>
-            <a:endParaRPr lang="hr-HR" dirty="0" smtClean="0"/>
+            <a:endParaRPr lang="hr-HR" dirty="0"/>
           </a:p>
           <a:p>
             <a:pPr lvl="1"/>
             <a:r>
-              <a:rPr lang="hr-HR" dirty="0" smtClean="0"/>
+              <a:rPr lang="hr-HR" dirty="0"/>
               <a:t>Hard to set </a:t>
             </a:r>
             <a:r>
-              <a:rPr lang="hr-HR" dirty="0" err="1" smtClean="0"/>
+              <a:rPr lang="hr-HR" dirty="0" err="1"/>
               <a:t>up</a:t>
             </a:r>
             <a:r>
-              <a:rPr lang="hr-HR" dirty="0" smtClean="0"/>
+              <a:rPr lang="hr-HR" dirty="0"/>
               <a:t> test </a:t>
             </a:r>
             <a:r>
-              <a:rPr lang="hr-HR" dirty="0" err="1" smtClean="0"/>
+              <a:rPr lang="hr-HR" dirty="0" err="1"/>
               <a:t>environment</a:t>
             </a:r>
             <a:r>
-              <a:rPr lang="hr-HR" dirty="0" smtClean="0"/>
+              <a:rPr lang="hr-HR" dirty="0"/>
               <a:t> (</a:t>
             </a:r>
             <a:r>
-              <a:rPr lang="hr-HR" dirty="0" err="1" smtClean="0"/>
+              <a:rPr lang="hr-HR" dirty="0" err="1"/>
               <a:t>instead</a:t>
             </a:r>
             <a:r>
-              <a:rPr lang="hr-HR" dirty="0" smtClean="0"/>
-              <a:t> </a:t>
-            </a:r>
-            <a:r>
-              <a:rPr lang="hr-HR" dirty="0" err="1" smtClean="0"/>
+              <a:rPr lang="hr-HR" dirty="0"/>
+              <a:t> </a:t>
+            </a:r>
+            <a:r>
+              <a:rPr lang="hr-HR" dirty="0" err="1"/>
               <a:t>of</a:t>
             </a:r>
             <a:r>
-              <a:rPr lang="hr-HR" dirty="0" smtClean="0"/>
-              <a:t> </a:t>
-            </a:r>
-            <a:r>
-              <a:rPr lang="hr-HR" dirty="0" err="1" smtClean="0"/>
+              <a:rPr lang="hr-HR" dirty="0"/>
+              <a:t> </a:t>
+            </a:r>
+            <a:r>
+              <a:rPr lang="hr-HR" dirty="0" err="1"/>
               <a:t>setting</a:t>
             </a:r>
             <a:r>
-              <a:rPr lang="hr-HR" dirty="0" smtClean="0"/>
-              <a:t> </a:t>
-            </a:r>
-            <a:r>
-              <a:rPr lang="hr-HR" dirty="0" err="1" smtClean="0"/>
+              <a:rPr lang="hr-HR" dirty="0"/>
+              <a:t> </a:t>
+            </a:r>
+            <a:r>
+              <a:rPr lang="hr-HR" dirty="0" err="1"/>
               <a:t>up</a:t>
             </a:r>
             <a:r>
-              <a:rPr lang="hr-HR" dirty="0" smtClean="0"/>
-              <a:t> </a:t>
-            </a:r>
-            <a:r>
-              <a:rPr lang="hr-HR" dirty="0" err="1" smtClean="0"/>
+              <a:rPr lang="hr-HR" dirty="0"/>
+              <a:t> </a:t>
+            </a:r>
+            <a:r>
+              <a:rPr lang="hr-HR" dirty="0" err="1"/>
               <a:t>only</a:t>
             </a:r>
             <a:r>
-              <a:rPr lang="hr-HR" dirty="0" smtClean="0"/>
+              <a:rPr lang="hr-HR" dirty="0"/>
               <a:t> one system </a:t>
             </a:r>
             <a:r>
-              <a:rPr lang="hr-HR" dirty="0" err="1" smtClean="0"/>
+              <a:rPr lang="hr-HR" dirty="0" err="1"/>
               <a:t>you</a:t>
             </a:r>
             <a:r>
-              <a:rPr lang="hr-HR" dirty="0" smtClean="0"/>
-              <a:t> </a:t>
-            </a:r>
-            <a:r>
-              <a:rPr lang="hr-HR" dirty="0" err="1" smtClean="0"/>
+              <a:rPr lang="hr-HR" dirty="0"/>
+              <a:t> </a:t>
+            </a:r>
+            <a:r>
+              <a:rPr lang="hr-HR" dirty="0" err="1"/>
               <a:t>need</a:t>
             </a:r>
             <a:r>
-              <a:rPr lang="hr-HR" dirty="0" smtClean="0"/>
+              <a:rPr lang="hr-HR" dirty="0"/>
               <a:t> to set </a:t>
             </a:r>
             <a:r>
-              <a:rPr lang="hr-HR" dirty="0" err="1" smtClean="0"/>
+              <a:rPr lang="hr-HR" dirty="0" err="1"/>
               <a:t>up</a:t>
             </a:r>
             <a:r>
-              <a:rPr lang="hr-HR" dirty="0" smtClean="0"/>
-              <a:t> </a:t>
-            </a:r>
-            <a:r>
-              <a:rPr lang="hr-HR" dirty="0" err="1" smtClean="0"/>
+              <a:rPr lang="hr-HR" dirty="0"/>
+              <a:t> </a:t>
+            </a:r>
+            <a:r>
+              <a:rPr lang="hr-HR" dirty="0" err="1"/>
               <a:t>multiple</a:t>
             </a:r>
             <a:r>
-              <a:rPr lang="hr-HR" dirty="0" smtClean="0"/>
-              <a:t> </a:t>
-            </a:r>
-            <a:r>
-              <a:rPr lang="hr-HR" dirty="0" err="1" smtClean="0"/>
+              <a:rPr lang="hr-HR" dirty="0"/>
+              <a:t> </a:t>
+            </a:r>
+            <a:r>
+              <a:rPr lang="hr-HR" dirty="0" err="1"/>
               <a:t>systems</a:t>
             </a:r>
             <a:r>
-              <a:rPr lang="hr-HR" dirty="0" smtClean="0"/>
+              <a:rPr lang="hr-HR" dirty="0"/>
               <a:t>)</a:t>
             </a:r>
           </a:p>
           <a:p>
             <a:r>
-              <a:rPr lang="hr-HR" dirty="0" err="1" smtClean="0"/>
+              <a:rPr lang="hr-HR" dirty="0" err="1"/>
               <a:t>Write</a:t>
             </a:r>
             <a:r>
-              <a:rPr lang="hr-HR" dirty="0" smtClean="0"/>
-              <a:t> </a:t>
-            </a:r>
-            <a:r>
-              <a:rPr lang="hr-HR" dirty="0" err="1" smtClean="0"/>
+              <a:rPr lang="hr-HR" dirty="0"/>
+              <a:t> </a:t>
+            </a:r>
+            <a:r>
+              <a:rPr lang="hr-HR" dirty="0" err="1"/>
               <a:t>integreation</a:t>
             </a:r>
             <a:r>
-              <a:rPr lang="hr-HR" dirty="0" smtClean="0"/>
+              <a:rPr lang="hr-HR" dirty="0"/>
               <a:t> test </a:t>
             </a:r>
             <a:r>
-              <a:rPr lang="hr-HR" dirty="0" err="1" smtClean="0"/>
+              <a:rPr lang="hr-HR" dirty="0" err="1"/>
               <a:t>which</a:t>
             </a:r>
             <a:r>
-              <a:rPr lang="hr-HR" dirty="0" smtClean="0"/>
-              <a:t> </a:t>
-            </a:r>
-            <a:r>
-              <a:rPr lang="hr-HR" dirty="0" err="1" smtClean="0"/>
+              <a:rPr lang="hr-HR" dirty="0"/>
+              <a:t> </a:t>
+            </a:r>
+            <a:r>
+              <a:rPr lang="hr-HR" dirty="0" err="1"/>
               <a:t>tests</a:t>
             </a:r>
             <a:r>
-              <a:rPr lang="hr-HR" dirty="0" smtClean="0"/>
-              <a:t> </a:t>
-            </a:r>
-            <a:r>
-              <a:rPr lang="hr-HR" dirty="0" err="1" smtClean="0"/>
+              <a:rPr lang="hr-HR" dirty="0"/>
+              <a:t> </a:t>
+            </a:r>
+            <a:r>
+              <a:rPr lang="hr-HR" dirty="0" err="1"/>
               <a:t>client</a:t>
             </a:r>
             <a:r>
-              <a:rPr lang="hr-HR" dirty="0" smtClean="0"/>
+              <a:rPr lang="hr-HR" dirty="0"/>
               <a:t> &lt;–&gt; </a:t>
             </a:r>
             <a:r>
-              <a:rPr lang="hr-HR" dirty="0" err="1" smtClean="0"/>
+              <a:rPr lang="hr-HR" dirty="0" err="1"/>
               <a:t>external</a:t>
             </a:r>
             <a:r>
-              <a:rPr lang="hr-HR" dirty="0" smtClean="0"/>
+              <a:rPr lang="hr-HR" dirty="0"/>
               <a:t> system </a:t>
             </a:r>
             <a:r>
-              <a:rPr lang="hr-HR" dirty="0" err="1" smtClean="0"/>
+              <a:rPr lang="hr-HR" dirty="0" err="1"/>
               <a:t>communication</a:t>
             </a:r>
             <a:r>
-              <a:rPr lang="hr-HR" dirty="0" smtClean="0"/>
-              <a:t> </a:t>
-            </a:r>
-          </a:p>
-          <a:p>
-            <a:r>
-              <a:rPr lang="hr-HR" dirty="0"/>
-              <a:t>F</a:t>
-            </a:r>
-            <a:r>
-              <a:rPr lang="hr-HR" dirty="0" smtClean="0"/>
-              <a:t>or </a:t>
-            </a:r>
-            <a:r>
-              <a:rPr lang="hr-HR" dirty="0" err="1" smtClean="0"/>
+              <a:rPr lang="hr-HR" dirty="0"/>
+              <a:t> </a:t>
+            </a:r>
+          </a:p>
+          <a:p>
+            <a:r>
+              <a:rPr lang="hr-HR" dirty="0"/>
+              <a:t>For </a:t>
+            </a:r>
+            <a:r>
+              <a:rPr lang="hr-HR" dirty="0" err="1"/>
               <a:t>example</a:t>
             </a:r>
             <a:r>
-              <a:rPr lang="hr-HR" dirty="0" smtClean="0"/>
-              <a:t> </a:t>
-            </a:r>
-            <a:r>
-              <a:rPr lang="hr-HR" dirty="0" err="1" smtClean="0"/>
+              <a:rPr lang="hr-HR" dirty="0"/>
+              <a:t> </a:t>
+            </a:r>
+            <a:r>
+              <a:rPr lang="hr-HR" dirty="0" err="1"/>
               <a:t>write</a:t>
             </a:r>
             <a:r>
-              <a:rPr lang="hr-HR" dirty="0" smtClean="0"/>
+              <a:rPr lang="hr-HR" dirty="0"/>
               <a:t> a test </a:t>
             </a:r>
             <a:r>
-              <a:rPr lang="hr-HR" dirty="0" err="1" smtClean="0"/>
+              <a:rPr lang="hr-HR" dirty="0" err="1"/>
               <a:t>which</a:t>
             </a:r>
             <a:r>
-              <a:rPr lang="hr-HR" dirty="0" smtClean="0"/>
-              <a:t> </a:t>
-            </a:r>
-            <a:r>
-              <a:rPr lang="hr-HR" dirty="0" err="1" smtClean="0"/>
+              <a:rPr lang="hr-HR" dirty="0"/>
+              <a:t> </a:t>
+            </a:r>
+            <a:r>
+              <a:rPr lang="hr-HR" dirty="0" err="1"/>
               <a:t>sends</a:t>
             </a:r>
             <a:r>
-              <a:rPr lang="hr-HR" dirty="0" smtClean="0"/>
+              <a:rPr lang="hr-HR" dirty="0"/>
               <a:t> a </a:t>
             </a:r>
             <a:r>
-              <a:rPr lang="hr-HR" dirty="0" err="1" smtClean="0"/>
+              <a:rPr lang="hr-HR" dirty="0" err="1"/>
               <a:t>request</a:t>
             </a:r>
             <a:r>
-              <a:rPr lang="hr-HR" dirty="0" smtClean="0"/>
+              <a:rPr lang="hr-HR" dirty="0"/>
               <a:t> to system but </a:t>
             </a:r>
             <a:r>
-              <a:rPr lang="hr-HR" dirty="0" err="1" smtClean="0"/>
+              <a:rPr lang="hr-HR" dirty="0" err="1"/>
               <a:t>with</a:t>
             </a:r>
             <a:r>
-              <a:rPr lang="hr-HR" dirty="0" smtClean="0"/>
+              <a:rPr lang="hr-HR" dirty="0"/>
               <a:t> no </a:t>
             </a:r>
             <a:r>
-              <a:rPr lang="hr-HR" dirty="0" err="1" smtClean="0"/>
+              <a:rPr lang="hr-HR" dirty="0" err="1"/>
               <a:t>authentication</a:t>
             </a:r>
             <a:r>
-              <a:rPr lang="hr-HR" dirty="0" smtClean="0"/>
+              <a:rPr lang="hr-HR" dirty="0"/>
               <a:t> data – </a:t>
             </a:r>
             <a:r>
-              <a:rPr lang="hr-HR" dirty="0" err="1" smtClean="0"/>
+              <a:rPr lang="hr-HR" dirty="0" err="1"/>
               <a:t>expected</a:t>
             </a:r>
             <a:r>
-              <a:rPr lang="hr-HR" dirty="0" smtClean="0"/>
-              <a:t> </a:t>
-            </a:r>
-            <a:r>
-              <a:rPr lang="hr-HR" dirty="0" err="1" smtClean="0"/>
+              <a:rPr lang="hr-HR" dirty="0"/>
+              <a:t> </a:t>
+            </a:r>
+            <a:r>
+              <a:rPr lang="hr-HR" dirty="0" err="1"/>
               <a:t>error</a:t>
             </a:r>
             <a:r>
-              <a:rPr lang="hr-HR" dirty="0" smtClean="0"/>
-              <a:t> </a:t>
-            </a:r>
-            <a:r>
-              <a:rPr lang="hr-HR" dirty="0" err="1" smtClean="0"/>
+              <a:rPr lang="hr-HR" dirty="0"/>
+              <a:t> </a:t>
+            </a:r>
+            <a:r>
+              <a:rPr lang="hr-HR" dirty="0" err="1"/>
               <a:t>authentication</a:t>
             </a:r>
             <a:r>
-              <a:rPr lang="hr-HR" dirty="0" smtClean="0"/>
-              <a:t> </a:t>
-            </a:r>
-            <a:r>
-              <a:rPr lang="hr-HR" dirty="0" err="1" smtClean="0"/>
+              <a:rPr lang="hr-HR" dirty="0"/>
+              <a:t> </a:t>
+            </a:r>
+            <a:r>
+              <a:rPr lang="hr-HR" dirty="0" err="1"/>
               <a:t>exception</a:t>
             </a:r>
-            <a:endParaRPr lang="hr-HR" dirty="0" smtClean="0"/>
-          </a:p>
-          <a:p>
-            <a:r>
-              <a:rPr lang="hr-HR" dirty="0" smtClean="0"/>
+            <a:endParaRPr lang="hr-HR" dirty="0"/>
+          </a:p>
+          <a:p>
+            <a:r>
+              <a:rPr lang="hr-HR" dirty="0"/>
               <a:t>In system </a:t>
             </a:r>
             <a:r>
-              <a:rPr lang="hr-HR" dirty="0" err="1" smtClean="0"/>
+              <a:rPr lang="hr-HR" dirty="0" err="1"/>
               <a:t>and</a:t>
             </a:r>
             <a:r>
-              <a:rPr lang="hr-HR" dirty="0" smtClean="0"/>
-              <a:t> </a:t>
-            </a:r>
-            <a:r>
-              <a:rPr lang="hr-HR" dirty="0" err="1" smtClean="0"/>
+              <a:rPr lang="hr-HR" dirty="0"/>
+              <a:t> </a:t>
+            </a:r>
+            <a:r>
+              <a:rPr lang="hr-HR" dirty="0" err="1"/>
               <a:t>integration</a:t>
             </a:r>
             <a:r>
-              <a:rPr lang="hr-HR" dirty="0" smtClean="0"/>
+              <a:rPr lang="hr-HR" dirty="0"/>
               <a:t> test use </a:t>
             </a:r>
             <a:r>
-              <a:rPr lang="hr-HR" dirty="0" err="1" smtClean="0"/>
+              <a:rPr lang="hr-HR" dirty="0" err="1"/>
               <a:t>mocks</a:t>
             </a:r>
             <a:r>
-              <a:rPr lang="hr-HR" dirty="0" smtClean="0"/>
-              <a:t> </a:t>
-            </a:r>
-            <a:r>
-              <a:rPr lang="hr-HR" dirty="0" err="1" smtClean="0"/>
+              <a:rPr lang="hr-HR" dirty="0"/>
+              <a:t> </a:t>
+            </a:r>
+            <a:r>
+              <a:rPr lang="hr-HR" dirty="0" err="1"/>
               <a:t>that</a:t>
             </a:r>
             <a:r>
-              <a:rPr lang="hr-HR" dirty="0" smtClean="0"/>
-              <a:t> </a:t>
-            </a:r>
-            <a:r>
-              <a:rPr lang="hr-HR" dirty="0" err="1" smtClean="0"/>
+              <a:rPr lang="hr-HR" dirty="0"/>
+              <a:t> </a:t>
+            </a:r>
+            <a:r>
+              <a:rPr lang="hr-HR" dirty="0" err="1"/>
               <a:t>accepts</a:t>
             </a:r>
             <a:r>
-              <a:rPr lang="hr-HR" dirty="0" smtClean="0"/>
-              <a:t> </a:t>
-            </a:r>
-            <a:r>
-              <a:rPr lang="hr-HR" dirty="0" err="1" smtClean="0"/>
+              <a:rPr lang="hr-HR" dirty="0"/>
+              <a:t> </a:t>
+            </a:r>
+            <a:r>
+              <a:rPr lang="hr-HR" dirty="0" err="1"/>
               <a:t>limited</a:t>
             </a:r>
             <a:r>
-              <a:rPr lang="hr-HR" dirty="0" smtClean="0"/>
+              <a:rPr lang="hr-HR" dirty="0"/>
               <a:t> set </a:t>
             </a:r>
             <a:r>
-              <a:rPr lang="hr-HR" dirty="0" err="1" smtClean="0"/>
+              <a:rPr lang="hr-HR" dirty="0" err="1"/>
               <a:t>of</a:t>
             </a:r>
             <a:r>
-              <a:rPr lang="hr-HR" dirty="0" smtClean="0"/>
+              <a:rPr lang="hr-HR" dirty="0"/>
               <a:t> data</a:t>
             </a:r>
           </a:p>
           <a:p>
             <a:r>
-              <a:rPr lang="hr-HR" dirty="0" smtClean="0"/>
+              <a:rPr lang="hr-HR" dirty="0"/>
               <a:t>For </a:t>
             </a:r>
             <a:r>
-              <a:rPr lang="hr-HR" dirty="0" err="1" smtClean="0"/>
+              <a:rPr lang="hr-HR" dirty="0" err="1"/>
               <a:t>example</a:t>
             </a:r>
             <a:r>
-              <a:rPr lang="hr-HR" dirty="0" smtClean="0"/>
-              <a:t> </a:t>
-            </a:r>
-            <a:r>
-              <a:rPr lang="hr-HR" dirty="0" err="1" smtClean="0"/>
+              <a:rPr lang="hr-HR" dirty="0"/>
+              <a:t> </a:t>
+            </a:r>
+            <a:r>
+              <a:rPr lang="hr-HR" dirty="0" err="1"/>
               <a:t>checkAddressExists</a:t>
             </a:r>
             <a:r>
-              <a:rPr lang="hr-HR" dirty="0" smtClean="0"/>
+              <a:rPr lang="hr-HR" dirty="0"/>
               <a:t> – </a:t>
             </a:r>
             <a:r>
-              <a:rPr lang="hr-HR" dirty="0" err="1" smtClean="0"/>
+              <a:rPr lang="hr-HR" dirty="0" err="1"/>
               <a:t>there</a:t>
             </a:r>
             <a:r>
-              <a:rPr lang="hr-HR" dirty="0" smtClean="0"/>
+              <a:rPr lang="hr-HR" dirty="0"/>
               <a:t> are 2 </a:t>
             </a:r>
             <a:r>
-              <a:rPr lang="hr-HR" dirty="0" err="1" smtClean="0"/>
+              <a:rPr lang="hr-HR" dirty="0" err="1"/>
               <a:t>possible</a:t>
             </a:r>
             <a:r>
-              <a:rPr lang="hr-HR" dirty="0" smtClean="0"/>
-              <a:t> </a:t>
-            </a:r>
-            <a:r>
-              <a:rPr lang="hr-HR" dirty="0" err="1" smtClean="0"/>
+              <a:rPr lang="hr-HR" dirty="0"/>
+              <a:t> </a:t>
+            </a:r>
+            <a:r>
+              <a:rPr lang="hr-HR" dirty="0" err="1"/>
               <a:t>outcomes</a:t>
             </a:r>
             <a:r>
-              <a:rPr lang="hr-HR" dirty="0" smtClean="0"/>
+              <a:rPr lang="hr-HR" dirty="0"/>
               <a:t>, </a:t>
             </a:r>
             <a:r>
-              <a:rPr lang="hr-HR" dirty="0" err="1" smtClean="0"/>
+              <a:rPr lang="hr-HR" dirty="0" err="1"/>
               <a:t>cover</a:t>
             </a:r>
             <a:r>
-              <a:rPr lang="hr-HR" dirty="0" smtClean="0"/>
-              <a:t> </a:t>
-            </a:r>
-            <a:r>
-              <a:rPr lang="hr-HR" dirty="0" err="1" smtClean="0"/>
+              <a:rPr lang="hr-HR" dirty="0"/>
+              <a:t> </a:t>
+            </a:r>
+            <a:r>
+              <a:rPr lang="hr-HR" dirty="0" err="1"/>
               <a:t>them</a:t>
             </a:r>
             <a:r>
-              <a:rPr lang="hr-HR" dirty="0" smtClean="0"/>
-              <a:t> </a:t>
-            </a:r>
-            <a:r>
-              <a:rPr lang="hr-HR" dirty="0" err="1" smtClean="0"/>
+              <a:rPr lang="hr-HR" dirty="0"/>
+              <a:t> </a:t>
+            </a:r>
+            <a:r>
+              <a:rPr lang="hr-HR" dirty="0" err="1"/>
               <a:t>with</a:t>
             </a:r>
             <a:r>
-              <a:rPr lang="hr-HR" dirty="0" smtClean="0"/>
-              <a:t> </a:t>
-            </a:r>
-            <a:r>
-              <a:rPr lang="hr-HR" dirty="0" err="1" smtClean="0"/>
+              <a:rPr lang="hr-HR" dirty="0"/>
+              <a:t> </a:t>
+            </a:r>
+            <a:r>
+              <a:rPr lang="hr-HR" dirty="0" err="1"/>
               <a:t>you</a:t>
             </a:r>
             <a:r>
-              <a:rPr lang="hr-HR" dirty="0" smtClean="0"/>
+              <a:rPr lang="hr-HR" dirty="0"/>
               <a:t> test. </a:t>
             </a:r>
             <a:r>
-              <a:rPr lang="hr-HR" dirty="0" err="1" smtClean="0"/>
+              <a:rPr lang="hr-HR" dirty="0" err="1"/>
               <a:t>If</a:t>
             </a:r>
             <a:r>
-              <a:rPr lang="hr-HR" dirty="0" smtClean="0"/>
-              <a:t> </a:t>
-            </a:r>
-            <a:r>
-              <a:rPr lang="hr-HR" dirty="0" err="1" smtClean="0"/>
+              <a:rPr lang="hr-HR" dirty="0"/>
+              <a:t> </a:t>
+            </a:r>
+            <a:r>
+              <a:rPr lang="hr-HR" dirty="0" err="1"/>
               <a:t>the</a:t>
             </a:r>
             <a:r>
-              <a:rPr lang="hr-HR" dirty="0" smtClean="0"/>
-              <a:t> </a:t>
-            </a:r>
-            <a:r>
-              <a:rPr lang="hr-HR" dirty="0" err="1" smtClean="0"/>
+              <a:rPr lang="hr-HR" dirty="0"/>
+              <a:t> </a:t>
+            </a:r>
+            <a:r>
+              <a:rPr lang="hr-HR" dirty="0" err="1"/>
               <a:t>other</a:t>
             </a:r>
             <a:r>
-              <a:rPr lang="hr-HR" dirty="0" smtClean="0"/>
+              <a:rPr lang="hr-HR" dirty="0"/>
               <a:t> system do </a:t>
             </a:r>
             <a:r>
-              <a:rPr lang="hr-HR" dirty="0" err="1" smtClean="0"/>
+              <a:rPr lang="hr-HR" dirty="0" err="1"/>
               <a:t>what</a:t>
             </a:r>
             <a:r>
-              <a:rPr lang="hr-HR" dirty="0" smtClean="0"/>
-              <a:t> </a:t>
-            </a:r>
-            <a:r>
-              <a:rPr lang="hr-HR" dirty="0" err="1" smtClean="0"/>
+              <a:rPr lang="hr-HR" dirty="0"/>
+              <a:t> </a:t>
+            </a:r>
+            <a:r>
+              <a:rPr lang="hr-HR" dirty="0" err="1"/>
               <a:t>it</a:t>
             </a:r>
             <a:r>
-              <a:rPr lang="hr-HR" dirty="0" smtClean="0"/>
-              <a:t> </a:t>
-            </a:r>
-            <a:r>
-              <a:rPr lang="hr-HR" dirty="0" err="1" smtClean="0"/>
+              <a:rPr lang="hr-HR" dirty="0"/>
+              <a:t> </a:t>
+            </a:r>
+            <a:r>
+              <a:rPr lang="hr-HR" dirty="0" err="1"/>
               <a:t>is</a:t>
             </a:r>
             <a:r>
-              <a:rPr lang="hr-HR" dirty="0" smtClean="0"/>
-              <a:t> </a:t>
-            </a:r>
-            <a:r>
-              <a:rPr lang="hr-HR" dirty="0" err="1" smtClean="0"/>
+              <a:rPr lang="hr-HR" dirty="0"/>
+              <a:t> </a:t>
+            </a:r>
+            <a:r>
+              <a:rPr lang="hr-HR" dirty="0" err="1"/>
               <a:t>expected</a:t>
             </a:r>
             <a:r>
-              <a:rPr lang="hr-HR" dirty="0" smtClean="0"/>
+              <a:rPr lang="hr-HR" dirty="0"/>
               <a:t> to do, </a:t>
             </a:r>
             <a:r>
-              <a:rPr lang="hr-HR" dirty="0" err="1" smtClean="0"/>
+              <a:rPr lang="hr-HR" dirty="0" err="1"/>
               <a:t>this</a:t>
             </a:r>
             <a:r>
-              <a:rPr lang="hr-HR" dirty="0" smtClean="0"/>
-              <a:t> </a:t>
-            </a:r>
-            <a:r>
-              <a:rPr lang="hr-HR" dirty="0" err="1" smtClean="0"/>
+              <a:rPr lang="hr-HR" dirty="0"/>
+              <a:t> </a:t>
+            </a:r>
+            <a:r>
+              <a:rPr lang="hr-HR" dirty="0" err="1"/>
               <a:t>will</a:t>
             </a:r>
             <a:r>
-              <a:rPr lang="hr-HR" dirty="0" smtClean="0"/>
-              <a:t> </a:t>
-            </a:r>
-            <a:r>
-              <a:rPr lang="hr-HR" dirty="0" err="1" smtClean="0"/>
+              <a:rPr lang="hr-HR" dirty="0"/>
+              <a:t> </a:t>
+            </a:r>
+            <a:r>
+              <a:rPr lang="hr-HR" dirty="0" err="1"/>
               <a:t>be</a:t>
             </a:r>
             <a:r>
@@ -4755,11 +4769,10 @@
               <a:rPr lang="hr-HR" dirty="0"/>
               <a:t> </a:t>
             </a:r>
-            <a:endParaRPr lang="hr-HR" dirty="0" smtClean="0"/>
-          </a:p>
-          <a:p>
-            <a:r>
-              <a:rPr lang="hr-HR" dirty="0" err="1" smtClean="0"/>
+          </a:p>
+          <a:p>
+            <a:r>
+              <a:rPr lang="hr-HR" dirty="0" err="1"/>
               <a:t>Your</a:t>
             </a:r>
             <a:r>
@@ -4767,49 +4780,136 @@
               <a:t> </a:t>
             </a:r>
             <a:r>
-              <a:rPr lang="hr-HR" dirty="0" err="1" smtClean="0"/>
+              <a:rPr lang="hr-HR" dirty="0" err="1"/>
               <a:t>job</a:t>
             </a:r>
             <a:r>
-              <a:rPr lang="hr-HR" dirty="0" smtClean="0"/>
-              <a:t> </a:t>
-            </a:r>
-            <a:r>
-              <a:rPr lang="hr-HR" dirty="0" err="1" smtClean="0"/>
+              <a:rPr lang="hr-HR" dirty="0"/>
+              <a:t> </a:t>
+            </a:r>
+            <a:r>
+              <a:rPr lang="hr-HR" dirty="0" err="1"/>
               <a:t>is</a:t>
             </a:r>
             <a:r>
-              <a:rPr lang="hr-HR" dirty="0" smtClean="0"/>
-              <a:t> </a:t>
-            </a:r>
-            <a:r>
-              <a:rPr lang="hr-HR" dirty="0" err="1" smtClean="0"/>
+              <a:rPr lang="hr-HR" dirty="0"/>
+              <a:t> </a:t>
+            </a:r>
+            <a:r>
+              <a:rPr lang="hr-HR" dirty="0" err="1"/>
               <a:t>not</a:t>
             </a:r>
             <a:r>
-              <a:rPr lang="hr-HR" dirty="0" smtClean="0"/>
+              <a:rPr lang="hr-HR" dirty="0"/>
               <a:t> to test </a:t>
             </a:r>
             <a:r>
-              <a:rPr lang="hr-HR" dirty="0" err="1" smtClean="0"/>
+              <a:rPr lang="hr-HR" dirty="0" err="1"/>
               <a:t>other</a:t>
             </a:r>
             <a:r>
-              <a:rPr lang="hr-HR" dirty="0" smtClean="0"/>
-              <a:t> </a:t>
-            </a:r>
-            <a:r>
-              <a:rPr lang="hr-HR" dirty="0" err="1" smtClean="0"/>
+              <a:rPr lang="hr-HR" dirty="0"/>
+              <a:t> </a:t>
+            </a:r>
+            <a:r>
+              <a:rPr lang="hr-HR" dirty="0" err="1"/>
               <a:t>systems</a:t>
             </a:r>
             <a:r>
               <a:rPr lang="hr-HR" dirty="0"/>
-              <a:t> </a:t>
-            </a:r>
-            <a:r>
-              <a:rPr lang="hr-HR" dirty="0" smtClean="0"/>
-              <a:t>!!!</a:t>
-            </a:r>
+              <a:t> !!!</a:t>
+            </a:r>
+          </a:p>
+          <a:p>
+            <a:r>
+              <a:rPr lang="hr-HR" dirty="0"/>
+              <a:t>Test </a:t>
+            </a:r>
+            <a:r>
+              <a:rPr lang="hr-HR" dirty="0" err="1"/>
+              <a:t>manually</a:t>
+            </a:r>
+            <a:r>
+              <a:rPr lang="hr-HR" dirty="0"/>
+              <a:t> </a:t>
+            </a:r>
+            <a:r>
+              <a:rPr lang="hr-HR" dirty="0" err="1"/>
+              <a:t>whole</a:t>
+            </a:r>
+            <a:r>
+              <a:rPr lang="hr-HR" dirty="0"/>
+              <a:t> test </a:t>
+            </a:r>
+            <a:r>
+              <a:rPr lang="hr-HR" dirty="0" err="1"/>
+              <a:t>flow</a:t>
+            </a:r>
+            <a:r>
+              <a:rPr lang="hr-HR" dirty="0"/>
+              <a:t> </a:t>
+            </a:r>
+            <a:r>
+              <a:rPr lang="hr-HR" dirty="0" err="1"/>
+              <a:t>and</a:t>
+            </a:r>
+            <a:r>
+              <a:rPr lang="hr-HR" dirty="0"/>
+              <a:t> </a:t>
+            </a:r>
+            <a:r>
+              <a:rPr lang="hr-HR" dirty="0" err="1"/>
+              <a:t>capture</a:t>
+            </a:r>
+            <a:r>
+              <a:rPr lang="hr-HR" dirty="0"/>
+              <a:t> </a:t>
+            </a:r>
+            <a:r>
+              <a:rPr lang="hr-HR" dirty="0" err="1"/>
+              <a:t>the</a:t>
+            </a:r>
+            <a:r>
+              <a:rPr lang="hr-HR" dirty="0"/>
+              <a:t> </a:t>
+            </a:r>
+            <a:r>
+              <a:rPr lang="hr-HR" dirty="0" err="1"/>
+              <a:t>right</a:t>
+            </a:r>
+            <a:r>
+              <a:rPr lang="hr-HR" dirty="0"/>
+              <a:t> </a:t>
+            </a:r>
+            <a:r>
+              <a:rPr lang="hr-HR" dirty="0" err="1"/>
+              <a:t>behaviour</a:t>
+            </a:r>
+            <a:r>
+              <a:rPr lang="hr-HR" dirty="0"/>
+              <a:t> </a:t>
+            </a:r>
+            <a:r>
+              <a:rPr lang="hr-HR" dirty="0" err="1"/>
+              <a:t>with</a:t>
+            </a:r>
+            <a:r>
+              <a:rPr lang="hr-HR" dirty="0"/>
+              <a:t> </a:t>
+            </a:r>
+            <a:r>
+              <a:rPr lang="hr-HR" dirty="0" err="1"/>
+              <a:t>mock</a:t>
+            </a:r>
+            <a:r>
+              <a:rPr lang="hr-HR" dirty="0"/>
+              <a:t> </a:t>
+            </a:r>
+            <a:r>
+              <a:rPr lang="hr-HR" dirty="0" err="1"/>
+              <a:t>objects</a:t>
+            </a:r>
+            <a:endParaRPr lang="hr-HR" dirty="0"/>
           </a:p>
         </p:txBody>
       </p:sp>
@@ -4817,6 +4917,844 @@
     <p:extLst>
       <p:ext uri="{BB962C8B-B14F-4D97-AF65-F5344CB8AC3E}">
         <p14:creationId xmlns:p14="http://schemas.microsoft.com/office/powerpoint/2010/main" val="3524635468"/>
+      </p:ext>
+    </p:extLst>
+  </p:cSld>
+  <p:clrMapOvr>
+    <a:masterClrMapping/>
+  </p:clrMapOvr>
+</p:sld>
+</file>
+
+<file path=ppt/slides/slide15.xml><?xml version="1.0" encoding="utf-8"?>
+<p:sld xmlns:a="http://schemas.openxmlformats.org/drawingml/2006/main" xmlns:r="http://schemas.openxmlformats.org/officeDocument/2006/relationships" xmlns:p="http://schemas.openxmlformats.org/presentationml/2006/main">
+  <p:cSld>
+    <p:spTree>
+      <p:nvGrpSpPr>
+        <p:cNvPr id="1" name=""/>
+        <p:cNvGrpSpPr/>
+        <p:nvPr/>
+      </p:nvGrpSpPr>
+      <p:grpSpPr>
+        <a:xfrm>
+          <a:off x="0" y="0"/>
+          <a:ext cx="0" cy="0"/>
+          <a:chOff x="0" y="0"/>
+          <a:chExt cx="0" cy="0"/>
+        </a:xfrm>
+      </p:grpSpPr>
+      <p:sp>
+        <p:nvSpPr>
+          <p:cNvPr id="2" name="Title 1"/>
+          <p:cNvSpPr>
+            <a:spLocks noGrp="1"/>
+          </p:cNvSpPr>
+          <p:nvPr>
+            <p:ph type="title"/>
+          </p:nvPr>
+        </p:nvSpPr>
+        <p:spPr/>
+        <p:txBody>
+          <a:bodyPr/>
+          <a:lstStyle/>
+          <a:p>
+            <a:r>
+              <a:rPr lang="hr-HR" dirty="0" err="1"/>
+              <a:t>Testing</a:t>
+            </a:r>
+            <a:r>
+              <a:rPr lang="hr-HR" dirty="0"/>
+              <a:t> </a:t>
+            </a:r>
+            <a:r>
+              <a:rPr lang="hr-HR" dirty="0" err="1"/>
+              <a:t>Repository</a:t>
+            </a:r>
+            <a:r>
+              <a:rPr lang="hr-HR" dirty="0"/>
+              <a:t> </a:t>
+            </a:r>
+            <a:r>
+              <a:rPr lang="hr-HR" dirty="0" err="1"/>
+              <a:t>Layer</a:t>
+            </a:r>
+            <a:endParaRPr lang="hr-HR" dirty="0"/>
+          </a:p>
+        </p:txBody>
+      </p:sp>
+      <p:sp>
+        <p:nvSpPr>
+          <p:cNvPr id="3" name="Content Placeholder 2"/>
+          <p:cNvSpPr>
+            <a:spLocks noGrp="1"/>
+          </p:cNvSpPr>
+          <p:nvPr>
+            <p:ph idx="1"/>
+          </p:nvPr>
+        </p:nvSpPr>
+        <p:spPr/>
+        <p:txBody>
+          <a:bodyPr/>
+          <a:lstStyle/>
+          <a:p>
+            <a:r>
+              <a:rPr lang="hr-HR" dirty="0"/>
+              <a:t>Do </a:t>
+            </a:r>
+            <a:r>
+              <a:rPr lang="hr-HR" dirty="0" err="1"/>
+              <a:t>not</a:t>
+            </a:r>
+            <a:r>
+              <a:rPr lang="hr-HR" dirty="0"/>
+              <a:t> test </a:t>
+            </a:r>
+            <a:r>
+              <a:rPr lang="hr-HR" dirty="0" err="1"/>
+              <a:t>persist</a:t>
+            </a:r>
+            <a:r>
+              <a:rPr lang="hr-HR" dirty="0"/>
+              <a:t>, </a:t>
+            </a:r>
+            <a:r>
+              <a:rPr lang="hr-HR" dirty="0" err="1"/>
+              <a:t>remote</a:t>
+            </a:r>
+            <a:r>
+              <a:rPr lang="hr-HR" dirty="0"/>
+              <a:t> </a:t>
+            </a:r>
+            <a:r>
+              <a:rPr lang="hr-HR" dirty="0" err="1"/>
+              <a:t>or</a:t>
+            </a:r>
+            <a:r>
+              <a:rPr lang="hr-HR" dirty="0"/>
+              <a:t> </a:t>
+            </a:r>
+            <a:r>
+              <a:rPr lang="hr-HR" dirty="0" err="1"/>
+              <a:t>findById</a:t>
+            </a:r>
+            <a:r>
+              <a:rPr lang="hr-HR" dirty="0"/>
+              <a:t> </a:t>
+            </a:r>
+            <a:r>
+              <a:rPr lang="hr-HR" dirty="0" err="1"/>
+              <a:t>methods</a:t>
+            </a:r>
+            <a:r>
+              <a:rPr lang="hr-HR" dirty="0"/>
+              <a:t> </a:t>
+            </a:r>
+            <a:r>
+              <a:rPr lang="hr-HR" dirty="0" err="1"/>
+              <a:t>which</a:t>
+            </a:r>
+            <a:r>
+              <a:rPr lang="hr-HR" dirty="0"/>
+              <a:t> are </a:t>
+            </a:r>
+            <a:r>
+              <a:rPr lang="hr-HR" dirty="0" err="1"/>
+              <a:t>directly</a:t>
+            </a:r>
+            <a:r>
+              <a:rPr lang="hr-HR" dirty="0"/>
+              <a:t> </a:t>
+            </a:r>
+            <a:r>
+              <a:rPr lang="hr-HR" dirty="0" err="1"/>
+              <a:t>calling</a:t>
+            </a:r>
+            <a:r>
+              <a:rPr lang="hr-HR" dirty="0"/>
+              <a:t> </a:t>
+            </a:r>
+            <a:r>
+              <a:rPr lang="hr-HR" dirty="0" err="1"/>
+              <a:t>entity</a:t>
+            </a:r>
+            <a:r>
+              <a:rPr lang="hr-HR" dirty="0"/>
+              <a:t> manager </a:t>
+            </a:r>
+            <a:r>
+              <a:rPr lang="hr-HR" dirty="0" err="1"/>
+              <a:t>methods</a:t>
+            </a:r>
+            <a:endParaRPr lang="hr-HR" dirty="0"/>
+          </a:p>
+          <a:p>
+            <a:r>
+              <a:rPr lang="hr-HR" dirty="0"/>
+              <a:t>Do </a:t>
+            </a:r>
+            <a:r>
+              <a:rPr lang="hr-HR" dirty="0" err="1"/>
+              <a:t>not</a:t>
+            </a:r>
+            <a:r>
+              <a:rPr lang="hr-HR" dirty="0"/>
+              <a:t> test </a:t>
+            </a:r>
+            <a:r>
+              <a:rPr lang="hr-HR" dirty="0" err="1"/>
+              <a:t>AbstractMethods</a:t>
+            </a:r>
+            <a:r>
+              <a:rPr lang="hr-HR" dirty="0"/>
+              <a:t> </a:t>
+            </a:r>
+            <a:r>
+              <a:rPr lang="hr-HR" dirty="0" err="1"/>
+              <a:t>that</a:t>
+            </a:r>
+            <a:r>
+              <a:rPr lang="hr-HR" dirty="0"/>
+              <a:t> are </a:t>
+            </a:r>
+            <a:r>
+              <a:rPr lang="hr-HR" dirty="0" err="1"/>
+              <a:t>shared</a:t>
+            </a:r>
+            <a:r>
+              <a:rPr lang="hr-HR" dirty="0"/>
+              <a:t> </a:t>
+            </a:r>
+            <a:r>
+              <a:rPr lang="hr-HR" dirty="0" err="1"/>
+              <a:t>across</a:t>
+            </a:r>
+            <a:r>
+              <a:rPr lang="hr-HR" dirty="0"/>
+              <a:t> </a:t>
+            </a:r>
+            <a:r>
+              <a:rPr lang="hr-HR" dirty="0" err="1"/>
+              <a:t>Repositories</a:t>
+            </a:r>
+            <a:r>
+              <a:rPr lang="hr-HR" dirty="0"/>
+              <a:t> </a:t>
+            </a:r>
+            <a:r>
+              <a:rPr lang="hr-HR" dirty="0" err="1"/>
+              <a:t>which</a:t>
+            </a:r>
+            <a:r>
+              <a:rPr lang="hr-HR" dirty="0"/>
+              <a:t> are </a:t>
+            </a:r>
+            <a:r>
+              <a:rPr lang="hr-HR" dirty="0" err="1"/>
+              <a:t>already</a:t>
+            </a:r>
+            <a:r>
+              <a:rPr lang="hr-HR" dirty="0"/>
+              <a:t> </a:t>
+            </a:r>
+            <a:r>
+              <a:rPr lang="hr-HR" dirty="0" err="1"/>
+              <a:t>tested</a:t>
+            </a:r>
+            <a:r>
+              <a:rPr lang="hr-HR" dirty="0"/>
+              <a:t> on one </a:t>
+            </a:r>
+            <a:r>
+              <a:rPr lang="hr-HR" dirty="0" err="1"/>
+              <a:t>or</a:t>
+            </a:r>
+            <a:r>
+              <a:rPr lang="hr-HR" dirty="0"/>
+              <a:t> </a:t>
+            </a:r>
+            <a:r>
+              <a:rPr lang="hr-HR" dirty="0" err="1"/>
+              <a:t>two</a:t>
+            </a:r>
+            <a:r>
+              <a:rPr lang="hr-HR" dirty="0"/>
+              <a:t> </a:t>
+            </a:r>
+            <a:r>
+              <a:rPr lang="hr-HR" dirty="0" err="1"/>
+              <a:t>Repository</a:t>
+            </a:r>
+            <a:r>
+              <a:rPr lang="hr-HR" dirty="0"/>
+              <a:t> </a:t>
+            </a:r>
+            <a:r>
+              <a:rPr lang="hr-HR" dirty="0" err="1"/>
+              <a:t>implementation</a:t>
+            </a:r>
+            <a:r>
+              <a:rPr lang="hr-HR" dirty="0"/>
+              <a:t> – for </a:t>
+            </a:r>
+            <a:r>
+              <a:rPr lang="hr-HR" dirty="0" err="1"/>
+              <a:t>example</a:t>
+            </a:r>
+            <a:r>
+              <a:rPr lang="hr-HR" dirty="0"/>
+              <a:t> </a:t>
+            </a:r>
+            <a:r>
+              <a:rPr lang="hr-HR" dirty="0" err="1" smtClean="0"/>
+              <a:t>findPaged</a:t>
+            </a:r>
+            <a:endParaRPr lang="hr-HR" dirty="0"/>
+          </a:p>
+        </p:txBody>
+      </p:sp>
+    </p:spTree>
+    <p:extLst>
+      <p:ext uri="{BB962C8B-B14F-4D97-AF65-F5344CB8AC3E}">
+        <p14:creationId xmlns:p14="http://schemas.microsoft.com/office/powerpoint/2010/main" val="1720136801"/>
+      </p:ext>
+    </p:extLst>
+  </p:cSld>
+  <p:clrMapOvr>
+    <a:masterClrMapping/>
+  </p:clrMapOvr>
+</p:sld>
+</file>
+
+<file path=ppt/slides/slide16.xml><?xml version="1.0" encoding="utf-8"?>
+<p:sld xmlns:a="http://schemas.openxmlformats.org/drawingml/2006/main" xmlns:r="http://schemas.openxmlformats.org/officeDocument/2006/relationships" xmlns:p="http://schemas.openxmlformats.org/presentationml/2006/main">
+  <p:cSld>
+    <p:spTree>
+      <p:nvGrpSpPr>
+        <p:cNvPr id="1" name=""/>
+        <p:cNvGrpSpPr/>
+        <p:nvPr/>
+      </p:nvGrpSpPr>
+      <p:grpSpPr>
+        <a:xfrm>
+          <a:off x="0" y="0"/>
+          <a:ext cx="0" cy="0"/>
+          <a:chOff x="0" y="0"/>
+          <a:chExt cx="0" cy="0"/>
+        </a:xfrm>
+      </p:grpSpPr>
+      <p:sp>
+        <p:nvSpPr>
+          <p:cNvPr id="2" name="Title 1"/>
+          <p:cNvSpPr>
+            <a:spLocks noGrp="1"/>
+          </p:cNvSpPr>
+          <p:nvPr>
+            <p:ph type="title"/>
+          </p:nvPr>
+        </p:nvSpPr>
+        <p:spPr/>
+        <p:txBody>
+          <a:bodyPr/>
+          <a:lstStyle/>
+          <a:p>
+            <a:r>
+              <a:rPr lang="hr-HR" dirty="0" err="1"/>
+              <a:t>Testing</a:t>
+            </a:r>
+            <a:r>
+              <a:rPr lang="hr-HR" dirty="0"/>
+              <a:t> </a:t>
+            </a:r>
+            <a:r>
+              <a:rPr lang="hr-HR" dirty="0" err="1"/>
+              <a:t>Facade</a:t>
+            </a:r>
+            <a:r>
+              <a:rPr lang="hr-HR" dirty="0"/>
+              <a:t> Web </a:t>
+            </a:r>
+            <a:r>
+              <a:rPr lang="hr-HR"/>
+              <a:t>Services</a:t>
+            </a:r>
+          </a:p>
+        </p:txBody>
+      </p:sp>
+      <p:sp>
+        <p:nvSpPr>
+          <p:cNvPr id="3" name="Content Placeholder 2"/>
+          <p:cNvSpPr>
+            <a:spLocks noGrp="1"/>
+          </p:cNvSpPr>
+          <p:nvPr>
+            <p:ph idx="1"/>
+          </p:nvPr>
+        </p:nvSpPr>
+        <p:spPr/>
+        <p:txBody>
+          <a:bodyPr/>
+          <a:lstStyle/>
+          <a:p>
+            <a:r>
+              <a:rPr lang="hr-HR" dirty="0"/>
+              <a:t>Do </a:t>
+            </a:r>
+            <a:r>
+              <a:rPr lang="hr-HR" dirty="0" err="1"/>
+              <a:t>not</a:t>
+            </a:r>
+            <a:r>
+              <a:rPr lang="hr-HR" dirty="0"/>
+              <a:t> use </a:t>
+            </a:r>
+            <a:r>
+              <a:rPr lang="hr-HR" dirty="0" err="1"/>
+              <a:t>real</a:t>
+            </a:r>
+            <a:r>
+              <a:rPr lang="hr-HR" dirty="0"/>
+              <a:t> </a:t>
+            </a:r>
+            <a:r>
+              <a:rPr lang="hr-HR" dirty="0" err="1"/>
+              <a:t>client</a:t>
+            </a:r>
+            <a:r>
+              <a:rPr lang="hr-HR" dirty="0"/>
+              <a:t>, use </a:t>
+            </a:r>
+            <a:r>
+              <a:rPr lang="hr-HR" dirty="0" err="1"/>
+              <a:t>mocks</a:t>
+            </a:r>
+            <a:r>
+              <a:rPr lang="hr-HR" dirty="0"/>
+              <a:t> </a:t>
+            </a:r>
+            <a:r>
+              <a:rPr lang="hr-HR" dirty="0" err="1"/>
+              <a:t>when</a:t>
+            </a:r>
+            <a:r>
+              <a:rPr lang="hr-HR" dirty="0"/>
+              <a:t> </a:t>
+            </a:r>
+            <a:r>
+              <a:rPr lang="hr-HR" dirty="0" err="1"/>
+              <a:t>writing</a:t>
+            </a:r>
+            <a:r>
+              <a:rPr lang="hr-HR" dirty="0"/>
+              <a:t> </a:t>
+            </a:r>
+            <a:r>
+              <a:rPr lang="hr-HR" dirty="0" err="1"/>
+              <a:t>integration</a:t>
+            </a:r>
+            <a:r>
+              <a:rPr lang="hr-HR" dirty="0"/>
+              <a:t> </a:t>
+            </a:r>
+            <a:r>
+              <a:rPr lang="hr-HR" dirty="0" err="1"/>
+              <a:t>tests</a:t>
+            </a:r>
+            <a:endParaRPr lang="hr-HR" dirty="0"/>
+          </a:p>
+          <a:p>
+            <a:r>
+              <a:rPr lang="hr-HR" dirty="0" err="1"/>
+              <a:t>Write</a:t>
+            </a:r>
+            <a:r>
+              <a:rPr lang="hr-HR" dirty="0"/>
+              <a:t> </a:t>
+            </a:r>
+            <a:r>
+              <a:rPr lang="hr-HR" dirty="0" err="1"/>
+              <a:t>integreation</a:t>
+            </a:r>
+            <a:r>
+              <a:rPr lang="hr-HR" dirty="0"/>
+              <a:t> test </a:t>
+            </a:r>
+            <a:r>
+              <a:rPr lang="hr-HR" dirty="0" err="1"/>
+              <a:t>which</a:t>
+            </a:r>
+            <a:r>
+              <a:rPr lang="hr-HR" dirty="0"/>
+              <a:t> </a:t>
+            </a:r>
+            <a:r>
+              <a:rPr lang="hr-HR" dirty="0" err="1"/>
+              <a:t>tests</a:t>
+            </a:r>
+            <a:r>
+              <a:rPr lang="hr-HR" dirty="0"/>
+              <a:t> </a:t>
+            </a:r>
+            <a:r>
+              <a:rPr lang="hr-HR" dirty="0" err="1"/>
+              <a:t>client</a:t>
+            </a:r>
+            <a:r>
+              <a:rPr lang="hr-HR" dirty="0"/>
+              <a:t> &lt;–&gt; </a:t>
+            </a:r>
+            <a:r>
+              <a:rPr lang="hr-HR" dirty="0" err="1"/>
+              <a:t>external</a:t>
+            </a:r>
+            <a:r>
+              <a:rPr lang="hr-HR" dirty="0"/>
+              <a:t> system </a:t>
+            </a:r>
+            <a:r>
+              <a:rPr lang="hr-HR" dirty="0" err="1"/>
+              <a:t>communication</a:t>
+            </a:r>
+            <a:r>
+              <a:rPr lang="hr-HR" dirty="0"/>
+              <a:t> </a:t>
+            </a:r>
+          </a:p>
+          <a:p>
+            <a:r>
+              <a:rPr lang="hr-HR" dirty="0"/>
+              <a:t>In </a:t>
+            </a:r>
+            <a:r>
+              <a:rPr lang="hr-HR" dirty="0" err="1"/>
+              <a:t>mocks</a:t>
+            </a:r>
+            <a:r>
+              <a:rPr lang="hr-HR" dirty="0"/>
+              <a:t> </a:t>
+            </a:r>
+            <a:r>
+              <a:rPr lang="hr-HR" dirty="0" err="1"/>
+              <a:t>cover</a:t>
+            </a:r>
+            <a:r>
+              <a:rPr lang="hr-HR" dirty="0"/>
+              <a:t> </a:t>
+            </a:r>
+            <a:r>
+              <a:rPr lang="hr-HR" dirty="0" err="1"/>
+              <a:t>cases</a:t>
+            </a:r>
+            <a:r>
+              <a:rPr lang="hr-HR" dirty="0"/>
+              <a:t>:</a:t>
+            </a:r>
+          </a:p>
+          <a:p>
+            <a:pPr lvl="1"/>
+            <a:r>
+              <a:rPr lang="hr-HR" dirty="0" err="1"/>
+              <a:t>Everything</a:t>
+            </a:r>
+            <a:r>
+              <a:rPr lang="hr-HR" dirty="0"/>
+              <a:t> </a:t>
+            </a:r>
+            <a:r>
+              <a:rPr lang="hr-HR" dirty="0" err="1"/>
+              <a:t>went</a:t>
+            </a:r>
+            <a:r>
+              <a:rPr lang="hr-HR" dirty="0"/>
+              <a:t> ok;</a:t>
+            </a:r>
+          </a:p>
+          <a:p>
+            <a:pPr lvl="1"/>
+            <a:r>
+              <a:rPr lang="hr-HR" dirty="0" err="1"/>
+              <a:t>External</a:t>
+            </a:r>
+            <a:r>
+              <a:rPr lang="hr-HR" dirty="0"/>
+              <a:t> system </a:t>
+            </a:r>
+            <a:r>
+              <a:rPr lang="hr-HR" dirty="0" err="1"/>
+              <a:t>threw</a:t>
+            </a:r>
+            <a:r>
+              <a:rPr lang="hr-HR" dirty="0"/>
+              <a:t> </a:t>
+            </a:r>
+            <a:r>
+              <a:rPr lang="hr-HR" dirty="0" err="1"/>
+              <a:t>Exception</a:t>
+            </a:r>
+            <a:r>
+              <a:rPr lang="hr-HR" dirty="0"/>
+              <a:t>.</a:t>
+            </a:r>
+          </a:p>
+          <a:p>
+            <a:r>
+              <a:rPr lang="hr-HR" dirty="0"/>
+              <a:t>Test </a:t>
+            </a:r>
+            <a:r>
+              <a:rPr lang="hr-HR" dirty="0" err="1"/>
+              <a:t>those</a:t>
+            </a:r>
+            <a:r>
+              <a:rPr lang="hr-HR" dirty="0"/>
+              <a:t> </a:t>
+            </a:r>
+            <a:r>
+              <a:rPr lang="hr-HR" dirty="0" err="1"/>
+              <a:t>cases</a:t>
+            </a:r>
+            <a:r>
+              <a:rPr lang="hr-HR" dirty="0"/>
+              <a:t> </a:t>
+            </a:r>
+            <a:r>
+              <a:rPr lang="hr-HR" dirty="0" err="1"/>
+              <a:t>and</a:t>
+            </a:r>
+            <a:r>
+              <a:rPr lang="hr-HR" dirty="0"/>
+              <a:t> </a:t>
+            </a:r>
+            <a:r>
+              <a:rPr lang="hr-HR" dirty="0" err="1"/>
+              <a:t>capture</a:t>
+            </a:r>
+            <a:r>
+              <a:rPr lang="hr-HR" dirty="0"/>
+              <a:t> </a:t>
+            </a:r>
+            <a:r>
+              <a:rPr lang="hr-HR" dirty="0" err="1"/>
+              <a:t>the</a:t>
+            </a:r>
+            <a:r>
+              <a:rPr lang="hr-HR" dirty="0"/>
+              <a:t> </a:t>
+            </a:r>
+            <a:r>
+              <a:rPr lang="hr-HR" dirty="0" err="1"/>
+              <a:t>correct</a:t>
+            </a:r>
+            <a:r>
+              <a:rPr lang="hr-HR" dirty="0"/>
+              <a:t> </a:t>
+            </a:r>
+            <a:r>
+              <a:rPr lang="hr-HR" dirty="0" err="1"/>
+              <a:t>behaviour</a:t>
+            </a:r>
+            <a:r>
+              <a:rPr lang="hr-HR" dirty="0"/>
+              <a:t> </a:t>
+            </a:r>
+            <a:r>
+              <a:rPr lang="hr-HR" dirty="0" err="1"/>
+              <a:t>with</a:t>
+            </a:r>
+            <a:r>
+              <a:rPr lang="hr-HR" i="1" dirty="0"/>
+              <a:t> </a:t>
+            </a:r>
+            <a:r>
+              <a:rPr lang="hr-HR" dirty="0" err="1"/>
+              <a:t>integration</a:t>
+            </a:r>
+            <a:r>
+              <a:rPr lang="hr-HR" dirty="0"/>
+              <a:t> </a:t>
+            </a:r>
+            <a:r>
+              <a:rPr lang="hr-HR" dirty="0" err="1"/>
+              <a:t>and</a:t>
+            </a:r>
+            <a:r>
+              <a:rPr lang="hr-HR" dirty="0"/>
+              <a:t>/</a:t>
+            </a:r>
+            <a:r>
+              <a:rPr lang="hr-HR" dirty="0" err="1"/>
+              <a:t>or</a:t>
+            </a:r>
+            <a:r>
+              <a:rPr lang="hr-HR" dirty="0"/>
+              <a:t> </a:t>
+            </a:r>
+            <a:r>
+              <a:rPr lang="hr-HR" dirty="0" err="1"/>
+              <a:t>unit</a:t>
+            </a:r>
+            <a:r>
+              <a:rPr lang="hr-HR" dirty="0"/>
+              <a:t> </a:t>
+            </a:r>
+            <a:r>
+              <a:rPr lang="hr-HR" dirty="0" err="1"/>
+              <a:t>tests</a:t>
+            </a:r>
+            <a:r>
+              <a:rPr lang="hr-HR" dirty="0"/>
+              <a:t>.</a:t>
+            </a:r>
+          </a:p>
+          <a:p>
+            <a:r>
+              <a:rPr lang="hr-HR" dirty="0" err="1"/>
+              <a:t>Run</a:t>
+            </a:r>
+            <a:r>
+              <a:rPr lang="hr-HR" dirty="0"/>
+              <a:t> manual </a:t>
+            </a:r>
+            <a:r>
+              <a:rPr lang="hr-HR" dirty="0" err="1"/>
+              <a:t>testing</a:t>
+            </a:r>
+            <a:r>
+              <a:rPr lang="hr-HR" dirty="0"/>
+              <a:t> </a:t>
+            </a:r>
+            <a:r>
+              <a:rPr lang="hr-HR" dirty="0" err="1"/>
+              <a:t>with</a:t>
+            </a:r>
+            <a:r>
+              <a:rPr lang="hr-HR" dirty="0"/>
+              <a:t> </a:t>
+            </a:r>
+            <a:r>
+              <a:rPr lang="hr-HR" dirty="0" err="1"/>
+              <a:t>real</a:t>
+            </a:r>
+            <a:r>
+              <a:rPr lang="hr-HR" dirty="0"/>
+              <a:t> </a:t>
+            </a:r>
+            <a:r>
+              <a:rPr lang="hr-HR" dirty="0" err="1"/>
+              <a:t>clients</a:t>
+            </a:r>
+            <a:r>
+              <a:rPr lang="hr-HR" dirty="0"/>
+              <a:t> </a:t>
+            </a:r>
+            <a:r>
+              <a:rPr lang="hr-HR" dirty="0" err="1"/>
+              <a:t>and</a:t>
+            </a:r>
+            <a:r>
+              <a:rPr lang="hr-HR" dirty="0"/>
+              <a:t> </a:t>
+            </a:r>
+            <a:r>
+              <a:rPr lang="hr-HR" dirty="0" err="1"/>
+              <a:t>capture</a:t>
+            </a:r>
+            <a:r>
+              <a:rPr lang="hr-HR" dirty="0"/>
+              <a:t> </a:t>
+            </a:r>
+            <a:r>
+              <a:rPr lang="hr-HR" dirty="0" err="1"/>
+              <a:t>correct</a:t>
+            </a:r>
+            <a:r>
+              <a:rPr lang="hr-HR" dirty="0"/>
+              <a:t> </a:t>
+            </a:r>
+            <a:r>
+              <a:rPr lang="hr-HR" dirty="0" err="1"/>
+              <a:t>behaviour</a:t>
+            </a:r>
+            <a:r>
+              <a:rPr lang="hr-HR" dirty="0"/>
+              <a:t> </a:t>
+            </a:r>
+            <a:r>
+              <a:rPr lang="hr-HR" dirty="0" err="1"/>
+              <a:t>in</a:t>
+            </a:r>
+            <a:r>
+              <a:rPr lang="hr-HR" dirty="0"/>
+              <a:t> </a:t>
+            </a:r>
+            <a:r>
+              <a:rPr lang="hr-HR" dirty="0" err="1"/>
+              <a:t>the</a:t>
+            </a:r>
+            <a:r>
+              <a:rPr lang="hr-HR" dirty="0"/>
+              <a:t> </a:t>
+            </a:r>
+            <a:r>
+              <a:rPr lang="hr-HR" dirty="0" err="1"/>
+              <a:t>integration</a:t>
+            </a:r>
+            <a:r>
+              <a:rPr lang="hr-HR" dirty="0"/>
+              <a:t> test </a:t>
+            </a:r>
+            <a:r>
+              <a:rPr lang="hr-HR" dirty="0" err="1"/>
+              <a:t>when</a:t>
+            </a:r>
+            <a:r>
+              <a:rPr lang="hr-HR" dirty="0"/>
+              <a:t> </a:t>
+            </a:r>
+            <a:r>
+              <a:rPr lang="hr-HR" dirty="0" err="1"/>
+              <a:t>communicating</a:t>
+            </a:r>
+            <a:r>
+              <a:rPr lang="hr-HR" dirty="0"/>
+              <a:t> </a:t>
+            </a:r>
+            <a:r>
+              <a:rPr lang="hr-HR" dirty="0" err="1"/>
+              <a:t>with</a:t>
+            </a:r>
+            <a:r>
+              <a:rPr lang="hr-HR" dirty="0"/>
+              <a:t> </a:t>
+            </a:r>
+            <a:r>
+              <a:rPr lang="hr-HR" dirty="0" err="1"/>
+              <a:t>the</a:t>
+            </a:r>
+            <a:r>
+              <a:rPr lang="hr-HR" dirty="0"/>
+              <a:t> </a:t>
+            </a:r>
+            <a:r>
+              <a:rPr lang="hr-HR" dirty="0" err="1"/>
+              <a:t>mock</a:t>
+            </a:r>
+            <a:r>
+              <a:rPr lang="hr-HR" dirty="0"/>
+              <a:t> </a:t>
+            </a:r>
+          </a:p>
+          <a:p>
+            <a:pPr marL="0" indent="0">
+              <a:buNone/>
+            </a:pPr>
+            <a:endParaRPr lang="hr-HR" dirty="0"/>
+          </a:p>
+        </p:txBody>
+      </p:sp>
+    </p:spTree>
+    <p:extLst>
+      <p:ext uri="{BB962C8B-B14F-4D97-AF65-F5344CB8AC3E}">
+        <p14:creationId xmlns:p14="http://schemas.microsoft.com/office/powerpoint/2010/main" val="4247752654"/>
       </p:ext>
     </p:extLst>
   </p:cSld>
@@ -4882,12 +5820,12 @@
           <a:lstStyle/>
           <a:p>
             <a:r>
-              <a:rPr lang="hr-HR" dirty="0" err="1" smtClean="0"/>
+              <a:rPr lang="hr-HR" dirty="0" err="1"/>
               <a:t>Specification</a:t>
             </a:r>
             <a:r>
-              <a:rPr lang="hr-HR" dirty="0" smtClean="0"/>
-              <a:t> - </a:t>
+              <a:rPr lang="hr-HR" dirty="0"/>
+              <a:t> -&gt; </a:t>
             </a:r>
             <a:r>
               <a:rPr lang="hr-HR" dirty="0" err="1"/>
@@ -4903,15 +5841,7 @@
             </a:r>
             <a:r>
               <a:rPr lang="hr-HR" dirty="0"/>
-              <a:t> </a:t>
-            </a:r>
-            <a:r>
-              <a:rPr lang="hr-HR" dirty="0" smtClean="0"/>
-              <a:t>- </a:t>
-            </a:r>
-            <a:r>
-              <a:rPr lang="hr-HR" dirty="0"/>
-              <a:t>Test</a:t>
+              <a:t> -&gt; Test</a:t>
             </a:r>
           </a:p>
           <a:p>
@@ -4933,7 +5863,7 @@
             </a:r>
             <a:r>
               <a:rPr lang="hr-HR" dirty="0" err="1"/>
-              <a:t>automation</a:t>
+              <a:t>automated</a:t>
             </a:r>
             <a:r>
               <a:rPr lang="hr-HR" dirty="0"/>
@@ -4948,7 +5878,7 @@
           <a:p>
             <a:r>
               <a:rPr lang="hr-HR" dirty="0" err="1"/>
-              <a:t>Automation</a:t>
+              <a:t>Automated</a:t>
             </a:r>
             <a:r>
               <a:rPr lang="hr-HR" dirty="0"/>
@@ -4960,7 +5890,7 @@
             </a:r>
             <a:r>
               <a:rPr lang="hr-HR" dirty="0"/>
-              <a:t> – </a:t>
+              <a:t> </a:t>
             </a:r>
           </a:p>
           <a:p>
@@ -5193,9 +6123,6 @@
               <a:rPr lang="hr-HR" dirty="0"/>
               <a:t>. </a:t>
             </a:r>
-          </a:p>
-          <a:p>
-            <a:endParaRPr lang="hr-HR" dirty="0"/>
           </a:p>
         </p:txBody>
       </p:sp>
@@ -5287,33 +6214,55 @@
               <a:buNone/>
             </a:pPr>
             <a:r>
-              <a:rPr lang="hr-HR" dirty="0" err="1"/>
+              <a:rPr lang="hr-HR" dirty="0" err="1" smtClean="0"/>
               <a:t>According</a:t>
             </a:r>
             <a:r>
-              <a:rPr lang="hr-HR" dirty="0"/>
+              <a:rPr lang="hr-HR" dirty="0" smtClean="0"/>
               <a:t> to </a:t>
             </a:r>
             <a:r>
-              <a:rPr lang="hr-HR" dirty="0" err="1"/>
+              <a:rPr lang="hr-HR" dirty="0" err="1" smtClean="0"/>
               <a:t>the</a:t>
             </a:r>
             <a:r>
-              <a:rPr lang="hr-HR" dirty="0"/>
-              <a:t> </a:t>
-            </a:r>
-            <a:r>
-              <a:rPr lang="hr-HR" dirty="0" err="1"/>
+              <a:rPr lang="hr-HR" dirty="0" smtClean="0"/>
+              <a:t> </a:t>
+            </a:r>
+            <a:r>
+              <a:rPr lang="hr-HR" dirty="0" err="1" smtClean="0"/>
               <a:t>book</a:t>
             </a:r>
             <a:r>
-              <a:rPr lang="hr-HR" dirty="0"/>
-              <a:t> </a:t>
-            </a:r>
+              <a:rPr lang="hr-HR" dirty="0" smtClean="0"/>
+              <a:t> </a:t>
+            </a:r>
+            <a:r>
+              <a:rPr lang="en-US" b="1" dirty="0" smtClean="0"/>
+              <a:t>Growing Object-Oriented Software Guided by Tests</a:t>
+            </a:r>
+          </a:p>
+          <a:p>
             <a:r>
               <a:rPr lang="en-US" b="1" dirty="0"/>
-              <a:t>Growing Object-Oriented Software Guided by Tests</a:t>
-            </a:r>
+              <a:t>Unit: </a:t>
+            </a:r>
+            <a:r>
+              <a:rPr lang="en-US" dirty="0"/>
+              <a:t>Do our objects do the right thing, are they convenient to work with?</a:t>
+            </a:r>
+            <a:endParaRPr lang="hr-HR" b="1" dirty="0"/>
+          </a:p>
+          <a:p>
+            <a:r>
+              <a:rPr lang="en-US" b="1" dirty="0"/>
+              <a:t>Integration: </a:t>
+            </a:r>
+            <a:r>
+              <a:rPr lang="en-US" dirty="0"/>
+              <a:t>Does our code work against code we can't change?</a:t>
+            </a:r>
+            <a:endParaRPr lang="hr-HR" b="1" dirty="0"/>
           </a:p>
           <a:p>
             <a:r>
@@ -5322,32 +6271,18 @@
             </a:r>
             <a:r>
               <a:rPr lang="en-US" dirty="0"/>
-              <a:t>Does the whole system work?</a:t>
-            </a:r>
-            <a:endParaRPr lang="hr-HR" dirty="0"/>
-          </a:p>
-          <a:p>
-            <a:r>
-              <a:rPr lang="en-US" b="1" dirty="0"/>
-              <a:t>Integration: </a:t>
-            </a:r>
-            <a:r>
-              <a:rPr lang="en-US" dirty="0"/>
-              <a:t>Does our code work against code we can't change?</a:t>
-            </a:r>
-            <a:endParaRPr lang="hr-HR" dirty="0"/>
-          </a:p>
-          <a:p>
-            <a:r>
-              <a:rPr lang="en-US" b="1" dirty="0"/>
-              <a:t>Unit: </a:t>
-            </a:r>
-            <a:r>
-              <a:rPr lang="en-US" dirty="0"/>
-              <a:t>Do our objects do the right thing, are they convenient to work with?</a:t>
+              <a:t>Does the whole system work</a:t>
+            </a:r>
+            <a:r>
+              <a:rPr lang="en-US" dirty="0" smtClean="0"/>
+              <a:t>?</a:t>
+            </a:r>
+            <a:r>
+              <a:rPr lang="en-US" dirty="0" smtClean="0"/>
+              <a:t/>
             </a:r>
             <a:br>
-              <a:rPr lang="en-US" dirty="0"/>
+              <a:rPr lang="en-US" dirty="0" smtClean="0"/>
             </a:br>
             <a:endParaRPr lang="hr-HR" dirty="0"/>
           </a:p>
@@ -5643,7 +6578,7 @@
             </a:r>
             <a:r>
               <a:rPr lang="hr-HR" dirty="0" err="1"/>
-              <a:t>meanangful</a:t>
+              <a:t>meaningful</a:t>
             </a:r>
             <a:r>
               <a:rPr lang="hr-HR" dirty="0"/>
@@ -5681,11 +6616,9 @@
               <a:t>should_do_something_when_conditions</a:t>
             </a:r>
             <a:r>
-              <a:rPr lang="hr-HR" dirty="0"/>
+              <a:rPr lang="hr-HR" dirty="0" smtClean="0"/>
               <a:t>()</a:t>
             </a:r>
-          </a:p>
-          <a:p>
             <a:endParaRPr lang="hr-HR" dirty="0"/>
           </a:p>
         </p:txBody>
@@ -6293,77 +7226,156 @@
             </a:r>
           </a:p>
           <a:p>
+            <a:r>
+              <a:rPr lang="hr-HR" dirty="0" err="1"/>
+              <a:t>Naming</a:t>
+            </a:r>
+            <a:r>
+              <a:rPr lang="hr-HR" dirty="0"/>
+              <a:t> </a:t>
+            </a:r>
+            <a:r>
+              <a:rPr lang="hr-HR" dirty="0" err="1"/>
+              <a:t>conventions</a:t>
+            </a:r>
+            <a:r>
+              <a:rPr lang="hr-HR" dirty="0"/>
+              <a:t>: </a:t>
+            </a:r>
+          </a:p>
+          <a:p>
+            <a:pPr lvl="1"/>
+            <a:r>
+              <a:rPr lang="hr-HR" dirty="0" err="1"/>
+              <a:t>Surefire</a:t>
+            </a:r>
+            <a:r>
+              <a:rPr lang="hr-HR" dirty="0"/>
+              <a:t> – </a:t>
+            </a:r>
+            <a:r>
+              <a:rPr lang="hr-HR" dirty="0" err="1"/>
+              <a:t>NameOfTheClassTest</a:t>
+            </a:r>
+            <a:endParaRPr lang="hr-HR" dirty="0"/>
+          </a:p>
+          <a:p>
             <a:pPr lvl="2"/>
             <a:r>
-              <a:rPr lang="hr-HR" dirty="0"/>
-              <a:t>post-</a:t>
-            </a:r>
-            <a:r>
-              <a:rPr lang="hr-HR" dirty="0" err="1"/>
-              <a:t>integration</a:t>
-            </a:r>
-            <a:r>
-              <a:rPr lang="hr-HR" dirty="0"/>
-              <a:t>-test </a:t>
-            </a:r>
-            <a:r>
-              <a:rPr lang="hr-HR" dirty="0" err="1"/>
-              <a:t>phase</a:t>
-            </a:r>
-            <a:r>
-              <a:rPr lang="hr-HR" dirty="0"/>
-              <a:t> (</a:t>
-            </a:r>
-            <a:r>
-              <a:rPr lang="hr-HR" dirty="0" err="1"/>
-              <a:t>clean</a:t>
-            </a:r>
-            <a:r>
-              <a:rPr lang="hr-HR" dirty="0"/>
-              <a:t> test </a:t>
-            </a:r>
-            <a:r>
-              <a:rPr lang="hr-HR" dirty="0" err="1"/>
-              <a:t>environment</a:t>
-            </a:r>
-            <a:r>
-              <a:rPr lang="hr-HR" dirty="0"/>
-              <a:t>) – </a:t>
-            </a:r>
-            <a:r>
-              <a:rPr lang="hr-HR" dirty="0" err="1"/>
-              <a:t>always</a:t>
-            </a:r>
-            <a:r>
-              <a:rPr lang="hr-HR" dirty="0"/>
-              <a:t> </a:t>
-            </a:r>
-            <a:r>
-              <a:rPr lang="hr-HR" dirty="0" err="1"/>
-              <a:t>executes</a:t>
+              <a:rPr lang="hr-HR" dirty="0" err="1"/>
+              <a:t>Classpath</a:t>
+            </a:r>
+            <a:r>
+              <a:rPr lang="hr-HR" dirty="0"/>
+              <a:t> same as </a:t>
+            </a:r>
+            <a:r>
+              <a:rPr lang="hr-HR" dirty="0" err="1"/>
+              <a:t>the</a:t>
+            </a:r>
+            <a:r>
+              <a:rPr lang="hr-HR" dirty="0"/>
+              <a:t> </a:t>
+            </a:r>
+            <a:r>
+              <a:rPr lang="hr-HR" dirty="0" err="1"/>
+              <a:t>class</a:t>
+            </a:r>
+            <a:r>
+              <a:rPr lang="hr-HR" dirty="0"/>
+              <a:t> </a:t>
+            </a:r>
+            <a:r>
+              <a:rPr lang="hr-HR" dirty="0" err="1"/>
+              <a:t>that</a:t>
+            </a:r>
+            <a:r>
+              <a:rPr lang="hr-HR" dirty="0"/>
+              <a:t> </a:t>
+            </a:r>
+            <a:r>
+              <a:rPr lang="hr-HR" dirty="0" err="1"/>
+              <a:t>is</a:t>
+            </a:r>
+            <a:r>
+              <a:rPr lang="hr-HR" dirty="0"/>
+              <a:t> </a:t>
+            </a:r>
+            <a:r>
+              <a:rPr lang="hr-HR" dirty="0" err="1"/>
+              <a:t>being</a:t>
+            </a:r>
+            <a:r>
+              <a:rPr lang="hr-HR" dirty="0"/>
+              <a:t> </a:t>
+            </a:r>
+            <a:r>
+              <a:rPr lang="hr-HR" dirty="0" err="1"/>
+              <a:t>tested</a:t>
             </a:r>
             <a:endParaRPr lang="hr-HR" dirty="0"/>
           </a:p>
           <a:p>
-            <a:r>
-              <a:rPr lang="hr-HR" dirty="0" err="1"/>
-              <a:t>Naming</a:t>
-            </a:r>
-            <a:r>
-              <a:rPr lang="hr-HR" dirty="0"/>
-              <a:t> </a:t>
-            </a:r>
-            <a:r>
-              <a:rPr lang="hr-HR" dirty="0" err="1" smtClean="0"/>
-              <a:t>conventions</a:t>
-            </a:r>
-            <a:r>
-              <a:rPr lang="hr-HR" dirty="0"/>
-              <a:t>:</a:t>
-            </a:r>
-            <a:r>
-              <a:rPr lang="hr-HR" dirty="0" smtClean="0"/>
-              <a:t> </a:t>
+            <a:pPr lvl="2"/>
+            <a:r>
+              <a:rPr lang="hr-HR" dirty="0" err="1"/>
+              <a:t>Packages</a:t>
+            </a:r>
+            <a:r>
+              <a:rPr lang="hr-HR" dirty="0"/>
+              <a:t> </a:t>
+            </a:r>
+            <a:r>
+              <a:rPr lang="hr-HR" dirty="0" err="1"/>
+              <a:t>private</a:t>
+            </a:r>
+            <a:r>
+              <a:rPr lang="hr-HR" dirty="0"/>
+              <a:t> </a:t>
+            </a:r>
+            <a:r>
+              <a:rPr lang="hr-HR" dirty="0" err="1"/>
+              <a:t>methods</a:t>
+            </a:r>
+            <a:r>
+              <a:rPr lang="hr-HR" dirty="0"/>
+              <a:t> </a:t>
+            </a:r>
+            <a:r>
+              <a:rPr lang="hr-HR" dirty="0" err="1"/>
+              <a:t>can</a:t>
+            </a:r>
+            <a:r>
+              <a:rPr lang="hr-HR" dirty="0"/>
+              <a:t> </a:t>
+            </a:r>
+            <a:r>
+              <a:rPr lang="hr-HR" dirty="0" err="1"/>
+              <a:t>be</a:t>
+            </a:r>
+            <a:r>
+              <a:rPr lang="hr-HR" dirty="0"/>
+              <a:t> </a:t>
+            </a:r>
+            <a:r>
+              <a:rPr lang="hr-HR" dirty="0" err="1"/>
+              <a:t>accessed</a:t>
+            </a:r>
+            <a:r>
+              <a:rPr lang="hr-HR" dirty="0"/>
+              <a:t> </a:t>
+            </a:r>
+            <a:r>
+              <a:rPr lang="hr-HR" dirty="0" err="1"/>
+              <a:t>this</a:t>
+            </a:r>
+            <a:r>
+              <a:rPr lang="hr-HR" dirty="0"/>
+              <a:t> </a:t>
+            </a:r>
+            <a:r>
+              <a:rPr lang="hr-HR" dirty="0" err="1"/>
+              <a:t>way</a:t>
             </a:r>
             <a:endParaRPr lang="hr-HR" dirty="0"/>
           </a:p>
@@ -6371,7 +7383,7 @@
             <a:pPr lvl="1"/>
             <a:r>
               <a:rPr lang="hr-HR" dirty="0" err="1"/>
-              <a:t>Surefire</a:t>
+              <a:t>Failsafe</a:t>
             </a:r>
             <a:r>
               <a:rPr lang="hr-HR" dirty="0"/>
@@ -6379,229 +7391,75 @@
             </a:r>
             <a:r>
               <a:rPr lang="hr-HR" dirty="0" err="1"/>
-              <a:t>NameOfTheClassTest</a:t>
-            </a:r>
-            <a:r>
-              <a:rPr lang="hr-HR" dirty="0"/>
-              <a:t> </a:t>
-            </a:r>
-            <a:r>
-              <a:rPr lang="hr-HR" dirty="0" smtClean="0"/>
-              <a:t>– </a:t>
-            </a:r>
+              <a:t>NameOfTheClassTestIT</a:t>
+            </a:r>
+            <a:endParaRPr lang="hr-HR" dirty="0"/>
           </a:p>
           <a:p>
             <a:pPr lvl="2"/>
             <a:r>
               <a:rPr lang="hr-HR" dirty="0" err="1"/>
-              <a:t>C</a:t>
-            </a:r>
-            <a:r>
-              <a:rPr lang="hr-HR" dirty="0" err="1" smtClean="0"/>
-              <a:t>lasspath</a:t>
-            </a:r>
-            <a:r>
-              <a:rPr lang="hr-HR" dirty="0" smtClean="0"/>
-              <a:t> same as </a:t>
-            </a:r>
-            <a:r>
-              <a:rPr lang="hr-HR" dirty="0" err="1" smtClean="0"/>
-              <a:t>the</a:t>
-            </a:r>
-            <a:r>
-              <a:rPr lang="hr-HR" dirty="0" smtClean="0"/>
-              <a:t> </a:t>
-            </a:r>
-            <a:r>
-              <a:rPr lang="hr-HR" dirty="0" err="1" smtClean="0"/>
-              <a:t>class</a:t>
-            </a:r>
-            <a:r>
-              <a:rPr lang="hr-HR" dirty="0" smtClean="0"/>
-              <a:t> </a:t>
-            </a:r>
-            <a:r>
-              <a:rPr lang="hr-HR" dirty="0" err="1" smtClean="0"/>
-              <a:t>that</a:t>
-            </a:r>
-            <a:r>
-              <a:rPr lang="hr-HR" dirty="0" smtClean="0"/>
-              <a:t> </a:t>
-            </a:r>
-            <a:r>
-              <a:rPr lang="hr-HR" dirty="0" err="1" smtClean="0"/>
-              <a:t>is</a:t>
-            </a:r>
-            <a:r>
-              <a:rPr lang="hr-HR" dirty="0" smtClean="0"/>
-              <a:t> </a:t>
-            </a:r>
-            <a:r>
-              <a:rPr lang="hr-HR" dirty="0" err="1" smtClean="0"/>
-              <a:t>being</a:t>
-            </a:r>
-            <a:r>
-              <a:rPr lang="hr-HR" dirty="0" smtClean="0"/>
-              <a:t> </a:t>
-            </a:r>
-            <a:r>
-              <a:rPr lang="hr-HR" dirty="0" err="1" smtClean="0"/>
-              <a:t>tested</a:t>
-            </a:r>
-            <a:endParaRPr lang="hr-HR" dirty="0" smtClean="0"/>
+              <a:t>Plugin</a:t>
+            </a:r>
+            <a:r>
+              <a:rPr lang="hr-HR" dirty="0"/>
+              <a:t> must </a:t>
+            </a:r>
+            <a:r>
+              <a:rPr lang="hr-HR" dirty="0" err="1"/>
+              <a:t>be</a:t>
+            </a:r>
+            <a:r>
+              <a:rPr lang="hr-HR" dirty="0"/>
+              <a:t> </a:t>
+            </a:r>
+            <a:r>
+              <a:rPr lang="hr-HR" dirty="0" err="1"/>
+              <a:t>specified</a:t>
+            </a:r>
+            <a:r>
+              <a:rPr lang="hr-HR" dirty="0"/>
+              <a:t> </a:t>
+            </a:r>
+            <a:r>
+              <a:rPr lang="hr-HR" dirty="0" err="1"/>
+              <a:t>in</a:t>
+            </a:r>
+            <a:r>
+              <a:rPr lang="hr-HR" dirty="0"/>
+              <a:t> pom.xml</a:t>
+            </a:r>
           </a:p>
           <a:p>
             <a:pPr lvl="2"/>
             <a:r>
-              <a:rPr lang="hr-HR" dirty="0" err="1" smtClean="0"/>
-              <a:t>Packages</a:t>
-            </a:r>
-            <a:r>
-              <a:rPr lang="hr-HR" dirty="0" smtClean="0"/>
-              <a:t> </a:t>
-            </a:r>
-            <a:r>
-              <a:rPr lang="hr-HR" dirty="0" err="1" smtClean="0"/>
-              <a:t>private</a:t>
-            </a:r>
-            <a:r>
-              <a:rPr lang="hr-HR" dirty="0" smtClean="0"/>
-              <a:t> </a:t>
-            </a:r>
-            <a:r>
-              <a:rPr lang="hr-HR" dirty="0" err="1" smtClean="0"/>
-              <a:t>methods</a:t>
-            </a:r>
-            <a:r>
-              <a:rPr lang="hr-HR" dirty="0" smtClean="0"/>
-              <a:t> </a:t>
-            </a:r>
-            <a:r>
-              <a:rPr lang="hr-HR" dirty="0" err="1" smtClean="0"/>
-              <a:t>can</a:t>
-            </a:r>
-            <a:r>
-              <a:rPr lang="hr-HR" dirty="0" smtClean="0"/>
-              <a:t> </a:t>
-            </a:r>
-            <a:r>
-              <a:rPr lang="hr-HR" dirty="0" err="1" smtClean="0"/>
-              <a:t>be</a:t>
-            </a:r>
-            <a:r>
-              <a:rPr lang="hr-HR" dirty="0" smtClean="0"/>
-              <a:t> </a:t>
-            </a:r>
-            <a:r>
-              <a:rPr lang="hr-HR" dirty="0" err="1" smtClean="0"/>
-              <a:t>accessed</a:t>
-            </a:r>
-            <a:r>
-              <a:rPr lang="hr-HR" dirty="0" smtClean="0"/>
-              <a:t> </a:t>
-            </a:r>
-            <a:r>
-              <a:rPr lang="hr-HR" dirty="0" err="1" smtClean="0"/>
-              <a:t>this</a:t>
-            </a:r>
-            <a:r>
-              <a:rPr lang="hr-HR" dirty="0" smtClean="0"/>
-              <a:t> </a:t>
-            </a:r>
-            <a:r>
-              <a:rPr lang="hr-HR" dirty="0" err="1" smtClean="0"/>
-              <a:t>way</a:t>
-            </a:r>
-            <a:endParaRPr lang="hr-HR" dirty="0" smtClean="0"/>
-          </a:p>
-          <a:p>
-            <a:pPr lvl="1"/>
-            <a:r>
-              <a:rPr lang="hr-HR" dirty="0" err="1" smtClean="0"/>
-              <a:t>Failsafe</a:t>
-            </a:r>
-            <a:r>
-              <a:rPr lang="hr-HR" dirty="0" smtClean="0"/>
-              <a:t> </a:t>
-            </a:r>
-            <a:r>
-              <a:rPr lang="hr-HR" dirty="0" smtClean="0"/>
-              <a:t>– </a:t>
-            </a:r>
-            <a:r>
-              <a:rPr lang="hr-HR" dirty="0" err="1" smtClean="0"/>
-              <a:t>NameOfTheClassTestIT</a:t>
-            </a:r>
-            <a:endParaRPr lang="hr-HR" dirty="0" smtClean="0"/>
-          </a:p>
-          <a:p>
-            <a:pPr lvl="2"/>
-            <a:r>
-              <a:rPr lang="hr-HR" dirty="0" smtClean="0"/>
-              <a:t>Must </a:t>
-            </a:r>
-            <a:r>
-              <a:rPr lang="hr-HR" dirty="0" err="1" smtClean="0"/>
-              <a:t>be</a:t>
-            </a:r>
-            <a:r>
-              <a:rPr lang="hr-HR" dirty="0" smtClean="0"/>
-              <a:t> </a:t>
-            </a:r>
-            <a:r>
-              <a:rPr lang="hr-HR" dirty="0" err="1" smtClean="0"/>
-              <a:t>specified</a:t>
-            </a:r>
-            <a:r>
-              <a:rPr lang="hr-HR" dirty="0" smtClean="0"/>
-              <a:t> </a:t>
-            </a:r>
-            <a:r>
-              <a:rPr lang="hr-HR" dirty="0" err="1" smtClean="0"/>
-              <a:t>in</a:t>
-            </a:r>
-            <a:r>
-              <a:rPr lang="hr-HR" dirty="0" smtClean="0"/>
-              <a:t> pom.xml</a:t>
-            </a:r>
-          </a:p>
-          <a:p>
-            <a:pPr lvl="2"/>
-            <a:r>
-              <a:rPr lang="hr-HR" dirty="0" err="1" smtClean="0"/>
+              <a:rPr lang="hr-HR" dirty="0" err="1"/>
               <a:t>Verify</a:t>
             </a:r>
             <a:r>
-              <a:rPr lang="hr-HR" dirty="0" smtClean="0"/>
-              <a:t> </a:t>
-            </a:r>
-            <a:r>
-              <a:rPr lang="hr-HR" dirty="0" err="1" smtClean="0"/>
+              <a:rPr lang="hr-HR" dirty="0"/>
+              <a:t> </a:t>
+            </a:r>
+            <a:r>
+              <a:rPr lang="hr-HR" dirty="0" err="1"/>
               <a:t>and</a:t>
             </a:r>
             <a:r>
-              <a:rPr lang="hr-HR" dirty="0" smtClean="0"/>
-              <a:t> </a:t>
-            </a:r>
-            <a:r>
-              <a:rPr lang="hr-HR" dirty="0" err="1" smtClean="0"/>
-              <a:t>Integration</a:t>
-            </a:r>
-            <a:r>
-              <a:rPr lang="hr-HR" dirty="0" err="1" smtClean="0"/>
-              <a:t>Test</a:t>
-            </a:r>
-            <a:r>
-              <a:rPr lang="hr-HR" dirty="0" smtClean="0"/>
+              <a:rPr lang="hr-HR" dirty="0"/>
+              <a:t> </a:t>
+            </a:r>
+            <a:r>
+              <a:rPr lang="hr-HR" dirty="0" err="1"/>
+              <a:t>IntegrationTest</a:t>
+            </a:r>
+            <a:r>
+              <a:rPr lang="hr-HR" dirty="0"/>
               <a:t> </a:t>
             </a:r>
             <a:r>
               <a:rPr lang="hr-HR" dirty="0" err="1" smtClean="0"/>
               <a:t>phases</a:t>
             </a:r>
-            <a:endParaRPr lang="hr-HR" dirty="0"/>
-          </a:p>
-          <a:p>
             <a:endParaRPr lang="hr-HR" dirty="0"/>
           </a:p>
         </p:txBody>
@@ -6957,6 +7815,58 @@
             <a:endParaRPr lang="hr-HR" dirty="0"/>
           </a:p>
           <a:p>
+            <a:pPr lvl="1"/>
+            <a:r>
+              <a:rPr lang="hr-HR" dirty="0"/>
+              <a:t>Use </a:t>
+            </a:r>
+            <a:r>
+              <a:rPr lang="hr-HR" dirty="0" err="1"/>
+              <a:t>repository</a:t>
+            </a:r>
+            <a:r>
+              <a:rPr lang="hr-HR" dirty="0"/>
+              <a:t> </a:t>
+            </a:r>
+            <a:r>
+              <a:rPr lang="hr-HR" dirty="0" err="1"/>
+              <a:t>persist</a:t>
+            </a:r>
+            <a:r>
+              <a:rPr lang="hr-HR" dirty="0"/>
+              <a:t>/</a:t>
+            </a:r>
+            <a:r>
+              <a:rPr lang="hr-HR" dirty="0" err="1"/>
+              <a:t>findById</a:t>
+            </a:r>
+            <a:r>
+              <a:rPr lang="hr-HR" dirty="0"/>
+              <a:t> </a:t>
+            </a:r>
+            <a:r>
+              <a:rPr lang="hr-HR" dirty="0" err="1"/>
+              <a:t>method</a:t>
+            </a:r>
+            <a:r>
+              <a:rPr lang="hr-HR" dirty="0"/>
+              <a:t> to set </a:t>
+            </a:r>
+            <a:r>
+              <a:rPr lang="hr-HR" dirty="0" err="1"/>
+              <a:t>up</a:t>
+            </a:r>
+            <a:r>
+              <a:rPr lang="hr-HR" dirty="0"/>
+              <a:t> test </a:t>
+            </a:r>
+            <a:r>
+              <a:rPr lang="hr-HR" dirty="0" err="1"/>
+              <a:t>case</a:t>
+            </a:r>
+            <a:endParaRPr lang="hr-HR" dirty="0"/>
+          </a:p>
+          <a:p>
             <a:r>
               <a:rPr lang="hr-HR" dirty="0"/>
               <a:t>Service </a:t>
@@ -7070,6 +7980,58 @@
             </a:r>
           </a:p>
           <a:p>
+            <a:pPr lvl="1"/>
+            <a:r>
+              <a:rPr lang="hr-HR" dirty="0"/>
+              <a:t>Use </a:t>
+            </a:r>
+            <a:r>
+              <a:rPr lang="hr-HR" dirty="0" err="1"/>
+              <a:t>repository</a:t>
+            </a:r>
+            <a:r>
+              <a:rPr lang="hr-HR" dirty="0"/>
+              <a:t> </a:t>
+            </a:r>
+            <a:r>
+              <a:rPr lang="hr-HR" dirty="0" err="1"/>
+              <a:t>persist</a:t>
+            </a:r>
+            <a:r>
+              <a:rPr lang="hr-HR" dirty="0"/>
+              <a:t>/</a:t>
+            </a:r>
+            <a:r>
+              <a:rPr lang="hr-HR" dirty="0" err="1"/>
+              <a:t>findById</a:t>
+            </a:r>
+            <a:r>
+              <a:rPr lang="hr-HR" dirty="0"/>
+              <a:t> </a:t>
+            </a:r>
+            <a:r>
+              <a:rPr lang="hr-HR" dirty="0" err="1"/>
+              <a:t>method</a:t>
+            </a:r>
+            <a:r>
+              <a:rPr lang="hr-HR" dirty="0"/>
+              <a:t> to set </a:t>
+            </a:r>
+            <a:r>
+              <a:rPr lang="hr-HR" dirty="0" err="1"/>
+              <a:t>up</a:t>
+            </a:r>
+            <a:r>
+              <a:rPr lang="hr-HR" dirty="0"/>
+              <a:t> test </a:t>
+            </a:r>
+            <a:r>
+              <a:rPr lang="hr-HR" dirty="0" err="1"/>
+              <a:t>case</a:t>
+            </a:r>
+            <a:endParaRPr lang="hr-HR" dirty="0"/>
+          </a:p>
+          <a:p>
             <a:r>
               <a:rPr lang="hr-HR" dirty="0"/>
               <a:t>Complex </a:t>
@@ -7177,11 +8139,11 @@
           <a:p>
             <a:pPr lvl="1"/>
             <a:r>
-              <a:rPr lang="hr-HR" dirty="0" err="1" smtClean="0"/>
+              <a:rPr lang="hr-HR" dirty="0" err="1"/>
               <a:t>Construct</a:t>
             </a:r>
             <a:r>
-              <a:rPr lang="hr-HR" dirty="0" smtClean="0"/>
+              <a:rPr lang="hr-HR" dirty="0"/>
               <a:t> </a:t>
             </a:r>
             <a:r>
@@ -7224,8 +8186,6 @@
               <a:rPr lang="hr-HR" dirty="0"/>
               <a:t>)</a:t>
             </a:r>
-          </a:p>
-          <a:p>
             <a:endParaRPr lang="hr-HR" dirty="0"/>
           </a:p>
         </p:txBody>

--- a/Presentation.pptx
+++ b/Presentation.pptx
@@ -6,21 +6,22 @@
   </p:sldMasterIdLst>
   <p:sldIdLst>
     <p:sldId id="256" r:id="rId2"/>
-    <p:sldId id="257" r:id="rId3"/>
-    <p:sldId id="258" r:id="rId4"/>
-    <p:sldId id="259" r:id="rId5"/>
-    <p:sldId id="260" r:id="rId6"/>
-    <p:sldId id="261" r:id="rId7"/>
-    <p:sldId id="262" r:id="rId8"/>
-    <p:sldId id="263" r:id="rId9"/>
-    <p:sldId id="264" r:id="rId10"/>
-    <p:sldId id="268" r:id="rId11"/>
-    <p:sldId id="265" r:id="rId12"/>
-    <p:sldId id="267" r:id="rId13"/>
-    <p:sldId id="269" r:id="rId14"/>
-    <p:sldId id="270" r:id="rId15"/>
-    <p:sldId id="271" r:id="rId16"/>
-    <p:sldId id="272" r:id="rId17"/>
+    <p:sldId id="273" r:id="rId3"/>
+    <p:sldId id="257" r:id="rId4"/>
+    <p:sldId id="258" r:id="rId5"/>
+    <p:sldId id="259" r:id="rId6"/>
+    <p:sldId id="260" r:id="rId7"/>
+    <p:sldId id="261" r:id="rId8"/>
+    <p:sldId id="262" r:id="rId9"/>
+    <p:sldId id="263" r:id="rId10"/>
+    <p:sldId id="264" r:id="rId11"/>
+    <p:sldId id="268" r:id="rId12"/>
+    <p:sldId id="265" r:id="rId13"/>
+    <p:sldId id="267" r:id="rId14"/>
+    <p:sldId id="269" r:id="rId15"/>
+    <p:sldId id="270" r:id="rId16"/>
+    <p:sldId id="271" r:id="rId17"/>
+    <p:sldId id="272" r:id="rId18"/>
   </p:sldIdLst>
   <p:sldSz cx="12192000" cy="6858000"/>
   <p:notesSz cx="6858000" cy="9144000"/>
@@ -352,7 +353,7 @@
             <a:fld id="{5586B75A-687E-405C-8A0B-8D00578BA2C3}" type="datetimeFigureOut">
               <a:rPr lang="en-US" dirty="0"/>
               <a:pPr/>
-              <a:t>7/6/2016</a:t>
+              <a:t>7/13/2016</a:t>
             </a:fld>
             <a:endParaRPr lang="en-US" dirty="0"/>
           </a:p>
@@ -519,7 +520,7 @@
             <a:fld id="{5586B75A-687E-405C-8A0B-8D00578BA2C3}" type="datetimeFigureOut">
               <a:rPr lang="en-US" dirty="0"/>
               <a:pPr/>
-              <a:t>7/6/2016</a:t>
+              <a:t>7/13/2016</a:t>
             </a:fld>
             <a:endParaRPr lang="en-US" dirty="0"/>
           </a:p>
@@ -696,7 +697,7 @@
             <a:fld id="{5586B75A-687E-405C-8A0B-8D00578BA2C3}" type="datetimeFigureOut">
               <a:rPr lang="en-US" dirty="0"/>
               <a:pPr/>
-              <a:t>7/6/2016</a:t>
+              <a:t>7/13/2016</a:t>
             </a:fld>
             <a:endParaRPr lang="en-US" dirty="0"/>
           </a:p>
@@ -863,7 +864,7 @@
             <a:fld id="{5586B75A-687E-405C-8A0B-8D00578BA2C3}" type="datetimeFigureOut">
               <a:rPr lang="en-US" dirty="0"/>
               <a:pPr/>
-              <a:t>7/6/2016</a:t>
+              <a:t>7/13/2016</a:t>
             </a:fld>
             <a:endParaRPr lang="en-US" dirty="0"/>
           </a:p>
@@ -1118,7 +1119,7 @@
             <a:fld id="{5586B75A-687E-405C-8A0B-8D00578BA2C3}" type="datetimeFigureOut">
               <a:rPr lang="en-US" dirty="0"/>
               <a:pPr/>
-              <a:t>7/6/2016</a:t>
+              <a:t>7/13/2016</a:t>
             </a:fld>
             <a:endParaRPr lang="en-US" dirty="0"/>
           </a:p>
@@ -1403,7 +1404,7 @@
             <a:fld id="{5586B75A-687E-405C-8A0B-8D00578BA2C3}" type="datetimeFigureOut">
               <a:rPr lang="en-US" dirty="0"/>
               <a:pPr/>
-              <a:t>7/6/2016</a:t>
+              <a:t>7/13/2016</a:t>
             </a:fld>
             <a:endParaRPr lang="en-US" dirty="0"/>
           </a:p>
@@ -1842,7 +1843,7 @@
             <a:fld id="{5586B75A-687E-405C-8A0B-8D00578BA2C3}" type="datetimeFigureOut">
               <a:rPr lang="en-US" dirty="0"/>
               <a:pPr/>
-              <a:t>7/6/2016</a:t>
+              <a:t>7/13/2016</a:t>
             </a:fld>
             <a:endParaRPr lang="en-US" dirty="0"/>
           </a:p>
@@ -1957,7 +1958,7 @@
             <a:fld id="{5586B75A-687E-405C-8A0B-8D00578BA2C3}" type="datetimeFigureOut">
               <a:rPr lang="en-US" dirty="0"/>
               <a:pPr/>
-              <a:t>7/6/2016</a:t>
+              <a:t>7/13/2016</a:t>
             </a:fld>
             <a:endParaRPr lang="en-US" dirty="0"/>
           </a:p>
@@ -2049,7 +2050,7 @@
             <a:fld id="{5586B75A-687E-405C-8A0B-8D00578BA2C3}" type="datetimeFigureOut">
               <a:rPr lang="en-US" dirty="0"/>
               <a:pPr/>
-              <a:t>7/6/2016</a:t>
+              <a:t>7/13/2016</a:t>
             </a:fld>
             <a:endParaRPr lang="en-US" dirty="0"/>
           </a:p>
@@ -2334,7 +2335,7 @@
             <a:fld id="{5586B75A-687E-405C-8A0B-8D00578BA2C3}" type="datetimeFigureOut">
               <a:rPr lang="en-US" dirty="0"/>
               <a:pPr/>
-              <a:t>7/6/2016</a:t>
+              <a:t>7/13/2016</a:t>
             </a:fld>
             <a:endParaRPr lang="en-US" dirty="0"/>
           </a:p>
@@ -2604,7 +2605,7 @@
             <a:fld id="{5586B75A-687E-405C-8A0B-8D00578BA2C3}" type="datetimeFigureOut">
               <a:rPr lang="en-US" dirty="0"/>
               <a:pPr/>
-              <a:t>7/6/2016</a:t>
+              <a:t>7/13/2016</a:t>
             </a:fld>
             <a:endParaRPr lang="en-US" dirty="0"/>
           </a:p>
@@ -2898,7 +2899,7 @@
             <a:fld id="{5586B75A-687E-405C-8A0B-8D00578BA2C3}" type="datetimeFigureOut">
               <a:rPr lang="en-US" dirty="0"/>
               <a:pPr/>
-              <a:t>7/6/2016</a:t>
+              <a:t>7/13/2016</a:t>
             </a:fld>
             <a:endParaRPr lang="en-US" dirty="0"/>
           </a:p>
@@ -3393,33 +3394,49 @@
           <a:lstStyle/>
           <a:p>
             <a:r>
-              <a:rPr lang="hr-HR" dirty="0" smtClean="0"/>
-              <a:t>Java </a:t>
-            </a:r>
-            <a:r>
-              <a:rPr lang="hr-HR" dirty="0" err="1" smtClean="0"/>
+              <a:rPr lang="hr-HR" dirty="0" err="1"/>
+              <a:t>Automated</a:t>
+            </a:r>
+            <a:r>
+              <a:rPr lang="hr-HR" dirty="0"/>
+              <a:t> </a:t>
+            </a:r>
+            <a:r>
+              <a:rPr lang="hr-HR" dirty="0" err="1"/>
               <a:t>testing</a:t>
             </a:r>
+            <a:r>
+              <a:rPr lang="hr-HR" dirty="0"/>
+              <a:t> </a:t>
+            </a:r>
+            <a:r>
+              <a:rPr lang="hr-HR" dirty="0" err="1"/>
+              <a:t>in</a:t>
+            </a:r>
+            <a:r>
+              <a:rPr lang="hr-HR" dirty="0"/>
+              <a:t> Java</a:t>
+            </a:r>
+            <a:endParaRPr lang="en-US" dirty="0"/>
+          </a:p>
+        </p:txBody>
+      </p:sp>
+      <p:sp>
+        <p:nvSpPr>
+          <p:cNvPr id="3" name="Subtitle 2"/>
+          <p:cNvSpPr>
+            <a:spLocks noGrp="1"/>
+          </p:cNvSpPr>
+          <p:nvPr>
+            <p:ph type="subTitle" idx="1"/>
+          </p:nvPr>
+        </p:nvSpPr>
+        <p:spPr/>
+        <p:txBody>
+          <a:bodyPr/>
+          <a:lstStyle/>
+          <a:p>
             <a:endParaRPr lang="hr-HR" dirty="0"/>
-          </a:p>
-        </p:txBody>
-      </p:sp>
-      <p:sp>
-        <p:nvSpPr>
-          <p:cNvPr id="3" name="Subtitle 2"/>
-          <p:cNvSpPr>
-            <a:spLocks noGrp="1"/>
-          </p:cNvSpPr>
-          <p:nvPr>
-            <p:ph type="subTitle" idx="1"/>
-          </p:nvPr>
-        </p:nvSpPr>
-        <p:spPr/>
-        <p:txBody>
-          <a:bodyPr/>
-          <a:lstStyle/>
-          <a:p>
-            <a:endParaRPr lang="hr-HR"/>
           </a:p>
         </p:txBody>
       </p:sp>
@@ -3469,22 +3486,182 @@
           <a:lstStyle/>
           <a:p>
             <a:r>
-              <a:rPr lang="hr-HR" dirty="0" smtClean="0"/>
-              <a:t>Test – system </a:t>
+              <a:rPr lang="en-US" dirty="0" smtClean="0"/>
+              <a:t>Basic idea – test layer by layer</a:t>
+            </a:r>
+            <a:endParaRPr lang="en-US" dirty="0"/>
+          </a:p>
+        </p:txBody>
+      </p:sp>
+      <p:sp>
+        <p:nvSpPr>
+          <p:cNvPr id="3" name="Content Placeholder 2"/>
+          <p:cNvSpPr>
+            <a:spLocks noGrp="1"/>
+          </p:cNvSpPr>
+          <p:nvPr>
+            <p:ph idx="1"/>
+          </p:nvPr>
+        </p:nvSpPr>
+        <p:spPr/>
+        <p:txBody>
+          <a:bodyPr/>
+          <a:lstStyle/>
+          <a:p>
+            <a:r>
+              <a:rPr lang="en-US" dirty="0" smtClean="0"/>
+              <a:t>Repository layer</a:t>
+            </a:r>
+          </a:p>
+          <a:p>
+            <a:pPr lvl="1"/>
+            <a:r>
+              <a:rPr lang="en-US" dirty="0" smtClean="0"/>
+              <a:t>Simulate environment in which application will be ran</a:t>
+            </a:r>
+          </a:p>
+          <a:p>
+            <a:pPr lvl="1"/>
+            <a:r>
+              <a:rPr lang="en-US" dirty="0" smtClean="0"/>
+              <a:t>Do not mock entity manager, use real database</a:t>
+            </a:r>
+          </a:p>
+          <a:p>
+            <a:pPr lvl="1"/>
+            <a:r>
+              <a:rPr lang="en-US" dirty="0" smtClean="0"/>
+              <a:t>Use repository persist/</a:t>
+            </a:r>
+            <a:r>
+              <a:rPr lang="en-US" dirty="0" err="1" smtClean="0"/>
+              <a:t>findById</a:t>
+            </a:r>
+            <a:r>
+              <a:rPr lang="en-US" dirty="0" smtClean="0"/>
+              <a:t> method to set up test case</a:t>
+            </a:r>
+          </a:p>
+          <a:p>
+            <a:r>
+              <a:rPr lang="en-US" dirty="0" smtClean="0"/>
+              <a:t>Service layer</a:t>
+            </a:r>
+          </a:p>
+          <a:p>
+            <a:pPr lvl="1"/>
+            <a:r>
+              <a:rPr lang="en-US" dirty="0"/>
+              <a:t>Simulate environment </a:t>
+            </a:r>
+            <a:r>
+              <a:rPr lang="en-US" dirty="0" smtClean="0"/>
+              <a:t>in which class will be ran</a:t>
+            </a:r>
+          </a:p>
+          <a:p>
+            <a:pPr lvl="1"/>
+            <a:r>
+              <a:rPr lang="en-US" dirty="0" smtClean="0"/>
+              <a:t>Construct all dependencies (repository layer)</a:t>
+            </a:r>
+          </a:p>
+          <a:p>
+            <a:pPr lvl="1"/>
+            <a:r>
+              <a:rPr lang="en-US" dirty="0" smtClean="0"/>
+              <a:t>Use repository persist/</a:t>
+            </a:r>
+            <a:r>
+              <a:rPr lang="en-US" dirty="0" err="1" smtClean="0"/>
+              <a:t>findById</a:t>
+            </a:r>
+            <a:r>
+              <a:rPr lang="en-US" dirty="0" smtClean="0"/>
+              <a:t> method to set up test case</a:t>
+            </a:r>
+          </a:p>
+          <a:p>
+            <a:r>
+              <a:rPr lang="en-US" dirty="0" smtClean="0"/>
+              <a:t>Complex class </a:t>
+            </a:r>
+          </a:p>
+          <a:p>
+            <a:pPr lvl="1"/>
+            <a:r>
+              <a:rPr lang="en-US" dirty="0" smtClean="0"/>
+              <a:t>Mock external client, cover all cases (simple case - true or false)</a:t>
+            </a:r>
+          </a:p>
+          <a:p>
+            <a:pPr lvl="1"/>
+            <a:r>
+              <a:rPr lang="en-US" dirty="0" smtClean="0"/>
+              <a:t>Construct all dependencies (service + repository layer)</a:t>
+            </a:r>
+            <a:endParaRPr lang="en-US" dirty="0"/>
+          </a:p>
+        </p:txBody>
+      </p:sp>
+    </p:spTree>
+    <p:extLst>
+      <p:ext uri="{BB962C8B-B14F-4D97-AF65-F5344CB8AC3E}">
+        <p14:creationId xmlns:p14="http://schemas.microsoft.com/office/powerpoint/2010/main" val="2605713555"/>
+      </p:ext>
+    </p:extLst>
+  </p:cSld>
+  <p:clrMapOvr>
+    <a:masterClrMapping/>
+  </p:clrMapOvr>
+</p:sld>
+</file>
+
+<file path=ppt/slides/slide11.xml><?xml version="1.0" encoding="utf-8"?>
+<p:sld xmlns:a="http://schemas.openxmlformats.org/drawingml/2006/main" xmlns:r="http://schemas.openxmlformats.org/officeDocument/2006/relationships" xmlns:p="http://schemas.openxmlformats.org/presentationml/2006/main">
+  <p:cSld>
+    <p:spTree>
+      <p:nvGrpSpPr>
+        <p:cNvPr id="1" name=""/>
+        <p:cNvGrpSpPr/>
+        <p:nvPr/>
+      </p:nvGrpSpPr>
+      <p:grpSpPr>
+        <a:xfrm>
+          <a:off x="0" y="0"/>
+          <a:ext cx="0" cy="0"/>
+          <a:chOff x="0" y="0"/>
+          <a:chExt cx="0" cy="0"/>
+        </a:xfrm>
+      </p:grpSpPr>
+      <p:sp>
+        <p:nvSpPr>
+          <p:cNvPr id="2" name="Title 1"/>
+          <p:cNvSpPr>
+            <a:spLocks noGrp="1"/>
+          </p:cNvSpPr>
+          <p:nvPr>
+            <p:ph type="title"/>
+          </p:nvPr>
+        </p:nvSpPr>
+        <p:spPr/>
+        <p:txBody>
+          <a:bodyPr/>
+          <a:lstStyle/>
+          <a:p>
+            <a:r>
+              <a:rPr lang="en-US" dirty="0" smtClean="0"/>
+              <a:t>Test – </a:t>
             </a:r>
             <a:r>
               <a:rPr lang="hr-HR" dirty="0" err="1" smtClean="0"/>
-              <a:t>under</a:t>
-            </a:r>
-            <a:r>
-              <a:rPr lang="hr-HR" dirty="0" smtClean="0"/>
-              <a:t> test </a:t>
-            </a:r>
-            <a:r>
-              <a:rPr lang="hr-HR" dirty="0" err="1" smtClean="0"/>
-              <a:t>relationship</a:t>
-            </a:r>
-            <a:endParaRPr lang="hr-HR" dirty="0"/>
+              <a:t>service</a:t>
+            </a:r>
+            <a:r>
+              <a:rPr lang="en-US" dirty="0" smtClean="0"/>
+              <a:t> under test relationship</a:t>
+            </a:r>
+            <a:endParaRPr lang="en-US" dirty="0"/>
           </a:p>
         </p:txBody>
       </p:sp>
@@ -3530,7 +3707,7 @@
 </p:sld>
 </file>
 
-<file path=ppt/slides/slide11.xml><?xml version="1.0" encoding="utf-8"?>
+<file path=ppt/slides/slide12.xml><?xml version="1.0" encoding="utf-8"?>
 <p:sld xmlns:a="http://schemas.openxmlformats.org/drawingml/2006/main" xmlns:r="http://schemas.openxmlformats.org/officeDocument/2006/relationships" xmlns:p="http://schemas.openxmlformats.org/presentationml/2006/main">
   <p:cSld>
     <p:spTree>
@@ -3563,18 +3740,21 @@
           <a:lstStyle/>
           <a:p>
             <a:r>
+              <a:rPr lang="en-US" dirty="0" smtClean="0"/>
+              <a:t>Show case 2</a:t>
+            </a:r>
+            <a:r>
               <a:rPr lang="hr-HR" dirty="0" smtClean="0"/>
-              <a:t>Show </a:t>
-            </a:r>
-            <a:r>
-              <a:rPr lang="hr-HR" dirty="0" err="1" smtClean="0"/>
-              <a:t>case</a:t>
-            </a:r>
-            <a:r>
+              <a:t/>
+            </a:r>
+            <a:br>
               <a:rPr lang="hr-HR" dirty="0" smtClean="0"/>
-              <a:t> 2</a:t>
-            </a:r>
-            <a:endParaRPr lang="hr-HR" dirty="0"/>
+            </a:br>
+            <a:r>
+              <a:rPr lang="en-US" dirty="0" smtClean="0"/>
+              <a:t>Integration testing on app server</a:t>
+            </a:r>
+            <a:endParaRPr lang="en-US" dirty="0"/>
           </a:p>
         </p:txBody>
       </p:sp>
@@ -3620,408 +3800,6 @@
 </p:sld>
 </file>
 
-<file path=ppt/slides/slide12.xml><?xml version="1.0" encoding="utf-8"?>
-<p:sld xmlns:a="http://schemas.openxmlformats.org/drawingml/2006/main" xmlns:r="http://schemas.openxmlformats.org/officeDocument/2006/relationships" xmlns:p="http://schemas.openxmlformats.org/presentationml/2006/main">
-  <p:cSld>
-    <p:spTree>
-      <p:nvGrpSpPr>
-        <p:cNvPr id="1" name=""/>
-        <p:cNvGrpSpPr/>
-        <p:nvPr/>
-      </p:nvGrpSpPr>
-      <p:grpSpPr>
-        <a:xfrm>
-          <a:off x="0" y="0"/>
-          <a:ext cx="0" cy="0"/>
-          <a:chOff x="0" y="0"/>
-          <a:chExt cx="0" cy="0"/>
-        </a:xfrm>
-      </p:grpSpPr>
-      <p:sp>
-        <p:nvSpPr>
-          <p:cNvPr id="2" name="Title 1"/>
-          <p:cNvSpPr>
-            <a:spLocks noGrp="1"/>
-          </p:cNvSpPr>
-          <p:nvPr>
-            <p:ph type="title"/>
-          </p:nvPr>
-        </p:nvSpPr>
-        <p:spPr/>
-        <p:txBody>
-          <a:bodyPr/>
-          <a:lstStyle/>
-          <a:p>
-            <a:r>
-              <a:rPr lang="hr-HR" dirty="0" err="1" smtClean="0"/>
-              <a:t>Basic</a:t>
-            </a:r>
-            <a:r>
-              <a:rPr lang="hr-HR" dirty="0" smtClean="0"/>
-              <a:t> </a:t>
-            </a:r>
-            <a:r>
-              <a:rPr lang="hr-HR" dirty="0" err="1" smtClean="0"/>
-              <a:t>idea</a:t>
-            </a:r>
-            <a:endParaRPr lang="hr-HR" dirty="0"/>
-          </a:p>
-        </p:txBody>
-      </p:sp>
-      <p:sp>
-        <p:nvSpPr>
-          <p:cNvPr id="3" name="Content Placeholder 2"/>
-          <p:cNvSpPr>
-            <a:spLocks noGrp="1"/>
-          </p:cNvSpPr>
-          <p:nvPr>
-            <p:ph idx="1"/>
-          </p:nvPr>
-        </p:nvSpPr>
-        <p:spPr/>
-        <p:txBody>
-          <a:bodyPr/>
-          <a:lstStyle/>
-          <a:p>
-            <a:r>
-              <a:rPr lang="hr-HR" dirty="0"/>
-              <a:t>Use </a:t>
-            </a:r>
-            <a:r>
-              <a:rPr lang="hr-HR" dirty="0" err="1"/>
-              <a:t>real</a:t>
-            </a:r>
-            <a:r>
-              <a:rPr lang="hr-HR" dirty="0"/>
-              <a:t> </a:t>
-            </a:r>
-            <a:r>
-              <a:rPr lang="hr-HR" dirty="0" err="1"/>
-              <a:t>database</a:t>
-            </a:r>
-            <a:endParaRPr lang="hr-HR" dirty="0"/>
-          </a:p>
-          <a:p>
-            <a:r>
-              <a:rPr lang="hr-HR" dirty="0" err="1"/>
-              <a:t>Build</a:t>
-            </a:r>
-            <a:r>
-              <a:rPr lang="hr-HR" dirty="0"/>
-              <a:t> </a:t>
-            </a:r>
-            <a:r>
-              <a:rPr lang="hr-HR" dirty="0" err="1"/>
-              <a:t>clean</a:t>
-            </a:r>
-            <a:r>
-              <a:rPr lang="hr-HR" dirty="0"/>
-              <a:t> </a:t>
-            </a:r>
-            <a:r>
-              <a:rPr lang="hr-HR" dirty="0" err="1"/>
-              <a:t>database</a:t>
-            </a:r>
-            <a:r>
-              <a:rPr lang="hr-HR" dirty="0"/>
-              <a:t> </a:t>
-            </a:r>
-            <a:r>
-              <a:rPr lang="hr-HR" dirty="0" err="1"/>
-              <a:t>before</a:t>
-            </a:r>
-            <a:r>
-              <a:rPr lang="hr-HR" dirty="0"/>
-              <a:t> </a:t>
-            </a:r>
-            <a:r>
-              <a:rPr lang="hr-HR" dirty="0" err="1"/>
-              <a:t>integration</a:t>
-            </a:r>
-            <a:r>
-              <a:rPr lang="hr-HR" dirty="0"/>
-              <a:t> test </a:t>
-            </a:r>
-            <a:r>
-              <a:rPr lang="hr-HR" dirty="0" err="1"/>
-              <a:t>phase</a:t>
-            </a:r>
-            <a:r>
-              <a:rPr lang="hr-HR" dirty="0"/>
-              <a:t> (use </a:t>
-            </a:r>
-            <a:r>
-              <a:rPr lang="hr-HR" dirty="0" err="1"/>
-              <a:t>flyway</a:t>
-            </a:r>
-            <a:r>
-              <a:rPr lang="hr-HR" dirty="0"/>
-              <a:t> -&gt; </a:t>
-            </a:r>
-            <a:r>
-              <a:rPr lang="hr-HR" dirty="0" err="1"/>
-              <a:t>maven</a:t>
-            </a:r>
-            <a:r>
-              <a:rPr lang="hr-HR" dirty="0"/>
-              <a:t> </a:t>
-            </a:r>
-            <a:r>
-              <a:rPr lang="hr-HR" dirty="0" err="1"/>
-              <a:t>plugin</a:t>
-            </a:r>
-            <a:r>
-              <a:rPr lang="hr-HR" dirty="0"/>
-              <a:t> </a:t>
-            </a:r>
-            <a:r>
-              <a:rPr lang="hr-HR" dirty="0" err="1"/>
-              <a:t>exists</a:t>
-            </a:r>
-            <a:r>
-              <a:rPr lang="hr-HR" dirty="0"/>
-              <a:t>)</a:t>
-            </a:r>
-          </a:p>
-          <a:p>
-            <a:r>
-              <a:rPr lang="hr-HR" dirty="0" err="1"/>
-              <a:t>Build</a:t>
-            </a:r>
-            <a:r>
-              <a:rPr lang="hr-HR" dirty="0"/>
-              <a:t> </a:t>
-            </a:r>
-            <a:r>
-              <a:rPr lang="hr-HR" dirty="0" err="1"/>
-              <a:t>and</a:t>
-            </a:r>
-            <a:r>
-              <a:rPr lang="hr-HR" dirty="0"/>
-              <a:t> </a:t>
-            </a:r>
-            <a:r>
-              <a:rPr lang="hr-HR" dirty="0" err="1"/>
-              <a:t>deploy</a:t>
-            </a:r>
-            <a:r>
-              <a:rPr lang="hr-HR" dirty="0"/>
-              <a:t> </a:t>
-            </a:r>
-            <a:r>
-              <a:rPr lang="hr-HR" dirty="0" err="1"/>
-              <a:t>war</a:t>
-            </a:r>
-            <a:r>
-              <a:rPr lang="hr-HR" dirty="0"/>
-              <a:t> to a </a:t>
-            </a:r>
-            <a:r>
-              <a:rPr lang="hr-HR" dirty="0" err="1"/>
-              <a:t>real</a:t>
-            </a:r>
-            <a:r>
-              <a:rPr lang="hr-HR" dirty="0"/>
-              <a:t> </a:t>
-            </a:r>
-            <a:r>
-              <a:rPr lang="hr-HR" dirty="0" err="1"/>
-              <a:t>app</a:t>
-            </a:r>
-            <a:r>
-              <a:rPr lang="hr-HR" dirty="0"/>
-              <a:t> server (use </a:t>
-            </a:r>
-            <a:r>
-              <a:rPr lang="hr-HR" dirty="0" err="1"/>
-              <a:t>embedded</a:t>
-            </a:r>
-            <a:r>
-              <a:rPr lang="hr-HR" dirty="0"/>
-              <a:t> </a:t>
-            </a:r>
-            <a:r>
-              <a:rPr lang="hr-HR" dirty="0" err="1"/>
-              <a:t>if</a:t>
-            </a:r>
-            <a:r>
-              <a:rPr lang="hr-HR" dirty="0"/>
-              <a:t> </a:t>
-            </a:r>
-            <a:r>
-              <a:rPr lang="hr-HR" dirty="0" err="1"/>
-              <a:t>possible</a:t>
-            </a:r>
-            <a:r>
-              <a:rPr lang="hr-HR" dirty="0"/>
-              <a:t>)</a:t>
-            </a:r>
-          </a:p>
-          <a:p>
-            <a:r>
-              <a:rPr lang="hr-HR" dirty="0"/>
-              <a:t>Use </a:t>
-            </a:r>
-            <a:r>
-              <a:rPr lang="hr-HR" dirty="0" err="1"/>
-              <a:t>repository</a:t>
-            </a:r>
-            <a:r>
-              <a:rPr lang="hr-HR" dirty="0"/>
-              <a:t> </a:t>
-            </a:r>
-            <a:r>
-              <a:rPr lang="hr-HR" dirty="0" err="1"/>
-              <a:t>layer</a:t>
-            </a:r>
-            <a:r>
-              <a:rPr lang="hr-HR" dirty="0"/>
-              <a:t> to insert test data</a:t>
-            </a:r>
-          </a:p>
-          <a:p>
-            <a:r>
-              <a:rPr lang="hr-HR" dirty="0"/>
-              <a:t>Use test data </a:t>
-            </a:r>
-            <a:r>
-              <a:rPr lang="hr-HR" dirty="0" err="1"/>
-              <a:t>builders</a:t>
-            </a:r>
-            <a:r>
-              <a:rPr lang="hr-HR" dirty="0"/>
-              <a:t> for </a:t>
-            </a:r>
-            <a:r>
-              <a:rPr lang="hr-HR" dirty="0" err="1"/>
-              <a:t>defaults</a:t>
-            </a:r>
-            <a:r>
-              <a:rPr lang="hr-HR" dirty="0"/>
-              <a:t> – </a:t>
-            </a:r>
-            <a:r>
-              <a:rPr lang="hr-HR" dirty="0" err="1"/>
-              <a:t>plugins</a:t>
-            </a:r>
-            <a:r>
-              <a:rPr lang="hr-HR" dirty="0"/>
-              <a:t> for </a:t>
-            </a:r>
-            <a:r>
-              <a:rPr lang="hr-HR" dirty="0" err="1"/>
-              <a:t>IDEs</a:t>
-            </a:r>
-            <a:r>
-              <a:rPr lang="hr-HR" dirty="0"/>
-              <a:t> </a:t>
-            </a:r>
-            <a:r>
-              <a:rPr lang="hr-HR" dirty="0" err="1"/>
-              <a:t>exists</a:t>
-            </a:r>
-            <a:endParaRPr lang="hr-HR" dirty="0"/>
-          </a:p>
-          <a:p>
-            <a:r>
-              <a:rPr lang="hr-HR" dirty="0"/>
-              <a:t>Clear </a:t>
-            </a:r>
-            <a:r>
-              <a:rPr lang="hr-HR" dirty="0" err="1"/>
-              <a:t>database</a:t>
-            </a:r>
-            <a:r>
-              <a:rPr lang="hr-HR" dirty="0"/>
-              <a:t> </a:t>
-            </a:r>
-            <a:r>
-              <a:rPr lang="hr-HR" dirty="0" err="1"/>
-              <a:t>after</a:t>
-            </a:r>
-            <a:r>
-              <a:rPr lang="hr-HR" dirty="0"/>
-              <a:t> </a:t>
-            </a:r>
-            <a:r>
-              <a:rPr lang="hr-HR" dirty="0" err="1"/>
-              <a:t>every</a:t>
-            </a:r>
-            <a:r>
-              <a:rPr lang="hr-HR" dirty="0"/>
-              <a:t> test</a:t>
-            </a:r>
-          </a:p>
-          <a:p>
-            <a:r>
-              <a:rPr lang="hr-HR" dirty="0" err="1"/>
-              <a:t>Clean</a:t>
-            </a:r>
-            <a:r>
-              <a:rPr lang="hr-HR" dirty="0"/>
-              <a:t> </a:t>
-            </a:r>
-            <a:r>
-              <a:rPr lang="hr-HR" dirty="0" err="1"/>
-              <a:t>database</a:t>
-            </a:r>
-            <a:r>
-              <a:rPr lang="hr-HR" dirty="0"/>
-              <a:t> </a:t>
-            </a:r>
-            <a:r>
-              <a:rPr lang="hr-HR" dirty="0" err="1"/>
-              <a:t>after</a:t>
-            </a:r>
-            <a:r>
-              <a:rPr lang="hr-HR" dirty="0"/>
-              <a:t> </a:t>
-            </a:r>
-            <a:r>
-              <a:rPr lang="hr-HR" dirty="0" err="1"/>
-              <a:t>integration</a:t>
-            </a:r>
-            <a:r>
-              <a:rPr lang="hr-HR" dirty="0"/>
-              <a:t> test </a:t>
-            </a:r>
-            <a:r>
-              <a:rPr lang="hr-HR" dirty="0" err="1"/>
-              <a:t>phase</a:t>
-            </a:r>
-            <a:r>
-              <a:rPr lang="hr-HR" dirty="0"/>
-              <a:t> </a:t>
-            </a:r>
-            <a:r>
-              <a:rPr lang="hr-HR" dirty="0" err="1"/>
-              <a:t>is</a:t>
-            </a:r>
-            <a:r>
-              <a:rPr lang="hr-HR" dirty="0"/>
-              <a:t> </a:t>
-            </a:r>
-            <a:r>
-              <a:rPr lang="hr-HR" dirty="0" err="1" smtClean="0"/>
-              <a:t>finished</a:t>
-            </a:r>
-            <a:endParaRPr lang="hr-HR" dirty="0"/>
-          </a:p>
-        </p:txBody>
-      </p:sp>
-    </p:spTree>
-    <p:extLst>
-      <p:ext uri="{BB962C8B-B14F-4D97-AF65-F5344CB8AC3E}">
-        <p14:creationId xmlns:p14="http://schemas.microsoft.com/office/powerpoint/2010/main" val="3256464009"/>
-      </p:ext>
-    </p:extLst>
-  </p:cSld>
-  <p:clrMapOvr>
-    <a:masterClrMapping/>
-  </p:clrMapOvr>
-</p:sld>
-</file>
-
 <file path=ppt/slides/slide13.xml><?xml version="1.0" encoding="utf-8"?>
 <p:sld xmlns:a="http://schemas.openxmlformats.org/drawingml/2006/main" xmlns:r="http://schemas.openxmlformats.org/officeDocument/2006/relationships" xmlns:p="http://schemas.openxmlformats.org/presentationml/2006/main">
   <p:cSld>
@@ -4055,22 +3833,122 @@
           <a:lstStyle/>
           <a:p>
             <a:r>
-              <a:rPr lang="hr-HR" dirty="0" smtClean="0"/>
-              <a:t>Test – system </a:t>
-            </a:r>
-            <a:r>
-              <a:rPr lang="hr-HR" dirty="0" err="1" smtClean="0"/>
-              <a:t>under</a:t>
-            </a:r>
-            <a:r>
-              <a:rPr lang="hr-HR" dirty="0" smtClean="0"/>
-              <a:t> test </a:t>
-            </a:r>
-            <a:r>
-              <a:rPr lang="hr-HR" dirty="0" err="1" smtClean="0"/>
-              <a:t>relationship</a:t>
-            </a:r>
-            <a:endParaRPr lang="hr-HR" dirty="0"/>
+              <a:rPr lang="en-US" dirty="0" smtClean="0"/>
+              <a:t>Basic idea</a:t>
+            </a:r>
+            <a:endParaRPr lang="en-US" dirty="0"/>
+          </a:p>
+        </p:txBody>
+      </p:sp>
+      <p:sp>
+        <p:nvSpPr>
+          <p:cNvPr id="3" name="Content Placeholder 2"/>
+          <p:cNvSpPr>
+            <a:spLocks noGrp="1"/>
+          </p:cNvSpPr>
+          <p:nvPr>
+            <p:ph idx="1"/>
+          </p:nvPr>
+        </p:nvSpPr>
+        <p:spPr/>
+        <p:txBody>
+          <a:bodyPr/>
+          <a:lstStyle/>
+          <a:p>
+            <a:r>
+              <a:rPr lang="en-US" dirty="0" smtClean="0"/>
+              <a:t>Use real database</a:t>
+            </a:r>
+          </a:p>
+          <a:p>
+            <a:r>
+              <a:rPr lang="en-US" dirty="0" smtClean="0"/>
+              <a:t>Build clean database before integration test phase (use flyway -&gt; maven plugin exists)</a:t>
+            </a:r>
+          </a:p>
+          <a:p>
+            <a:r>
+              <a:rPr lang="en-US" dirty="0" smtClean="0"/>
+              <a:t>Build and deploy war to a real app server (use embedded if possible)</a:t>
+            </a:r>
+          </a:p>
+          <a:p>
+            <a:r>
+              <a:rPr lang="en-US" dirty="0" smtClean="0"/>
+              <a:t>Use repository layer to insert test data</a:t>
+            </a:r>
+          </a:p>
+          <a:p>
+            <a:r>
+              <a:rPr lang="en-US" dirty="0" smtClean="0"/>
+              <a:t>Use test data builders for defaults – plugins for IDEs exists</a:t>
+            </a:r>
+          </a:p>
+          <a:p>
+            <a:r>
+              <a:rPr lang="en-US" dirty="0" smtClean="0"/>
+              <a:t>Clear database after every test</a:t>
+            </a:r>
+          </a:p>
+          <a:p>
+            <a:r>
+              <a:rPr lang="en-US" dirty="0" smtClean="0"/>
+              <a:t>Clean database after integration test phase is finished</a:t>
+            </a:r>
+            <a:endParaRPr lang="en-US" dirty="0"/>
+          </a:p>
+        </p:txBody>
+      </p:sp>
+    </p:spTree>
+    <p:extLst>
+      <p:ext uri="{BB962C8B-B14F-4D97-AF65-F5344CB8AC3E}">
+        <p14:creationId xmlns:p14="http://schemas.microsoft.com/office/powerpoint/2010/main" val="3256464009"/>
+      </p:ext>
+    </p:extLst>
+  </p:cSld>
+  <p:clrMapOvr>
+    <a:masterClrMapping/>
+  </p:clrMapOvr>
+</p:sld>
+</file>
+
+<file path=ppt/slides/slide14.xml><?xml version="1.0" encoding="utf-8"?>
+<p:sld xmlns:a="http://schemas.openxmlformats.org/drawingml/2006/main" xmlns:r="http://schemas.openxmlformats.org/officeDocument/2006/relationships" xmlns:p="http://schemas.openxmlformats.org/presentationml/2006/main">
+  <p:cSld>
+    <p:spTree>
+      <p:nvGrpSpPr>
+        <p:cNvPr id="1" name=""/>
+        <p:cNvGrpSpPr/>
+        <p:nvPr/>
+      </p:nvGrpSpPr>
+      <p:grpSpPr>
+        <a:xfrm>
+          <a:off x="0" y="0"/>
+          <a:ext cx="0" cy="0"/>
+          <a:chOff x="0" y="0"/>
+          <a:chExt cx="0" cy="0"/>
+        </a:xfrm>
+      </p:grpSpPr>
+      <p:sp>
+        <p:nvSpPr>
+          <p:cNvPr id="2" name="Title 1"/>
+          <p:cNvSpPr>
+            <a:spLocks noGrp="1"/>
+          </p:cNvSpPr>
+          <p:nvPr>
+            <p:ph type="title"/>
+          </p:nvPr>
+        </p:nvSpPr>
+        <p:spPr/>
+        <p:txBody>
+          <a:bodyPr/>
+          <a:lstStyle/>
+          <a:p>
+            <a:r>
+              <a:rPr lang="en-US" dirty="0" smtClean="0"/>
+              <a:t>Test – system under test relationship</a:t>
+            </a:r>
+            <a:endParaRPr lang="en-US" dirty="0"/>
           </a:p>
         </p:txBody>
       </p:sp>
@@ -4116,816 +3994,6 @@
 </p:sld>
 </file>
 
-<file path=ppt/slides/slide14.xml><?xml version="1.0" encoding="utf-8"?>
-<p:sld xmlns:a="http://schemas.openxmlformats.org/drawingml/2006/main" xmlns:r="http://schemas.openxmlformats.org/officeDocument/2006/relationships" xmlns:p="http://schemas.openxmlformats.org/presentationml/2006/main">
-  <p:cSld>
-    <p:spTree>
-      <p:nvGrpSpPr>
-        <p:cNvPr id="1" name=""/>
-        <p:cNvGrpSpPr/>
-        <p:nvPr/>
-      </p:nvGrpSpPr>
-      <p:grpSpPr>
-        <a:xfrm>
-          <a:off x="0" y="0"/>
-          <a:ext cx="0" cy="0"/>
-          <a:chOff x="0" y="0"/>
-          <a:chExt cx="0" cy="0"/>
-        </a:xfrm>
-      </p:grpSpPr>
-      <p:sp>
-        <p:nvSpPr>
-          <p:cNvPr id="2" name="Title 1"/>
-          <p:cNvSpPr>
-            <a:spLocks noGrp="1"/>
-          </p:cNvSpPr>
-          <p:nvPr>
-            <p:ph type="title"/>
-          </p:nvPr>
-        </p:nvSpPr>
-        <p:spPr/>
-        <p:txBody>
-          <a:bodyPr/>
-          <a:lstStyle/>
-          <a:p>
-            <a:r>
-              <a:rPr lang="hr-HR" dirty="0" err="1" smtClean="0"/>
-              <a:t>Testing</a:t>
-            </a:r>
-            <a:r>
-              <a:rPr lang="hr-HR" dirty="0" smtClean="0"/>
-              <a:t> system </a:t>
-            </a:r>
-            <a:r>
-              <a:rPr lang="hr-HR" dirty="0" err="1" smtClean="0"/>
-              <a:t>with</a:t>
-            </a:r>
-            <a:r>
-              <a:rPr lang="hr-HR" dirty="0" smtClean="0"/>
-              <a:t> </a:t>
-            </a:r>
-            <a:r>
-              <a:rPr lang="hr-HR" dirty="0" err="1" smtClean="0"/>
-              <a:t>dependency</a:t>
-            </a:r>
-            <a:r>
-              <a:rPr lang="hr-HR" dirty="0" smtClean="0"/>
-              <a:t> (</a:t>
-            </a:r>
-            <a:r>
-              <a:rPr lang="hr-HR" dirty="0" err="1" smtClean="0"/>
-              <a:t>client</a:t>
-            </a:r>
-            <a:r>
-              <a:rPr lang="hr-HR" dirty="0" smtClean="0"/>
-              <a:t>) to </a:t>
-            </a:r>
-            <a:r>
-              <a:rPr lang="hr-HR" dirty="0" err="1" smtClean="0"/>
-              <a:t>another</a:t>
-            </a:r>
-            <a:r>
-              <a:rPr lang="hr-HR" dirty="0" smtClean="0"/>
-              <a:t> system</a:t>
-            </a:r>
-            <a:endParaRPr lang="hr-HR" dirty="0"/>
-          </a:p>
-        </p:txBody>
-      </p:sp>
-      <p:sp>
-        <p:nvSpPr>
-          <p:cNvPr id="3" name="Content Placeholder 2"/>
-          <p:cNvSpPr>
-            <a:spLocks noGrp="1"/>
-          </p:cNvSpPr>
-          <p:nvPr>
-            <p:ph idx="1"/>
-          </p:nvPr>
-        </p:nvSpPr>
-        <p:spPr/>
-        <p:txBody>
-          <a:bodyPr>
-            <a:normAutofit lnSpcReduction="10000"/>
-          </a:bodyPr>
-          <a:lstStyle/>
-          <a:p>
-            <a:r>
-              <a:rPr lang="hr-HR" dirty="0"/>
-              <a:t>Do </a:t>
-            </a:r>
-            <a:r>
-              <a:rPr lang="hr-HR" dirty="0" err="1"/>
-              <a:t>not</a:t>
-            </a:r>
-            <a:r>
-              <a:rPr lang="hr-HR" dirty="0"/>
-              <a:t> </a:t>
-            </a:r>
-            <a:r>
-              <a:rPr lang="hr-HR" dirty="0" err="1"/>
-              <a:t>write</a:t>
-            </a:r>
-            <a:r>
-              <a:rPr lang="hr-HR" dirty="0"/>
-              <a:t> </a:t>
-            </a:r>
-            <a:r>
-              <a:rPr lang="hr-HR" dirty="0" err="1"/>
-              <a:t>integration</a:t>
-            </a:r>
-            <a:r>
-              <a:rPr lang="hr-HR" dirty="0"/>
-              <a:t> </a:t>
-            </a:r>
-            <a:r>
-              <a:rPr lang="hr-HR" dirty="0" err="1"/>
-              <a:t>tests</a:t>
-            </a:r>
-            <a:r>
-              <a:rPr lang="hr-HR" dirty="0"/>
-              <a:t> </a:t>
-            </a:r>
-            <a:r>
-              <a:rPr lang="hr-HR" dirty="0" err="1"/>
-              <a:t>with</a:t>
-            </a:r>
-            <a:r>
-              <a:rPr lang="hr-HR" dirty="0"/>
-              <a:t> </a:t>
-            </a:r>
-            <a:r>
-              <a:rPr lang="hr-HR" dirty="0" err="1"/>
-              <a:t>real</a:t>
-            </a:r>
-            <a:r>
-              <a:rPr lang="hr-HR" dirty="0"/>
-              <a:t> </a:t>
-            </a:r>
-            <a:r>
-              <a:rPr lang="hr-HR" dirty="0" err="1"/>
-              <a:t>client</a:t>
-            </a:r>
-            <a:r>
-              <a:rPr lang="hr-HR" dirty="0"/>
-              <a:t> !!!</a:t>
-            </a:r>
-          </a:p>
-          <a:p>
-            <a:pPr lvl="1"/>
-            <a:r>
-              <a:rPr lang="hr-HR" dirty="0"/>
-              <a:t>Hard to </a:t>
-            </a:r>
-            <a:r>
-              <a:rPr lang="hr-HR" dirty="0" err="1"/>
-              <a:t>maintain</a:t>
-            </a:r>
-            <a:r>
-              <a:rPr lang="hr-HR" dirty="0"/>
-              <a:t> </a:t>
-            </a:r>
-            <a:r>
-              <a:rPr lang="hr-HR" dirty="0" err="1"/>
-              <a:t>tests</a:t>
-            </a:r>
-            <a:endParaRPr lang="hr-HR" dirty="0"/>
-          </a:p>
-          <a:p>
-            <a:pPr lvl="1"/>
-            <a:r>
-              <a:rPr lang="hr-HR" dirty="0"/>
-              <a:t>Hard to set </a:t>
-            </a:r>
-            <a:r>
-              <a:rPr lang="hr-HR" dirty="0" err="1"/>
-              <a:t>up</a:t>
-            </a:r>
-            <a:r>
-              <a:rPr lang="hr-HR" dirty="0"/>
-              <a:t> test </a:t>
-            </a:r>
-            <a:r>
-              <a:rPr lang="hr-HR" dirty="0" err="1"/>
-              <a:t>environment</a:t>
-            </a:r>
-            <a:r>
-              <a:rPr lang="hr-HR" dirty="0"/>
-              <a:t> (</a:t>
-            </a:r>
-            <a:r>
-              <a:rPr lang="hr-HR" dirty="0" err="1"/>
-              <a:t>instead</a:t>
-            </a:r>
-            <a:r>
-              <a:rPr lang="hr-HR" dirty="0"/>
-              <a:t> </a:t>
-            </a:r>
-            <a:r>
-              <a:rPr lang="hr-HR" dirty="0" err="1"/>
-              <a:t>of</a:t>
-            </a:r>
-            <a:r>
-              <a:rPr lang="hr-HR" dirty="0"/>
-              <a:t> </a:t>
-            </a:r>
-            <a:r>
-              <a:rPr lang="hr-HR" dirty="0" err="1"/>
-              <a:t>setting</a:t>
-            </a:r>
-            <a:r>
-              <a:rPr lang="hr-HR" dirty="0"/>
-              <a:t> </a:t>
-            </a:r>
-            <a:r>
-              <a:rPr lang="hr-HR" dirty="0" err="1"/>
-              <a:t>up</a:t>
-            </a:r>
-            <a:r>
-              <a:rPr lang="hr-HR" dirty="0"/>
-              <a:t> </a:t>
-            </a:r>
-            <a:r>
-              <a:rPr lang="hr-HR" dirty="0" err="1"/>
-              <a:t>only</a:t>
-            </a:r>
-            <a:r>
-              <a:rPr lang="hr-HR" dirty="0"/>
-              <a:t> one system </a:t>
-            </a:r>
-            <a:r>
-              <a:rPr lang="hr-HR" dirty="0" err="1"/>
-              <a:t>you</a:t>
-            </a:r>
-            <a:r>
-              <a:rPr lang="hr-HR" dirty="0"/>
-              <a:t> </a:t>
-            </a:r>
-            <a:r>
-              <a:rPr lang="hr-HR" dirty="0" err="1"/>
-              <a:t>need</a:t>
-            </a:r>
-            <a:r>
-              <a:rPr lang="hr-HR" dirty="0"/>
-              <a:t> to set </a:t>
-            </a:r>
-            <a:r>
-              <a:rPr lang="hr-HR" dirty="0" err="1"/>
-              <a:t>up</a:t>
-            </a:r>
-            <a:r>
-              <a:rPr lang="hr-HR" dirty="0"/>
-              <a:t> </a:t>
-            </a:r>
-            <a:r>
-              <a:rPr lang="hr-HR" dirty="0" err="1"/>
-              <a:t>multiple</a:t>
-            </a:r>
-            <a:r>
-              <a:rPr lang="hr-HR" dirty="0"/>
-              <a:t> </a:t>
-            </a:r>
-            <a:r>
-              <a:rPr lang="hr-HR" dirty="0" err="1"/>
-              <a:t>systems</a:t>
-            </a:r>
-            <a:r>
-              <a:rPr lang="hr-HR" dirty="0"/>
-              <a:t>)</a:t>
-            </a:r>
-          </a:p>
-          <a:p>
-            <a:r>
-              <a:rPr lang="hr-HR" dirty="0" err="1"/>
-              <a:t>Write</a:t>
-            </a:r>
-            <a:r>
-              <a:rPr lang="hr-HR" dirty="0"/>
-              <a:t> </a:t>
-            </a:r>
-            <a:r>
-              <a:rPr lang="hr-HR" dirty="0" err="1"/>
-              <a:t>integreation</a:t>
-            </a:r>
-            <a:r>
-              <a:rPr lang="hr-HR" dirty="0"/>
-              <a:t> test </a:t>
-            </a:r>
-            <a:r>
-              <a:rPr lang="hr-HR" dirty="0" err="1"/>
-              <a:t>which</a:t>
-            </a:r>
-            <a:r>
-              <a:rPr lang="hr-HR" dirty="0"/>
-              <a:t> </a:t>
-            </a:r>
-            <a:r>
-              <a:rPr lang="hr-HR" dirty="0" err="1"/>
-              <a:t>tests</a:t>
-            </a:r>
-            <a:r>
-              <a:rPr lang="hr-HR" dirty="0"/>
-              <a:t> </a:t>
-            </a:r>
-            <a:r>
-              <a:rPr lang="hr-HR" dirty="0" err="1"/>
-              <a:t>client</a:t>
-            </a:r>
-            <a:r>
-              <a:rPr lang="hr-HR" dirty="0"/>
-              <a:t> &lt;–&gt; </a:t>
-            </a:r>
-            <a:r>
-              <a:rPr lang="hr-HR" dirty="0" err="1"/>
-              <a:t>external</a:t>
-            </a:r>
-            <a:r>
-              <a:rPr lang="hr-HR" dirty="0"/>
-              <a:t> system </a:t>
-            </a:r>
-            <a:r>
-              <a:rPr lang="hr-HR" dirty="0" err="1"/>
-              <a:t>communication</a:t>
-            </a:r>
-            <a:r>
-              <a:rPr lang="hr-HR" dirty="0"/>
-              <a:t> </a:t>
-            </a:r>
-          </a:p>
-          <a:p>
-            <a:r>
-              <a:rPr lang="hr-HR" dirty="0"/>
-              <a:t>For </a:t>
-            </a:r>
-            <a:r>
-              <a:rPr lang="hr-HR" dirty="0" err="1"/>
-              <a:t>example</a:t>
-            </a:r>
-            <a:r>
-              <a:rPr lang="hr-HR" dirty="0"/>
-              <a:t> </a:t>
-            </a:r>
-            <a:r>
-              <a:rPr lang="hr-HR" dirty="0" err="1"/>
-              <a:t>write</a:t>
-            </a:r>
-            <a:r>
-              <a:rPr lang="hr-HR" dirty="0"/>
-              <a:t> a test </a:t>
-            </a:r>
-            <a:r>
-              <a:rPr lang="hr-HR" dirty="0" err="1"/>
-              <a:t>which</a:t>
-            </a:r>
-            <a:r>
-              <a:rPr lang="hr-HR" dirty="0"/>
-              <a:t> </a:t>
-            </a:r>
-            <a:r>
-              <a:rPr lang="hr-HR" dirty="0" err="1"/>
-              <a:t>sends</a:t>
-            </a:r>
-            <a:r>
-              <a:rPr lang="hr-HR" dirty="0"/>
-              <a:t> a </a:t>
-            </a:r>
-            <a:r>
-              <a:rPr lang="hr-HR" dirty="0" err="1"/>
-              <a:t>request</a:t>
-            </a:r>
-            <a:r>
-              <a:rPr lang="hr-HR" dirty="0"/>
-              <a:t> to system but </a:t>
-            </a:r>
-            <a:r>
-              <a:rPr lang="hr-HR" dirty="0" err="1"/>
-              <a:t>with</a:t>
-            </a:r>
-            <a:r>
-              <a:rPr lang="hr-HR" dirty="0"/>
-              <a:t> no </a:t>
-            </a:r>
-            <a:r>
-              <a:rPr lang="hr-HR" dirty="0" err="1"/>
-              <a:t>authentication</a:t>
-            </a:r>
-            <a:r>
-              <a:rPr lang="hr-HR" dirty="0"/>
-              <a:t> data – </a:t>
-            </a:r>
-            <a:r>
-              <a:rPr lang="hr-HR" dirty="0" err="1"/>
-              <a:t>expected</a:t>
-            </a:r>
-            <a:r>
-              <a:rPr lang="hr-HR" dirty="0"/>
-              <a:t> </a:t>
-            </a:r>
-            <a:r>
-              <a:rPr lang="hr-HR" dirty="0" err="1"/>
-              <a:t>error</a:t>
-            </a:r>
-            <a:r>
-              <a:rPr lang="hr-HR" dirty="0"/>
-              <a:t> </a:t>
-            </a:r>
-            <a:r>
-              <a:rPr lang="hr-HR" dirty="0" err="1"/>
-              <a:t>authentication</a:t>
-            </a:r>
-            <a:r>
-              <a:rPr lang="hr-HR" dirty="0"/>
-              <a:t> </a:t>
-            </a:r>
-            <a:r>
-              <a:rPr lang="hr-HR" dirty="0" err="1"/>
-              <a:t>exception</a:t>
-            </a:r>
-            <a:endParaRPr lang="hr-HR" dirty="0"/>
-          </a:p>
-          <a:p>
-            <a:r>
-              <a:rPr lang="hr-HR" dirty="0"/>
-              <a:t>In system </a:t>
-            </a:r>
-            <a:r>
-              <a:rPr lang="hr-HR" dirty="0" err="1"/>
-              <a:t>and</a:t>
-            </a:r>
-            <a:r>
-              <a:rPr lang="hr-HR" dirty="0"/>
-              <a:t> </a:t>
-            </a:r>
-            <a:r>
-              <a:rPr lang="hr-HR" dirty="0" err="1"/>
-              <a:t>integration</a:t>
-            </a:r>
-            <a:r>
-              <a:rPr lang="hr-HR" dirty="0"/>
-              <a:t> test use </a:t>
-            </a:r>
-            <a:r>
-              <a:rPr lang="hr-HR" dirty="0" err="1"/>
-              <a:t>mocks</a:t>
-            </a:r>
-            <a:r>
-              <a:rPr lang="hr-HR" dirty="0"/>
-              <a:t> </a:t>
-            </a:r>
-            <a:r>
-              <a:rPr lang="hr-HR" dirty="0" err="1"/>
-              <a:t>that</a:t>
-            </a:r>
-            <a:r>
-              <a:rPr lang="hr-HR" dirty="0"/>
-              <a:t> </a:t>
-            </a:r>
-            <a:r>
-              <a:rPr lang="hr-HR" dirty="0" err="1"/>
-              <a:t>accepts</a:t>
-            </a:r>
-            <a:r>
-              <a:rPr lang="hr-HR" dirty="0"/>
-              <a:t> </a:t>
-            </a:r>
-            <a:r>
-              <a:rPr lang="hr-HR" dirty="0" err="1"/>
-              <a:t>limited</a:t>
-            </a:r>
-            <a:r>
-              <a:rPr lang="hr-HR" dirty="0"/>
-              <a:t> set </a:t>
-            </a:r>
-            <a:r>
-              <a:rPr lang="hr-HR" dirty="0" err="1"/>
-              <a:t>of</a:t>
-            </a:r>
-            <a:r>
-              <a:rPr lang="hr-HR" dirty="0"/>
-              <a:t> data</a:t>
-            </a:r>
-          </a:p>
-          <a:p>
-            <a:r>
-              <a:rPr lang="hr-HR" dirty="0"/>
-              <a:t>For </a:t>
-            </a:r>
-            <a:r>
-              <a:rPr lang="hr-HR" dirty="0" err="1"/>
-              <a:t>example</a:t>
-            </a:r>
-            <a:r>
-              <a:rPr lang="hr-HR" dirty="0"/>
-              <a:t> </a:t>
-            </a:r>
-            <a:r>
-              <a:rPr lang="hr-HR" dirty="0" err="1"/>
-              <a:t>checkAddressExists</a:t>
-            </a:r>
-            <a:r>
-              <a:rPr lang="hr-HR" dirty="0"/>
-              <a:t> – </a:t>
-            </a:r>
-            <a:r>
-              <a:rPr lang="hr-HR" dirty="0" err="1"/>
-              <a:t>there</a:t>
-            </a:r>
-            <a:r>
-              <a:rPr lang="hr-HR" dirty="0"/>
-              <a:t> are 2 </a:t>
-            </a:r>
-            <a:r>
-              <a:rPr lang="hr-HR" dirty="0" err="1"/>
-              <a:t>possible</a:t>
-            </a:r>
-            <a:r>
-              <a:rPr lang="hr-HR" dirty="0"/>
-              <a:t> </a:t>
-            </a:r>
-            <a:r>
-              <a:rPr lang="hr-HR" dirty="0" err="1"/>
-              <a:t>outcomes</a:t>
-            </a:r>
-            <a:r>
-              <a:rPr lang="hr-HR" dirty="0"/>
-              <a:t>, </a:t>
-            </a:r>
-            <a:r>
-              <a:rPr lang="hr-HR" dirty="0" err="1"/>
-              <a:t>cover</a:t>
-            </a:r>
-            <a:r>
-              <a:rPr lang="hr-HR" dirty="0"/>
-              <a:t> </a:t>
-            </a:r>
-            <a:r>
-              <a:rPr lang="hr-HR" dirty="0" err="1"/>
-              <a:t>them</a:t>
-            </a:r>
-            <a:r>
-              <a:rPr lang="hr-HR" dirty="0"/>
-              <a:t> </a:t>
-            </a:r>
-            <a:r>
-              <a:rPr lang="hr-HR" dirty="0" err="1"/>
-              <a:t>with</a:t>
-            </a:r>
-            <a:r>
-              <a:rPr lang="hr-HR" dirty="0"/>
-              <a:t> </a:t>
-            </a:r>
-            <a:r>
-              <a:rPr lang="hr-HR" dirty="0" err="1"/>
-              <a:t>you</a:t>
-            </a:r>
-            <a:r>
-              <a:rPr lang="hr-HR" dirty="0"/>
-              <a:t> test. </a:t>
-            </a:r>
-            <a:r>
-              <a:rPr lang="hr-HR" dirty="0" err="1"/>
-              <a:t>If</a:t>
-            </a:r>
-            <a:r>
-              <a:rPr lang="hr-HR" dirty="0"/>
-              <a:t> </a:t>
-            </a:r>
-            <a:r>
-              <a:rPr lang="hr-HR" dirty="0" err="1"/>
-              <a:t>the</a:t>
-            </a:r>
-            <a:r>
-              <a:rPr lang="hr-HR" dirty="0"/>
-              <a:t> </a:t>
-            </a:r>
-            <a:r>
-              <a:rPr lang="hr-HR" dirty="0" err="1"/>
-              <a:t>other</a:t>
-            </a:r>
-            <a:r>
-              <a:rPr lang="hr-HR" dirty="0"/>
-              <a:t> system do </a:t>
-            </a:r>
-            <a:r>
-              <a:rPr lang="hr-HR" dirty="0" err="1"/>
-              <a:t>what</a:t>
-            </a:r>
-            <a:r>
-              <a:rPr lang="hr-HR" dirty="0"/>
-              <a:t> </a:t>
-            </a:r>
-            <a:r>
-              <a:rPr lang="hr-HR" dirty="0" err="1"/>
-              <a:t>it</a:t>
-            </a:r>
-            <a:r>
-              <a:rPr lang="hr-HR" dirty="0"/>
-              <a:t> </a:t>
-            </a:r>
-            <a:r>
-              <a:rPr lang="hr-HR" dirty="0" err="1"/>
-              <a:t>is</a:t>
-            </a:r>
-            <a:r>
-              <a:rPr lang="hr-HR" dirty="0"/>
-              <a:t> </a:t>
-            </a:r>
-            <a:r>
-              <a:rPr lang="hr-HR" dirty="0" err="1"/>
-              <a:t>expected</a:t>
-            </a:r>
-            <a:r>
-              <a:rPr lang="hr-HR" dirty="0"/>
-              <a:t> to do, </a:t>
-            </a:r>
-            <a:r>
-              <a:rPr lang="hr-HR" dirty="0" err="1"/>
-              <a:t>this</a:t>
-            </a:r>
-            <a:r>
-              <a:rPr lang="hr-HR" dirty="0"/>
-              <a:t> </a:t>
-            </a:r>
-            <a:r>
-              <a:rPr lang="hr-HR" dirty="0" err="1"/>
-              <a:t>will</a:t>
-            </a:r>
-            <a:r>
-              <a:rPr lang="hr-HR" dirty="0"/>
-              <a:t> </a:t>
-            </a:r>
-            <a:r>
-              <a:rPr lang="hr-HR" dirty="0" err="1"/>
-              <a:t>be</a:t>
-            </a:r>
-            <a:r>
-              <a:rPr lang="hr-HR" dirty="0"/>
-              <a:t> </a:t>
-            </a:r>
-            <a:r>
-              <a:rPr lang="hr-HR" dirty="0" err="1"/>
-              <a:t>sufficient</a:t>
-            </a:r>
-            <a:r>
-              <a:rPr lang="hr-HR" dirty="0"/>
-              <a:t> </a:t>
-            </a:r>
-          </a:p>
-          <a:p>
-            <a:r>
-              <a:rPr lang="hr-HR" dirty="0" err="1"/>
-              <a:t>Your</a:t>
-            </a:r>
-            <a:r>
-              <a:rPr lang="hr-HR" dirty="0"/>
-              <a:t> </a:t>
-            </a:r>
-            <a:r>
-              <a:rPr lang="hr-HR" dirty="0" err="1"/>
-              <a:t>job</a:t>
-            </a:r>
-            <a:r>
-              <a:rPr lang="hr-HR" dirty="0"/>
-              <a:t> </a:t>
-            </a:r>
-            <a:r>
-              <a:rPr lang="hr-HR" dirty="0" err="1"/>
-              <a:t>is</a:t>
-            </a:r>
-            <a:r>
-              <a:rPr lang="hr-HR" dirty="0"/>
-              <a:t> </a:t>
-            </a:r>
-            <a:r>
-              <a:rPr lang="hr-HR" dirty="0" err="1"/>
-              <a:t>not</a:t>
-            </a:r>
-            <a:r>
-              <a:rPr lang="hr-HR" dirty="0"/>
-              <a:t> to test </a:t>
-            </a:r>
-            <a:r>
-              <a:rPr lang="hr-HR" dirty="0" err="1"/>
-              <a:t>other</a:t>
-            </a:r>
-            <a:r>
-              <a:rPr lang="hr-HR" dirty="0"/>
-              <a:t> </a:t>
-            </a:r>
-            <a:r>
-              <a:rPr lang="hr-HR" dirty="0" err="1"/>
-              <a:t>systems</a:t>
-            </a:r>
-            <a:r>
-              <a:rPr lang="hr-HR" dirty="0"/>
-              <a:t> !!!</a:t>
-            </a:r>
-          </a:p>
-          <a:p>
-            <a:r>
-              <a:rPr lang="hr-HR" dirty="0"/>
-              <a:t>Test </a:t>
-            </a:r>
-            <a:r>
-              <a:rPr lang="hr-HR" dirty="0" err="1"/>
-              <a:t>manually</a:t>
-            </a:r>
-            <a:r>
-              <a:rPr lang="hr-HR" dirty="0"/>
-              <a:t> </a:t>
-            </a:r>
-            <a:r>
-              <a:rPr lang="hr-HR" dirty="0" err="1"/>
-              <a:t>whole</a:t>
-            </a:r>
-            <a:r>
-              <a:rPr lang="hr-HR" dirty="0"/>
-              <a:t> test </a:t>
-            </a:r>
-            <a:r>
-              <a:rPr lang="hr-HR" dirty="0" err="1"/>
-              <a:t>flow</a:t>
-            </a:r>
-            <a:r>
-              <a:rPr lang="hr-HR" dirty="0"/>
-              <a:t> </a:t>
-            </a:r>
-            <a:r>
-              <a:rPr lang="hr-HR" dirty="0" err="1"/>
-              <a:t>and</a:t>
-            </a:r>
-            <a:r>
-              <a:rPr lang="hr-HR" dirty="0"/>
-              <a:t> </a:t>
-            </a:r>
-            <a:r>
-              <a:rPr lang="hr-HR" dirty="0" err="1"/>
-              <a:t>capture</a:t>
-            </a:r>
-            <a:r>
-              <a:rPr lang="hr-HR" dirty="0"/>
-              <a:t> </a:t>
-            </a:r>
-            <a:r>
-              <a:rPr lang="hr-HR" dirty="0" err="1"/>
-              <a:t>the</a:t>
-            </a:r>
-            <a:r>
-              <a:rPr lang="hr-HR" dirty="0"/>
-              <a:t> </a:t>
-            </a:r>
-            <a:r>
-              <a:rPr lang="hr-HR" dirty="0" err="1"/>
-              <a:t>right</a:t>
-            </a:r>
-            <a:r>
-              <a:rPr lang="hr-HR" dirty="0"/>
-              <a:t> </a:t>
-            </a:r>
-            <a:r>
-              <a:rPr lang="hr-HR" dirty="0" err="1"/>
-              <a:t>behaviour</a:t>
-            </a:r>
-            <a:r>
-              <a:rPr lang="hr-HR" dirty="0"/>
-              <a:t> </a:t>
-            </a:r>
-            <a:r>
-              <a:rPr lang="hr-HR" dirty="0" err="1"/>
-              <a:t>with</a:t>
-            </a:r>
-            <a:r>
-              <a:rPr lang="hr-HR" dirty="0"/>
-              <a:t> </a:t>
-            </a:r>
-            <a:r>
-              <a:rPr lang="hr-HR" dirty="0" err="1"/>
-              <a:t>mock</a:t>
-            </a:r>
-            <a:r>
-              <a:rPr lang="hr-HR" dirty="0"/>
-              <a:t> </a:t>
-            </a:r>
-            <a:r>
-              <a:rPr lang="hr-HR" dirty="0" err="1"/>
-              <a:t>objects</a:t>
-            </a:r>
-            <a:endParaRPr lang="hr-HR" dirty="0"/>
-          </a:p>
-        </p:txBody>
-      </p:sp>
-    </p:spTree>
-    <p:extLst>
-      <p:ext uri="{BB962C8B-B14F-4D97-AF65-F5344CB8AC3E}">
-        <p14:creationId xmlns:p14="http://schemas.microsoft.com/office/powerpoint/2010/main" val="3524635468"/>
-      </p:ext>
-    </p:extLst>
-  </p:cSld>
-  <p:clrMapOvr>
-    <a:masterClrMapping/>
-  </p:clrMapOvr>
-</p:sld>
-</file>
-
 <file path=ppt/slides/slide15.xml><?xml version="1.0" encoding="utf-8"?>
 <p:sld xmlns:a="http://schemas.openxmlformats.org/drawingml/2006/main" xmlns:r="http://schemas.openxmlformats.org/officeDocument/2006/relationships" xmlns:p="http://schemas.openxmlformats.org/presentationml/2006/main">
   <p:cSld>
@@ -4959,26 +4027,10 @@
           <a:lstStyle/>
           <a:p>
             <a:r>
-              <a:rPr lang="hr-HR" dirty="0" err="1"/>
-              <a:t>Testing</a:t>
-            </a:r>
-            <a:r>
-              <a:rPr lang="hr-HR" dirty="0"/>
-              <a:t> </a:t>
-            </a:r>
-            <a:r>
-              <a:rPr lang="hr-HR" dirty="0" err="1"/>
-              <a:t>Repository</a:t>
-            </a:r>
-            <a:r>
-              <a:rPr lang="hr-HR" dirty="0"/>
-              <a:t> </a:t>
-            </a:r>
-            <a:r>
-              <a:rPr lang="hr-HR" dirty="0" err="1"/>
-              <a:t>Layer</a:t>
-            </a:r>
-            <a:endParaRPr lang="hr-HR" dirty="0"/>
+              <a:rPr lang="en-US" dirty="0" smtClean="0"/>
+              <a:t>Testing system with dependency (client) to another system</a:t>
+            </a:r>
+            <a:endParaRPr lang="en-US" dirty="0"/>
           </a:p>
         </p:txBody>
       </p:sp>
@@ -4994,228 +4046,89 @@
         </p:nvSpPr>
         <p:spPr/>
         <p:txBody>
-          <a:bodyPr/>
-          <a:lstStyle/>
-          <a:p>
-            <a:r>
-              <a:rPr lang="hr-HR" dirty="0"/>
-              <a:t>Do </a:t>
-            </a:r>
-            <a:r>
-              <a:rPr lang="hr-HR" dirty="0" err="1"/>
-              <a:t>not</a:t>
-            </a:r>
-            <a:r>
-              <a:rPr lang="hr-HR" dirty="0"/>
-              <a:t> test </a:t>
-            </a:r>
-            <a:r>
-              <a:rPr lang="hr-HR" dirty="0" err="1"/>
-              <a:t>persist</a:t>
-            </a:r>
-            <a:r>
-              <a:rPr lang="hr-HR" dirty="0"/>
-              <a:t>, </a:t>
-            </a:r>
-            <a:r>
-              <a:rPr lang="hr-HR" dirty="0" err="1"/>
-              <a:t>remote</a:t>
-            </a:r>
-            <a:r>
-              <a:rPr lang="hr-HR" dirty="0"/>
-              <a:t> </a:t>
-            </a:r>
-            <a:r>
-              <a:rPr lang="hr-HR" dirty="0" err="1"/>
-              <a:t>or</a:t>
-            </a:r>
-            <a:r>
-              <a:rPr lang="hr-HR" dirty="0"/>
-              <a:t> </a:t>
-            </a:r>
-            <a:r>
-              <a:rPr lang="hr-HR" dirty="0" err="1"/>
-              <a:t>findById</a:t>
-            </a:r>
-            <a:r>
-              <a:rPr lang="hr-HR" dirty="0"/>
-              <a:t> </a:t>
-            </a:r>
-            <a:r>
-              <a:rPr lang="hr-HR" dirty="0" err="1"/>
-              <a:t>methods</a:t>
-            </a:r>
-            <a:r>
-              <a:rPr lang="hr-HR" dirty="0"/>
-              <a:t> </a:t>
-            </a:r>
-            <a:r>
-              <a:rPr lang="hr-HR" dirty="0" err="1"/>
-              <a:t>which</a:t>
-            </a:r>
-            <a:r>
-              <a:rPr lang="hr-HR" dirty="0"/>
-              <a:t> are </a:t>
-            </a:r>
-            <a:r>
-              <a:rPr lang="hr-HR" dirty="0" err="1"/>
-              <a:t>directly</a:t>
-            </a:r>
-            <a:r>
-              <a:rPr lang="hr-HR" dirty="0"/>
-              <a:t> </a:t>
-            </a:r>
-            <a:r>
-              <a:rPr lang="hr-HR" dirty="0" err="1"/>
-              <a:t>calling</a:t>
-            </a:r>
-            <a:r>
-              <a:rPr lang="hr-HR" dirty="0"/>
-              <a:t> </a:t>
-            </a:r>
-            <a:r>
-              <a:rPr lang="hr-HR" dirty="0" err="1"/>
-              <a:t>entity</a:t>
-            </a:r>
-            <a:r>
-              <a:rPr lang="hr-HR" dirty="0"/>
-              <a:t> manager </a:t>
-            </a:r>
-            <a:r>
-              <a:rPr lang="hr-HR" dirty="0" err="1"/>
-              <a:t>methods</a:t>
-            </a:r>
-            <a:endParaRPr lang="hr-HR" dirty="0"/>
-          </a:p>
-          <a:p>
-            <a:r>
-              <a:rPr lang="hr-HR" dirty="0"/>
-              <a:t>Do </a:t>
-            </a:r>
-            <a:r>
-              <a:rPr lang="hr-HR" dirty="0" err="1"/>
-              <a:t>not</a:t>
-            </a:r>
-            <a:r>
-              <a:rPr lang="hr-HR" dirty="0"/>
-              <a:t> test </a:t>
-            </a:r>
-            <a:r>
-              <a:rPr lang="hr-HR" dirty="0" err="1"/>
-              <a:t>AbstractMethods</a:t>
-            </a:r>
-            <a:r>
-              <a:rPr lang="hr-HR" dirty="0"/>
-              <a:t> </a:t>
-            </a:r>
-            <a:r>
-              <a:rPr lang="hr-HR" dirty="0" err="1"/>
-              <a:t>that</a:t>
-            </a:r>
-            <a:r>
-              <a:rPr lang="hr-HR" dirty="0"/>
-              <a:t> are </a:t>
-            </a:r>
-            <a:r>
-              <a:rPr lang="hr-HR" dirty="0" err="1"/>
-              <a:t>shared</a:t>
-            </a:r>
-            <a:r>
-              <a:rPr lang="hr-HR" dirty="0"/>
-              <a:t> </a:t>
-            </a:r>
-            <a:r>
-              <a:rPr lang="hr-HR" dirty="0" err="1"/>
-              <a:t>across</a:t>
-            </a:r>
-            <a:r>
-              <a:rPr lang="hr-HR" dirty="0"/>
-              <a:t> </a:t>
-            </a:r>
-            <a:r>
-              <a:rPr lang="hr-HR" dirty="0" err="1"/>
-              <a:t>Repositories</a:t>
-            </a:r>
-            <a:r>
-              <a:rPr lang="hr-HR" dirty="0"/>
-              <a:t> </a:t>
-            </a:r>
-            <a:r>
-              <a:rPr lang="hr-HR" dirty="0" err="1"/>
-              <a:t>which</a:t>
-            </a:r>
-            <a:r>
-              <a:rPr lang="hr-HR" dirty="0"/>
-              <a:t> are </a:t>
-            </a:r>
-            <a:r>
-              <a:rPr lang="hr-HR" dirty="0" err="1"/>
-              <a:t>already</a:t>
-            </a:r>
-            <a:r>
-              <a:rPr lang="hr-HR" dirty="0"/>
-              <a:t> </a:t>
-            </a:r>
-            <a:r>
-              <a:rPr lang="hr-HR" dirty="0" err="1"/>
-              <a:t>tested</a:t>
-            </a:r>
-            <a:r>
-              <a:rPr lang="hr-HR" dirty="0"/>
-              <a:t> on one </a:t>
-            </a:r>
-            <a:r>
-              <a:rPr lang="hr-HR" dirty="0" err="1"/>
-              <a:t>or</a:t>
-            </a:r>
-            <a:r>
-              <a:rPr lang="hr-HR" dirty="0"/>
-              <a:t> </a:t>
-            </a:r>
-            <a:r>
-              <a:rPr lang="hr-HR" dirty="0" err="1"/>
-              <a:t>two</a:t>
-            </a:r>
-            <a:r>
-              <a:rPr lang="hr-HR" dirty="0"/>
-              <a:t> </a:t>
-            </a:r>
-            <a:r>
-              <a:rPr lang="hr-HR" dirty="0" err="1"/>
-              <a:t>Repository</a:t>
-            </a:r>
-            <a:r>
-              <a:rPr lang="hr-HR" dirty="0"/>
-              <a:t> </a:t>
-            </a:r>
-            <a:r>
-              <a:rPr lang="hr-HR" dirty="0" err="1"/>
-              <a:t>implementation</a:t>
-            </a:r>
-            <a:r>
-              <a:rPr lang="hr-HR" dirty="0"/>
-              <a:t> – for </a:t>
-            </a:r>
-            <a:r>
-              <a:rPr lang="hr-HR" dirty="0" err="1"/>
-              <a:t>example</a:t>
-            </a:r>
-            <a:r>
-              <a:rPr lang="hr-HR" dirty="0"/>
-              <a:t> </a:t>
-            </a:r>
-            <a:r>
-              <a:rPr lang="hr-HR" dirty="0" err="1" smtClean="0"/>
-              <a:t>findPaged</a:t>
-            </a:r>
-            <a:endParaRPr lang="hr-HR" dirty="0"/>
+          <a:bodyPr>
+            <a:normAutofit lnSpcReduction="10000"/>
+          </a:bodyPr>
+          <a:lstStyle/>
+          <a:p>
+            <a:r>
+              <a:rPr lang="en-US" dirty="0" smtClean="0"/>
+              <a:t>Do not write integration tests with real client !!!</a:t>
+            </a:r>
+          </a:p>
+          <a:p>
+            <a:pPr lvl="1"/>
+            <a:r>
+              <a:rPr lang="en-US" dirty="0" smtClean="0"/>
+              <a:t>Hard to maintain tests</a:t>
+            </a:r>
+          </a:p>
+          <a:p>
+            <a:pPr lvl="1"/>
+            <a:r>
+              <a:rPr lang="en-US" dirty="0" smtClean="0"/>
+              <a:t>Hard to set up test environment (instead of setting up only one system you need to set up multiple systems)</a:t>
+            </a:r>
+          </a:p>
+          <a:p>
+            <a:r>
+              <a:rPr lang="en-US" dirty="0" smtClean="0"/>
+              <a:t>Write integration test which tests client &lt;–&gt; external system communication </a:t>
+            </a:r>
+          </a:p>
+          <a:p>
+            <a:r>
+              <a:rPr lang="en-US" dirty="0" smtClean="0"/>
+              <a:t>For example write a test which sends a request to system but with no authentication data – expected error authentication exception</a:t>
+            </a:r>
+          </a:p>
+          <a:p>
+            <a:r>
+              <a:rPr lang="en-US" dirty="0" smtClean="0"/>
+              <a:t>In system and integration test use mocks that accepts limited set of data</a:t>
+            </a:r>
+          </a:p>
+          <a:p>
+            <a:r>
+              <a:rPr lang="en-US" dirty="0" smtClean="0"/>
+              <a:t>For example </a:t>
+            </a:r>
+            <a:r>
+              <a:rPr lang="en-US" dirty="0" err="1" smtClean="0"/>
+              <a:t>checkAddressExists</a:t>
+            </a:r>
+            <a:r>
+              <a:rPr lang="en-US" dirty="0" smtClean="0"/>
+              <a:t> – there are 2 possible outcomes, cover them with you test. If the other system do what it is expected to do, this will be sufficient </a:t>
+            </a:r>
+          </a:p>
+          <a:p>
+            <a:r>
+              <a:rPr lang="en-US" dirty="0" smtClean="0"/>
+              <a:t>Your job is not to test other systems !!!</a:t>
+            </a:r>
+          </a:p>
+          <a:p>
+            <a:r>
+              <a:rPr lang="en-US" dirty="0" smtClean="0"/>
+              <a:t>Test manually whole test flow and capture the right </a:t>
+            </a:r>
+            <a:r>
+              <a:rPr lang="en-US" dirty="0" err="1" smtClean="0"/>
+              <a:t>behaviour</a:t>
+            </a:r>
+            <a:r>
+              <a:rPr lang="en-US" dirty="0" smtClean="0"/>
+              <a:t> with mock objects</a:t>
+            </a:r>
+            <a:endParaRPr lang="en-US" dirty="0"/>
           </a:p>
         </p:txBody>
       </p:sp>
     </p:spTree>
     <p:extLst>
       <p:ext uri="{BB962C8B-B14F-4D97-AF65-F5344CB8AC3E}">
-        <p14:creationId xmlns:p14="http://schemas.microsoft.com/office/powerpoint/2010/main" val="1720136801"/>
+        <p14:creationId xmlns:p14="http://schemas.microsoft.com/office/powerpoint/2010/main" val="3524635468"/>
       </p:ext>
     </p:extLst>
   </p:cSld>
@@ -5258,489 +4171,211 @@
           <a:lstStyle/>
           <a:p>
             <a:r>
-              <a:rPr lang="hr-HR" dirty="0" err="1"/>
-              <a:t>Testing</a:t>
-            </a:r>
-            <a:r>
-              <a:rPr lang="hr-HR" dirty="0"/>
+              <a:rPr lang="en-US" dirty="0" smtClean="0"/>
+              <a:t>Testing Repository Layer</a:t>
+            </a:r>
+            <a:endParaRPr lang="en-US" dirty="0"/>
+          </a:p>
+        </p:txBody>
+      </p:sp>
+      <p:sp>
+        <p:nvSpPr>
+          <p:cNvPr id="3" name="Content Placeholder 2"/>
+          <p:cNvSpPr>
+            <a:spLocks noGrp="1"/>
+          </p:cNvSpPr>
+          <p:nvPr>
+            <p:ph idx="1"/>
+          </p:nvPr>
+        </p:nvSpPr>
+        <p:spPr/>
+        <p:txBody>
+          <a:bodyPr/>
+          <a:lstStyle/>
+          <a:p>
+            <a:r>
+              <a:rPr lang="en-US" dirty="0" smtClean="0"/>
+              <a:t>Do not test persist, remote or </a:t>
+            </a:r>
+            <a:r>
+              <a:rPr lang="en-US" dirty="0" err="1" smtClean="0"/>
+              <a:t>findById</a:t>
+            </a:r>
+            <a:r>
+              <a:rPr lang="en-US" dirty="0" smtClean="0"/>
+              <a:t> methods which are directly calling entity manager methods</a:t>
+            </a:r>
+          </a:p>
+          <a:p>
+            <a:r>
+              <a:rPr lang="en-US" dirty="0" smtClean="0"/>
+              <a:t>Do not test </a:t>
+            </a:r>
+            <a:r>
+              <a:rPr lang="en-US" dirty="0" err="1" smtClean="0"/>
+              <a:t>AbstractMethods</a:t>
+            </a:r>
+            <a:r>
+              <a:rPr lang="en-US" dirty="0" smtClean="0"/>
+              <a:t> that are shared across Repositories which are already tested on one or two Repository implementation – for example </a:t>
+            </a:r>
+            <a:r>
+              <a:rPr lang="en-US" dirty="0" err="1" smtClean="0"/>
+              <a:t>findPaged</a:t>
+            </a:r>
+            <a:endParaRPr lang="en-US" dirty="0"/>
+          </a:p>
+        </p:txBody>
+      </p:sp>
+    </p:spTree>
+    <p:extLst>
+      <p:ext uri="{BB962C8B-B14F-4D97-AF65-F5344CB8AC3E}">
+        <p14:creationId xmlns:p14="http://schemas.microsoft.com/office/powerpoint/2010/main" val="1720136801"/>
+      </p:ext>
+    </p:extLst>
+  </p:cSld>
+  <p:clrMapOvr>
+    <a:masterClrMapping/>
+  </p:clrMapOvr>
+</p:sld>
+</file>
+
+<file path=ppt/slides/slide17.xml><?xml version="1.0" encoding="utf-8"?>
+<p:sld xmlns:a="http://schemas.openxmlformats.org/drawingml/2006/main" xmlns:r="http://schemas.openxmlformats.org/officeDocument/2006/relationships" xmlns:p="http://schemas.openxmlformats.org/presentationml/2006/main">
+  <p:cSld>
+    <p:spTree>
+      <p:nvGrpSpPr>
+        <p:cNvPr id="1" name=""/>
+        <p:cNvGrpSpPr/>
+        <p:nvPr/>
+      </p:nvGrpSpPr>
+      <p:grpSpPr>
+        <a:xfrm>
+          <a:off x="0" y="0"/>
+          <a:ext cx="0" cy="0"/>
+          <a:chOff x="0" y="0"/>
+          <a:chExt cx="0" cy="0"/>
+        </a:xfrm>
+      </p:grpSpPr>
+      <p:sp>
+        <p:nvSpPr>
+          <p:cNvPr id="2" name="Title 1"/>
+          <p:cNvSpPr>
+            <a:spLocks noGrp="1"/>
+          </p:cNvSpPr>
+          <p:nvPr>
+            <p:ph type="title"/>
+          </p:nvPr>
+        </p:nvSpPr>
+        <p:spPr/>
+        <p:txBody>
+          <a:bodyPr/>
+          <a:lstStyle/>
+          <a:p>
+            <a:r>
+              <a:rPr lang="en-US" dirty="0" smtClean="0"/>
+              <a:t>Testing Facade Web Services</a:t>
+            </a:r>
+            <a:endParaRPr lang="en-US" dirty="0"/>
+          </a:p>
+        </p:txBody>
+      </p:sp>
+      <p:sp>
+        <p:nvSpPr>
+          <p:cNvPr id="3" name="Content Placeholder 2"/>
+          <p:cNvSpPr>
+            <a:spLocks noGrp="1"/>
+          </p:cNvSpPr>
+          <p:nvPr>
+            <p:ph idx="1"/>
+          </p:nvPr>
+        </p:nvSpPr>
+        <p:spPr/>
+        <p:txBody>
+          <a:bodyPr/>
+          <a:lstStyle/>
+          <a:p>
+            <a:r>
+              <a:rPr lang="en-US" dirty="0" smtClean="0"/>
+              <a:t>Do not use real client, use mocks when writing integration tests</a:t>
+            </a:r>
+          </a:p>
+          <a:p>
+            <a:r>
+              <a:rPr lang="en-US" dirty="0" smtClean="0"/>
+              <a:t>Write integration test which tests client &lt;–&gt; external system communication </a:t>
+            </a:r>
+          </a:p>
+          <a:p>
+            <a:r>
+              <a:rPr lang="en-US" dirty="0" smtClean="0"/>
+              <a:t>In mocks cover cases:</a:t>
+            </a:r>
+          </a:p>
+          <a:p>
+            <a:pPr lvl="1"/>
+            <a:r>
+              <a:rPr lang="en-US" dirty="0" smtClean="0"/>
+              <a:t>Everything went ok;</a:t>
+            </a:r>
+          </a:p>
+          <a:p>
+            <a:pPr lvl="1"/>
+            <a:r>
+              <a:rPr lang="en-US" dirty="0" smtClean="0"/>
+              <a:t>External system threw Exception.</a:t>
+            </a:r>
+          </a:p>
+          <a:p>
+            <a:r>
+              <a:rPr lang="en-US" dirty="0" smtClean="0"/>
+              <a:t>Test those cases and capture the </a:t>
+            </a:r>
+            <a:r>
+              <a:rPr lang="en-US" dirty="0"/>
+              <a:t>correct </a:t>
+            </a:r>
+            <a:r>
+              <a:rPr lang="en-US" dirty="0" err="1"/>
+              <a:t>behaviour</a:t>
+            </a:r>
+            <a:r>
+              <a:rPr lang="en-US" dirty="0"/>
               <a:t> </a:t>
             </a:r>
             <a:r>
-              <a:rPr lang="hr-HR" dirty="0" err="1"/>
-              <a:t>Facade</a:t>
-            </a:r>
-            <a:r>
-              <a:rPr lang="hr-HR" dirty="0"/>
-              <a:t> Web </a:t>
-            </a:r>
-            <a:r>
-              <a:rPr lang="hr-HR"/>
-              <a:t>Services</a:t>
-            </a:r>
-          </a:p>
-        </p:txBody>
-      </p:sp>
-      <p:sp>
-        <p:nvSpPr>
-          <p:cNvPr id="3" name="Content Placeholder 2"/>
-          <p:cNvSpPr>
-            <a:spLocks noGrp="1"/>
-          </p:cNvSpPr>
-          <p:nvPr>
-            <p:ph idx="1"/>
-          </p:nvPr>
-        </p:nvSpPr>
-        <p:spPr/>
-        <p:txBody>
-          <a:bodyPr/>
-          <a:lstStyle/>
-          <a:p>
-            <a:r>
-              <a:rPr lang="hr-HR" dirty="0"/>
-              <a:t>Do </a:t>
-            </a:r>
-            <a:r>
-              <a:rPr lang="hr-HR" dirty="0" err="1"/>
-              <a:t>not</a:t>
-            </a:r>
-            <a:r>
-              <a:rPr lang="hr-HR" dirty="0"/>
-              <a:t> use </a:t>
-            </a:r>
-            <a:r>
-              <a:rPr lang="hr-HR" dirty="0" err="1"/>
-              <a:t>real</a:t>
-            </a:r>
-            <a:r>
-              <a:rPr lang="hr-HR" dirty="0"/>
+              <a:rPr lang="en-US" dirty="0" smtClean="0"/>
+              <a:t>with</a:t>
+            </a:r>
+            <a:r>
+              <a:rPr lang="en-US" i="1" dirty="0" smtClean="0"/>
               <a:t> </a:t>
             </a:r>
             <a:r>
-              <a:rPr lang="hr-HR" dirty="0" err="1"/>
-              <a:t>client</a:t>
-            </a:r>
-            <a:r>
-              <a:rPr lang="hr-HR" dirty="0"/>
-              <a:t>, use </a:t>
-            </a:r>
-            <a:r>
-              <a:rPr lang="hr-HR" dirty="0" err="1"/>
-              <a:t>mocks</a:t>
-            </a:r>
-            <a:r>
-              <a:rPr lang="hr-HR" dirty="0"/>
+              <a:rPr lang="en-US" dirty="0" smtClean="0"/>
+              <a:t>integration and/or unit tests.</a:t>
+            </a:r>
+          </a:p>
+          <a:p>
+            <a:r>
+              <a:rPr lang="en-US" dirty="0" smtClean="0"/>
+              <a:t>Run manual testing with real clients and capture </a:t>
+            </a:r>
+            <a:r>
+              <a:rPr lang="en-US" dirty="0"/>
+              <a:t>correct </a:t>
+            </a:r>
+            <a:r>
+              <a:rPr lang="en-US" dirty="0" err="1"/>
+              <a:t>behaviour</a:t>
+            </a:r>
+            <a:r>
+              <a:rPr lang="en-US" dirty="0"/>
               <a:t> </a:t>
             </a:r>
             <a:r>
-              <a:rPr lang="hr-HR" dirty="0" err="1"/>
-              <a:t>when</a:t>
-            </a:r>
-            <a:r>
-              <a:rPr lang="hr-HR" dirty="0"/>
-              <a:t> </a:t>
-            </a:r>
-            <a:r>
-              <a:rPr lang="hr-HR" dirty="0" err="1"/>
-              <a:t>writing</a:t>
-            </a:r>
-            <a:r>
-              <a:rPr lang="hr-HR" dirty="0"/>
-              <a:t> </a:t>
-            </a:r>
-            <a:r>
-              <a:rPr lang="hr-HR" dirty="0" err="1"/>
-              <a:t>integration</a:t>
-            </a:r>
-            <a:r>
-              <a:rPr lang="hr-HR" dirty="0"/>
-              <a:t> </a:t>
-            </a:r>
-            <a:r>
-              <a:rPr lang="hr-HR" dirty="0" err="1"/>
-              <a:t>tests</a:t>
-            </a:r>
-            <a:endParaRPr lang="hr-HR" dirty="0"/>
-          </a:p>
-          <a:p>
-            <a:r>
-              <a:rPr lang="hr-HR" dirty="0" err="1"/>
-              <a:t>Write</a:t>
-            </a:r>
-            <a:r>
-              <a:rPr lang="hr-HR" dirty="0"/>
-              <a:t> </a:t>
-            </a:r>
-            <a:r>
-              <a:rPr lang="hr-HR" dirty="0" err="1"/>
-              <a:t>integreation</a:t>
-            </a:r>
-            <a:r>
-              <a:rPr lang="hr-HR" dirty="0"/>
-              <a:t> test </a:t>
-            </a:r>
-            <a:r>
-              <a:rPr lang="hr-HR" dirty="0" err="1"/>
-              <a:t>which</a:t>
-            </a:r>
-            <a:r>
-              <a:rPr lang="hr-HR" dirty="0"/>
-              <a:t> </a:t>
-            </a:r>
-            <a:r>
-              <a:rPr lang="hr-HR" dirty="0" err="1"/>
-              <a:t>tests</a:t>
-            </a:r>
-            <a:r>
-              <a:rPr lang="hr-HR" dirty="0"/>
-              <a:t> </a:t>
-            </a:r>
-            <a:r>
-              <a:rPr lang="hr-HR" dirty="0" err="1"/>
-              <a:t>client</a:t>
-            </a:r>
-            <a:r>
-              <a:rPr lang="hr-HR" dirty="0"/>
-              <a:t> &lt;–&gt; </a:t>
-            </a:r>
-            <a:r>
-              <a:rPr lang="hr-HR" dirty="0" err="1"/>
-              <a:t>external</a:t>
-            </a:r>
-            <a:r>
-              <a:rPr lang="hr-HR" dirty="0"/>
-              <a:t> system </a:t>
-            </a:r>
-            <a:r>
-              <a:rPr lang="hr-HR" dirty="0" err="1"/>
-              <a:t>communication</a:t>
-            </a:r>
-            <a:r>
-              <a:rPr lang="hr-HR" dirty="0"/>
-              <a:t> </a:t>
-            </a:r>
-          </a:p>
-          <a:p>
-            <a:r>
-              <a:rPr lang="hr-HR" dirty="0"/>
-              <a:t>In </a:t>
-            </a:r>
-            <a:r>
-              <a:rPr lang="hr-HR" dirty="0" err="1"/>
-              <a:t>mocks</a:t>
-            </a:r>
-            <a:r>
-              <a:rPr lang="hr-HR" dirty="0"/>
-              <a:t> </a:t>
-            </a:r>
-            <a:r>
-              <a:rPr lang="hr-HR" dirty="0" err="1"/>
-              <a:t>cover</a:t>
-            </a:r>
-            <a:r>
-              <a:rPr lang="hr-HR" dirty="0"/>
-              <a:t> </a:t>
-            </a:r>
-            <a:r>
-              <a:rPr lang="hr-HR" dirty="0" err="1"/>
-              <a:t>cases</a:t>
-            </a:r>
-            <a:r>
-              <a:rPr lang="hr-HR" dirty="0"/>
-              <a:t>:</a:t>
-            </a:r>
-          </a:p>
-          <a:p>
-            <a:pPr lvl="1"/>
-            <a:r>
-              <a:rPr lang="hr-HR" dirty="0" err="1"/>
-              <a:t>Everything</a:t>
-            </a:r>
-            <a:r>
-              <a:rPr lang="hr-HR" dirty="0"/>
-              <a:t> </a:t>
-            </a:r>
-            <a:r>
-              <a:rPr lang="hr-HR" dirty="0" err="1"/>
-              <a:t>went</a:t>
-            </a:r>
-            <a:r>
-              <a:rPr lang="hr-HR" dirty="0"/>
-              <a:t> ok;</a:t>
-            </a:r>
-          </a:p>
-          <a:p>
-            <a:pPr lvl="1"/>
-            <a:r>
-              <a:rPr lang="hr-HR" dirty="0" err="1"/>
-              <a:t>External</a:t>
-            </a:r>
-            <a:r>
-              <a:rPr lang="hr-HR" dirty="0"/>
-              <a:t> system </a:t>
-            </a:r>
-            <a:r>
-              <a:rPr lang="hr-HR" dirty="0" err="1"/>
-              <a:t>threw</a:t>
-            </a:r>
-            <a:r>
-              <a:rPr lang="hr-HR" dirty="0"/>
-              <a:t> </a:t>
-            </a:r>
-            <a:r>
-              <a:rPr lang="hr-HR" dirty="0" err="1"/>
-              <a:t>Exception</a:t>
-            </a:r>
-            <a:r>
-              <a:rPr lang="hr-HR" dirty="0"/>
-              <a:t>.</a:t>
-            </a:r>
-          </a:p>
-          <a:p>
-            <a:r>
-              <a:rPr lang="hr-HR" dirty="0"/>
-              <a:t>Test </a:t>
-            </a:r>
-            <a:r>
-              <a:rPr lang="hr-HR" dirty="0" err="1"/>
-              <a:t>those</a:t>
-            </a:r>
-            <a:r>
-              <a:rPr lang="hr-HR" dirty="0"/>
-              <a:t> </a:t>
-            </a:r>
-            <a:r>
-              <a:rPr lang="hr-HR" dirty="0" err="1"/>
-              <a:t>cases</a:t>
-            </a:r>
-            <a:r>
-              <a:rPr lang="hr-HR" dirty="0"/>
-              <a:t> </a:t>
-            </a:r>
-            <a:r>
-              <a:rPr lang="hr-HR" dirty="0" err="1"/>
-              <a:t>and</a:t>
-            </a:r>
-            <a:r>
-              <a:rPr lang="hr-HR" dirty="0"/>
-              <a:t> </a:t>
-            </a:r>
-            <a:r>
-              <a:rPr lang="hr-HR" dirty="0" err="1"/>
-              <a:t>capture</a:t>
-            </a:r>
-            <a:r>
-              <a:rPr lang="hr-HR" dirty="0"/>
-              <a:t> </a:t>
-            </a:r>
-            <a:r>
-              <a:rPr lang="hr-HR" dirty="0" err="1"/>
-              <a:t>the</a:t>
-            </a:r>
-            <a:r>
-              <a:rPr lang="hr-HR" dirty="0"/>
-              <a:t> </a:t>
-            </a:r>
-            <a:r>
-              <a:rPr lang="hr-HR" dirty="0" err="1"/>
-              <a:t>correct</a:t>
-            </a:r>
-            <a:r>
-              <a:rPr lang="hr-HR" dirty="0"/>
-              <a:t> </a:t>
-            </a:r>
-            <a:r>
-              <a:rPr lang="hr-HR" dirty="0" err="1"/>
-              <a:t>behaviour</a:t>
-            </a:r>
-            <a:r>
-              <a:rPr lang="hr-HR" dirty="0"/>
-              <a:t> </a:t>
-            </a:r>
-            <a:r>
-              <a:rPr lang="hr-HR" dirty="0" err="1"/>
-              <a:t>with</a:t>
-            </a:r>
-            <a:r>
-              <a:rPr lang="hr-HR" i="1" dirty="0"/>
-              <a:t> </a:t>
-            </a:r>
-            <a:r>
-              <a:rPr lang="hr-HR" dirty="0" err="1"/>
-              <a:t>integration</a:t>
-            </a:r>
-            <a:r>
-              <a:rPr lang="hr-HR" dirty="0"/>
-              <a:t> </a:t>
-            </a:r>
-            <a:r>
-              <a:rPr lang="hr-HR" dirty="0" err="1"/>
-              <a:t>and</a:t>
-            </a:r>
-            <a:r>
-              <a:rPr lang="hr-HR" dirty="0"/>
-              <a:t>/</a:t>
-            </a:r>
-            <a:r>
-              <a:rPr lang="hr-HR" dirty="0" err="1"/>
-              <a:t>or</a:t>
-            </a:r>
-            <a:r>
-              <a:rPr lang="hr-HR" dirty="0"/>
-              <a:t> </a:t>
-            </a:r>
-            <a:r>
-              <a:rPr lang="hr-HR" dirty="0" err="1"/>
-              <a:t>unit</a:t>
-            </a:r>
-            <a:r>
-              <a:rPr lang="hr-HR" dirty="0"/>
-              <a:t> </a:t>
-            </a:r>
-            <a:r>
-              <a:rPr lang="hr-HR" dirty="0" err="1"/>
-              <a:t>tests</a:t>
-            </a:r>
-            <a:r>
-              <a:rPr lang="hr-HR" dirty="0"/>
-              <a:t>.</a:t>
-            </a:r>
-          </a:p>
-          <a:p>
-            <a:r>
-              <a:rPr lang="hr-HR" dirty="0" err="1"/>
-              <a:t>Run</a:t>
-            </a:r>
-            <a:r>
-              <a:rPr lang="hr-HR" dirty="0"/>
-              <a:t> manual </a:t>
-            </a:r>
-            <a:r>
-              <a:rPr lang="hr-HR" dirty="0" err="1"/>
-              <a:t>testing</a:t>
-            </a:r>
-            <a:r>
-              <a:rPr lang="hr-HR" dirty="0"/>
-              <a:t> </a:t>
-            </a:r>
-            <a:r>
-              <a:rPr lang="hr-HR" dirty="0" err="1"/>
-              <a:t>with</a:t>
-            </a:r>
-            <a:r>
-              <a:rPr lang="hr-HR" dirty="0"/>
-              <a:t> </a:t>
-            </a:r>
-            <a:r>
-              <a:rPr lang="hr-HR" dirty="0" err="1"/>
-              <a:t>real</a:t>
-            </a:r>
-            <a:r>
-              <a:rPr lang="hr-HR" dirty="0"/>
-              <a:t> </a:t>
-            </a:r>
-            <a:r>
-              <a:rPr lang="hr-HR" dirty="0" err="1"/>
-              <a:t>clients</a:t>
-            </a:r>
-            <a:r>
-              <a:rPr lang="hr-HR" dirty="0"/>
-              <a:t> </a:t>
-            </a:r>
-            <a:r>
-              <a:rPr lang="hr-HR" dirty="0" err="1"/>
-              <a:t>and</a:t>
-            </a:r>
-            <a:r>
-              <a:rPr lang="hr-HR" dirty="0"/>
-              <a:t> </a:t>
-            </a:r>
-            <a:r>
-              <a:rPr lang="hr-HR" dirty="0" err="1"/>
-              <a:t>capture</a:t>
-            </a:r>
-            <a:r>
-              <a:rPr lang="hr-HR" dirty="0"/>
-              <a:t> </a:t>
-            </a:r>
-            <a:r>
-              <a:rPr lang="hr-HR" dirty="0" err="1"/>
-              <a:t>correct</a:t>
-            </a:r>
-            <a:r>
-              <a:rPr lang="hr-HR" dirty="0"/>
-              <a:t> </a:t>
-            </a:r>
-            <a:r>
-              <a:rPr lang="hr-HR" dirty="0" err="1"/>
-              <a:t>behaviour</a:t>
-            </a:r>
-            <a:r>
-              <a:rPr lang="hr-HR" dirty="0"/>
-              <a:t> </a:t>
-            </a:r>
-            <a:r>
-              <a:rPr lang="hr-HR" dirty="0" err="1"/>
-              <a:t>in</a:t>
-            </a:r>
-            <a:r>
-              <a:rPr lang="hr-HR" dirty="0"/>
-              <a:t> </a:t>
-            </a:r>
-            <a:r>
-              <a:rPr lang="hr-HR" dirty="0" err="1"/>
-              <a:t>the</a:t>
-            </a:r>
-            <a:r>
-              <a:rPr lang="hr-HR" dirty="0"/>
-              <a:t> </a:t>
-            </a:r>
-            <a:r>
-              <a:rPr lang="hr-HR" dirty="0" err="1"/>
-              <a:t>integration</a:t>
-            </a:r>
-            <a:r>
-              <a:rPr lang="hr-HR" dirty="0"/>
-              <a:t> test </a:t>
-            </a:r>
-            <a:r>
-              <a:rPr lang="hr-HR" dirty="0" err="1"/>
-              <a:t>when</a:t>
-            </a:r>
-            <a:r>
-              <a:rPr lang="hr-HR" dirty="0"/>
-              <a:t> </a:t>
-            </a:r>
-            <a:r>
-              <a:rPr lang="hr-HR" dirty="0" err="1"/>
-              <a:t>communicating</a:t>
-            </a:r>
-            <a:r>
-              <a:rPr lang="hr-HR" dirty="0"/>
-              <a:t> </a:t>
-            </a:r>
-            <a:r>
-              <a:rPr lang="hr-HR" dirty="0" err="1"/>
-              <a:t>with</a:t>
-            </a:r>
-            <a:r>
-              <a:rPr lang="hr-HR" dirty="0"/>
-              <a:t> </a:t>
-            </a:r>
-            <a:r>
-              <a:rPr lang="hr-HR" dirty="0" err="1"/>
-              <a:t>the</a:t>
-            </a:r>
-            <a:r>
-              <a:rPr lang="hr-HR" dirty="0"/>
-              <a:t> </a:t>
-            </a:r>
-            <a:r>
-              <a:rPr lang="hr-HR" dirty="0" err="1"/>
-              <a:t>mock</a:t>
-            </a:r>
-            <a:r>
-              <a:rPr lang="hr-HR" dirty="0"/>
-              <a:t> </a:t>
+              <a:rPr lang="en-US" dirty="0" smtClean="0"/>
+              <a:t>in the integration test when communicating with the mock </a:t>
             </a:r>
           </a:p>
           <a:p>
@@ -5797,39 +4432,37 @@
           <a:lstStyle/>
           <a:p>
             <a:r>
+              <a:rPr lang="hr-HR"/>
+              <a:t>Agenda</a:t>
+            </a:r>
+          </a:p>
+        </p:txBody>
+      </p:sp>
+      <p:sp>
+        <p:nvSpPr>
+          <p:cNvPr id="3" name="Content Placeholder 2"/>
+          <p:cNvSpPr>
+            <a:spLocks noGrp="1"/>
+          </p:cNvSpPr>
+          <p:nvPr>
+            <p:ph idx="1"/>
+          </p:nvPr>
+        </p:nvSpPr>
+        <p:spPr/>
+        <p:txBody>
+          <a:bodyPr/>
+          <a:lstStyle/>
+          <a:p>
+            <a:r>
               <a:rPr lang="hr-HR" dirty="0" err="1"/>
               <a:t>Testing</a:t>
             </a:r>
             <a:endParaRPr lang="hr-HR" dirty="0"/>
           </a:p>
-        </p:txBody>
-      </p:sp>
-      <p:sp>
-        <p:nvSpPr>
-          <p:cNvPr id="3" name="Content Placeholder 2"/>
-          <p:cNvSpPr>
-            <a:spLocks noGrp="1"/>
-          </p:cNvSpPr>
-          <p:nvPr>
-            <p:ph idx="1"/>
-          </p:nvPr>
-        </p:nvSpPr>
-        <p:spPr/>
-        <p:txBody>
-          <a:bodyPr/>
-          <a:lstStyle/>
           <a:p>
             <a:r>
               <a:rPr lang="hr-HR" dirty="0" err="1"/>
-              <a:t>Specification</a:t>
-            </a:r>
-            <a:r>
-              <a:rPr lang="hr-HR" dirty="0"/>
-              <a:t> -&gt; </a:t>
-            </a:r>
-            <a:r>
-              <a:rPr lang="hr-HR" dirty="0" err="1"/>
-              <a:t>Write</a:t>
+              <a:t>Level</a:t>
             </a:r>
             <a:r>
               <a:rPr lang="hr-HR" dirty="0"/>
@@ -5837,25 +4470,7 @@
             </a:r>
             <a:r>
               <a:rPr lang="hr-HR" dirty="0" err="1"/>
-              <a:t>Code</a:t>
-            </a:r>
-            <a:r>
-              <a:rPr lang="hr-HR" dirty="0"/>
-              <a:t> -&gt; Test</a:t>
-            </a:r>
-          </a:p>
-          <a:p>
-            <a:r>
-              <a:rPr lang="hr-HR" dirty="0" err="1"/>
-              <a:t>Testing</a:t>
-            </a:r>
-            <a:r>
-              <a:rPr lang="hr-HR" dirty="0"/>
-              <a:t> – manual </a:t>
-            </a:r>
-            <a:r>
-              <a:rPr lang="hr-HR" dirty="0" err="1"/>
-              <a:t>or</a:t>
+              <a:t>of</a:t>
             </a:r>
             <a:r>
               <a:rPr lang="hr-HR" dirty="0"/>
@@ -5863,7 +4478,24 @@
             </a:r>
             <a:r>
               <a:rPr lang="hr-HR" dirty="0" err="1"/>
-              <a:t>automated</a:t>
+              <a:t>testing</a:t>
+            </a:r>
+            <a:endParaRPr lang="hr-HR" dirty="0"/>
+          </a:p>
+          <a:p>
+            <a:r>
+              <a:rPr lang="hr-HR" dirty="0" err="1"/>
+              <a:t>Clean</a:t>
+            </a:r>
+            <a:r>
+              <a:rPr lang="hr-HR" dirty="0"/>
+              <a:t> test</a:t>
+            </a:r>
+          </a:p>
+          <a:p>
+            <a:r>
+              <a:rPr lang="hr-HR" dirty="0" err="1"/>
+              <a:t>Libraries</a:t>
             </a:r>
             <a:r>
               <a:rPr lang="hr-HR" dirty="0"/>
@@ -5871,14 +4503,7 @@
             </a:r>
             <a:r>
               <a:rPr lang="hr-HR" dirty="0" err="1"/>
-              <a:t>testing</a:t>
-            </a:r>
-            <a:endParaRPr lang="hr-HR" dirty="0"/>
-          </a:p>
-          <a:p>
-            <a:r>
-              <a:rPr lang="hr-HR" dirty="0" err="1"/>
-              <a:t>Automated</a:t>
+              <a:t>and</a:t>
             </a:r>
             <a:r>
               <a:rPr lang="hr-HR" dirty="0"/>
@@ -5886,18 +4511,22 @@
             </a:r>
             <a:r>
               <a:rPr lang="hr-HR" dirty="0" err="1"/>
-              <a:t>testing</a:t>
+              <a:t>tools</a:t>
+            </a:r>
+            <a:endParaRPr lang="hr-HR" dirty="0"/>
+          </a:p>
+          <a:p>
+            <a:r>
+              <a:rPr lang="hr-HR" dirty="0" err="1"/>
+              <a:t>Maven</a:t>
             </a:r>
             <a:r>
               <a:rPr lang="hr-HR" dirty="0"/>
               <a:t> </a:t>
             </a:r>
-          </a:p>
-          <a:p>
-            <a:pPr lvl="1"/>
             <a:r>
               <a:rPr lang="hr-HR" dirty="0" err="1"/>
-              <a:t>Faster</a:t>
+              <a:t>and</a:t>
             </a:r>
             <a:r>
               <a:rPr lang="hr-HR" dirty="0"/>
@@ -5905,26 +4534,25 @@
             </a:r>
             <a:r>
               <a:rPr lang="hr-HR" dirty="0" err="1"/>
-              <a:t>than</a:t>
-            </a:r>
+              <a:t>testing</a:t>
+            </a:r>
+            <a:endParaRPr lang="hr-HR" dirty="0"/>
+          </a:p>
+          <a:p>
             <a:r>
               <a:rPr lang="hr-HR" dirty="0"/>
-              <a:t> manual </a:t>
+              <a:t>Show </a:t>
             </a:r>
             <a:r>
               <a:rPr lang="hr-HR" dirty="0" err="1"/>
-              <a:t>testing</a:t>
-            </a:r>
-            <a:r>
-              <a:rPr lang="hr-HR" dirty="0"/>
-              <a:t>;</a:t>
-            </a:r>
-          </a:p>
-          <a:p>
-            <a:pPr lvl="1"/>
+              <a:t>case</a:t>
+            </a:r>
+            <a:endParaRPr lang="hr-HR" dirty="0"/>
+          </a:p>
+          <a:p>
             <a:r>
               <a:rPr lang="hr-HR" dirty="0" err="1"/>
-              <a:t>Automates</a:t>
+              <a:t>Good</a:t>
             </a:r>
             <a:r>
               <a:rPr lang="hr-HR" dirty="0"/>
@@ -5932,7 +4560,7 @@
             </a:r>
             <a:r>
               <a:rPr lang="hr-HR" dirty="0" err="1"/>
-              <a:t>repetative</a:t>
+              <a:t>practices</a:t>
             </a:r>
             <a:r>
               <a:rPr lang="hr-HR" dirty="0"/>
@@ -5940,196 +4568,24 @@
             </a:r>
             <a:r>
               <a:rPr lang="hr-HR" dirty="0" err="1"/>
-              <a:t>actions</a:t>
-            </a:r>
-            <a:r>
-              <a:rPr lang="hr-HR" dirty="0"/>
-              <a:t>; </a:t>
-            </a:r>
-          </a:p>
-          <a:p>
-            <a:pPr lvl="1"/>
-            <a:r>
-              <a:rPr lang="hr-HR" dirty="0" err="1"/>
-              <a:t>Very</a:t>
+              <a:t>in</a:t>
             </a:r>
             <a:r>
               <a:rPr lang="hr-HR" dirty="0"/>
               <a:t> </a:t>
             </a:r>
             <a:r>
-              <a:rPr lang="hr-HR" dirty="0" err="1"/>
-              <a:t>helpful</a:t>
-            </a:r>
-            <a:r>
-              <a:rPr lang="hr-HR" dirty="0"/>
-              <a:t> </a:t>
-            </a:r>
-            <a:r>
-              <a:rPr lang="hr-HR" dirty="0" err="1"/>
-              <a:t>in</a:t>
-            </a:r>
-            <a:r>
-              <a:rPr lang="hr-HR" dirty="0"/>
-              <a:t> </a:t>
-            </a:r>
-            <a:r>
-              <a:rPr lang="hr-HR" dirty="0" err="1"/>
-              <a:t>regression</a:t>
-            </a:r>
-            <a:r>
-              <a:rPr lang="hr-HR" dirty="0"/>
-              <a:t> </a:t>
-            </a:r>
-            <a:r>
-              <a:rPr lang="hr-HR" dirty="0" err="1"/>
+              <a:rPr lang="hr-HR" dirty="0" err="1" smtClean="0"/>
               <a:t>testing</a:t>
             </a:r>
-            <a:r>
-              <a:rPr lang="hr-HR" dirty="0"/>
-              <a:t> </a:t>
-            </a:r>
-            <a:r>
-              <a:rPr lang="hr-HR" dirty="0" err="1"/>
-              <a:t>when</a:t>
-            </a:r>
-            <a:r>
-              <a:rPr lang="hr-HR" dirty="0"/>
-              <a:t> </a:t>
-            </a:r>
-            <a:r>
-              <a:rPr lang="hr-HR" dirty="0" err="1"/>
-              <a:t>code</a:t>
-            </a:r>
-            <a:r>
-              <a:rPr lang="hr-HR" dirty="0"/>
-              <a:t> </a:t>
-            </a:r>
-            <a:r>
-              <a:rPr lang="hr-HR" dirty="0" err="1"/>
-              <a:t>changes</a:t>
-            </a:r>
-            <a:r>
-              <a:rPr lang="hr-HR" dirty="0"/>
-              <a:t> </a:t>
-            </a:r>
-            <a:r>
-              <a:rPr lang="hr-HR" dirty="0" err="1"/>
-              <a:t>frequently</a:t>
-            </a:r>
-            <a:r>
-              <a:rPr lang="hr-HR" dirty="0"/>
-              <a:t>;</a:t>
-            </a:r>
-          </a:p>
-          <a:p>
-            <a:pPr lvl="1"/>
-            <a:r>
-              <a:rPr lang="hr-HR" dirty="0" err="1"/>
-              <a:t>Gives</a:t>
-            </a:r>
-            <a:r>
-              <a:rPr lang="hr-HR" dirty="0"/>
-              <a:t> </a:t>
-            </a:r>
-            <a:r>
-              <a:rPr lang="hr-HR" dirty="0" err="1"/>
-              <a:t>programmer</a:t>
-            </a:r>
-            <a:r>
-              <a:rPr lang="hr-HR" dirty="0"/>
-              <a:t> </a:t>
-            </a:r>
-            <a:r>
-              <a:rPr lang="hr-HR" dirty="0" err="1"/>
-              <a:t>safeness</a:t>
-            </a:r>
-            <a:r>
-              <a:rPr lang="hr-HR" dirty="0"/>
-              <a:t> to </a:t>
-            </a:r>
-            <a:r>
-              <a:rPr lang="hr-HR" dirty="0" err="1"/>
-              <a:t>change</a:t>
-            </a:r>
-            <a:r>
-              <a:rPr lang="hr-HR" dirty="0"/>
-              <a:t> </a:t>
-            </a:r>
-            <a:r>
-              <a:rPr lang="hr-HR" dirty="0" err="1"/>
-              <a:t>code</a:t>
-            </a:r>
-            <a:r>
-              <a:rPr lang="hr-HR" dirty="0"/>
-              <a:t>;</a:t>
-            </a:r>
-          </a:p>
-          <a:p>
-            <a:pPr lvl="1"/>
-            <a:r>
-              <a:rPr lang="hr-HR" dirty="0" err="1"/>
-              <a:t>Covers</a:t>
-            </a:r>
-            <a:r>
-              <a:rPr lang="hr-HR" dirty="0"/>
-              <a:t> more test </a:t>
-            </a:r>
-            <a:r>
-              <a:rPr lang="hr-HR" dirty="0" err="1"/>
-              <a:t>cases</a:t>
-            </a:r>
-            <a:r>
-              <a:rPr lang="hr-HR" dirty="0"/>
-              <a:t> </a:t>
-            </a:r>
-            <a:r>
-              <a:rPr lang="hr-HR" dirty="0" err="1"/>
-              <a:t>in</a:t>
-            </a:r>
-            <a:r>
-              <a:rPr lang="hr-HR" dirty="0"/>
-              <a:t> a same </a:t>
-            </a:r>
-            <a:r>
-              <a:rPr lang="hr-HR" dirty="0" err="1"/>
-              <a:t>amount</a:t>
-            </a:r>
-            <a:r>
-              <a:rPr lang="hr-HR" dirty="0"/>
-              <a:t> </a:t>
-            </a:r>
-            <a:r>
-              <a:rPr lang="hr-HR" dirty="0" err="1"/>
-              <a:t>of</a:t>
-            </a:r>
-            <a:r>
-              <a:rPr lang="hr-HR" dirty="0"/>
-              <a:t> time </a:t>
-            </a:r>
-            <a:r>
-              <a:rPr lang="hr-HR" dirty="0" err="1"/>
-              <a:t>than</a:t>
-            </a:r>
-            <a:r>
-              <a:rPr lang="hr-HR" dirty="0"/>
-              <a:t> manual </a:t>
-            </a:r>
-            <a:r>
-              <a:rPr lang="hr-HR" dirty="0" err="1"/>
-              <a:t>testing</a:t>
-            </a:r>
-            <a:r>
-              <a:rPr lang="hr-HR" dirty="0"/>
-              <a:t>. </a:t>
-            </a:r>
+            <a:endParaRPr lang="hr-HR" dirty="0"/>
           </a:p>
         </p:txBody>
       </p:sp>
     </p:spTree>
     <p:extLst>
       <p:ext uri="{BB962C8B-B14F-4D97-AF65-F5344CB8AC3E}">
-        <p14:creationId xmlns:p14="http://schemas.microsoft.com/office/powerpoint/2010/main" val="813344926"/>
+        <p14:creationId xmlns:p14="http://schemas.microsoft.com/office/powerpoint/2010/main" val="873636196"/>
       </p:ext>
     </p:extLst>
   </p:cSld>
@@ -6173,23 +4629,7 @@
           <a:p>
             <a:r>
               <a:rPr lang="hr-HR" dirty="0" err="1"/>
-              <a:t>Levels</a:t>
-            </a:r>
-            <a:r>
-              <a:rPr lang="hr-HR" dirty="0"/>
-              <a:t> </a:t>
-            </a:r>
-            <a:r>
-              <a:rPr lang="hr-HR" dirty="0" err="1"/>
-              <a:t>of</a:t>
-            </a:r>
-            <a:r>
-              <a:rPr lang="hr-HR" dirty="0"/>
-              <a:t> </a:t>
-            </a:r>
-            <a:r>
-              <a:rPr lang="hr-HR" dirty="0" err="1"/>
-              <a:t>testing</a:t>
+              <a:t>Testing</a:t>
             </a:r>
             <a:endParaRPr lang="hr-HR" dirty="0"/>
           </a:p>
@@ -6210,88 +4650,69 @@
           <a:bodyPr/>
           <a:lstStyle/>
           <a:p>
-            <a:pPr marL="0" indent="0">
-              <a:buNone/>
-            </a:pPr>
-            <a:r>
-              <a:rPr lang="hr-HR" dirty="0" err="1" smtClean="0"/>
-              <a:t>According</a:t>
-            </a:r>
-            <a:r>
-              <a:rPr lang="hr-HR" dirty="0" smtClean="0"/>
-              <a:t> to </a:t>
-            </a:r>
-            <a:r>
-              <a:rPr lang="hr-HR" dirty="0" err="1" smtClean="0"/>
-              <a:t>the</a:t>
-            </a:r>
-            <a:r>
-              <a:rPr lang="hr-HR" dirty="0" smtClean="0"/>
-              <a:t> </a:t>
-            </a:r>
-            <a:r>
-              <a:rPr lang="hr-HR" dirty="0" err="1" smtClean="0"/>
-              <a:t>book</a:t>
-            </a:r>
-            <a:r>
-              <a:rPr lang="hr-HR" dirty="0" smtClean="0"/>
-              <a:t> </a:t>
-            </a:r>
-            <a:r>
-              <a:rPr lang="en-US" b="1" dirty="0" smtClean="0"/>
-              <a:t>Growing Object-Oriented Software Guided by Tests</a:t>
-            </a:r>
-          </a:p>
-          <a:p>
-            <a:r>
-              <a:rPr lang="en-US" b="1" dirty="0"/>
-              <a:t>Unit: </a:t>
-            </a:r>
+            <a:r>
+              <a:rPr lang="en-US" dirty="0" smtClean="0"/>
+              <a:t>Specification -&gt; Write Code -&gt; Test</a:t>
+            </a:r>
+          </a:p>
+          <a:p>
+            <a:r>
+              <a:rPr lang="en-US" dirty="0" smtClean="0"/>
+              <a:t>Testing – manual or automated testing</a:t>
+            </a:r>
+          </a:p>
+          <a:p>
+            <a:r>
+              <a:rPr lang="en-US" dirty="0" smtClean="0"/>
+              <a:t>Automated testing </a:t>
+            </a:r>
+          </a:p>
+          <a:p>
+            <a:pPr lvl="1"/>
+            <a:r>
+              <a:rPr lang="en-US" dirty="0" smtClean="0"/>
+              <a:t>Faster than manual testing;</a:t>
+            </a:r>
+          </a:p>
+          <a:p>
+            <a:pPr lvl="1"/>
             <a:r>
               <a:rPr lang="en-US" dirty="0"/>
-              <a:t>Do our objects do the right thing, are they convenient to work with?</a:t>
-            </a:r>
-            <a:endParaRPr lang="hr-HR" b="1" dirty="0"/>
-          </a:p>
-          <a:p>
-            <a:r>
-              <a:rPr lang="en-US" b="1" dirty="0"/>
-              <a:t>Integration: </a:t>
-            </a:r>
-            <a:r>
-              <a:rPr lang="en-US" dirty="0"/>
-              <a:t>Does our code work against code we can't change?</a:t>
-            </a:r>
-            <a:endParaRPr lang="hr-HR" b="1" dirty="0"/>
-          </a:p>
-          <a:p>
-            <a:r>
-              <a:rPr lang="en-US" b="1" dirty="0"/>
-              <a:t>Acceptance: </a:t>
-            </a:r>
-            <a:r>
-              <a:rPr lang="en-US" dirty="0"/>
-              <a:t>Does the whole system work</a:t>
-            </a:r>
-            <a:r>
-              <a:rPr lang="en-US" dirty="0" smtClean="0"/>
-              <a:t>?</a:t>
-            </a:r>
-            <a:r>
-              <a:rPr lang="en-US" dirty="0" smtClean="0"/>
-              <a:t/>
-            </a:r>
-            <a:br>
-              <a:rPr lang="en-US" dirty="0" smtClean="0"/>
-            </a:br>
-            <a:endParaRPr lang="hr-HR" dirty="0"/>
+              <a:t>Automates repetitive </a:t>
+            </a:r>
+            <a:r>
+              <a:rPr lang="en-US" dirty="0" smtClean="0"/>
+              <a:t>actions; </a:t>
+            </a:r>
+          </a:p>
+          <a:p>
+            <a:pPr lvl="1"/>
+            <a:r>
+              <a:rPr lang="en-US" dirty="0" smtClean="0"/>
+              <a:t>Very helpful in regression testing when code changes frequently;</a:t>
+            </a:r>
+          </a:p>
+          <a:p>
+            <a:pPr lvl="1"/>
+            <a:r>
+              <a:rPr lang="en-US" dirty="0" smtClean="0"/>
+              <a:t>Gives programmer safeness to change code;</a:t>
+            </a:r>
+          </a:p>
+          <a:p>
+            <a:pPr lvl="1"/>
+            <a:r>
+              <a:rPr lang="en-US" dirty="0" smtClean="0"/>
+              <a:t>Covers more test cases in a same amount of time than manual testing. </a:t>
+            </a:r>
+            <a:endParaRPr lang="en-US" dirty="0"/>
           </a:p>
         </p:txBody>
       </p:sp>
     </p:spTree>
     <p:extLst>
       <p:ext uri="{BB962C8B-B14F-4D97-AF65-F5344CB8AC3E}">
-        <p14:creationId xmlns:p14="http://schemas.microsoft.com/office/powerpoint/2010/main" val="2028140750"/>
+        <p14:creationId xmlns:p14="http://schemas.microsoft.com/office/powerpoint/2010/main" val="813344926"/>
       </p:ext>
     </p:extLst>
   </p:cSld>
@@ -6334,104 +4755,118 @@
           <a:lstStyle/>
           <a:p>
             <a:r>
-              <a:rPr lang="hr-HR" dirty="0"/>
-              <a:t>Some </a:t>
-            </a:r>
-            <a:r>
-              <a:rPr lang="hr-HR" dirty="0" err="1"/>
-              <a:t>rules</a:t>
-            </a:r>
-            <a:r>
-              <a:rPr lang="hr-HR" dirty="0"/>
-              <a:t/>
+              <a:rPr lang="en-US" dirty="0" smtClean="0"/>
+              <a:t>Levels</a:t>
+            </a:r>
+            <a:r>
+              <a:rPr lang="hr-HR" dirty="0" smtClean="0"/>
+              <a:t> </a:t>
+            </a:r>
+            <a:r>
+              <a:rPr lang="en-US" dirty="0" smtClean="0"/>
+              <a:t>of testing</a:t>
+            </a:r>
+            <a:endParaRPr lang="en-US" dirty="0"/>
+          </a:p>
+        </p:txBody>
+      </p:sp>
+      <p:sp>
+        <p:nvSpPr>
+          <p:cNvPr id="3" name="Content Placeholder 2"/>
+          <p:cNvSpPr>
+            <a:spLocks noGrp="1"/>
+          </p:cNvSpPr>
+          <p:nvPr>
+            <p:ph idx="1"/>
+          </p:nvPr>
+        </p:nvSpPr>
+        <p:spPr/>
+        <p:txBody>
+          <a:bodyPr/>
+          <a:lstStyle/>
+          <a:p>
+            <a:pPr marL="0" indent="0">
+              <a:buNone/>
+            </a:pPr>
+            <a:r>
+              <a:rPr lang="en-US" dirty="0" smtClean="0"/>
+              <a:t>According</a:t>
+            </a:r>
+            <a:r>
+              <a:rPr lang="hr-HR" dirty="0" smtClean="0"/>
+              <a:t> </a:t>
+            </a:r>
+            <a:r>
+              <a:rPr lang="hr-HR" dirty="0" smtClean="0"/>
+              <a:t>to </a:t>
+            </a:r>
+            <a:r>
+              <a:rPr lang="en-US" dirty="0" smtClean="0"/>
+              <a:t>the</a:t>
+            </a:r>
+            <a:r>
+              <a:rPr lang="hr-HR" dirty="0" smtClean="0"/>
+              <a:t> </a:t>
+            </a:r>
+            <a:r>
+              <a:rPr lang="en-US" dirty="0" smtClean="0"/>
+              <a:t>book</a:t>
+            </a:r>
+            <a:r>
+              <a:rPr lang="hr-HR" dirty="0" smtClean="0"/>
+              <a:t> </a:t>
+            </a:r>
+            <a:r>
+              <a:rPr lang="en-US" b="1" dirty="0" smtClean="0"/>
+              <a:t>Growing Object-Oriented Software Guided by Tests</a:t>
+            </a:r>
+          </a:p>
+          <a:p>
+            <a:r>
+              <a:rPr lang="en-US" b="1" dirty="0"/>
+              <a:t>Unit: </a:t>
+            </a:r>
+            <a:r>
+              <a:rPr lang="en-US" dirty="0"/>
+              <a:t>Do our objects do the right thing, are they convenient to work with?</a:t>
+            </a:r>
+            <a:endParaRPr lang="hr-HR" b="1" dirty="0"/>
+          </a:p>
+          <a:p>
+            <a:r>
+              <a:rPr lang="en-US" b="1" dirty="0"/>
+              <a:t>Integration: </a:t>
+            </a:r>
+            <a:r>
+              <a:rPr lang="en-US" dirty="0"/>
+              <a:t>Does our code work against code we can't change?</a:t>
+            </a:r>
+            <a:endParaRPr lang="hr-HR" b="1" dirty="0"/>
+          </a:p>
+          <a:p>
+            <a:r>
+              <a:rPr lang="en-US" b="1" dirty="0"/>
+              <a:t>Acceptance: </a:t>
+            </a:r>
+            <a:r>
+              <a:rPr lang="en-US" dirty="0"/>
+              <a:t>Does the whole system work</a:t>
+            </a:r>
+            <a:r>
+              <a:rPr lang="en-US" dirty="0" smtClean="0"/>
+              <a:t>?</a:t>
             </a:r>
             <a:br>
-              <a:rPr lang="hr-HR" dirty="0"/>
+              <a:rPr lang="en-US" dirty="0" smtClean="0"/>
             </a:br>
             <a:endParaRPr lang="hr-HR" dirty="0"/>
-          </a:p>
-        </p:txBody>
-      </p:sp>
-      <p:sp>
-        <p:nvSpPr>
-          <p:cNvPr id="3" name="Content Placeholder 2"/>
-          <p:cNvSpPr>
-            <a:spLocks noGrp="1"/>
-          </p:cNvSpPr>
-          <p:nvPr>
-            <p:ph idx="1"/>
-          </p:nvPr>
-        </p:nvSpPr>
-        <p:spPr/>
-        <p:txBody>
-          <a:bodyPr/>
-          <a:lstStyle/>
-          <a:p>
-            <a:r>
-              <a:rPr lang="en-US" dirty="0"/>
-              <a:t>Breaking Out: Splitting a Large Object into a Group of Collaborating Objects</a:t>
-            </a:r>
-            <a:endParaRPr lang="hr-HR" dirty="0"/>
-          </a:p>
-          <a:p>
-            <a:r>
-              <a:rPr lang="en-US" dirty="0"/>
-              <a:t>Break up an Object if it becomes too large to test easily, or if its test failures become difficult to interpret. Then unit-test the new parts </a:t>
-            </a:r>
-            <a:r>
-              <a:rPr lang="en-US" dirty="0" err="1"/>
-              <a:t>separat</a:t>
-            </a:r>
-            <a:r>
-              <a:rPr lang="hr-HR" dirty="0"/>
-              <a:t>l</a:t>
-            </a:r>
-            <a:r>
-              <a:rPr lang="en-US" dirty="0" err="1"/>
-              <a:t>ey</a:t>
-            </a:r>
-            <a:r>
-              <a:rPr lang="en-US" dirty="0"/>
-              <a:t>.</a:t>
-            </a:r>
-          </a:p>
-          <a:p>
-            <a:r>
-              <a:rPr lang="en-US" dirty="0"/>
-              <a:t>Building Off: Defining a new service that an object needs and add in a new object to provide it</a:t>
-            </a:r>
-            <a:endParaRPr lang="hr-HR" dirty="0"/>
-          </a:p>
-          <a:p>
-            <a:r>
-              <a:rPr lang="en-US" dirty="0"/>
-              <a:t>Building Up: Hiding Related Objects into a containing Object -&gt; When we have a cluster of re</a:t>
-            </a:r>
-            <a:r>
-              <a:rPr lang="hr-HR" dirty="0"/>
-              <a:t>l</a:t>
-            </a:r>
-            <a:r>
-              <a:rPr lang="en-US" dirty="0" err="1"/>
-              <a:t>ated</a:t>
-            </a:r>
-            <a:r>
-              <a:rPr lang="en-US" dirty="0"/>
-              <a:t> objects that work together, we can package them up in a containing object. The new object hides the complexity in an abstraction that allow us to program at a higher lever</a:t>
-            </a:r>
-          </a:p>
-          <a:p>
-            <a:r>
-              <a:rPr lang="en-US" dirty="0"/>
-              <a:t>When The test for an object becomes too complicated to set up - when there are too many moving parts to get the code into the relevant state - consider bundling up some of the collaborating objects</a:t>
-            </a:r>
           </a:p>
         </p:txBody>
       </p:sp>
     </p:spTree>
     <p:extLst>
       <p:ext uri="{BB962C8B-B14F-4D97-AF65-F5344CB8AC3E}">
-        <p14:creationId xmlns:p14="http://schemas.microsoft.com/office/powerpoint/2010/main" val="3631966207"/>
+        <p14:creationId xmlns:p14="http://schemas.microsoft.com/office/powerpoint/2010/main" val="2028140750"/>
       </p:ext>
     </p:extLst>
   </p:cSld>
@@ -6474,12 +4909,16 @@
           <a:lstStyle/>
           <a:p>
             <a:r>
+              <a:rPr lang="hr-HR" dirty="0"/>
+              <a:t>Some </a:t>
+            </a:r>
+            <a:r>
               <a:rPr lang="hr-HR" dirty="0" err="1"/>
-              <a:t>Clean</a:t>
+              <a:t>rules</a:t>
             </a:r>
             <a:r>
               <a:rPr lang="hr-HR" dirty="0"/>
-              <a:t> test </a:t>
+              <a:t/>
             </a:r>
             <a:br>
               <a:rPr lang="hr-HR" dirty="0"/>
@@ -6504,129 +4943,82 @@
           <a:lstStyle/>
           <a:p>
             <a:r>
+              <a:rPr lang="en-US" dirty="0"/>
+              <a:t>Breaking Out: Splitting a Large Object into a Group of Collaborating Objects</a:t>
+            </a:r>
+            <a:endParaRPr lang="hr-HR" dirty="0"/>
+          </a:p>
+          <a:p>
+            <a:r>
+              <a:rPr lang="en-US" dirty="0"/>
+              <a:t>Break up an Object if it becomes too large to test easily, or if its test failures become difficult to interpret. Then unit-test the new parts </a:t>
+            </a:r>
+            <a:r>
+              <a:rPr lang="en-US" dirty="0" err="1"/>
+              <a:t>separat</a:t>
+            </a:r>
+            <a:r>
               <a:rPr lang="hr-HR" dirty="0" smtClean="0"/>
-              <a:t>F.I.R.S.T</a:t>
-            </a:r>
-          </a:p>
-          <a:p>
-            <a:pPr lvl="1"/>
-            <a:r>
-              <a:rPr lang="hr-HR" dirty="0" err="1"/>
-              <a:t>Fast</a:t>
+              <a:t>l</a:t>
+            </a:r>
+            <a:r>
+              <a:rPr lang="en-US" dirty="0" err="1" smtClean="0"/>
+              <a:t>ey</a:t>
+            </a:r>
+            <a:r>
+              <a:rPr lang="en-US" dirty="0"/>
+              <a:t>.</a:t>
+            </a:r>
+          </a:p>
+          <a:p>
+            <a:r>
+              <a:rPr lang="en-US" dirty="0"/>
+              <a:t>Building Off: Defining a new service that an object needs and add in a new object to provide it</a:t>
             </a:r>
             <a:endParaRPr lang="hr-HR" dirty="0"/>
           </a:p>
           <a:p>
-            <a:pPr lvl="1"/>
-            <a:r>
-              <a:rPr lang="hr-HR" dirty="0" err="1"/>
-              <a:t>Independent</a:t>
-            </a:r>
-            <a:endParaRPr lang="hr-HR" dirty="0"/>
-          </a:p>
-          <a:p>
-            <a:pPr lvl="1"/>
-            <a:r>
-              <a:rPr lang="hr-HR" dirty="0" err="1"/>
-              <a:t>Repeatable</a:t>
-            </a:r>
-            <a:endParaRPr lang="hr-HR" dirty="0"/>
-          </a:p>
-          <a:p>
-            <a:pPr lvl="1"/>
-            <a:r>
-              <a:rPr lang="hr-HR" dirty="0" err="1"/>
-              <a:t>Self-Validating</a:t>
-            </a:r>
-            <a:endParaRPr lang="hr-HR" dirty="0"/>
-          </a:p>
-          <a:p>
-            <a:pPr lvl="1"/>
-            <a:r>
-              <a:rPr lang="hr-HR" dirty="0" err="1"/>
-              <a:t>Timely</a:t>
-            </a:r>
-            <a:endParaRPr lang="hr-HR" dirty="0"/>
-          </a:p>
-          <a:p>
+            <a:r>
+              <a:rPr lang="en-US" dirty="0"/>
+              <a:t>Building Up: Hiding Related Objects into a containing Object -&gt; When we have a cluster of re</a:t>
+            </a:r>
             <a:r>
               <a:rPr lang="hr-HR" dirty="0"/>
-              <a:t>BUILD-OPERATE-CHECK </a:t>
-            </a:r>
-            <a:r>
-              <a:rPr lang="hr-HR" dirty="0" err="1"/>
-              <a:t>pattern</a:t>
-            </a:r>
-            <a:endParaRPr lang="hr-HR" dirty="0"/>
-          </a:p>
-          <a:p>
-            <a:r>
-              <a:rPr lang="hr-HR" dirty="0" err="1"/>
-              <a:t>Give</a:t>
-            </a:r>
-            <a:r>
-              <a:rPr lang="hr-HR" dirty="0"/>
-              <a:t> test </a:t>
-            </a:r>
-            <a:r>
-              <a:rPr lang="hr-HR" dirty="0" err="1"/>
-              <a:t>methods</a:t>
-            </a:r>
-            <a:r>
-              <a:rPr lang="hr-HR" dirty="0"/>
-              <a:t> </a:t>
-            </a:r>
-            <a:r>
-              <a:rPr lang="hr-HR" dirty="0" err="1"/>
-              <a:t>meaningful</a:t>
-            </a:r>
-            <a:r>
-              <a:rPr lang="hr-HR" dirty="0"/>
-              <a:t> </a:t>
-            </a:r>
-            <a:r>
-              <a:rPr lang="hr-HR" dirty="0" err="1"/>
-              <a:t>names</a:t>
-            </a:r>
-            <a:r>
-              <a:rPr lang="hr-HR" dirty="0"/>
-              <a:t>  </a:t>
-            </a:r>
-          </a:p>
-          <a:p>
-            <a:pPr lvl="1"/>
-            <a:r>
-              <a:rPr lang="hr-HR" dirty="0" err="1"/>
-              <a:t>public</a:t>
-            </a:r>
-            <a:r>
-              <a:rPr lang="hr-HR" dirty="0"/>
-              <a:t> </a:t>
-            </a:r>
-            <a:r>
-              <a:rPr lang="hr-HR" dirty="0" err="1"/>
-              <a:t>void</a:t>
-            </a:r>
-            <a:r>
-              <a:rPr lang="hr-HR" dirty="0"/>
-              <a:t> </a:t>
-            </a:r>
-            <a:r>
-              <a:rPr lang="hr-HR" dirty="0" err="1"/>
-              <a:t>should_do_something_when_conditions</a:t>
+              <a:t>l</a:t>
+            </a:r>
+            <a:r>
+              <a:rPr lang="en-US" dirty="0" err="1"/>
+              <a:t>ated</a:t>
+            </a:r>
+            <a:r>
+              <a:rPr lang="en-US" dirty="0"/>
+              <a:t> objects that work together, we can package them up in a containing object. The new object hides the complexity in an abstraction that allow us to program at a higher lever</a:t>
+            </a:r>
+          </a:p>
+          <a:p>
+            <a:r>
+              <a:rPr lang="en-US" dirty="0"/>
+              <a:t>When </a:t>
             </a:r>
             <a:r>
               <a:rPr lang="hr-HR" dirty="0" smtClean="0"/>
-              <a:t>()</a:t>
-            </a:r>
-            <a:endParaRPr lang="hr-HR" dirty="0"/>
+              <a:t>t</a:t>
+            </a:r>
+            <a:r>
+              <a:rPr lang="en-US" dirty="0" smtClean="0"/>
+              <a:t>he </a:t>
+            </a:r>
+            <a:r>
+              <a:rPr lang="en-US" dirty="0"/>
+              <a:t>test for an object becomes too complicated to set up - when there are too many moving parts to get the code into the relevant state - consider bundling up some of the collaborating objects</a:t>
+            </a:r>
           </a:p>
         </p:txBody>
       </p:sp>
     </p:spTree>
     <p:extLst>
       <p:ext uri="{BB962C8B-B14F-4D97-AF65-F5344CB8AC3E}">
-        <p14:creationId xmlns:p14="http://schemas.microsoft.com/office/powerpoint/2010/main" val="363162517"/>
+        <p14:creationId xmlns:p14="http://schemas.microsoft.com/office/powerpoint/2010/main" val="3631966207"/>
       </p:ext>
     </p:extLst>
   </p:cSld>
@@ -6670,8 +5062,15 @@
           <a:p>
             <a:r>
               <a:rPr lang="hr-HR" dirty="0" err="1"/>
-              <a:t>Libraries</a:t>
-            </a:r>
+              <a:t>Clean</a:t>
+            </a:r>
+            <a:r>
+              <a:rPr lang="hr-HR" dirty="0"/>
+              <a:t> test </a:t>
+            </a:r>
+            <a:br>
+              <a:rPr lang="hr-HR" dirty="0"/>
+            </a:br>
             <a:endParaRPr lang="hr-HR" dirty="0"/>
           </a:p>
         </p:txBody>
@@ -6692,311 +5091,91 @@
           <a:lstStyle/>
           <a:p>
             <a:r>
-              <a:rPr lang="hr-HR" dirty="0" err="1"/>
-              <a:t>JUnit</a:t>
-            </a:r>
-            <a:r>
-              <a:rPr lang="hr-HR" dirty="0"/>
-              <a:t> - </a:t>
-            </a:r>
-            <a:r>
-              <a:rPr lang="hr-HR" dirty="0" err="1"/>
-              <a:t>testing</a:t>
-            </a:r>
-            <a:r>
-              <a:rPr lang="hr-HR" dirty="0"/>
-              <a:t> </a:t>
+              <a:rPr lang="hr-HR" dirty="0" smtClean="0"/>
+              <a:t>F.I.R.S.T</a:t>
+            </a:r>
+          </a:p>
+          <a:p>
+            <a:pPr lvl="1"/>
+            <a:r>
+              <a:rPr lang="en-US" dirty="0" smtClean="0"/>
+              <a:t>Fast</a:t>
+            </a:r>
+          </a:p>
+          <a:p>
+            <a:pPr lvl="1"/>
+            <a:r>
+              <a:rPr lang="en-US" dirty="0" smtClean="0"/>
+              <a:t>Independent</a:t>
+            </a:r>
+          </a:p>
+          <a:p>
+            <a:pPr lvl="1"/>
+            <a:r>
+              <a:rPr lang="en-US" dirty="0" smtClean="0"/>
+              <a:t>Repeatable</a:t>
+            </a:r>
+          </a:p>
+          <a:p>
+            <a:pPr lvl="1"/>
+            <a:r>
+              <a:rPr lang="en-US" dirty="0" smtClean="0"/>
+              <a:t>Self-Validating</a:t>
+            </a:r>
+          </a:p>
+          <a:p>
+            <a:pPr lvl="1"/>
+            <a:r>
+              <a:rPr lang="en-US" dirty="0" smtClean="0"/>
+              <a:t>Timely</a:t>
+            </a:r>
+          </a:p>
+          <a:p>
+            <a:r>
+              <a:rPr lang="hr-HR" dirty="0" smtClean="0"/>
+              <a:t>BUILD-OPERATE-CHECK </a:t>
+            </a:r>
+            <a:r>
+              <a:rPr lang="en-US" dirty="0" smtClean="0"/>
+              <a:t>pattern</a:t>
+            </a:r>
+          </a:p>
+          <a:p>
+            <a:r>
+              <a:rPr lang="en-US" dirty="0" smtClean="0"/>
+              <a:t>Give test methods meaningful names  </a:t>
+            </a:r>
+          </a:p>
+          <a:p>
+            <a:pPr lvl="1"/>
+            <a:r>
+              <a:rPr lang="en-US" dirty="0" smtClean="0"/>
+              <a:t>public void </a:t>
+            </a:r>
+            <a:r>
+              <a:rPr lang="en-US" dirty="0" err="1" smtClean="0"/>
+              <a:t>should_do_something_when_conditions</a:t>
+            </a:r>
+            <a:r>
+              <a:rPr lang="hr-HR" dirty="0" smtClean="0"/>
+              <a:t>_</a:t>
             </a:r>
             <a:r>
               <a:rPr lang="hr-HR" dirty="0" err="1" smtClean="0"/>
-              <a:t>framework</a:t>
-            </a:r>
-            <a:r>
-              <a:rPr lang="hr-HR" dirty="0"/>
-              <a:t> </a:t>
-            </a:r>
-            <a:endParaRPr lang="hr-HR" dirty="0" smtClean="0"/>
-          </a:p>
-          <a:p>
-            <a:pPr lvl="1"/>
-            <a:r>
-              <a:rPr lang="hr-HR" dirty="0" smtClean="0">
-                <a:hlinkClick r:id="rId2"/>
-              </a:rPr>
-              <a:t>http</a:t>
-            </a:r>
-            <a:r>
-              <a:rPr lang="hr-HR" dirty="0">
-                <a:hlinkClick r:id="rId2"/>
-              </a:rPr>
-              <a:t>://junit.org/junit4</a:t>
-            </a:r>
-            <a:r>
-              <a:rPr lang="hr-HR" dirty="0" smtClean="0">
-                <a:hlinkClick r:id="rId2"/>
-              </a:rPr>
-              <a:t>/</a:t>
-            </a:r>
-            <a:r>
-              <a:rPr lang="hr-HR" dirty="0" smtClean="0"/>
-              <a:t> </a:t>
-            </a:r>
-            <a:endParaRPr lang="hr-HR" dirty="0"/>
-          </a:p>
-          <a:p>
-            <a:r>
-              <a:rPr lang="hr-HR" dirty="0" err="1" smtClean="0"/>
-              <a:t>AssertJ</a:t>
-            </a:r>
-            <a:r>
-              <a:rPr lang="hr-HR" dirty="0" smtClean="0"/>
-              <a:t> - </a:t>
-            </a:r>
-            <a:r>
-              <a:rPr lang="hr-HR" dirty="0" err="1" smtClean="0"/>
-              <a:t>fluent</a:t>
-            </a:r>
-            <a:r>
-              <a:rPr lang="hr-HR" dirty="0" smtClean="0"/>
-              <a:t> </a:t>
-            </a:r>
-            <a:r>
-              <a:rPr lang="hr-HR" dirty="0" err="1"/>
-              <a:t>assertions</a:t>
-            </a:r>
-            <a:r>
-              <a:rPr lang="hr-HR" dirty="0"/>
-              <a:t> </a:t>
-            </a:r>
-            <a:r>
-              <a:rPr lang="hr-HR" dirty="0" smtClean="0"/>
-              <a:t>for java</a:t>
-            </a:r>
-          </a:p>
-          <a:p>
-            <a:pPr lvl="1"/>
-            <a:r>
-              <a:rPr lang="hr-HR" dirty="0" smtClean="0"/>
-              <a:t> </a:t>
-            </a:r>
-            <a:r>
-              <a:rPr lang="hr-HR" dirty="0" smtClean="0">
-                <a:hlinkClick r:id="rId3"/>
-              </a:rPr>
-              <a:t>http</a:t>
-            </a:r>
-            <a:r>
-              <a:rPr lang="hr-HR" dirty="0">
-                <a:hlinkClick r:id="rId3"/>
-              </a:rPr>
-              <a:t>://</a:t>
-            </a:r>
-            <a:r>
-              <a:rPr lang="hr-HR" dirty="0" smtClean="0">
-                <a:hlinkClick r:id="rId3"/>
-              </a:rPr>
-              <a:t>joel-costigliola.github.io/assertj/</a:t>
-            </a:r>
-            <a:r>
-              <a:rPr lang="hr-HR" dirty="0" smtClean="0"/>
-              <a:t> </a:t>
-            </a:r>
-            <a:endParaRPr lang="hr-HR" dirty="0"/>
-          </a:p>
-          <a:p>
-            <a:r>
-              <a:rPr lang="hr-HR" dirty="0" err="1" smtClean="0"/>
-              <a:t>Mockito</a:t>
-            </a:r>
-            <a:r>
-              <a:rPr lang="hr-HR" dirty="0" smtClean="0"/>
-              <a:t> </a:t>
-            </a:r>
-            <a:r>
-              <a:rPr lang="hr-HR" dirty="0"/>
-              <a:t>– </a:t>
-            </a:r>
-            <a:r>
-              <a:rPr lang="en-US" dirty="0"/>
-              <a:t>enables mock creation, verification and </a:t>
-            </a:r>
-            <a:r>
-              <a:rPr lang="en-US" dirty="0" smtClean="0"/>
-              <a:t>stubbing</a:t>
-            </a:r>
-            <a:endParaRPr lang="hr-HR" dirty="0" smtClean="0"/>
-          </a:p>
-          <a:p>
-            <a:pPr lvl="1"/>
-            <a:r>
-              <a:rPr lang="hr-HR" dirty="0">
-                <a:hlinkClick r:id="rId4"/>
-              </a:rPr>
-              <a:t>http://mockito.org</a:t>
-            </a:r>
-            <a:r>
-              <a:rPr lang="hr-HR" dirty="0" smtClean="0">
-                <a:hlinkClick r:id="rId4"/>
-              </a:rPr>
-              <a:t>/</a:t>
-            </a:r>
-            <a:r>
-              <a:rPr lang="hr-HR" dirty="0" smtClean="0"/>
-              <a:t> </a:t>
-            </a:r>
-            <a:endParaRPr lang="hr-HR" dirty="0"/>
-          </a:p>
-          <a:p>
-            <a:r>
-              <a:rPr lang="hr-HR" dirty="0" err="1"/>
-              <a:t>Spring</a:t>
-            </a:r>
-            <a:r>
-              <a:rPr lang="hr-HR" dirty="0"/>
-              <a:t>-test (</a:t>
-            </a:r>
-            <a:r>
-              <a:rPr lang="hr-HR" dirty="0" err="1"/>
-              <a:t>Spring</a:t>
-            </a:r>
-            <a:r>
-              <a:rPr lang="hr-HR" dirty="0"/>
-              <a:t> </a:t>
-            </a:r>
-            <a:r>
-              <a:rPr lang="hr-HR" dirty="0" err="1"/>
-              <a:t>framework</a:t>
-            </a:r>
-            <a:r>
-              <a:rPr lang="hr-HR" dirty="0" smtClean="0"/>
-              <a:t>)</a:t>
-            </a:r>
-          </a:p>
-          <a:p>
-            <a:pPr lvl="1"/>
-            <a:r>
-              <a:rPr lang="hr-HR" dirty="0">
-                <a:hlinkClick r:id="rId5"/>
-              </a:rPr>
-              <a:t>http://</a:t>
-            </a:r>
-            <a:r>
-              <a:rPr lang="hr-HR" dirty="0" smtClean="0">
-                <a:hlinkClick r:id="rId5"/>
-              </a:rPr>
-              <a:t>docs.spring.io/spring/docs/current/spring-framework-reference/html/integration-testing.html</a:t>
-            </a:r>
-            <a:r>
-              <a:rPr lang="hr-HR" dirty="0" smtClean="0"/>
-              <a:t> </a:t>
-            </a:r>
-            <a:endParaRPr lang="hr-HR" dirty="0"/>
-          </a:p>
-          <a:p>
-            <a:r>
-              <a:rPr lang="hr-HR" dirty="0" err="1"/>
-              <a:t>Arquillian</a:t>
-            </a:r>
-            <a:r>
-              <a:rPr lang="hr-HR" dirty="0"/>
-              <a:t> (Java EE) – </a:t>
-            </a:r>
-            <a:r>
-              <a:rPr lang="hr-HR" dirty="0" err="1"/>
-              <a:t>very</a:t>
-            </a:r>
-            <a:r>
-              <a:rPr lang="hr-HR" dirty="0"/>
-              <a:t> </a:t>
-            </a:r>
-            <a:r>
-              <a:rPr lang="hr-HR" dirty="0" err="1"/>
-              <a:t>similar</a:t>
-            </a:r>
-            <a:r>
-              <a:rPr lang="hr-HR" dirty="0"/>
-              <a:t> to </a:t>
-            </a:r>
-            <a:r>
-              <a:rPr lang="hr-HR" dirty="0" err="1"/>
-              <a:t>spring</a:t>
-            </a:r>
-            <a:r>
-              <a:rPr lang="hr-HR" dirty="0"/>
-              <a:t>-test</a:t>
-            </a:r>
-          </a:p>
-          <a:p>
-            <a:pPr lvl="1"/>
-            <a:r>
-              <a:rPr lang="hr-HR" dirty="0">
-                <a:hlinkClick r:id="rId6"/>
-              </a:rPr>
-              <a:t>http://arquillian.org</a:t>
-            </a:r>
-            <a:r>
-              <a:rPr lang="hr-HR" dirty="0" smtClean="0">
-                <a:hlinkClick r:id="rId6"/>
-              </a:rPr>
-              <a:t>/</a:t>
-            </a:r>
-            <a:r>
-              <a:rPr lang="hr-HR" dirty="0" smtClean="0"/>
-              <a:t> </a:t>
-            </a:r>
-          </a:p>
-          <a:p>
-            <a:r>
-              <a:rPr lang="hr-HR" dirty="0" err="1" smtClean="0"/>
-              <a:t>Flyway</a:t>
-            </a:r>
-            <a:r>
-              <a:rPr lang="hr-HR" dirty="0" smtClean="0"/>
-              <a:t> – </a:t>
-            </a:r>
-            <a:r>
-              <a:rPr lang="hr-HR" dirty="0" err="1" smtClean="0"/>
-              <a:t>database</a:t>
-            </a:r>
-            <a:r>
-              <a:rPr lang="hr-HR" dirty="0" smtClean="0"/>
-              <a:t> </a:t>
-            </a:r>
-            <a:r>
-              <a:rPr lang="hr-HR" dirty="0" err="1" smtClean="0"/>
-              <a:t>migrations</a:t>
-            </a:r>
-            <a:r>
-              <a:rPr lang="hr-HR" dirty="0" smtClean="0"/>
-              <a:t> </a:t>
-            </a:r>
-          </a:p>
-          <a:p>
-            <a:pPr lvl="1"/>
-            <a:r>
-              <a:rPr lang="hr-HR" dirty="0">
-                <a:hlinkClick r:id="rId7"/>
-              </a:rPr>
-              <a:t>https://flywaydb.org</a:t>
-            </a:r>
-            <a:r>
-              <a:rPr lang="hr-HR" dirty="0" smtClean="0">
-                <a:hlinkClick r:id="rId7"/>
-              </a:rPr>
-              <a:t>/</a:t>
-            </a:r>
-            <a:r>
-              <a:rPr lang="hr-HR" dirty="0" smtClean="0"/>
-              <a:t>	</a:t>
-            </a:r>
-            <a:endParaRPr lang="hr-HR" dirty="0"/>
+              <a:t>are_fulfilled</a:t>
+            </a:r>
+            <a:r>
+              <a:rPr lang="en-US" dirty="0" smtClean="0"/>
+              <a:t>()</a:t>
+            </a:r>
+            <a:endParaRPr lang="en-US" dirty="0"/>
           </a:p>
         </p:txBody>
       </p:sp>
     </p:spTree>
     <p:extLst>
       <p:ext uri="{BB962C8B-B14F-4D97-AF65-F5344CB8AC3E}">
-        <p14:creationId xmlns:p14="http://schemas.microsoft.com/office/powerpoint/2010/main" val="3203747507"/>
+        <p14:creationId xmlns:p14="http://schemas.microsoft.com/office/powerpoint/2010/main" val="363162517"/>
       </p:ext>
     </p:extLst>
   </p:cSld>
@@ -7040,425 +5219,324 @@
           <a:p>
             <a:r>
               <a:rPr lang="hr-HR" dirty="0" err="1"/>
-              <a:t>Maven</a:t>
+              <a:t>Libraries</a:t>
+            </a:r>
+            <a:endParaRPr lang="hr-HR" dirty="0"/>
+          </a:p>
+        </p:txBody>
+      </p:sp>
+      <p:sp>
+        <p:nvSpPr>
+          <p:cNvPr id="3" name="Content Placeholder 2"/>
+          <p:cNvSpPr>
+            <a:spLocks noGrp="1"/>
+          </p:cNvSpPr>
+          <p:nvPr>
+            <p:ph idx="1"/>
+          </p:nvPr>
+        </p:nvSpPr>
+        <p:spPr/>
+        <p:txBody>
+          <a:bodyPr/>
+          <a:lstStyle/>
+          <a:p>
+            <a:r>
+              <a:rPr lang="hr-HR" dirty="0" err="1"/>
+              <a:t>JUnit</a:t>
+            </a:r>
+            <a:r>
+              <a:rPr lang="hr-HR" dirty="0"/>
+              <a:t> - </a:t>
+            </a:r>
+            <a:r>
+              <a:rPr lang="hr-HR" dirty="0" err="1"/>
+              <a:t>testing</a:t>
             </a:r>
             <a:r>
               <a:rPr lang="hr-HR" dirty="0"/>
               <a:t> </a:t>
             </a:r>
             <a:r>
-              <a:rPr lang="hr-HR" dirty="0" err="1"/>
-              <a:t>and</a:t>
+              <a:rPr lang="hr-HR" dirty="0" err="1" smtClean="0"/>
+              <a:t>framework</a:t>
             </a:r>
             <a:r>
               <a:rPr lang="hr-HR" dirty="0"/>
               <a:t> </a:t>
             </a:r>
+            <a:endParaRPr lang="hr-HR" dirty="0" smtClean="0"/>
+          </a:p>
+          <a:p>
+            <a:pPr lvl="1"/>
+            <a:r>
+              <a:rPr lang="hr-HR" dirty="0" smtClean="0">
+                <a:hlinkClick r:id="rId2"/>
+              </a:rPr>
+              <a:t>http</a:t>
+            </a:r>
+            <a:r>
+              <a:rPr lang="hr-HR" dirty="0">
+                <a:hlinkClick r:id="rId2"/>
+              </a:rPr>
+              <a:t>://junit.org/junit4</a:t>
+            </a:r>
+            <a:r>
+              <a:rPr lang="hr-HR" dirty="0" smtClean="0">
+                <a:hlinkClick r:id="rId2"/>
+              </a:rPr>
+              <a:t>/</a:t>
+            </a:r>
+            <a:r>
+              <a:rPr lang="hr-HR" dirty="0" smtClean="0"/>
+              <a:t> </a:t>
+            </a:r>
+            <a:endParaRPr lang="hr-HR" dirty="0"/>
+          </a:p>
+          <a:p>
+            <a:r>
+              <a:rPr lang="hr-HR" dirty="0" err="1" smtClean="0"/>
+              <a:t>AssertJ</a:t>
+            </a:r>
+            <a:r>
+              <a:rPr lang="hr-HR" dirty="0" smtClean="0"/>
+              <a:t> - </a:t>
+            </a:r>
+            <a:r>
+              <a:rPr lang="hr-HR" dirty="0" err="1" smtClean="0"/>
+              <a:t>fluent</a:t>
+            </a:r>
+            <a:r>
+              <a:rPr lang="hr-HR" dirty="0" smtClean="0"/>
+              <a:t> </a:t>
+            </a:r>
             <a:r>
               <a:rPr lang="hr-HR" dirty="0" err="1"/>
-              <a:t>testing</a:t>
-            </a:r>
-            <a:r>
-              <a:rPr lang="hr-HR" dirty="0"/>
-              <a:t/>
-            </a:r>
-            <a:br>
-              <a:rPr lang="hr-HR" dirty="0"/>
-            </a:br>
-            <a:endParaRPr lang="hr-HR" dirty="0"/>
-          </a:p>
-        </p:txBody>
-      </p:sp>
-      <p:sp>
-        <p:nvSpPr>
-          <p:cNvPr id="3" name="Content Placeholder 2"/>
-          <p:cNvSpPr>
-            <a:spLocks noGrp="1"/>
-          </p:cNvSpPr>
-          <p:nvPr>
-            <p:ph idx="1"/>
-          </p:nvPr>
-        </p:nvSpPr>
-        <p:spPr/>
-        <p:txBody>
-          <a:bodyPr/>
-          <a:lstStyle/>
-          <a:p>
-            <a:r>
-              <a:rPr lang="en-US" dirty="0"/>
-              <a:t>validate -</a:t>
+              <a:t>assertions</a:t>
             </a:r>
             <a:r>
               <a:rPr lang="hr-HR" dirty="0"/>
               <a:t> </a:t>
             </a:r>
             <a:r>
+              <a:rPr lang="hr-HR" dirty="0" smtClean="0"/>
+              <a:t>for java</a:t>
+            </a:r>
+          </a:p>
+          <a:p>
+            <a:pPr lvl="1"/>
+            <a:r>
+              <a:rPr lang="hr-HR" dirty="0" smtClean="0"/>
+              <a:t> </a:t>
+            </a:r>
+            <a:r>
+              <a:rPr lang="hr-HR" dirty="0" smtClean="0">
+                <a:hlinkClick r:id="rId3"/>
+              </a:rPr>
+              <a:t>http</a:t>
+            </a:r>
+            <a:r>
+              <a:rPr lang="hr-HR" dirty="0">
+                <a:hlinkClick r:id="rId3"/>
+              </a:rPr>
+              <a:t>://</a:t>
+            </a:r>
+            <a:r>
+              <a:rPr lang="hr-HR" dirty="0" smtClean="0">
+                <a:hlinkClick r:id="rId3"/>
+              </a:rPr>
+              <a:t>joel-costigliola.github.io/assertj/</a:t>
+            </a:r>
+            <a:r>
+              <a:rPr lang="hr-HR" dirty="0" smtClean="0"/>
+              <a:t> </a:t>
+            </a:r>
+            <a:endParaRPr lang="hr-HR" dirty="0"/>
+          </a:p>
+          <a:p>
+            <a:r>
+              <a:rPr lang="hr-HR" dirty="0" err="1" smtClean="0"/>
+              <a:t>Mockito</a:t>
+            </a:r>
+            <a:r>
+              <a:rPr lang="hr-HR" dirty="0" smtClean="0"/>
+              <a:t> </a:t>
+            </a:r>
+            <a:r>
+              <a:rPr lang="hr-HR" dirty="0"/>
+              <a:t>– </a:t>
+            </a:r>
+            <a:r>
               <a:rPr lang="en-US" dirty="0"/>
-              <a:t>compile - </a:t>
-            </a:r>
-            <a:r>
-              <a:rPr lang="en-US" b="1" u="sng" dirty="0"/>
-              <a:t>test</a:t>
-            </a:r>
-            <a:r>
-              <a:rPr lang="en-US" dirty="0"/>
-              <a:t> - package -</a:t>
+              <a:t>enables mock creation, verification and </a:t>
+            </a:r>
+            <a:r>
+              <a:rPr lang="en-US" dirty="0" smtClean="0"/>
+              <a:t>stubbing</a:t>
+            </a:r>
+            <a:endParaRPr lang="hr-HR" dirty="0" smtClean="0"/>
+          </a:p>
+          <a:p>
+            <a:pPr lvl="1"/>
+            <a:r>
+              <a:rPr lang="hr-HR" dirty="0">
+                <a:hlinkClick r:id="rId4"/>
+              </a:rPr>
+              <a:t>http://mockito.org</a:t>
+            </a:r>
+            <a:r>
+              <a:rPr lang="hr-HR" dirty="0" smtClean="0">
+                <a:hlinkClick r:id="rId4"/>
+              </a:rPr>
+              <a:t>/</a:t>
+            </a:r>
+            <a:r>
+              <a:rPr lang="hr-HR" dirty="0" smtClean="0"/>
+              <a:t> </a:t>
+            </a:r>
+            <a:endParaRPr lang="hr-HR" dirty="0"/>
+          </a:p>
+          <a:p>
+            <a:r>
+              <a:rPr lang="hr-HR" dirty="0" err="1"/>
+              <a:t>Spring</a:t>
+            </a:r>
+            <a:r>
+              <a:rPr lang="hr-HR" dirty="0"/>
+              <a:t>-test (</a:t>
+            </a:r>
+            <a:r>
+              <a:rPr lang="hr-HR" dirty="0" err="1"/>
+              <a:t>Spring</a:t>
             </a:r>
             <a:r>
               <a:rPr lang="hr-HR" dirty="0"/>
               <a:t> </a:t>
             </a:r>
             <a:r>
-              <a:rPr lang="en-US" b="1" u="sng" dirty="0"/>
-              <a:t>verify</a:t>
-            </a:r>
-            <a:r>
-              <a:rPr lang="en-US" dirty="0"/>
-              <a:t> - install – deploy</a:t>
+              <a:rPr lang="hr-HR" dirty="0" err="1"/>
+              <a:t>framework</a:t>
+            </a:r>
+            <a:r>
+              <a:rPr lang="hr-HR" dirty="0" smtClean="0"/>
+              <a:t>)</a:t>
+            </a:r>
+          </a:p>
+          <a:p>
+            <a:pPr lvl="1"/>
+            <a:r>
+              <a:rPr lang="hr-HR" dirty="0">
+                <a:hlinkClick r:id="rId5"/>
+              </a:rPr>
+              <a:t>http://</a:t>
+            </a:r>
+            <a:r>
+              <a:rPr lang="hr-HR" dirty="0" smtClean="0">
+                <a:hlinkClick r:id="rId5"/>
+              </a:rPr>
+              <a:t>docs.spring.io/spring/docs/current/spring-framework-reference/html/integration-testing.html</a:t>
+            </a:r>
+            <a:r>
+              <a:rPr lang="hr-HR" dirty="0" smtClean="0"/>
+              <a:t> </a:t>
             </a:r>
             <a:endParaRPr lang="hr-HR" dirty="0"/>
           </a:p>
           <a:p>
             <a:r>
               <a:rPr lang="hr-HR" dirty="0" err="1"/>
-              <a:t>Plugins</a:t>
+              <a:t>Arquillian</a:t>
+            </a:r>
+            <a:r>
+              <a:rPr lang="hr-HR" dirty="0"/>
+              <a:t> (Java EE) – </a:t>
+            </a:r>
+            <a:r>
+              <a:rPr lang="hr-HR" dirty="0" err="1"/>
+              <a:t>very</a:t>
             </a:r>
             <a:r>
               <a:rPr lang="hr-HR" dirty="0"/>
               <a:t> </a:t>
             </a:r>
+            <a:r>
+              <a:rPr lang="hr-HR" dirty="0" err="1"/>
+              <a:t>similar</a:t>
+            </a:r>
+            <a:r>
+              <a:rPr lang="hr-HR" dirty="0"/>
+              <a:t> to </a:t>
+            </a:r>
+            <a:r>
+              <a:rPr lang="hr-HR" dirty="0" err="1"/>
+              <a:t>spring</a:t>
+            </a:r>
+            <a:r>
+              <a:rPr lang="hr-HR" dirty="0"/>
+              <a:t>-test</a:t>
+            </a:r>
           </a:p>
           <a:p>
             <a:pPr lvl="1"/>
             <a:r>
-              <a:rPr lang="hr-HR" dirty="0" err="1"/>
-              <a:t>Surefire</a:t>
-            </a:r>
-            <a:r>
-              <a:rPr lang="hr-HR" dirty="0"/>
-              <a:t> (</a:t>
-            </a:r>
-            <a:r>
-              <a:rPr lang="hr-HR" dirty="0" err="1"/>
-              <a:t>unit</a:t>
-            </a:r>
-            <a:r>
-              <a:rPr lang="hr-HR" dirty="0"/>
+              <a:rPr lang="hr-HR" dirty="0">
+                <a:hlinkClick r:id="rId6"/>
+              </a:rPr>
+              <a:t>http://arquillian.org</a:t>
+            </a:r>
+            <a:r>
+              <a:rPr lang="hr-HR" dirty="0" smtClean="0">
+                <a:hlinkClick r:id="rId6"/>
+              </a:rPr>
+              <a:t>/</a:t>
+            </a:r>
+            <a:r>
+              <a:rPr lang="hr-HR" dirty="0" smtClean="0"/>
               <a:t> </a:t>
             </a:r>
-            <a:r>
-              <a:rPr lang="hr-HR" dirty="0" err="1"/>
-              <a:t>testing</a:t>
-            </a:r>
-            <a:r>
-              <a:rPr lang="hr-HR" dirty="0"/>
-              <a:t>) </a:t>
+          </a:p>
+          <a:p>
+            <a:r>
+              <a:rPr lang="hr-HR" dirty="0" err="1" smtClean="0"/>
+              <a:t>Flyway</a:t>
+            </a:r>
+            <a:r>
+              <a:rPr lang="hr-HR" dirty="0" smtClean="0"/>
+              <a:t> – </a:t>
+            </a:r>
+            <a:r>
+              <a:rPr lang="hr-HR" dirty="0" err="1" smtClean="0"/>
+              <a:t>database</a:t>
+            </a:r>
+            <a:r>
+              <a:rPr lang="hr-HR" dirty="0" smtClean="0"/>
+              <a:t> </a:t>
+            </a:r>
+            <a:r>
+              <a:rPr lang="hr-HR" dirty="0" err="1" smtClean="0"/>
+              <a:t>migrations</a:t>
+            </a:r>
+            <a:r>
+              <a:rPr lang="hr-HR" dirty="0" smtClean="0"/>
+              <a:t> </a:t>
             </a:r>
           </a:p>
           <a:p>
             <a:pPr lvl="1"/>
             <a:r>
-              <a:rPr lang="hr-HR" dirty="0" err="1"/>
-              <a:t>Failsafe</a:t>
-            </a:r>
-            <a:r>
-              <a:rPr lang="hr-HR" dirty="0"/>
-              <a:t> (</a:t>
-            </a:r>
-            <a:r>
-              <a:rPr lang="hr-HR" dirty="0" err="1"/>
-              <a:t>integration</a:t>
-            </a:r>
-            <a:r>
-              <a:rPr lang="hr-HR" dirty="0"/>
-              <a:t> </a:t>
-            </a:r>
-            <a:r>
-              <a:rPr lang="hr-HR" dirty="0" err="1"/>
-              <a:t>testing</a:t>
-            </a:r>
-            <a:r>
-              <a:rPr lang="hr-HR" dirty="0"/>
-              <a:t>) </a:t>
-            </a:r>
-          </a:p>
-          <a:p>
-            <a:pPr lvl="2"/>
-            <a:r>
-              <a:rPr lang="hr-HR" dirty="0" err="1"/>
-              <a:t>pre</a:t>
-            </a:r>
-            <a:r>
-              <a:rPr lang="hr-HR" dirty="0"/>
-              <a:t>-</a:t>
-            </a:r>
-            <a:r>
-              <a:rPr lang="hr-HR" dirty="0" err="1"/>
-              <a:t>integration</a:t>
-            </a:r>
-            <a:r>
-              <a:rPr lang="hr-HR" dirty="0"/>
-              <a:t>-test </a:t>
-            </a:r>
-            <a:r>
-              <a:rPr lang="hr-HR" dirty="0" err="1"/>
-              <a:t>phase</a:t>
-            </a:r>
-            <a:r>
-              <a:rPr lang="hr-HR" dirty="0"/>
-              <a:t> (</a:t>
-            </a:r>
-            <a:r>
-              <a:rPr lang="hr-HR" dirty="0" err="1"/>
-              <a:t>build</a:t>
-            </a:r>
-            <a:r>
-              <a:rPr lang="hr-HR" dirty="0"/>
-              <a:t> test </a:t>
-            </a:r>
-            <a:r>
-              <a:rPr lang="hr-HR" dirty="0" err="1"/>
-              <a:t>environment</a:t>
-            </a:r>
-            <a:r>
-              <a:rPr lang="hr-HR" dirty="0"/>
-              <a:t>)</a:t>
-            </a:r>
-          </a:p>
-          <a:p>
-            <a:r>
-              <a:rPr lang="hr-HR" dirty="0" err="1"/>
-              <a:t>Naming</a:t>
-            </a:r>
-            <a:r>
-              <a:rPr lang="hr-HR" dirty="0"/>
-              <a:t> </a:t>
-            </a:r>
-            <a:r>
-              <a:rPr lang="hr-HR" dirty="0" err="1"/>
-              <a:t>conventions</a:t>
-            </a:r>
-            <a:r>
-              <a:rPr lang="hr-HR" dirty="0"/>
-              <a:t>: </a:t>
-            </a:r>
-          </a:p>
-          <a:p>
-            <a:pPr lvl="1"/>
-            <a:r>
-              <a:rPr lang="hr-HR" dirty="0" err="1"/>
-              <a:t>Surefire</a:t>
-            </a:r>
-            <a:r>
-              <a:rPr lang="hr-HR" dirty="0"/>
-              <a:t> – </a:t>
-            </a:r>
-            <a:r>
-              <a:rPr lang="hr-HR" dirty="0" err="1"/>
-              <a:t>NameOfTheClassTest</a:t>
-            </a:r>
-            <a:endParaRPr lang="hr-HR" dirty="0"/>
-          </a:p>
-          <a:p>
-            <a:pPr lvl="2"/>
-            <a:r>
-              <a:rPr lang="hr-HR" dirty="0" err="1"/>
-              <a:t>Classpath</a:t>
-            </a:r>
-            <a:r>
-              <a:rPr lang="hr-HR" dirty="0"/>
-              <a:t> same as </a:t>
-            </a:r>
-            <a:r>
-              <a:rPr lang="hr-HR" dirty="0" err="1"/>
-              <a:t>the</a:t>
-            </a:r>
-            <a:r>
-              <a:rPr lang="hr-HR" dirty="0"/>
-              <a:t> </a:t>
-            </a:r>
-            <a:r>
-              <a:rPr lang="hr-HR" dirty="0" err="1"/>
-              <a:t>class</a:t>
-            </a:r>
-            <a:r>
-              <a:rPr lang="hr-HR" dirty="0"/>
-              <a:t> </a:t>
-            </a:r>
-            <a:r>
-              <a:rPr lang="hr-HR" dirty="0" err="1"/>
-              <a:t>that</a:t>
-            </a:r>
-            <a:r>
-              <a:rPr lang="hr-HR" dirty="0"/>
-              <a:t> </a:t>
-            </a:r>
-            <a:r>
-              <a:rPr lang="hr-HR" dirty="0" err="1"/>
-              <a:t>is</a:t>
-            </a:r>
-            <a:r>
-              <a:rPr lang="hr-HR" dirty="0"/>
-              <a:t> </a:t>
-            </a:r>
-            <a:r>
-              <a:rPr lang="hr-HR" dirty="0" err="1"/>
-              <a:t>being</a:t>
-            </a:r>
-            <a:r>
-              <a:rPr lang="hr-HR" dirty="0"/>
-              <a:t> </a:t>
-            </a:r>
-            <a:r>
-              <a:rPr lang="hr-HR" dirty="0" err="1"/>
-              <a:t>tested</a:t>
-            </a:r>
-            <a:endParaRPr lang="hr-HR" dirty="0"/>
-          </a:p>
-          <a:p>
-            <a:pPr lvl="2"/>
-            <a:r>
-              <a:rPr lang="hr-HR" dirty="0" err="1"/>
-              <a:t>Packages</a:t>
-            </a:r>
-            <a:r>
-              <a:rPr lang="hr-HR" dirty="0"/>
-              <a:t> </a:t>
-            </a:r>
-            <a:r>
-              <a:rPr lang="hr-HR" dirty="0" err="1"/>
-              <a:t>private</a:t>
-            </a:r>
-            <a:r>
-              <a:rPr lang="hr-HR" dirty="0"/>
-              <a:t> </a:t>
-            </a:r>
-            <a:r>
-              <a:rPr lang="hr-HR" dirty="0" err="1"/>
-              <a:t>methods</a:t>
-            </a:r>
-            <a:r>
-              <a:rPr lang="hr-HR" dirty="0"/>
-              <a:t> </a:t>
-            </a:r>
-            <a:r>
-              <a:rPr lang="hr-HR" dirty="0" err="1"/>
-              <a:t>can</a:t>
-            </a:r>
-            <a:r>
-              <a:rPr lang="hr-HR" dirty="0"/>
-              <a:t> </a:t>
-            </a:r>
-            <a:r>
-              <a:rPr lang="hr-HR" dirty="0" err="1"/>
-              <a:t>be</a:t>
-            </a:r>
-            <a:r>
-              <a:rPr lang="hr-HR" dirty="0"/>
-              <a:t> </a:t>
-            </a:r>
-            <a:r>
-              <a:rPr lang="hr-HR" dirty="0" err="1"/>
-              <a:t>accessed</a:t>
-            </a:r>
-            <a:r>
-              <a:rPr lang="hr-HR" dirty="0"/>
-              <a:t> </a:t>
-            </a:r>
-            <a:r>
-              <a:rPr lang="hr-HR" dirty="0" err="1"/>
-              <a:t>this</a:t>
-            </a:r>
-            <a:r>
-              <a:rPr lang="hr-HR" dirty="0"/>
-              <a:t> </a:t>
-            </a:r>
-            <a:r>
-              <a:rPr lang="hr-HR" dirty="0" err="1"/>
-              <a:t>way</a:t>
-            </a:r>
-            <a:endParaRPr lang="hr-HR" dirty="0"/>
-          </a:p>
-          <a:p>
-            <a:pPr lvl="1"/>
-            <a:r>
-              <a:rPr lang="hr-HR" dirty="0" err="1"/>
-              <a:t>Failsafe</a:t>
-            </a:r>
-            <a:r>
-              <a:rPr lang="hr-HR" dirty="0"/>
-              <a:t> – </a:t>
-            </a:r>
-            <a:r>
-              <a:rPr lang="hr-HR" dirty="0" err="1"/>
-              <a:t>NameOfTheClassTestIT</a:t>
-            </a:r>
-            <a:endParaRPr lang="hr-HR" dirty="0"/>
-          </a:p>
-          <a:p>
-            <a:pPr lvl="2"/>
-            <a:r>
-              <a:rPr lang="hr-HR" dirty="0" err="1"/>
-              <a:t>Plugin</a:t>
-            </a:r>
-            <a:r>
-              <a:rPr lang="hr-HR" dirty="0"/>
-              <a:t> must </a:t>
-            </a:r>
-            <a:r>
-              <a:rPr lang="hr-HR" dirty="0" err="1"/>
-              <a:t>be</a:t>
-            </a:r>
-            <a:r>
-              <a:rPr lang="hr-HR" dirty="0"/>
-              <a:t> </a:t>
-            </a:r>
-            <a:r>
-              <a:rPr lang="hr-HR" dirty="0" err="1"/>
-              <a:t>specified</a:t>
-            </a:r>
-            <a:r>
-              <a:rPr lang="hr-HR" dirty="0"/>
-              <a:t> </a:t>
-            </a:r>
-            <a:r>
-              <a:rPr lang="hr-HR" dirty="0" err="1"/>
-              <a:t>in</a:t>
-            </a:r>
-            <a:r>
-              <a:rPr lang="hr-HR" dirty="0"/>
-              <a:t> pom.xml</a:t>
-            </a:r>
-          </a:p>
-          <a:p>
-            <a:pPr lvl="2"/>
-            <a:r>
-              <a:rPr lang="hr-HR" dirty="0" err="1"/>
-              <a:t>Verify</a:t>
-            </a:r>
-            <a:r>
-              <a:rPr lang="hr-HR" dirty="0"/>
-              <a:t> </a:t>
-            </a:r>
-            <a:r>
-              <a:rPr lang="hr-HR" dirty="0" err="1"/>
-              <a:t>and</a:t>
-            </a:r>
-            <a:r>
-              <a:rPr lang="hr-HR" dirty="0"/>
-              <a:t> </a:t>
-            </a:r>
-            <a:r>
-              <a:rPr lang="hr-HR" dirty="0" err="1"/>
-              <a:t>IntegrationTest</a:t>
-            </a:r>
-            <a:r>
-              <a:rPr lang="hr-HR" dirty="0"/>
-              <a:t> </a:t>
-            </a:r>
-            <a:r>
-              <a:rPr lang="hr-HR" dirty="0" err="1" smtClean="0"/>
-              <a:t>phases</a:t>
+              <a:rPr lang="hr-HR" dirty="0">
+                <a:hlinkClick r:id="rId7"/>
+              </a:rPr>
+              <a:t>https://flywaydb.org</a:t>
+            </a:r>
+            <a:r>
+              <a:rPr lang="hr-HR" dirty="0" smtClean="0">
+                <a:hlinkClick r:id="rId7"/>
+              </a:rPr>
+              <a:t>/</a:t>
+            </a:r>
+            <a:r>
+              <a:rPr lang="hr-HR" dirty="0" smtClean="0"/>
+              <a:t>	</a:t>
             </a:r>
             <a:endParaRPr lang="hr-HR" dirty="0"/>
           </a:p>
@@ -7467,7 +5545,7 @@
     </p:spTree>
     <p:extLst>
       <p:ext uri="{BB962C8B-B14F-4D97-AF65-F5344CB8AC3E}">
-        <p14:creationId xmlns:p14="http://schemas.microsoft.com/office/powerpoint/2010/main" val="2793089353"/>
+        <p14:creationId xmlns:p14="http://schemas.microsoft.com/office/powerpoint/2010/main" val="3203747507"/>
       </p:ext>
     </p:extLst>
   </p:cSld>
@@ -7510,93 +5588,193 @@
           <a:lstStyle/>
           <a:p>
             <a:r>
-              <a:rPr lang="hr-HR" dirty="0" smtClean="0"/>
-              <a:t>Show </a:t>
-            </a:r>
-            <a:r>
-              <a:rPr lang="hr-HR" dirty="0" err="1" smtClean="0"/>
-              <a:t>case</a:t>
-            </a:r>
-            <a:r>
-              <a:rPr lang="hr-HR" dirty="0" smtClean="0"/>
-              <a:t> 1</a:t>
+              <a:rPr lang="hr-HR" dirty="0" err="1"/>
+              <a:t>Maven</a:t>
+            </a:r>
+            <a:r>
+              <a:rPr lang="hr-HR" dirty="0"/>
+              <a:t> </a:t>
+            </a:r>
+            <a:r>
+              <a:rPr lang="hr-HR" dirty="0" err="1"/>
+              <a:t>and</a:t>
+            </a:r>
+            <a:r>
+              <a:rPr lang="hr-HR" dirty="0"/>
+              <a:t> </a:t>
+            </a:r>
+            <a:r>
+              <a:rPr lang="hr-HR" dirty="0" err="1"/>
+              <a:t>testing</a:t>
+            </a:r>
+            <a:r>
+              <a:rPr lang="hr-HR" dirty="0"/>
+              <a:t/>
             </a:r>
             <a:br>
-              <a:rPr lang="hr-HR" dirty="0" smtClean="0"/>
+              <a:rPr lang="hr-HR" dirty="0"/>
             </a:br>
-            <a:r>
-              <a:rPr lang="hr-HR" dirty="0" err="1" smtClean="0"/>
-              <a:t>Integration</a:t>
+            <a:endParaRPr lang="hr-HR" dirty="0"/>
+          </a:p>
+        </p:txBody>
+      </p:sp>
+      <p:sp>
+        <p:nvSpPr>
+          <p:cNvPr id="3" name="Content Placeholder 2"/>
+          <p:cNvSpPr>
+            <a:spLocks noGrp="1"/>
+          </p:cNvSpPr>
+          <p:nvPr>
+            <p:ph idx="1"/>
+          </p:nvPr>
+        </p:nvSpPr>
+        <p:spPr/>
+        <p:txBody>
+          <a:bodyPr/>
+          <a:lstStyle/>
+          <a:p>
+            <a:r>
+              <a:rPr lang="en-US" dirty="0"/>
+              <a:t>validate -</a:t>
+            </a:r>
+            <a:r>
+              <a:rPr lang="hr-HR" dirty="0"/>
+              <a:t> </a:t>
+            </a:r>
+            <a:r>
+              <a:rPr lang="en-US" dirty="0"/>
+              <a:t>compile - </a:t>
+            </a:r>
+            <a:r>
+              <a:rPr lang="en-US" b="1" u="sng" dirty="0"/>
+              <a:t>test</a:t>
+            </a:r>
+            <a:r>
+              <a:rPr lang="en-US" dirty="0"/>
+              <a:t> - package -</a:t>
+            </a:r>
+            <a:r>
+              <a:rPr lang="hr-HR" dirty="0"/>
+              <a:t> </a:t>
+            </a:r>
+            <a:r>
+              <a:rPr lang="en-US" b="1" u="sng" dirty="0"/>
+              <a:t>verify</a:t>
+            </a:r>
+            <a:r>
+              <a:rPr lang="en-US" dirty="0"/>
+              <a:t> - install – deploy</a:t>
+            </a:r>
+            <a:endParaRPr lang="hr-HR" dirty="0"/>
+          </a:p>
+          <a:p>
+            <a:r>
+              <a:rPr lang="en-US" dirty="0" smtClean="0"/>
+              <a:t>Plugins </a:t>
+            </a:r>
+          </a:p>
+          <a:p>
+            <a:pPr lvl="1"/>
+            <a:r>
+              <a:rPr lang="en-US" dirty="0" smtClean="0"/>
+              <a:t>Surefire (unit testing) </a:t>
+            </a:r>
+          </a:p>
+          <a:p>
+            <a:pPr lvl="1"/>
+            <a:r>
+              <a:rPr lang="en-US" dirty="0" smtClean="0"/>
+              <a:t>Failsafe (integration testing) </a:t>
+            </a:r>
+          </a:p>
+          <a:p>
+            <a:pPr lvl="2"/>
+            <a:r>
+              <a:rPr lang="en-US" dirty="0" smtClean="0"/>
+              <a:t>pre-integration-test phase (build test environment)</a:t>
+            </a:r>
+          </a:p>
+          <a:p>
+            <a:r>
+              <a:rPr lang="en-US" dirty="0" smtClean="0"/>
+              <a:t>Naming conventions: </a:t>
+            </a:r>
+          </a:p>
+          <a:p>
+            <a:pPr lvl="1"/>
+            <a:r>
+              <a:rPr lang="en-US" dirty="0" smtClean="0"/>
+              <a:t>Surefire – </a:t>
+            </a:r>
+            <a:r>
+              <a:rPr lang="en-US" dirty="0" err="1" smtClean="0"/>
+              <a:t>NameOfTheClassTest</a:t>
+            </a:r>
+            <a:endParaRPr lang="en-US" dirty="0" smtClean="0"/>
+          </a:p>
+          <a:p>
+            <a:pPr lvl="2"/>
+            <a:r>
+              <a:rPr lang="en-US" dirty="0" smtClean="0"/>
+              <a:t>Class</a:t>
             </a:r>
             <a:r>
               <a:rPr lang="hr-HR" dirty="0" smtClean="0"/>
               <a:t> </a:t>
             </a:r>
             <a:r>
-              <a:rPr lang="hr-HR" dirty="0" err="1" smtClean="0"/>
-              <a:t>testing</a:t>
-            </a:r>
-            <a:r>
-              <a:rPr lang="hr-HR" dirty="0" smtClean="0"/>
-              <a:t> </a:t>
-            </a:r>
-            <a:r>
-              <a:rPr lang="hr-HR" dirty="0" err="1" smtClean="0"/>
-              <a:t>and</a:t>
-            </a:r>
-            <a:r>
-              <a:rPr lang="hr-HR" dirty="0" smtClean="0"/>
-              <a:t> </a:t>
-            </a:r>
-            <a:r>
-              <a:rPr lang="hr-HR" dirty="0" err="1" smtClean="0"/>
-              <a:t>unit</a:t>
-            </a:r>
-            <a:r>
-              <a:rPr lang="hr-HR" dirty="0" smtClean="0"/>
-              <a:t> </a:t>
-            </a:r>
-            <a:r>
-              <a:rPr lang="hr-HR" dirty="0" err="1" smtClean="0"/>
-              <a:t>testing</a:t>
-            </a:r>
-            <a:endParaRPr lang="hr-HR" dirty="0"/>
-          </a:p>
-        </p:txBody>
-      </p:sp>
-      <p:pic>
-        <p:nvPicPr>
-          <p:cNvPr id="4" name="Content Placeholder 3"/>
-          <p:cNvPicPr>
-            <a:picLocks noGrp="1" noChangeAspect="1"/>
-          </p:cNvPicPr>
-          <p:nvPr>
-            <p:ph idx="1"/>
-          </p:nvPr>
-        </p:nvPicPr>
-        <p:blipFill>
-          <a:blip r:embed="rId2">
-            <a:extLst>
-              <a:ext uri="{28A0092B-C50C-407E-A947-70E740481C1C}">
-                <a14:useLocalDpi xmlns:a14="http://schemas.microsoft.com/office/drawing/2010/main" val="0"/>
-              </a:ext>
-            </a:extLst>
-          </a:blip>
-          <a:stretch>
-            <a:fillRect/>
-          </a:stretch>
-        </p:blipFill>
-        <p:spPr>
-          <a:xfrm>
-            <a:off x="4602625" y="863600"/>
-            <a:ext cx="5847425" cy="5121275"/>
-          </a:xfrm>
-        </p:spPr>
-      </p:pic>
+              <a:rPr lang="en-US" dirty="0" smtClean="0"/>
+              <a:t>path same as the class that is being tested</a:t>
+            </a:r>
+          </a:p>
+          <a:p>
+            <a:pPr lvl="2"/>
+            <a:r>
+              <a:rPr lang="en-US" dirty="0" smtClean="0"/>
+              <a:t>Packages private methods can be accessed this way</a:t>
+            </a:r>
+          </a:p>
+          <a:p>
+            <a:pPr lvl="1"/>
+            <a:r>
+              <a:rPr lang="en-US" dirty="0" smtClean="0"/>
+              <a:t>Failsafe – </a:t>
+            </a:r>
+            <a:r>
+              <a:rPr lang="en-US" dirty="0" err="1" smtClean="0"/>
+              <a:t>NameOfTheClassTestIT</a:t>
+            </a:r>
+            <a:endParaRPr lang="en-US" dirty="0" smtClean="0"/>
+          </a:p>
+          <a:p>
+            <a:pPr lvl="2"/>
+            <a:r>
+              <a:rPr lang="en-US" dirty="0" smtClean="0"/>
+              <a:t>Plugin must be specified in pom.xml</a:t>
+            </a:r>
+          </a:p>
+          <a:p>
+            <a:pPr lvl="2"/>
+            <a:r>
+              <a:rPr lang="en-US" dirty="0" smtClean="0"/>
+              <a:t>Verify and </a:t>
+            </a:r>
+            <a:r>
+              <a:rPr lang="en-US" dirty="0" err="1" smtClean="0"/>
+              <a:t>IntegrationTest</a:t>
+            </a:r>
+            <a:r>
+              <a:rPr lang="en-US" dirty="0" smtClean="0"/>
+              <a:t> phases</a:t>
+            </a:r>
+            <a:endParaRPr lang="en-US" dirty="0"/>
+          </a:p>
+        </p:txBody>
+      </p:sp>
     </p:spTree>
     <p:extLst>
       <p:ext uri="{BB962C8B-B14F-4D97-AF65-F5344CB8AC3E}">
-        <p14:creationId xmlns:p14="http://schemas.microsoft.com/office/powerpoint/2010/main" val="3420920508"/>
+        <p14:creationId xmlns:p14="http://schemas.microsoft.com/office/powerpoint/2010/main" val="2793089353"/>
       </p:ext>
     </p:extLst>
   </p:cSld>
@@ -7639,561 +5817,53 @@
           <a:lstStyle/>
           <a:p>
             <a:r>
-              <a:rPr lang="hr-HR" dirty="0" err="1"/>
-              <a:t>Basic</a:t>
-            </a:r>
-            <a:r>
-              <a:rPr lang="hr-HR" dirty="0"/>
-              <a:t> </a:t>
-            </a:r>
-            <a:r>
-              <a:rPr lang="hr-HR" dirty="0" err="1" smtClean="0"/>
-              <a:t>idea</a:t>
-            </a:r>
-            <a:r>
-              <a:rPr lang="hr-HR" dirty="0"/>
-              <a:t> </a:t>
-            </a:r>
-            <a:r>
-              <a:rPr lang="hr-HR" dirty="0" smtClean="0"/>
-              <a:t>– test </a:t>
-            </a:r>
-            <a:r>
-              <a:rPr lang="hr-HR" dirty="0" err="1" smtClean="0"/>
-              <a:t>layer</a:t>
-            </a:r>
-            <a:r>
-              <a:rPr lang="hr-HR" dirty="0" smtClean="0"/>
-              <a:t> </a:t>
-            </a:r>
-            <a:r>
-              <a:rPr lang="hr-HR" dirty="0" err="1" smtClean="0"/>
-              <a:t>by</a:t>
-            </a:r>
-            <a:r>
-              <a:rPr lang="hr-HR" dirty="0" smtClean="0"/>
-              <a:t> </a:t>
-            </a:r>
-            <a:r>
-              <a:rPr lang="hr-HR" dirty="0" err="1" smtClean="0"/>
-              <a:t>layer</a:t>
-            </a:r>
-            <a:endParaRPr lang="hr-HR" dirty="0"/>
-          </a:p>
-        </p:txBody>
-      </p:sp>
-      <p:sp>
-        <p:nvSpPr>
-          <p:cNvPr id="3" name="Content Placeholder 2"/>
-          <p:cNvSpPr>
-            <a:spLocks noGrp="1"/>
-          </p:cNvSpPr>
+              <a:rPr lang="en-US" dirty="0" smtClean="0"/>
+              <a:t>Show case 1</a:t>
+            </a:r>
+            <a:br>
+              <a:rPr lang="en-US" dirty="0" smtClean="0"/>
+            </a:br>
+            <a:r>
+              <a:rPr lang="en-US" dirty="0" smtClean="0"/>
+              <a:t>Integration testing and unit testing</a:t>
+            </a:r>
+            <a:endParaRPr lang="en-US" dirty="0"/>
+          </a:p>
+        </p:txBody>
+      </p:sp>
+      <p:pic>
+        <p:nvPicPr>
+          <p:cNvPr id="4" name="Content Placeholder 3"/>
+          <p:cNvPicPr>
+            <a:picLocks noGrp="1" noChangeAspect="1"/>
+          </p:cNvPicPr>
           <p:nvPr>
             <p:ph idx="1"/>
           </p:nvPr>
-        </p:nvSpPr>
-        <p:spPr/>
-        <p:txBody>
-          <a:bodyPr/>
-          <a:lstStyle/>
-          <a:p>
-            <a:r>
-              <a:rPr lang="hr-HR" dirty="0" err="1"/>
-              <a:t>Repository</a:t>
-            </a:r>
-            <a:r>
-              <a:rPr lang="hr-HR" dirty="0"/>
-              <a:t> </a:t>
-            </a:r>
-            <a:r>
-              <a:rPr lang="hr-HR" dirty="0" err="1"/>
-              <a:t>layer</a:t>
-            </a:r>
-            <a:endParaRPr lang="hr-HR" dirty="0"/>
-          </a:p>
-          <a:p>
-            <a:pPr lvl="1"/>
-            <a:r>
-              <a:rPr lang="hr-HR" dirty="0" err="1"/>
-              <a:t>Simulate</a:t>
-            </a:r>
-            <a:r>
-              <a:rPr lang="hr-HR" dirty="0"/>
-              <a:t> </a:t>
-            </a:r>
-            <a:r>
-              <a:rPr lang="hr-HR" dirty="0" err="1"/>
-              <a:t>environment</a:t>
-            </a:r>
-            <a:r>
-              <a:rPr lang="hr-HR" dirty="0"/>
-              <a:t> </a:t>
-            </a:r>
-            <a:r>
-              <a:rPr lang="hr-HR" dirty="0" err="1"/>
-              <a:t>in</a:t>
-            </a:r>
-            <a:r>
-              <a:rPr lang="hr-HR" dirty="0"/>
-              <a:t> </a:t>
-            </a:r>
-            <a:r>
-              <a:rPr lang="hr-HR" dirty="0" err="1"/>
-              <a:t>which</a:t>
-            </a:r>
-            <a:r>
-              <a:rPr lang="hr-HR" dirty="0"/>
-              <a:t> </a:t>
-            </a:r>
-            <a:r>
-              <a:rPr lang="hr-HR" dirty="0" err="1"/>
-              <a:t>application</a:t>
-            </a:r>
-            <a:r>
-              <a:rPr lang="hr-HR" dirty="0"/>
-              <a:t> </a:t>
-            </a:r>
-            <a:r>
-              <a:rPr lang="hr-HR" dirty="0" err="1"/>
-              <a:t>will</a:t>
-            </a:r>
-            <a:r>
-              <a:rPr lang="hr-HR" dirty="0"/>
-              <a:t> </a:t>
-            </a:r>
-            <a:r>
-              <a:rPr lang="hr-HR" dirty="0" err="1"/>
-              <a:t>be</a:t>
-            </a:r>
-            <a:r>
-              <a:rPr lang="hr-HR" dirty="0"/>
-              <a:t> ran</a:t>
-            </a:r>
-          </a:p>
-          <a:p>
-            <a:pPr lvl="1"/>
-            <a:r>
-              <a:rPr lang="hr-HR" dirty="0"/>
-              <a:t>Do </a:t>
-            </a:r>
-            <a:r>
-              <a:rPr lang="hr-HR" dirty="0" err="1"/>
-              <a:t>not</a:t>
-            </a:r>
-            <a:r>
-              <a:rPr lang="hr-HR" dirty="0"/>
-              <a:t> </a:t>
-            </a:r>
-            <a:r>
-              <a:rPr lang="hr-HR" dirty="0" err="1"/>
-              <a:t>mock</a:t>
-            </a:r>
-            <a:r>
-              <a:rPr lang="hr-HR" dirty="0"/>
-              <a:t> </a:t>
-            </a:r>
-            <a:r>
-              <a:rPr lang="hr-HR" dirty="0" err="1"/>
-              <a:t>entity</a:t>
-            </a:r>
-            <a:r>
-              <a:rPr lang="hr-HR" dirty="0"/>
-              <a:t> manager, use </a:t>
-            </a:r>
-            <a:r>
-              <a:rPr lang="hr-HR" dirty="0" err="1"/>
-              <a:t>real</a:t>
-            </a:r>
-            <a:r>
-              <a:rPr lang="hr-HR" dirty="0"/>
-              <a:t> </a:t>
-            </a:r>
-            <a:r>
-              <a:rPr lang="hr-HR" dirty="0" err="1"/>
-              <a:t>database</a:t>
-            </a:r>
-            <a:endParaRPr lang="hr-HR" dirty="0"/>
-          </a:p>
-          <a:p>
-            <a:pPr lvl="1"/>
-            <a:r>
-              <a:rPr lang="hr-HR" dirty="0"/>
-              <a:t>Use </a:t>
-            </a:r>
-            <a:r>
-              <a:rPr lang="hr-HR" dirty="0" err="1"/>
-              <a:t>repository</a:t>
-            </a:r>
-            <a:r>
-              <a:rPr lang="hr-HR" dirty="0"/>
-              <a:t> </a:t>
-            </a:r>
-            <a:r>
-              <a:rPr lang="hr-HR" dirty="0" err="1"/>
-              <a:t>persist</a:t>
-            </a:r>
-            <a:r>
-              <a:rPr lang="hr-HR" dirty="0"/>
-              <a:t>/</a:t>
-            </a:r>
-            <a:r>
-              <a:rPr lang="hr-HR" dirty="0" err="1"/>
-              <a:t>findById</a:t>
-            </a:r>
-            <a:r>
-              <a:rPr lang="hr-HR" dirty="0"/>
-              <a:t> </a:t>
-            </a:r>
-            <a:r>
-              <a:rPr lang="hr-HR" dirty="0" err="1"/>
-              <a:t>method</a:t>
-            </a:r>
-            <a:r>
-              <a:rPr lang="hr-HR" dirty="0"/>
-              <a:t> to set </a:t>
-            </a:r>
-            <a:r>
-              <a:rPr lang="hr-HR" dirty="0" err="1"/>
-              <a:t>up</a:t>
-            </a:r>
-            <a:r>
-              <a:rPr lang="hr-HR" dirty="0"/>
-              <a:t> test </a:t>
-            </a:r>
-            <a:r>
-              <a:rPr lang="hr-HR" dirty="0" err="1"/>
-              <a:t>case</a:t>
-            </a:r>
-            <a:endParaRPr lang="hr-HR" dirty="0"/>
-          </a:p>
-          <a:p>
-            <a:r>
-              <a:rPr lang="hr-HR" dirty="0"/>
-              <a:t>Service </a:t>
-            </a:r>
-            <a:r>
-              <a:rPr lang="hr-HR" dirty="0" err="1"/>
-              <a:t>layer</a:t>
-            </a:r>
-            <a:endParaRPr lang="hr-HR" dirty="0"/>
-          </a:p>
-          <a:p>
-            <a:pPr lvl="1"/>
-            <a:r>
-              <a:rPr lang="hr-HR" dirty="0" err="1"/>
-              <a:t>Simulate</a:t>
-            </a:r>
-            <a:r>
-              <a:rPr lang="hr-HR" dirty="0"/>
-              <a:t> </a:t>
-            </a:r>
-            <a:r>
-              <a:rPr lang="hr-HR" dirty="0" err="1"/>
-              <a:t>environement</a:t>
-            </a:r>
-            <a:r>
-              <a:rPr lang="hr-HR" dirty="0"/>
-              <a:t> </a:t>
-            </a:r>
-            <a:r>
-              <a:rPr lang="hr-HR" dirty="0" err="1"/>
-              <a:t>in</a:t>
-            </a:r>
-            <a:r>
-              <a:rPr lang="hr-HR" dirty="0"/>
-              <a:t> </a:t>
-            </a:r>
-            <a:r>
-              <a:rPr lang="hr-HR" dirty="0" err="1"/>
-              <a:t>which</a:t>
-            </a:r>
-            <a:r>
-              <a:rPr lang="hr-HR" dirty="0"/>
-              <a:t> </a:t>
-            </a:r>
-            <a:r>
-              <a:rPr lang="hr-HR" dirty="0" err="1"/>
-              <a:t>class</a:t>
-            </a:r>
-            <a:r>
-              <a:rPr lang="hr-HR" dirty="0"/>
-              <a:t> </a:t>
-            </a:r>
-            <a:r>
-              <a:rPr lang="hr-HR" dirty="0" err="1"/>
-              <a:t>will</a:t>
-            </a:r>
-            <a:r>
-              <a:rPr lang="hr-HR" dirty="0"/>
-              <a:t> </a:t>
-            </a:r>
-            <a:r>
-              <a:rPr lang="hr-HR" dirty="0" err="1"/>
-              <a:t>be</a:t>
-            </a:r>
-            <a:r>
-              <a:rPr lang="hr-HR" dirty="0"/>
-              <a:t> ran</a:t>
-            </a:r>
-          </a:p>
-          <a:p>
-            <a:pPr lvl="1"/>
-            <a:r>
-              <a:rPr lang="hr-HR" dirty="0" err="1"/>
-              <a:t>Construct</a:t>
-            </a:r>
-            <a:r>
-              <a:rPr lang="hr-HR" dirty="0"/>
-              <a:t> </a:t>
-            </a:r>
-            <a:r>
-              <a:rPr lang="hr-HR" dirty="0" err="1"/>
-              <a:t>all</a:t>
-            </a:r>
-            <a:r>
-              <a:rPr lang="hr-HR" dirty="0"/>
-              <a:t> </a:t>
-            </a:r>
-            <a:r>
-              <a:rPr lang="hr-HR" dirty="0" err="1"/>
-              <a:t>dependencies</a:t>
-            </a:r>
-            <a:r>
-              <a:rPr lang="hr-HR" dirty="0"/>
-              <a:t> (</a:t>
-            </a:r>
-            <a:r>
-              <a:rPr lang="hr-HR" dirty="0" err="1"/>
-              <a:t>repository</a:t>
-            </a:r>
-            <a:r>
-              <a:rPr lang="hr-HR" dirty="0"/>
-              <a:t> </a:t>
-            </a:r>
-            <a:r>
-              <a:rPr lang="hr-HR" dirty="0" err="1"/>
-              <a:t>layer</a:t>
-            </a:r>
-            <a:r>
-              <a:rPr lang="hr-HR" dirty="0"/>
-              <a:t>)</a:t>
-            </a:r>
-          </a:p>
-          <a:p>
-            <a:pPr lvl="1"/>
-            <a:r>
-              <a:rPr lang="hr-HR" dirty="0"/>
-              <a:t>Use </a:t>
-            </a:r>
-            <a:r>
-              <a:rPr lang="hr-HR" dirty="0" err="1"/>
-              <a:t>repository</a:t>
-            </a:r>
-            <a:r>
-              <a:rPr lang="hr-HR" dirty="0"/>
-              <a:t> </a:t>
-            </a:r>
-            <a:r>
-              <a:rPr lang="hr-HR" dirty="0" err="1"/>
-              <a:t>persist</a:t>
-            </a:r>
-            <a:r>
-              <a:rPr lang="hr-HR" dirty="0"/>
-              <a:t>/</a:t>
-            </a:r>
-            <a:r>
-              <a:rPr lang="hr-HR" dirty="0" err="1"/>
-              <a:t>findById</a:t>
-            </a:r>
-            <a:r>
-              <a:rPr lang="hr-HR" dirty="0"/>
-              <a:t> </a:t>
-            </a:r>
-            <a:r>
-              <a:rPr lang="hr-HR" dirty="0" err="1"/>
-              <a:t>method</a:t>
-            </a:r>
-            <a:r>
-              <a:rPr lang="hr-HR" dirty="0"/>
-              <a:t> to set </a:t>
-            </a:r>
-            <a:r>
-              <a:rPr lang="hr-HR" dirty="0" err="1"/>
-              <a:t>up</a:t>
-            </a:r>
-            <a:r>
-              <a:rPr lang="hr-HR" dirty="0"/>
-              <a:t> test </a:t>
-            </a:r>
-            <a:r>
-              <a:rPr lang="hr-HR" dirty="0" err="1"/>
-              <a:t>case</a:t>
-            </a:r>
-            <a:endParaRPr lang="hr-HR" dirty="0"/>
-          </a:p>
-          <a:p>
-            <a:r>
-              <a:rPr lang="hr-HR" dirty="0"/>
-              <a:t>Complex </a:t>
-            </a:r>
-            <a:r>
-              <a:rPr lang="hr-HR" dirty="0" err="1"/>
-              <a:t>class</a:t>
-            </a:r>
-            <a:r>
-              <a:rPr lang="hr-HR" dirty="0"/>
-              <a:t> </a:t>
-            </a:r>
-          </a:p>
-          <a:p>
-            <a:pPr lvl="1"/>
-            <a:r>
-              <a:rPr lang="hr-HR" dirty="0" err="1"/>
-              <a:t>Mock</a:t>
-            </a:r>
-            <a:r>
-              <a:rPr lang="hr-HR" dirty="0"/>
-              <a:t> </a:t>
-            </a:r>
-            <a:r>
-              <a:rPr lang="hr-HR" dirty="0" err="1"/>
-              <a:t>external</a:t>
-            </a:r>
-            <a:r>
-              <a:rPr lang="hr-HR" dirty="0"/>
-              <a:t> </a:t>
-            </a:r>
-            <a:r>
-              <a:rPr lang="hr-HR" dirty="0" err="1"/>
-              <a:t>client</a:t>
-            </a:r>
-            <a:r>
-              <a:rPr lang="hr-HR" dirty="0"/>
-              <a:t>, </a:t>
-            </a:r>
-            <a:r>
-              <a:rPr lang="hr-HR" dirty="0" err="1"/>
-              <a:t>cover</a:t>
-            </a:r>
-            <a:r>
-              <a:rPr lang="hr-HR" dirty="0"/>
-              <a:t> </a:t>
-            </a:r>
-            <a:r>
-              <a:rPr lang="hr-HR" dirty="0" err="1"/>
-              <a:t>all</a:t>
-            </a:r>
-            <a:r>
-              <a:rPr lang="hr-HR" dirty="0"/>
-              <a:t> </a:t>
-            </a:r>
-            <a:r>
-              <a:rPr lang="hr-HR" dirty="0" err="1"/>
-              <a:t>cases</a:t>
-            </a:r>
-            <a:r>
-              <a:rPr lang="hr-HR" dirty="0"/>
-              <a:t> (</a:t>
-            </a:r>
-            <a:r>
-              <a:rPr lang="hr-HR" dirty="0" err="1"/>
-              <a:t>simple</a:t>
-            </a:r>
-            <a:r>
-              <a:rPr lang="hr-HR" dirty="0"/>
-              <a:t> </a:t>
-            </a:r>
-            <a:r>
-              <a:rPr lang="hr-HR" dirty="0" err="1"/>
-              <a:t>case</a:t>
-            </a:r>
-            <a:r>
-              <a:rPr lang="hr-HR" dirty="0"/>
-              <a:t> - </a:t>
-            </a:r>
-            <a:r>
-              <a:rPr lang="hr-HR" dirty="0" err="1"/>
-              <a:t>true</a:t>
-            </a:r>
-            <a:r>
-              <a:rPr lang="hr-HR" dirty="0"/>
-              <a:t> </a:t>
-            </a:r>
-            <a:r>
-              <a:rPr lang="hr-HR" dirty="0" err="1"/>
-              <a:t>or</a:t>
-            </a:r>
-            <a:r>
-              <a:rPr lang="hr-HR" dirty="0"/>
-              <a:t> </a:t>
-            </a:r>
-            <a:r>
-              <a:rPr lang="hr-HR" dirty="0" err="1"/>
-              <a:t>false</a:t>
-            </a:r>
-            <a:r>
-              <a:rPr lang="hr-HR" dirty="0"/>
-              <a:t>)</a:t>
-            </a:r>
-          </a:p>
-          <a:p>
-            <a:pPr lvl="1"/>
-            <a:r>
-              <a:rPr lang="hr-HR" dirty="0" err="1"/>
-              <a:t>Construct</a:t>
-            </a:r>
-            <a:r>
-              <a:rPr lang="hr-HR" dirty="0"/>
-              <a:t> </a:t>
-            </a:r>
-            <a:r>
-              <a:rPr lang="hr-HR" dirty="0" err="1"/>
-              <a:t>all</a:t>
-            </a:r>
-            <a:r>
-              <a:rPr lang="hr-HR" dirty="0"/>
-              <a:t> </a:t>
-            </a:r>
-            <a:r>
-              <a:rPr lang="hr-HR" dirty="0" err="1"/>
-              <a:t>dependencies</a:t>
-            </a:r>
-            <a:r>
-              <a:rPr lang="hr-HR" dirty="0"/>
-              <a:t> (</a:t>
-            </a:r>
-            <a:r>
-              <a:rPr lang="hr-HR" dirty="0" err="1"/>
-              <a:t>service</a:t>
-            </a:r>
-            <a:r>
-              <a:rPr lang="hr-HR" dirty="0"/>
-              <a:t> + </a:t>
-            </a:r>
-            <a:r>
-              <a:rPr lang="hr-HR" dirty="0" err="1"/>
-              <a:t>repository</a:t>
-            </a:r>
-            <a:r>
-              <a:rPr lang="hr-HR" dirty="0"/>
-              <a:t> </a:t>
-            </a:r>
-            <a:r>
-              <a:rPr lang="hr-HR" dirty="0" err="1"/>
-              <a:t>layer</a:t>
-            </a:r>
-            <a:r>
-              <a:rPr lang="hr-HR" dirty="0"/>
-              <a:t>)</a:t>
-            </a:r>
-            <a:endParaRPr lang="hr-HR" dirty="0"/>
-          </a:p>
-        </p:txBody>
-      </p:sp>
+        </p:nvPicPr>
+        <p:blipFill>
+          <a:blip r:embed="rId2">
+            <a:extLst>
+              <a:ext uri="{28A0092B-C50C-407E-A947-70E740481C1C}">
+                <a14:useLocalDpi xmlns:a14="http://schemas.microsoft.com/office/drawing/2010/main" val="0"/>
+              </a:ext>
+            </a:extLst>
+          </a:blip>
+          <a:stretch>
+            <a:fillRect/>
+          </a:stretch>
+        </p:blipFill>
+        <p:spPr>
+          <a:xfrm>
+            <a:off x="4602625" y="863600"/>
+            <a:ext cx="5847425" cy="5121275"/>
+          </a:xfrm>
+        </p:spPr>
+      </p:pic>
     </p:spTree>
     <p:extLst>
       <p:ext uri="{BB962C8B-B14F-4D97-AF65-F5344CB8AC3E}">
-        <p14:creationId xmlns:p14="http://schemas.microsoft.com/office/powerpoint/2010/main" val="2605713555"/>
+        <p14:creationId xmlns:p14="http://schemas.microsoft.com/office/powerpoint/2010/main" val="3420920508"/>
       </p:ext>
     </p:extLst>
   </p:cSld>
